--- a/webcast.pptx
+++ b/webcast.pptx
@@ -5,10 +5,10 @@
     <p:sldMasterId id="2147483648" r:id="rId8"/>
   </p:sldMasterIdLst>
   <p:notesMasterIdLst>
-    <p:notesMasterId r:id="rId26"/>
+    <p:notesMasterId r:id="rId30"/>
   </p:notesMasterIdLst>
   <p:handoutMasterIdLst>
-    <p:handoutMasterId r:id="rId27"/>
+    <p:handoutMasterId r:id="rId31"/>
   </p:handoutMasterIdLst>
   <p:sldIdLst>
     <p:sldId id="256" r:id="rId9"/>
@@ -27,7 +27,11 @@
     <p:sldId id="290" r:id="rId22"/>
     <p:sldId id="293" r:id="rId23"/>
     <p:sldId id="295" r:id="rId24"/>
-    <p:sldId id="292" r:id="rId25"/>
+    <p:sldId id="296" r:id="rId25"/>
+    <p:sldId id="297" r:id="rId26"/>
+    <p:sldId id="299" r:id="rId27"/>
+    <p:sldId id="298" r:id="rId28"/>
+    <p:sldId id="292" r:id="rId29"/>
   </p:sldIdLst>
   <p:sldSz cx="12192000" cy="6858000"/>
   <p:notesSz cx="6858000" cy="9144000"/>
@@ -832,6 +836,116 @@
     <p:extLst>
       <p:ext uri="{BB962C8B-B14F-4D97-AF65-F5344CB8AC3E}">
         <p14:creationId xmlns:p14="http://schemas.microsoft.com/office/powerpoint/2010/main" val="729798666"/>
+      </p:ext>
+    </p:extLst>
+  </p:cSld>
+  <p:clrMapOvr>
+    <a:masterClrMapping/>
+  </p:clrMapOvr>
+</p:notes>
+</file>
+
+<file path=ppt/notesSlides/notesSlide11.xml><?xml version="1.0" encoding="utf-8"?>
+<p:notes xmlns:a="http://schemas.openxmlformats.org/drawingml/2006/main" xmlns:r="http://schemas.openxmlformats.org/officeDocument/2006/relationships" xmlns:p="http://schemas.openxmlformats.org/presentationml/2006/main">
+  <p:cSld>
+    <p:spTree>
+      <p:nvGrpSpPr>
+        <p:cNvPr id="1" name=""/>
+        <p:cNvGrpSpPr/>
+        <p:nvPr/>
+      </p:nvGrpSpPr>
+      <p:grpSpPr>
+        <a:xfrm>
+          <a:off x="0" y="0"/>
+          <a:ext cx="0" cy="0"/>
+          <a:chOff x="0" y="0"/>
+          <a:chExt cx="0" cy="0"/>
+        </a:xfrm>
+      </p:grpSpPr>
+      <p:sp>
+        <p:nvSpPr>
+          <p:cNvPr id="2" name="Slide Image Placeholder 1"/>
+          <p:cNvSpPr>
+            <a:spLocks noGrp="1" noRot="1" noChangeAspect="1"/>
+          </p:cNvSpPr>
+          <p:nvPr>
+            <p:ph type="sldImg"/>
+          </p:nvPr>
+        </p:nvSpPr>
+        <p:spPr/>
+      </p:sp>
+      <p:sp>
+        <p:nvSpPr>
+          <p:cNvPr id="3" name="Notes Placeholder 2"/>
+          <p:cNvSpPr>
+            <a:spLocks noGrp="1"/>
+          </p:cNvSpPr>
+          <p:nvPr>
+            <p:ph type="body" idx="1"/>
+          </p:nvPr>
+        </p:nvSpPr>
+        <p:spPr/>
+        <p:txBody>
+          <a:bodyPr/>
+          <a:lstStyle/>
+          <a:p>
+            <a:pPr marL="0" marR="0" indent="0" algn="l" defTabSz="914214" rtl="0" eaLnBrk="1" fontAlgn="auto" latinLnBrk="0" hangingPunct="1">
+              <a:lnSpc>
+                <a:spcPct val="90000"/>
+              </a:lnSpc>
+              <a:spcBef>
+                <a:spcPts val="0"/>
+              </a:spcBef>
+              <a:spcAft>
+                <a:spcPts val="333"/>
+              </a:spcAft>
+              <a:buClrTx/>
+              <a:buSzTx/>
+              <a:buFontTx/>
+              <a:buNone/>
+              <a:tabLst/>
+              <a:defRPr/>
+            </a:pPr>
+            <a:endParaRPr lang="en-US" dirty="0"/>
+          </a:p>
+        </p:txBody>
+      </p:sp>
+      <p:sp>
+        <p:nvSpPr>
+          <p:cNvPr id="4" name="Slide Number Placeholder 3"/>
+          <p:cNvSpPr>
+            <a:spLocks noGrp="1"/>
+          </p:cNvSpPr>
+          <p:nvPr>
+            <p:ph type="sldNum" sz="quarter" idx="10"/>
+          </p:nvPr>
+        </p:nvSpPr>
+        <p:spPr/>
+        <p:txBody>
+          <a:bodyPr/>
+          <a:lstStyle/>
+          <a:p>
+            <a:fld id="{8B263312-38AA-4E1E-B2B5-0F8F122B24FE}" type="slidenum">
+              <a:rPr lang="en-US" smtClean="0">
+                <a:solidFill>
+                  <a:prstClr val="black"/>
+                </a:solidFill>
+              </a:rPr>
+              <a:pPr/>
+              <a:t>19</a:t>
+            </a:fld>
+            <a:endParaRPr lang="en-US" dirty="0">
+              <a:solidFill>
+                <a:prstClr val="black"/>
+              </a:solidFill>
+            </a:endParaRPr>
+          </a:p>
+        </p:txBody>
+      </p:sp>
+    </p:spTree>
+    <p:extLst>
+      <p:ext uri="{BB962C8B-B14F-4D97-AF65-F5344CB8AC3E}">
+        <p14:creationId xmlns:p14="http://schemas.microsoft.com/office/powerpoint/2010/main" val="1179947774"/>
       </p:ext>
     </p:extLst>
   </p:cSld>
@@ -2429,6 +2543,66 @@
   <p:clrMapOvr>
     <a:masterClrMapping/>
   </p:clrMapOvr>
+</p:sldLayout>
+</file>
+
+<file path=ppt/slideLayouts/slideLayout14.xml><?xml version="1.0" encoding="utf-8"?>
+<p:sldLayout xmlns:a="http://schemas.openxmlformats.org/drawingml/2006/main" xmlns:r="http://schemas.openxmlformats.org/officeDocument/2006/relationships" xmlns:p="http://schemas.openxmlformats.org/presentationml/2006/main" userDrawn="1">
+  <p:cSld name="1_Title &amp; Content_with Subtitle">
+    <p:spTree>
+      <p:nvGrpSpPr>
+        <p:cNvPr id="1" name=""/>
+        <p:cNvGrpSpPr/>
+        <p:nvPr/>
+      </p:nvGrpSpPr>
+      <p:grpSpPr>
+        <a:xfrm>
+          <a:off x="0" y="0"/>
+          <a:ext cx="0" cy="0"/>
+          <a:chOff x="0" y="0"/>
+          <a:chExt cx="0" cy="0"/>
+        </a:xfrm>
+      </p:grpSpPr>
+      <p:sp>
+        <p:nvSpPr>
+          <p:cNvPr id="2" name="Title 1"/>
+          <p:cNvSpPr>
+            <a:spLocks noGrp="1"/>
+          </p:cNvSpPr>
+          <p:nvPr>
+            <p:ph type="title" hasCustomPrompt="1"/>
+          </p:nvPr>
+        </p:nvSpPr>
+        <p:spPr/>
+        <p:txBody>
+          <a:bodyPr/>
+          <a:lstStyle/>
+          <a:p>
+            <a:r>
+              <a:rPr lang="en-US" dirty="0" smtClean="0"/>
+              <a:t>Click to edit master title style</a:t>
+            </a:r>
+            <a:endParaRPr lang="en-US" dirty="0"/>
+          </a:p>
+        </p:txBody>
+      </p:sp>
+    </p:spTree>
+    <p:extLst>
+      <p:ext uri="{BB962C8B-B14F-4D97-AF65-F5344CB8AC3E}">
+        <p14:creationId xmlns:p14="http://schemas.microsoft.com/office/powerpoint/2010/main" val="2650496660"/>
+      </p:ext>
+    </p:extLst>
+  </p:cSld>
+  <p:clrMapOvr>
+    <a:masterClrMapping/>
+  </p:clrMapOvr>
+  <p:timing>
+    <p:tnLst>
+      <p:par>
+        <p:cTn id="1" dur="indefinite" restart="never" nodeType="tmRoot"/>
+      </p:par>
+    </p:tnLst>
+  </p:timing>
 </p:sldLayout>
 </file>
 
@@ -4570,6 +4744,7 @@
     <p:sldLayoutId id="2147483659" r:id="rId11"/>
     <p:sldLayoutId id="2147483660" r:id="rId12"/>
     <p:sldLayoutId id="2147483661" r:id="rId13"/>
+    <p:sldLayoutId id="2147483662" r:id="rId14"/>
   </p:sldLayoutIdLst>
   <p:txStyles>
     <p:titleStyle>
@@ -5461,7 +5636,7 @@
           <a:graphicData uri="http://schemas.openxmlformats.org/presentationml/2006/ole">
             <mc:AlternateContent xmlns:mc="http://schemas.openxmlformats.org/markup-compatibility/2006">
               <mc:Choice xmlns:v="urn:schemas-microsoft-com:vml" Requires="v">
-                <p:oleObj spid="_x0000_s2112" name="think-cell Slide" r:id="rId9" imgW="360" imgH="360" progId="">
+                <p:oleObj spid="_x0000_s2147" name="think-cell Slide" r:id="rId9" imgW="360" imgH="360" progId="">
                   <p:embed/>
                 </p:oleObj>
               </mc:Choice>
@@ -10272,7 +10447,7 @@
           <a:graphicData uri="http://schemas.openxmlformats.org/presentationml/2006/ole">
             <mc:AlternateContent xmlns:mc="http://schemas.openxmlformats.org/markup-compatibility/2006">
               <mc:Choice xmlns:v="urn:schemas-microsoft-com:vml" Requires="v">
-                <p:oleObj spid="_x0000_s3135" name="think-cell Slide" r:id="rId8" imgW="360" imgH="360" progId="">
+                <p:oleObj spid="_x0000_s3170" name="think-cell Slide" r:id="rId8" imgW="360" imgH="360" progId="">
                   <p:embed/>
                 </p:oleObj>
               </mc:Choice>
@@ -14124,7 +14299,7 @@
           <a:graphicData uri="http://schemas.openxmlformats.org/presentationml/2006/ole">
             <mc:AlternateContent xmlns:mc="http://schemas.openxmlformats.org/markup-compatibility/2006">
               <mc:Choice xmlns:v="urn:schemas-microsoft-com:vml" Requires="v">
-                <p:oleObj spid="_x0000_s4158" name="think-cell Slide" r:id="rId11" imgW="360" imgH="360" progId="">
+                <p:oleObj spid="_x0000_s4193" name="think-cell Slide" r:id="rId11" imgW="360" imgH="360" progId="">
                   <p:embed/>
                 </p:oleObj>
               </mc:Choice>
@@ -17262,16 +17437,7 @@
                 </a:solidFill>
                 <a:latin typeface="+mj-lt"/>
               </a:rPr>
-              <a:t>Dynamic </a:t>
-            </a:r>
-            <a:r>
-              <a:rPr lang="es-AR" sz="1500" b="1" i="1" dirty="0" err="1">
-                <a:solidFill>
-                  <a:schemeClr val="bg1"/>
-                </a:solidFill>
-                <a:latin typeface="+mj-lt"/>
-              </a:rPr>
-              <a:t>Packaging</a:t>
+              <a:t>Dynamic Packaging</a:t>
             </a:r>
             <a:r>
               <a:rPr lang="es-AR" sz="1500" b="1" dirty="0">
@@ -17280,7 +17446,25 @@
                 </a:solidFill>
                 <a:latin typeface="+mj-lt"/>
               </a:rPr>
-              <a:t> (dynamic </a:t>
+              <a:t> (</a:t>
+            </a:r>
+            <a:r>
+              <a:rPr lang="es-AR" sz="1500" b="1" dirty="0" err="1">
+                <a:solidFill>
+                  <a:schemeClr val="bg1"/>
+                </a:solidFill>
+                <a:latin typeface="+mj-lt"/>
+              </a:rPr>
+              <a:t>dynamic</a:t>
+            </a:r>
+            <a:r>
+              <a:rPr lang="es-AR" sz="1500" b="1" dirty="0">
+                <a:solidFill>
+                  <a:schemeClr val="bg1"/>
+                </a:solidFill>
+                <a:latin typeface="+mj-lt"/>
+              </a:rPr>
+              <a:t> </a:t>
             </a:r>
             <a:r>
               <a:rPr lang="es-AR" sz="1500" b="1" dirty="0" err="1">
@@ -18795,22 +18979,15 @@
                   <a:schemeClr val="bg1"/>
                 </a:solidFill>
               </a:rPr>
-              <a:t>Portal de Windows Azure</a:t>
+              <a:t>Portal de Windows </a:t>
             </a:r>
-            <a:br>
-              <a:rPr lang="en-US" sz="4400" dirty="0">
-                <a:solidFill>
-                  <a:schemeClr val="bg1"/>
-                </a:solidFill>
-              </a:rPr>
-            </a:br>
             <a:r>
               <a:rPr lang="en-US" sz="4400" dirty="0" smtClean="0">
                 <a:solidFill>
                   <a:schemeClr val="bg1"/>
                 </a:solidFill>
               </a:rPr>
-              <a:t>para </a:t>
+              <a:t>Azure para </a:t>
             </a:r>
             <a:r>
               <a:rPr lang="en-US" sz="4400" dirty="0">
@@ -20408,6 +20585,5087 @@
 <file path=ppt/slides/slide17.xml><?xml version="1.0" encoding="utf-8"?>
 <p:sld xmlns:a="http://schemas.openxmlformats.org/drawingml/2006/main" xmlns:r="http://schemas.openxmlformats.org/officeDocument/2006/relationships" xmlns:p="http://schemas.openxmlformats.org/presentationml/2006/main">
   <p:cSld>
+    <p:spTree>
+      <p:nvGrpSpPr>
+        <p:cNvPr id="1" name=""/>
+        <p:cNvGrpSpPr/>
+        <p:nvPr/>
+      </p:nvGrpSpPr>
+      <p:grpSpPr>
+        <a:xfrm>
+          <a:off x="0" y="0"/>
+          <a:ext cx="0" cy="0"/>
+          <a:chOff x="0" y="0"/>
+          <a:chExt cx="0" cy="0"/>
+        </a:xfrm>
+      </p:grpSpPr>
+      <p:sp>
+        <p:nvSpPr>
+          <p:cNvPr id="2" name="Title 1"/>
+          <p:cNvSpPr>
+            <a:spLocks noGrp="1"/>
+          </p:cNvSpPr>
+          <p:nvPr>
+            <p:ph type="title"/>
+          </p:nvPr>
+        </p:nvSpPr>
+        <p:spPr>
+          <a:xfrm>
+            <a:off x="289217" y="151346"/>
+            <a:ext cx="11655840" cy="899537"/>
+          </a:xfrm>
+        </p:spPr>
+        <p:txBody>
+          <a:bodyPr>
+            <a:normAutofit fontScale="90000"/>
+          </a:bodyPr>
+          <a:lstStyle/>
+          <a:p>
+            <a:r>
+              <a:rPr lang="es-AR" dirty="0" smtClean="0"/>
+              <a:t>Dynamic packaging</a:t>
+            </a:r>
+            <a:r>
+              <a:rPr lang="es-AR" sz="1961" dirty="0" smtClean="0"/>
+              <a:t/>
+            </a:r>
+            <a:br>
+              <a:rPr lang="es-AR" sz="1961" dirty="0" smtClean="0"/>
+            </a:br>
+            <a:r>
+              <a:rPr lang="es-AR" sz="1961" dirty="0" smtClean="0"/>
+              <a:t>Permite reutilizar el contenido ya </a:t>
+            </a:r>
+            <a:r>
+              <a:rPr lang="es-AR" sz="1961" i="1" dirty="0" smtClean="0"/>
+              <a:t>encodeado </a:t>
+            </a:r>
+            <a:r>
+              <a:rPr lang="es-AR" sz="1961" dirty="0" smtClean="0"/>
+              <a:t>y llevarlo a varios formatos de </a:t>
+            </a:r>
+            <a:r>
+              <a:rPr lang="es-AR" sz="1961" dirty="0" err="1" smtClean="0"/>
+              <a:t>streaming</a:t>
+            </a:r>
+            <a:r>
+              <a:rPr lang="es-AR" sz="1961" dirty="0" smtClean="0"/>
+              <a:t> sin </a:t>
+            </a:r>
+            <a:r>
+              <a:rPr lang="es-AR" sz="1961" i="1" dirty="0" err="1" smtClean="0"/>
+              <a:t>repackagear</a:t>
+            </a:r>
+            <a:r>
+              <a:rPr lang="es-AR" sz="1961" dirty="0" smtClean="0"/>
+              <a:t> el contenido  .</a:t>
+            </a:r>
+            <a:endParaRPr lang="es-AR" sz="1961" dirty="0"/>
+          </a:p>
+        </p:txBody>
+      </p:sp>
+      <p:pic>
+        <p:nvPicPr>
+          <p:cNvPr id="3" name="Picture 2"/>
+          <p:cNvPicPr>
+            <a:picLocks noChangeAspect="1"/>
+          </p:cNvPicPr>
+          <p:nvPr/>
+        </p:nvPicPr>
+        <p:blipFill>
+          <a:blip r:embed="rId2"/>
+          <a:stretch>
+            <a:fillRect/>
+          </a:stretch>
+        </p:blipFill>
+        <p:spPr>
+          <a:xfrm>
+            <a:off x="7125670" y="2386019"/>
+            <a:ext cx="412508" cy="336623"/>
+          </a:xfrm>
+          <a:prstGeom prst="rect">
+            <a:avLst/>
+          </a:prstGeom>
+        </p:spPr>
+      </p:pic>
+      <p:pic>
+        <p:nvPicPr>
+          <p:cNvPr id="4" name="Picture 3"/>
+          <p:cNvPicPr>
+            <a:picLocks noChangeAspect="1"/>
+          </p:cNvPicPr>
+          <p:nvPr/>
+        </p:nvPicPr>
+        <p:blipFill>
+          <a:blip r:embed="rId2"/>
+          <a:stretch>
+            <a:fillRect/>
+          </a:stretch>
+        </p:blipFill>
+        <p:spPr>
+          <a:xfrm>
+            <a:off x="7162289" y="1411191"/>
+            <a:ext cx="412508" cy="336623"/>
+          </a:xfrm>
+          <a:prstGeom prst="rect">
+            <a:avLst/>
+          </a:prstGeom>
+        </p:spPr>
+      </p:pic>
+      <p:pic>
+        <p:nvPicPr>
+          <p:cNvPr id="5" name="Picture 4"/>
+          <p:cNvPicPr>
+            <a:picLocks noChangeAspect="1"/>
+          </p:cNvPicPr>
+          <p:nvPr/>
+        </p:nvPicPr>
+        <p:blipFill>
+          <a:blip r:embed="rId2"/>
+          <a:stretch>
+            <a:fillRect/>
+          </a:stretch>
+        </p:blipFill>
+        <p:spPr>
+          <a:xfrm>
+            <a:off x="4872615" y="1482426"/>
+            <a:ext cx="825016" cy="673246"/>
+          </a:xfrm>
+          <a:prstGeom prst="rect">
+            <a:avLst/>
+          </a:prstGeom>
+        </p:spPr>
+      </p:pic>
+      <p:pic>
+        <p:nvPicPr>
+          <p:cNvPr id="6" name="Picture 5"/>
+          <p:cNvPicPr>
+            <a:picLocks noChangeAspect="1"/>
+          </p:cNvPicPr>
+          <p:nvPr/>
+        </p:nvPicPr>
+        <p:blipFill>
+          <a:blip r:embed="rId3">
+            <a:extLst>
+              <a:ext uri="{28A0092B-C50C-407E-A947-70E740481C1C}">
+                <a14:useLocalDpi xmlns:a14="http://schemas.microsoft.com/office/drawing/2010/main" val="0"/>
+              </a:ext>
+            </a:extLst>
+          </a:blip>
+          <a:stretch>
+            <a:fillRect/>
+          </a:stretch>
+        </p:blipFill>
+        <p:spPr>
+          <a:xfrm>
+            <a:off x="4254059" y="1682540"/>
+            <a:ext cx="1072881" cy="1072881"/>
+          </a:xfrm>
+          <a:prstGeom prst="rect">
+            <a:avLst/>
+          </a:prstGeom>
+        </p:spPr>
+      </p:pic>
+      <p:pic>
+        <p:nvPicPr>
+          <p:cNvPr id="7" name="Picture 6"/>
+          <p:cNvPicPr>
+            <a:picLocks noChangeAspect="1"/>
+          </p:cNvPicPr>
+          <p:nvPr/>
+        </p:nvPicPr>
+        <p:blipFill>
+          <a:blip r:embed="rId4" cstate="print">
+            <a:extLst>
+              <a:ext uri="{28A0092B-C50C-407E-A947-70E740481C1C}">
+                <a14:useLocalDpi xmlns:a14="http://schemas.microsoft.com/office/drawing/2010/main" val="0"/>
+              </a:ext>
+            </a:extLst>
+          </a:blip>
+          <a:stretch>
+            <a:fillRect/>
+          </a:stretch>
+        </p:blipFill>
+        <p:spPr>
+          <a:xfrm>
+            <a:off x="2425716" y="1636676"/>
+            <a:ext cx="873854" cy="1184984"/>
+          </a:xfrm>
+          <a:prstGeom prst="rect">
+            <a:avLst/>
+          </a:prstGeom>
+        </p:spPr>
+      </p:pic>
+      <p:sp>
+        <p:nvSpPr>
+          <p:cNvPr id="8" name="TextBox 7"/>
+          <p:cNvSpPr txBox="1"/>
+          <p:nvPr/>
+        </p:nvSpPr>
+        <p:spPr>
+          <a:xfrm>
+            <a:off x="2016596" y="2755421"/>
+            <a:ext cx="1496756" cy="333617"/>
+          </a:xfrm>
+          <a:prstGeom prst="rect">
+            <a:avLst/>
+          </a:prstGeom>
+          <a:noFill/>
+        </p:spPr>
+        <p:txBody>
+          <a:bodyPr wrap="none" rtlCol="0">
+            <a:spAutoFit/>
+          </a:bodyPr>
+          <a:lstStyle>
+            <a:defPPr>
+              <a:defRPr lang="en-US"/>
+            </a:defPPr>
+            <a:lvl1pPr>
+              <a:defRPr sz="1600" b="1">
+                <a:latin typeface="Trebuchet MS" panose="020B0603020202020204" pitchFamily="34" charset="0"/>
+              </a:defRPr>
+            </a:lvl1pPr>
+          </a:lstStyle>
+          <a:p>
+            <a:r>
+              <a:rPr lang="en-US" sz="1568" dirty="0">
+                <a:solidFill>
+                  <a:schemeClr val="tx1">
+                    <a:lumMod val="65000"/>
+                    <a:lumOff val="35000"/>
+                  </a:schemeClr>
+                </a:solidFill>
+                <a:latin typeface="+mn-lt"/>
+              </a:rPr>
+              <a:t>Video sources</a:t>
+            </a:r>
+          </a:p>
+        </p:txBody>
+      </p:sp>
+      <p:cxnSp>
+        <p:nvCxnSpPr>
+          <p:cNvPr id="9" name="Straight Arrow Connector 8"/>
+          <p:cNvCxnSpPr/>
+          <p:nvPr/>
+        </p:nvCxnSpPr>
+        <p:spPr>
+          <a:xfrm flipV="1">
+            <a:off x="3347447" y="2216631"/>
+            <a:ext cx="815271" cy="12538"/>
+          </a:xfrm>
+          <a:prstGeom prst="straightConnector1">
+            <a:avLst/>
+          </a:prstGeom>
+          <a:ln>
+            <a:solidFill>
+              <a:schemeClr val="tx1"/>
+            </a:solidFill>
+            <a:tailEnd type="triangle"/>
+          </a:ln>
+        </p:spPr>
+        <p:style>
+          <a:lnRef idx="1">
+            <a:schemeClr val="accent4"/>
+          </a:lnRef>
+          <a:fillRef idx="0">
+            <a:schemeClr val="accent4"/>
+          </a:fillRef>
+          <a:effectRef idx="0">
+            <a:schemeClr val="accent4"/>
+          </a:effectRef>
+          <a:fontRef idx="minor">
+            <a:schemeClr val="tx1"/>
+          </a:fontRef>
+        </p:style>
+      </p:cxnSp>
+      <p:sp>
+        <p:nvSpPr>
+          <p:cNvPr id="10" name="TextBox 9"/>
+          <p:cNvSpPr txBox="1"/>
+          <p:nvPr/>
+        </p:nvSpPr>
+        <p:spPr>
+          <a:xfrm>
+            <a:off x="4009918" y="2755421"/>
+            <a:ext cx="1987275" cy="333617"/>
+          </a:xfrm>
+          <a:prstGeom prst="rect">
+            <a:avLst/>
+          </a:prstGeom>
+          <a:noFill/>
+        </p:spPr>
+        <p:txBody>
+          <a:bodyPr wrap="none" rtlCol="0">
+            <a:spAutoFit/>
+          </a:bodyPr>
+          <a:lstStyle/>
+          <a:p>
+            <a:r>
+              <a:rPr lang="en-US" sz="1568" b="1" dirty="0">
+                <a:solidFill>
+                  <a:schemeClr val="tx1">
+                    <a:lumMod val="65000"/>
+                    <a:lumOff val="35000"/>
+                  </a:schemeClr>
+                </a:solidFill>
+              </a:rPr>
+              <a:t>Multi-bitrates Mp4</a:t>
+            </a:r>
+            <a:endParaRPr lang="en-US" sz="1568" b="1" dirty="0">
+              <a:solidFill>
+                <a:schemeClr val="tx1">
+                  <a:lumMod val="65000"/>
+                  <a:lumOff val="35000"/>
+                </a:schemeClr>
+              </a:solidFill>
+            </a:endParaRPr>
+          </a:p>
+        </p:txBody>
+      </p:sp>
+      <p:sp>
+        <p:nvSpPr>
+          <p:cNvPr id="13" name="TextBox 12"/>
+          <p:cNvSpPr txBox="1"/>
+          <p:nvPr/>
+        </p:nvSpPr>
+        <p:spPr>
+          <a:xfrm>
+            <a:off x="8624681" y="2894976"/>
+            <a:ext cx="1453411" cy="333617"/>
+          </a:xfrm>
+          <a:prstGeom prst="rect">
+            <a:avLst/>
+          </a:prstGeom>
+          <a:noFill/>
+        </p:spPr>
+        <p:txBody>
+          <a:bodyPr wrap="none" rtlCol="0">
+            <a:spAutoFit/>
+          </a:bodyPr>
+          <a:lstStyle/>
+          <a:p>
+            <a:r>
+              <a:rPr lang="en-US" sz="1568" b="1" dirty="0">
+                <a:solidFill>
+                  <a:schemeClr val="tx1">
+                    <a:lumMod val="65000"/>
+                    <a:lumOff val="35000"/>
+                  </a:schemeClr>
+                </a:solidFill>
+              </a:rPr>
+              <a:t>Origin Server</a:t>
+            </a:r>
+            <a:endParaRPr lang="en-US" sz="1568" b="1" dirty="0">
+              <a:solidFill>
+                <a:schemeClr val="tx1">
+                  <a:lumMod val="65000"/>
+                  <a:lumOff val="35000"/>
+                </a:schemeClr>
+              </a:solidFill>
+            </a:endParaRPr>
+          </a:p>
+        </p:txBody>
+      </p:sp>
+      <p:pic>
+        <p:nvPicPr>
+          <p:cNvPr id="14" name="Picture 13"/>
+          <p:cNvPicPr>
+            <a:picLocks noChangeAspect="1"/>
+          </p:cNvPicPr>
+          <p:nvPr/>
+        </p:nvPicPr>
+        <p:blipFill>
+          <a:blip r:embed="rId3">
+            <a:extLst>
+              <a:ext uri="{28A0092B-C50C-407E-A947-70E740481C1C}">
+                <a14:useLocalDpi xmlns:a14="http://schemas.microsoft.com/office/drawing/2010/main" val="0"/>
+              </a:ext>
+            </a:extLst>
+          </a:blip>
+          <a:stretch>
+            <a:fillRect/>
+          </a:stretch>
+        </p:blipFill>
+        <p:spPr>
+          <a:xfrm>
+            <a:off x="6751127" y="1446986"/>
+            <a:ext cx="617416" cy="617416"/>
+          </a:xfrm>
+          <a:prstGeom prst="rect">
+            <a:avLst/>
+          </a:prstGeom>
+        </p:spPr>
+      </p:pic>
+      <p:pic>
+        <p:nvPicPr>
+          <p:cNvPr id="15" name="Picture 14"/>
+          <p:cNvPicPr>
+            <a:picLocks noChangeAspect="1"/>
+          </p:cNvPicPr>
+          <p:nvPr/>
+        </p:nvPicPr>
+        <p:blipFill>
+          <a:blip r:embed="rId3">
+            <a:extLst>
+              <a:ext uri="{28A0092B-C50C-407E-A947-70E740481C1C}">
+                <a14:useLocalDpi xmlns:a14="http://schemas.microsoft.com/office/drawing/2010/main" val="0"/>
+              </a:ext>
+            </a:extLst>
+          </a:blip>
+          <a:stretch>
+            <a:fillRect/>
+          </a:stretch>
+        </p:blipFill>
+        <p:spPr>
+          <a:xfrm>
+            <a:off x="6711537" y="2409382"/>
+            <a:ext cx="617416" cy="617416"/>
+          </a:xfrm>
+          <a:prstGeom prst="rect">
+            <a:avLst/>
+          </a:prstGeom>
+        </p:spPr>
+      </p:pic>
+      <p:sp>
+        <p:nvSpPr>
+          <p:cNvPr id="16" name="TextBox 15"/>
+          <p:cNvSpPr txBox="1"/>
+          <p:nvPr/>
+        </p:nvSpPr>
+        <p:spPr>
+          <a:xfrm>
+            <a:off x="7244035" y="1747813"/>
+            <a:ext cx="437940" cy="258212"/>
+          </a:xfrm>
+          <a:prstGeom prst="rect">
+            <a:avLst/>
+          </a:prstGeom>
+          <a:noFill/>
+        </p:spPr>
+        <p:txBody>
+          <a:bodyPr wrap="none" rtlCol="0">
+            <a:spAutoFit/>
+          </a:bodyPr>
+          <a:lstStyle/>
+          <a:p>
+            <a:r>
+              <a:rPr lang="en-US" sz="1078" b="1" dirty="0">
+                <a:solidFill>
+                  <a:schemeClr val="tx1">
+                    <a:lumMod val="65000"/>
+                    <a:lumOff val="35000"/>
+                  </a:schemeClr>
+                </a:solidFill>
+              </a:rPr>
+              <a:t>HLS</a:t>
+            </a:r>
+            <a:endParaRPr lang="en-US" sz="1078" b="1" dirty="0">
+              <a:solidFill>
+                <a:schemeClr val="tx1">
+                  <a:lumMod val="65000"/>
+                  <a:lumOff val="35000"/>
+                </a:schemeClr>
+              </a:solidFill>
+            </a:endParaRPr>
+          </a:p>
+        </p:txBody>
+      </p:sp>
+      <p:sp>
+        <p:nvSpPr>
+          <p:cNvPr id="17" name="TextBox 16"/>
+          <p:cNvSpPr txBox="1"/>
+          <p:nvPr/>
+        </p:nvSpPr>
+        <p:spPr>
+          <a:xfrm>
+            <a:off x="7150422" y="2675963"/>
+            <a:ext cx="824265" cy="409086"/>
+          </a:xfrm>
+          <a:prstGeom prst="rect">
+            <a:avLst/>
+          </a:prstGeom>
+          <a:noFill/>
+        </p:spPr>
+        <p:txBody>
+          <a:bodyPr wrap="none" rtlCol="0">
+            <a:spAutoFit/>
+          </a:bodyPr>
+          <a:lstStyle/>
+          <a:p>
+            <a:r>
+              <a:rPr lang="en-US" sz="1029" b="1" dirty="0">
+                <a:solidFill>
+                  <a:schemeClr val="tx1">
+                    <a:lumMod val="65000"/>
+                    <a:lumOff val="35000"/>
+                  </a:schemeClr>
+                </a:solidFill>
+              </a:rPr>
+              <a:t>Smooth </a:t>
+            </a:r>
+          </a:p>
+          <a:p>
+            <a:r>
+              <a:rPr lang="en-US" sz="1029" b="1" dirty="0">
+                <a:solidFill>
+                  <a:schemeClr val="tx1">
+                    <a:lumMod val="65000"/>
+                    <a:lumOff val="35000"/>
+                  </a:schemeClr>
+                </a:solidFill>
+              </a:rPr>
+              <a:t>Streaming</a:t>
+            </a:r>
+            <a:endParaRPr lang="en-US" sz="1029" b="1" dirty="0">
+              <a:solidFill>
+                <a:schemeClr val="tx1">
+                  <a:lumMod val="65000"/>
+                  <a:lumOff val="35000"/>
+                </a:schemeClr>
+              </a:solidFill>
+            </a:endParaRPr>
+          </a:p>
+        </p:txBody>
+      </p:sp>
+      <p:sp>
+        <p:nvSpPr>
+          <p:cNvPr id="19" name="Rectangle 18"/>
+          <p:cNvSpPr/>
+          <p:nvPr/>
+        </p:nvSpPr>
+        <p:spPr>
+          <a:xfrm>
+            <a:off x="3402482" y="1927441"/>
+            <a:ext cx="753732" cy="303481"/>
+          </a:xfrm>
+          <a:prstGeom prst="rect">
+            <a:avLst/>
+          </a:prstGeom>
+        </p:spPr>
+        <p:txBody>
+          <a:bodyPr wrap="none">
+            <a:spAutoFit/>
+          </a:bodyPr>
+          <a:lstStyle/>
+          <a:p>
+            <a:r>
+              <a:rPr lang="en-US" sz="1372" dirty="0">
+                <a:solidFill>
+                  <a:schemeClr val="tx1">
+                    <a:lumMod val="65000"/>
+                    <a:lumOff val="35000"/>
+                  </a:schemeClr>
+                </a:solidFill>
+              </a:rPr>
+              <a:t>Encode</a:t>
+            </a:r>
+            <a:endParaRPr lang="en-US" sz="1372" dirty="0"/>
+          </a:p>
+        </p:txBody>
+      </p:sp>
+      <p:sp>
+        <p:nvSpPr>
+          <p:cNvPr id="20" name="Rectangle 19"/>
+          <p:cNvSpPr/>
+          <p:nvPr/>
+        </p:nvSpPr>
+        <p:spPr>
+          <a:xfrm rot="20153923">
+            <a:off x="5864566" y="1712039"/>
+            <a:ext cx="813970" cy="301727"/>
+          </a:xfrm>
+          <a:prstGeom prst="rect">
+            <a:avLst/>
+          </a:prstGeom>
+        </p:spPr>
+        <p:txBody>
+          <a:bodyPr wrap="none">
+            <a:spAutoFit/>
+          </a:bodyPr>
+          <a:lstStyle/>
+          <a:p>
+            <a:r>
+              <a:rPr lang="en-US" sz="1372" dirty="0">
+                <a:solidFill>
+                  <a:schemeClr val="tx1">
+                    <a:lumMod val="65000"/>
+                    <a:lumOff val="35000"/>
+                  </a:schemeClr>
+                </a:solidFill>
+              </a:rPr>
+              <a:t>Package</a:t>
+            </a:r>
+            <a:endParaRPr lang="en-US" sz="1372" dirty="0"/>
+          </a:p>
+        </p:txBody>
+      </p:sp>
+      <p:pic>
+        <p:nvPicPr>
+          <p:cNvPr id="21" name="Picture 20"/>
+          <p:cNvPicPr>
+            <a:picLocks noChangeAspect="1"/>
+          </p:cNvPicPr>
+          <p:nvPr/>
+        </p:nvPicPr>
+        <p:blipFill>
+          <a:blip r:embed="rId2"/>
+          <a:stretch>
+            <a:fillRect/>
+          </a:stretch>
+        </p:blipFill>
+        <p:spPr>
+          <a:xfrm>
+            <a:off x="4824378" y="3520163"/>
+            <a:ext cx="825016" cy="673246"/>
+          </a:xfrm>
+          <a:prstGeom prst="rect">
+            <a:avLst/>
+          </a:prstGeom>
+        </p:spPr>
+      </p:pic>
+      <p:pic>
+        <p:nvPicPr>
+          <p:cNvPr id="22" name="Picture 21"/>
+          <p:cNvPicPr>
+            <a:picLocks noChangeAspect="1"/>
+          </p:cNvPicPr>
+          <p:nvPr/>
+        </p:nvPicPr>
+        <p:blipFill>
+          <a:blip r:embed="rId3">
+            <a:extLst>
+              <a:ext uri="{28A0092B-C50C-407E-A947-70E740481C1C}">
+                <a14:useLocalDpi xmlns:a14="http://schemas.microsoft.com/office/drawing/2010/main" val="0"/>
+              </a:ext>
+            </a:extLst>
+          </a:blip>
+          <a:stretch>
+            <a:fillRect/>
+          </a:stretch>
+        </p:blipFill>
+        <p:spPr>
+          <a:xfrm>
+            <a:off x="4205822" y="3720277"/>
+            <a:ext cx="1072881" cy="1072881"/>
+          </a:xfrm>
+          <a:prstGeom prst="rect">
+            <a:avLst/>
+          </a:prstGeom>
+        </p:spPr>
+      </p:pic>
+      <p:pic>
+        <p:nvPicPr>
+          <p:cNvPr id="23" name="Picture 22"/>
+          <p:cNvPicPr>
+            <a:picLocks noChangeAspect="1"/>
+          </p:cNvPicPr>
+          <p:nvPr/>
+        </p:nvPicPr>
+        <p:blipFill>
+          <a:blip r:embed="rId4" cstate="print">
+            <a:extLst>
+              <a:ext uri="{28A0092B-C50C-407E-A947-70E740481C1C}">
+                <a14:useLocalDpi xmlns:a14="http://schemas.microsoft.com/office/drawing/2010/main" val="0"/>
+              </a:ext>
+            </a:extLst>
+          </a:blip>
+          <a:stretch>
+            <a:fillRect/>
+          </a:stretch>
+        </p:blipFill>
+        <p:spPr>
+          <a:xfrm>
+            <a:off x="2377479" y="3674413"/>
+            <a:ext cx="873854" cy="1184984"/>
+          </a:xfrm>
+          <a:prstGeom prst="rect">
+            <a:avLst/>
+          </a:prstGeom>
+        </p:spPr>
+      </p:pic>
+      <p:sp>
+        <p:nvSpPr>
+          <p:cNvPr id="24" name="TextBox 23"/>
+          <p:cNvSpPr txBox="1"/>
+          <p:nvPr/>
+        </p:nvSpPr>
+        <p:spPr>
+          <a:xfrm>
+            <a:off x="1968359" y="4793158"/>
+            <a:ext cx="1496756" cy="333617"/>
+          </a:xfrm>
+          <a:prstGeom prst="rect">
+            <a:avLst/>
+          </a:prstGeom>
+          <a:noFill/>
+        </p:spPr>
+        <p:txBody>
+          <a:bodyPr wrap="none" rtlCol="0">
+            <a:spAutoFit/>
+          </a:bodyPr>
+          <a:lstStyle>
+            <a:defPPr>
+              <a:defRPr lang="en-US"/>
+            </a:defPPr>
+            <a:lvl1pPr>
+              <a:defRPr sz="1600" b="1">
+                <a:latin typeface="Trebuchet MS" panose="020B0603020202020204" pitchFamily="34" charset="0"/>
+              </a:defRPr>
+            </a:lvl1pPr>
+          </a:lstStyle>
+          <a:p>
+            <a:r>
+              <a:rPr lang="en-US" sz="1568" dirty="0">
+                <a:solidFill>
+                  <a:schemeClr val="tx1">
+                    <a:lumMod val="65000"/>
+                    <a:lumOff val="35000"/>
+                  </a:schemeClr>
+                </a:solidFill>
+                <a:latin typeface="+mn-lt"/>
+              </a:rPr>
+              <a:t>Video sources</a:t>
+            </a:r>
+          </a:p>
+        </p:txBody>
+      </p:sp>
+      <p:sp>
+        <p:nvSpPr>
+          <p:cNvPr id="26" name="TextBox 25"/>
+          <p:cNvSpPr txBox="1"/>
+          <p:nvPr/>
+        </p:nvSpPr>
+        <p:spPr>
+          <a:xfrm>
+            <a:off x="3961681" y="4793158"/>
+            <a:ext cx="1987275" cy="333617"/>
+          </a:xfrm>
+          <a:prstGeom prst="rect">
+            <a:avLst/>
+          </a:prstGeom>
+          <a:noFill/>
+        </p:spPr>
+        <p:txBody>
+          <a:bodyPr wrap="none" rtlCol="0">
+            <a:spAutoFit/>
+          </a:bodyPr>
+          <a:lstStyle/>
+          <a:p>
+            <a:r>
+              <a:rPr lang="en-US" sz="1568" b="1" dirty="0">
+                <a:solidFill>
+                  <a:schemeClr val="tx1">
+                    <a:lumMod val="65000"/>
+                    <a:lumOff val="35000"/>
+                  </a:schemeClr>
+                </a:solidFill>
+              </a:rPr>
+              <a:t>Multi-bitrates Mp4</a:t>
+            </a:r>
+            <a:endParaRPr lang="en-US" sz="1568" b="1" dirty="0">
+              <a:solidFill>
+                <a:schemeClr val="tx1">
+                  <a:lumMod val="65000"/>
+                  <a:lumOff val="35000"/>
+                </a:schemeClr>
+              </a:solidFill>
+            </a:endParaRPr>
+          </a:p>
+        </p:txBody>
+      </p:sp>
+      <p:pic>
+        <p:nvPicPr>
+          <p:cNvPr id="27" name="Picture 26"/>
+          <p:cNvPicPr>
+            <a:picLocks noChangeAspect="1"/>
+          </p:cNvPicPr>
+          <p:nvPr/>
+        </p:nvPicPr>
+        <p:blipFill>
+          <a:blip r:embed="rId5"/>
+          <a:stretch>
+            <a:fillRect/>
+          </a:stretch>
+        </p:blipFill>
+        <p:spPr>
+          <a:xfrm>
+            <a:off x="6766876" y="3475587"/>
+            <a:ext cx="720346" cy="1033533"/>
+          </a:xfrm>
+          <a:prstGeom prst="rect">
+            <a:avLst/>
+          </a:prstGeom>
+        </p:spPr>
+      </p:pic>
+      <p:sp>
+        <p:nvSpPr>
+          <p:cNvPr id="29" name="TextBox 28"/>
+          <p:cNvSpPr txBox="1"/>
+          <p:nvPr/>
+        </p:nvSpPr>
+        <p:spPr>
+          <a:xfrm>
+            <a:off x="6722148" y="5229200"/>
+            <a:ext cx="1298176" cy="333617"/>
+          </a:xfrm>
+          <a:prstGeom prst="rect">
+            <a:avLst/>
+          </a:prstGeom>
+          <a:noFill/>
+        </p:spPr>
+        <p:txBody>
+          <a:bodyPr wrap="none" rtlCol="0">
+            <a:spAutoFit/>
+          </a:bodyPr>
+          <a:lstStyle/>
+          <a:p>
+            <a:r>
+              <a:rPr lang="en-US" sz="1568" b="1" dirty="0">
+                <a:solidFill>
+                  <a:schemeClr val="tx1">
+                    <a:lumMod val="65000"/>
+                    <a:lumOff val="35000"/>
+                  </a:schemeClr>
+                </a:solidFill>
+                <a:latin typeface="+mj-lt"/>
+              </a:rPr>
+              <a:t>Origin Server</a:t>
+            </a:r>
+            <a:endParaRPr lang="en-US" sz="1568" b="1" dirty="0">
+              <a:solidFill>
+                <a:schemeClr val="tx1">
+                  <a:lumMod val="65000"/>
+                  <a:lumOff val="35000"/>
+                </a:schemeClr>
+              </a:solidFill>
+              <a:latin typeface="+mj-lt"/>
+            </a:endParaRPr>
+          </a:p>
+        </p:txBody>
+      </p:sp>
+      <p:pic>
+        <p:nvPicPr>
+          <p:cNvPr id="30" name="Picture 29"/>
+          <p:cNvPicPr>
+            <a:picLocks noChangeAspect="1"/>
+          </p:cNvPicPr>
+          <p:nvPr/>
+        </p:nvPicPr>
+        <p:blipFill>
+          <a:blip r:embed="rId3">
+            <a:extLst>
+              <a:ext uri="{28A0092B-C50C-407E-A947-70E740481C1C}">
+                <a14:useLocalDpi xmlns:a14="http://schemas.microsoft.com/office/drawing/2010/main" val="0"/>
+              </a:ext>
+            </a:extLst>
+          </a:blip>
+          <a:stretch>
+            <a:fillRect/>
+          </a:stretch>
+        </p:blipFill>
+        <p:spPr>
+          <a:xfrm>
+            <a:off x="7528819" y="3356992"/>
+            <a:ext cx="617416" cy="617416"/>
+          </a:xfrm>
+          <a:prstGeom prst="rect">
+            <a:avLst/>
+          </a:prstGeom>
+        </p:spPr>
+      </p:pic>
+      <p:pic>
+        <p:nvPicPr>
+          <p:cNvPr id="31" name="Picture 30"/>
+          <p:cNvPicPr>
+            <a:picLocks noChangeAspect="1"/>
+          </p:cNvPicPr>
+          <p:nvPr/>
+        </p:nvPicPr>
+        <p:blipFill>
+          <a:blip r:embed="rId3">
+            <a:extLst>
+              <a:ext uri="{28A0092B-C50C-407E-A947-70E740481C1C}">
+                <a14:useLocalDpi xmlns:a14="http://schemas.microsoft.com/office/drawing/2010/main" val="0"/>
+              </a:ext>
+            </a:extLst>
+          </a:blip>
+          <a:stretch>
+            <a:fillRect/>
+          </a:stretch>
+        </p:blipFill>
+        <p:spPr>
+          <a:xfrm>
+            <a:off x="7528819" y="4035884"/>
+            <a:ext cx="617416" cy="617416"/>
+          </a:xfrm>
+          <a:prstGeom prst="rect">
+            <a:avLst/>
+          </a:prstGeom>
+        </p:spPr>
+      </p:pic>
+      <p:sp>
+        <p:nvSpPr>
+          <p:cNvPr id="32" name="TextBox 31"/>
+          <p:cNvSpPr txBox="1"/>
+          <p:nvPr/>
+        </p:nvSpPr>
+        <p:spPr>
+          <a:xfrm>
+            <a:off x="8021726" y="3657819"/>
+            <a:ext cx="437940" cy="258212"/>
+          </a:xfrm>
+          <a:prstGeom prst="rect">
+            <a:avLst/>
+          </a:prstGeom>
+          <a:noFill/>
+        </p:spPr>
+        <p:txBody>
+          <a:bodyPr wrap="none" rtlCol="0">
+            <a:spAutoFit/>
+          </a:bodyPr>
+          <a:lstStyle/>
+          <a:p>
+            <a:r>
+              <a:rPr lang="en-US" sz="1078" b="1" dirty="0">
+                <a:solidFill>
+                  <a:schemeClr val="tx1">
+                    <a:lumMod val="65000"/>
+                    <a:lumOff val="35000"/>
+                  </a:schemeClr>
+                </a:solidFill>
+              </a:rPr>
+              <a:t>HLS</a:t>
+            </a:r>
+            <a:endParaRPr lang="en-US" sz="1078" b="1" dirty="0">
+              <a:solidFill>
+                <a:schemeClr val="tx1">
+                  <a:lumMod val="65000"/>
+                  <a:lumOff val="35000"/>
+                </a:schemeClr>
+              </a:solidFill>
+            </a:endParaRPr>
+          </a:p>
+        </p:txBody>
+      </p:sp>
+      <p:sp>
+        <p:nvSpPr>
+          <p:cNvPr id="33" name="TextBox 32"/>
+          <p:cNvSpPr txBox="1"/>
+          <p:nvPr/>
+        </p:nvSpPr>
+        <p:spPr>
+          <a:xfrm>
+            <a:off x="7967704" y="4302465"/>
+            <a:ext cx="824265" cy="409086"/>
+          </a:xfrm>
+          <a:prstGeom prst="rect">
+            <a:avLst/>
+          </a:prstGeom>
+          <a:noFill/>
+        </p:spPr>
+        <p:txBody>
+          <a:bodyPr wrap="none" rtlCol="0">
+            <a:spAutoFit/>
+          </a:bodyPr>
+          <a:lstStyle/>
+          <a:p>
+            <a:r>
+              <a:rPr lang="en-US" sz="1029" b="1" dirty="0">
+                <a:solidFill>
+                  <a:schemeClr val="tx1">
+                    <a:lumMod val="65000"/>
+                    <a:lumOff val="35000"/>
+                  </a:schemeClr>
+                </a:solidFill>
+              </a:rPr>
+              <a:t>Smooth </a:t>
+            </a:r>
+          </a:p>
+          <a:p>
+            <a:r>
+              <a:rPr lang="en-US" sz="1029" b="1" dirty="0">
+                <a:solidFill>
+                  <a:schemeClr val="tx1">
+                    <a:lumMod val="65000"/>
+                    <a:lumOff val="35000"/>
+                  </a:schemeClr>
+                </a:solidFill>
+              </a:rPr>
+              <a:t>Streaming</a:t>
+            </a:r>
+            <a:endParaRPr lang="en-US" sz="1029" b="1" dirty="0">
+              <a:solidFill>
+                <a:schemeClr val="tx1">
+                  <a:lumMod val="65000"/>
+                  <a:lumOff val="35000"/>
+                </a:schemeClr>
+              </a:solidFill>
+            </a:endParaRPr>
+          </a:p>
+        </p:txBody>
+      </p:sp>
+      <p:sp>
+        <p:nvSpPr>
+          <p:cNvPr id="34" name="Rectangle 33"/>
+          <p:cNvSpPr/>
+          <p:nvPr/>
+        </p:nvSpPr>
+        <p:spPr>
+          <a:xfrm>
+            <a:off x="6651325" y="3351844"/>
+            <a:ext cx="2148012" cy="2223190"/>
+          </a:xfrm>
+          <a:prstGeom prst="rect">
+            <a:avLst/>
+          </a:prstGeom>
+          <a:noFill/>
+          <a:ln w="12700">
+            <a:solidFill>
+              <a:schemeClr val="tx1">
+                <a:lumMod val="50000"/>
+                <a:lumOff val="50000"/>
+              </a:schemeClr>
+            </a:solidFill>
+            <a:prstDash val="sysDash"/>
+          </a:ln>
+        </p:spPr>
+        <p:style>
+          <a:lnRef idx="2">
+            <a:schemeClr val="accent1">
+              <a:shade val="50000"/>
+            </a:schemeClr>
+          </a:lnRef>
+          <a:fillRef idx="1">
+            <a:schemeClr val="accent1"/>
+          </a:fillRef>
+          <a:effectRef idx="0">
+            <a:schemeClr val="accent1"/>
+          </a:effectRef>
+          <a:fontRef idx="minor">
+            <a:schemeClr val="lt1"/>
+          </a:fontRef>
+        </p:style>
+        <p:txBody>
+          <a:bodyPr rtlCol="0" anchor="ctr"/>
+          <a:lstStyle/>
+          <a:p>
+            <a:pPr algn="ctr"/>
+            <a:endParaRPr lang="en-US" sz="1765"/>
+          </a:p>
+        </p:txBody>
+      </p:sp>
+      <p:sp>
+        <p:nvSpPr>
+          <p:cNvPr id="35" name="Rectangle 34"/>
+          <p:cNvSpPr/>
+          <p:nvPr/>
+        </p:nvSpPr>
+        <p:spPr>
+          <a:xfrm>
+            <a:off x="3402844" y="3961259"/>
+            <a:ext cx="753732" cy="303481"/>
+          </a:xfrm>
+          <a:prstGeom prst="rect">
+            <a:avLst/>
+          </a:prstGeom>
+        </p:spPr>
+        <p:txBody>
+          <a:bodyPr wrap="none">
+            <a:spAutoFit/>
+          </a:bodyPr>
+          <a:lstStyle/>
+          <a:p>
+            <a:r>
+              <a:rPr lang="en-US" sz="1372" dirty="0">
+                <a:solidFill>
+                  <a:schemeClr val="tx1">
+                    <a:lumMod val="65000"/>
+                    <a:lumOff val="35000"/>
+                  </a:schemeClr>
+                </a:solidFill>
+              </a:rPr>
+              <a:t>Encode</a:t>
+            </a:r>
+            <a:endParaRPr lang="en-US" sz="1372" dirty="0"/>
+          </a:p>
+        </p:txBody>
+      </p:sp>
+      <p:sp>
+        <p:nvSpPr>
+          <p:cNvPr id="36" name="Rectangle 35"/>
+          <p:cNvSpPr/>
+          <p:nvPr/>
+        </p:nvSpPr>
+        <p:spPr>
+          <a:xfrm>
+            <a:off x="5675985" y="3704295"/>
+            <a:ext cx="977320" cy="514628"/>
+          </a:xfrm>
+          <a:prstGeom prst="rect">
+            <a:avLst/>
+          </a:prstGeom>
+        </p:spPr>
+        <p:txBody>
+          <a:bodyPr wrap="none">
+            <a:spAutoFit/>
+          </a:bodyPr>
+          <a:lstStyle/>
+          <a:p>
+            <a:pPr algn="ctr"/>
+            <a:r>
+              <a:rPr lang="en-US" sz="1372" dirty="0">
+                <a:solidFill>
+                  <a:schemeClr val="tx1">
+                    <a:lumMod val="65000"/>
+                    <a:lumOff val="35000"/>
+                  </a:schemeClr>
+                </a:solidFill>
+              </a:rPr>
+              <a:t>Dynamic</a:t>
+            </a:r>
+          </a:p>
+          <a:p>
+            <a:pPr algn="ctr"/>
+            <a:r>
+              <a:rPr lang="en-US" sz="1372" dirty="0">
+                <a:solidFill>
+                  <a:schemeClr val="tx1">
+                    <a:lumMod val="65000"/>
+                    <a:lumOff val="35000"/>
+                  </a:schemeClr>
+                </a:solidFill>
+              </a:rPr>
+              <a:t>Packaging</a:t>
+            </a:r>
+            <a:endParaRPr lang="en-US" sz="1372" dirty="0"/>
+          </a:p>
+        </p:txBody>
+      </p:sp>
+      <p:sp>
+        <p:nvSpPr>
+          <p:cNvPr id="37" name="TextBox 36"/>
+          <p:cNvSpPr txBox="1"/>
+          <p:nvPr/>
+        </p:nvSpPr>
+        <p:spPr>
+          <a:xfrm>
+            <a:off x="329196" y="1228975"/>
+            <a:ext cx="4075731" cy="333617"/>
+          </a:xfrm>
+          <a:prstGeom prst="rect">
+            <a:avLst/>
+          </a:prstGeom>
+          <a:noFill/>
+        </p:spPr>
+        <p:txBody>
+          <a:bodyPr wrap="none" rtlCol="0">
+            <a:spAutoFit/>
+          </a:bodyPr>
+          <a:lstStyle/>
+          <a:p>
+            <a:r>
+              <a:rPr lang="es-AR" sz="1568" dirty="0" err="1" smtClean="0"/>
+              <a:t>Encode</a:t>
+            </a:r>
+            <a:r>
+              <a:rPr lang="es-AR" sz="1568" dirty="0" smtClean="0"/>
+              <a:t> and </a:t>
+            </a:r>
+            <a:r>
+              <a:rPr lang="es-AR" sz="1568" dirty="0" err="1" smtClean="0"/>
+              <a:t>Package</a:t>
+            </a:r>
+            <a:r>
+              <a:rPr lang="es-AR" sz="1568" dirty="0" smtClean="0"/>
+              <a:t> – </a:t>
+            </a:r>
+            <a:r>
+              <a:rPr lang="es-AR" sz="1568" dirty="0" err="1" smtClean="0"/>
+              <a:t>Workflow</a:t>
+            </a:r>
+            <a:r>
+              <a:rPr lang="es-AR" sz="1568" dirty="0" smtClean="0"/>
+              <a:t> tradicional</a:t>
+            </a:r>
+            <a:endParaRPr lang="es-AR" sz="1568" dirty="0"/>
+          </a:p>
+        </p:txBody>
+      </p:sp>
+      <p:sp>
+        <p:nvSpPr>
+          <p:cNvPr id="38" name="TextBox 37"/>
+          <p:cNvSpPr txBox="1"/>
+          <p:nvPr/>
+        </p:nvSpPr>
+        <p:spPr>
+          <a:xfrm>
+            <a:off x="329195" y="3325937"/>
+            <a:ext cx="2793329" cy="333617"/>
+          </a:xfrm>
+          <a:prstGeom prst="rect">
+            <a:avLst/>
+          </a:prstGeom>
+          <a:noFill/>
+        </p:spPr>
+        <p:txBody>
+          <a:bodyPr wrap="none" rtlCol="0">
+            <a:spAutoFit/>
+          </a:bodyPr>
+          <a:lstStyle/>
+          <a:p>
+            <a:r>
+              <a:rPr lang="en-US" sz="1568" dirty="0"/>
+              <a:t>Dynamic </a:t>
+            </a:r>
+            <a:r>
+              <a:rPr lang="en-US" sz="1568" dirty="0" smtClean="0"/>
+              <a:t>Packaging Workflow</a:t>
+            </a:r>
+            <a:endParaRPr lang="en-US" sz="1568" dirty="0"/>
+          </a:p>
+        </p:txBody>
+      </p:sp>
+      <p:cxnSp>
+        <p:nvCxnSpPr>
+          <p:cNvPr id="39" name="Straight Arrow Connector 38"/>
+          <p:cNvCxnSpPr/>
+          <p:nvPr/>
+        </p:nvCxnSpPr>
+        <p:spPr>
+          <a:xfrm rot="20153923" flipV="1">
+            <a:off x="5869029" y="1988184"/>
+            <a:ext cx="815271" cy="12538"/>
+          </a:xfrm>
+          <a:prstGeom prst="straightConnector1">
+            <a:avLst/>
+          </a:prstGeom>
+          <a:ln>
+            <a:solidFill>
+              <a:schemeClr val="tx1"/>
+            </a:solidFill>
+            <a:tailEnd type="triangle"/>
+          </a:ln>
+        </p:spPr>
+        <p:style>
+          <a:lnRef idx="1">
+            <a:schemeClr val="accent4"/>
+          </a:lnRef>
+          <a:fillRef idx="0">
+            <a:schemeClr val="accent4"/>
+          </a:fillRef>
+          <a:effectRef idx="0">
+            <a:schemeClr val="accent4"/>
+          </a:effectRef>
+          <a:fontRef idx="minor">
+            <a:schemeClr val="tx1"/>
+          </a:fontRef>
+        </p:style>
+      </p:cxnSp>
+      <p:cxnSp>
+        <p:nvCxnSpPr>
+          <p:cNvPr id="40" name="Straight Arrow Connector 39"/>
+          <p:cNvCxnSpPr/>
+          <p:nvPr/>
+        </p:nvCxnSpPr>
+        <p:spPr>
+          <a:xfrm flipV="1">
+            <a:off x="3382034" y="4250449"/>
+            <a:ext cx="815271" cy="12538"/>
+          </a:xfrm>
+          <a:prstGeom prst="straightConnector1">
+            <a:avLst/>
+          </a:prstGeom>
+          <a:ln>
+            <a:solidFill>
+              <a:schemeClr val="tx1"/>
+            </a:solidFill>
+            <a:tailEnd type="triangle"/>
+          </a:ln>
+        </p:spPr>
+        <p:style>
+          <a:lnRef idx="1">
+            <a:schemeClr val="accent4"/>
+          </a:lnRef>
+          <a:fillRef idx="0">
+            <a:schemeClr val="accent4"/>
+          </a:fillRef>
+          <a:effectRef idx="0">
+            <a:schemeClr val="accent4"/>
+          </a:effectRef>
+          <a:fontRef idx="minor">
+            <a:schemeClr val="tx1"/>
+          </a:fontRef>
+        </p:style>
+      </p:cxnSp>
+      <p:cxnSp>
+        <p:nvCxnSpPr>
+          <p:cNvPr id="41" name="Straight Arrow Connector 40"/>
+          <p:cNvCxnSpPr>
+            <a:endCxn id="34" idx="1"/>
+          </p:cNvCxnSpPr>
+          <p:nvPr/>
+        </p:nvCxnSpPr>
+        <p:spPr>
+          <a:xfrm>
+            <a:off x="5736636" y="4250450"/>
+            <a:ext cx="914689" cy="212989"/>
+          </a:xfrm>
+          <a:prstGeom prst="straightConnector1">
+            <a:avLst/>
+          </a:prstGeom>
+          <a:ln>
+            <a:solidFill>
+              <a:schemeClr val="tx1"/>
+            </a:solidFill>
+            <a:tailEnd type="triangle"/>
+          </a:ln>
+        </p:spPr>
+        <p:style>
+          <a:lnRef idx="1">
+            <a:schemeClr val="accent4"/>
+          </a:lnRef>
+          <a:fillRef idx="0">
+            <a:schemeClr val="accent4"/>
+          </a:fillRef>
+          <a:effectRef idx="0">
+            <a:schemeClr val="accent4"/>
+          </a:effectRef>
+          <a:fontRef idx="minor">
+            <a:schemeClr val="tx1"/>
+          </a:fontRef>
+        </p:style>
+      </p:cxnSp>
+      <p:sp>
+        <p:nvSpPr>
+          <p:cNvPr id="44" name="Rectangle 43"/>
+          <p:cNvSpPr/>
+          <p:nvPr/>
+        </p:nvSpPr>
+        <p:spPr>
+          <a:xfrm rot="2351307">
+            <a:off x="5754216" y="2390961"/>
+            <a:ext cx="813970" cy="301727"/>
+          </a:xfrm>
+          <a:prstGeom prst="rect">
+            <a:avLst/>
+          </a:prstGeom>
+        </p:spPr>
+        <p:txBody>
+          <a:bodyPr wrap="none">
+            <a:spAutoFit/>
+          </a:bodyPr>
+          <a:lstStyle/>
+          <a:p>
+            <a:r>
+              <a:rPr lang="en-US" sz="1372" dirty="0">
+                <a:solidFill>
+                  <a:schemeClr val="tx1">
+                    <a:lumMod val="65000"/>
+                    <a:lumOff val="35000"/>
+                  </a:schemeClr>
+                </a:solidFill>
+              </a:rPr>
+              <a:t>Package</a:t>
+            </a:r>
+            <a:endParaRPr lang="en-US" sz="1372" dirty="0"/>
+          </a:p>
+        </p:txBody>
+      </p:sp>
+      <p:cxnSp>
+        <p:nvCxnSpPr>
+          <p:cNvPr id="45" name="Straight Arrow Connector 44"/>
+          <p:cNvCxnSpPr/>
+          <p:nvPr/>
+        </p:nvCxnSpPr>
+        <p:spPr>
+          <a:xfrm rot="2351307" flipV="1">
+            <a:off x="5821305" y="2410672"/>
+            <a:ext cx="815271" cy="12538"/>
+          </a:xfrm>
+          <a:prstGeom prst="straightConnector1">
+            <a:avLst/>
+          </a:prstGeom>
+          <a:ln>
+            <a:solidFill>
+              <a:schemeClr val="tx1"/>
+            </a:solidFill>
+            <a:tailEnd type="triangle"/>
+          </a:ln>
+        </p:spPr>
+        <p:style>
+          <a:lnRef idx="1">
+            <a:schemeClr val="accent4"/>
+          </a:lnRef>
+          <a:fillRef idx="0">
+            <a:schemeClr val="accent4"/>
+          </a:fillRef>
+          <a:effectRef idx="0">
+            <a:schemeClr val="accent4"/>
+          </a:effectRef>
+          <a:fontRef idx="minor">
+            <a:schemeClr val="tx1"/>
+          </a:fontRef>
+        </p:style>
+      </p:cxnSp>
+      <p:cxnSp>
+        <p:nvCxnSpPr>
+          <p:cNvPr id="50" name="Straight Arrow Connector 49"/>
+          <p:cNvCxnSpPr/>
+          <p:nvPr/>
+        </p:nvCxnSpPr>
+        <p:spPr>
+          <a:xfrm>
+            <a:off x="7698992" y="1802495"/>
+            <a:ext cx="2592342" cy="168535"/>
+          </a:xfrm>
+          <a:prstGeom prst="straightConnector1">
+            <a:avLst/>
+          </a:prstGeom>
+          <a:ln>
+            <a:solidFill>
+              <a:schemeClr val="tx1"/>
+            </a:solidFill>
+            <a:tailEnd type="triangle"/>
+          </a:ln>
+        </p:spPr>
+        <p:style>
+          <a:lnRef idx="1">
+            <a:schemeClr val="accent4"/>
+          </a:lnRef>
+          <a:fillRef idx="0">
+            <a:schemeClr val="accent4"/>
+          </a:fillRef>
+          <a:effectRef idx="0">
+            <a:schemeClr val="accent4"/>
+          </a:effectRef>
+          <a:fontRef idx="minor">
+            <a:schemeClr val="tx1"/>
+          </a:fontRef>
+        </p:style>
+      </p:cxnSp>
+      <p:sp>
+        <p:nvSpPr>
+          <p:cNvPr id="52" name="TextBox 51"/>
+          <p:cNvSpPr txBox="1"/>
+          <p:nvPr/>
+        </p:nvSpPr>
+        <p:spPr>
+          <a:xfrm>
+            <a:off x="329196" y="5374957"/>
+            <a:ext cx="7603043" cy="646331"/>
+          </a:xfrm>
+          <a:prstGeom prst="rect">
+            <a:avLst/>
+          </a:prstGeom>
+          <a:noFill/>
+        </p:spPr>
+        <p:txBody>
+          <a:bodyPr wrap="none" rtlCol="0">
+            <a:spAutoFit/>
+          </a:bodyPr>
+          <a:lstStyle/>
+          <a:p>
+            <a:r>
+              <a:rPr lang="es-AR" dirty="0" smtClean="0">
+                <a:latin typeface="+mj-lt"/>
+              </a:rPr>
+              <a:t>Formato de Entrada: Mp4 o </a:t>
+            </a:r>
+            <a:r>
+              <a:rPr lang="es-AR" dirty="0" err="1" smtClean="0">
+                <a:latin typeface="+mj-lt"/>
+              </a:rPr>
+              <a:t>Smooth</a:t>
+            </a:r>
+            <a:r>
+              <a:rPr lang="es-AR" dirty="0" smtClean="0">
+                <a:latin typeface="+mj-lt"/>
+              </a:rPr>
+              <a:t> </a:t>
+            </a:r>
+            <a:r>
+              <a:rPr lang="es-AR" dirty="0" err="1" smtClean="0">
+                <a:latin typeface="+mj-lt"/>
+              </a:rPr>
+              <a:t>Streaming</a:t>
+            </a:r>
+            <a:r>
+              <a:rPr lang="es-AR" dirty="0" smtClean="0">
+                <a:latin typeface="+mj-lt"/>
+              </a:rPr>
+              <a:t> </a:t>
+            </a:r>
+          </a:p>
+          <a:p>
+            <a:r>
+              <a:rPr lang="es-AR" dirty="0" smtClean="0">
+                <a:latin typeface="+mj-lt"/>
+              </a:rPr>
+              <a:t>Formato de Salida: </a:t>
+            </a:r>
+            <a:r>
+              <a:rPr lang="es-AR" dirty="0" err="1" smtClean="0">
+                <a:latin typeface="+mj-lt"/>
+              </a:rPr>
+              <a:t>Smooth</a:t>
+            </a:r>
+            <a:r>
+              <a:rPr lang="es-AR" dirty="0" smtClean="0">
+                <a:latin typeface="+mj-lt"/>
+              </a:rPr>
+              <a:t> </a:t>
+            </a:r>
+            <a:r>
+              <a:rPr lang="es-AR" dirty="0" err="1" smtClean="0">
+                <a:latin typeface="+mj-lt"/>
+              </a:rPr>
+              <a:t>Streaming</a:t>
+            </a:r>
+            <a:r>
+              <a:rPr lang="es-AR" dirty="0" smtClean="0">
+                <a:latin typeface="+mj-lt"/>
+              </a:rPr>
+              <a:t>, Http-Live-</a:t>
+            </a:r>
+            <a:r>
+              <a:rPr lang="es-AR" dirty="0" err="1" smtClean="0">
+                <a:latin typeface="+mj-lt"/>
+              </a:rPr>
+              <a:t>Streaming</a:t>
+            </a:r>
+            <a:r>
+              <a:rPr lang="es-AR" dirty="0" smtClean="0">
+                <a:latin typeface="+mj-lt"/>
+              </a:rPr>
+              <a:t> v4 y MPEG-</a:t>
+            </a:r>
+            <a:r>
+              <a:rPr lang="es-AR" dirty="0" err="1" smtClean="0">
+                <a:latin typeface="+mj-lt"/>
+              </a:rPr>
+              <a:t>Dash</a:t>
+            </a:r>
+            <a:endParaRPr lang="es-AR" dirty="0">
+              <a:latin typeface="+mj-lt"/>
+            </a:endParaRPr>
+          </a:p>
+        </p:txBody>
+      </p:sp>
+      <p:pic>
+        <p:nvPicPr>
+          <p:cNvPr id="1026" name="Picture 2" descr="http://upload.wikimedia.org/wikipedia/commons/6/6c/IOS.png"/>
+          <p:cNvPicPr>
+            <a:picLocks noChangeAspect="1" noChangeArrowheads="1"/>
+          </p:cNvPicPr>
+          <p:nvPr/>
+        </p:nvPicPr>
+        <p:blipFill>
+          <a:blip r:embed="rId6" cstate="print">
+            <a:extLst>
+              <a:ext uri="{28A0092B-C50C-407E-A947-70E740481C1C}">
+                <a14:useLocalDpi xmlns:a14="http://schemas.microsoft.com/office/drawing/2010/main" val="0"/>
+              </a:ext>
+            </a:extLst>
+          </a:blip>
+          <a:srcRect/>
+          <a:stretch>
+            <a:fillRect/>
+          </a:stretch>
+        </p:blipFill>
+        <p:spPr bwMode="auto">
+          <a:xfrm>
+            <a:off x="10610207" y="1376883"/>
+            <a:ext cx="503074" cy="330672"/>
+          </a:xfrm>
+          <a:prstGeom prst="rect">
+            <a:avLst/>
+          </a:prstGeom>
+          <a:noFill/>
+          <a:extLst>
+            <a:ext uri="{909E8E84-426E-40DD-AFC4-6F175D3DCCD1}">
+              <a14:hiddenFill xmlns:a14="http://schemas.microsoft.com/office/drawing/2010/main">
+                <a:solidFill>
+                  <a:srgbClr val="FFFFFF"/>
+                </a:solidFill>
+              </a14:hiddenFill>
+            </a:ext>
+          </a:extLst>
+        </p:spPr>
+      </p:pic>
+      <p:pic>
+        <p:nvPicPr>
+          <p:cNvPr id="1028" name="Picture 4" descr="http://upload.wikimedia.org/wikipedia/commons/6/66/Android_robot.png"/>
+          <p:cNvPicPr>
+            <a:picLocks noChangeAspect="1" noChangeArrowheads="1"/>
+          </p:cNvPicPr>
+          <p:nvPr/>
+        </p:nvPicPr>
+        <p:blipFill>
+          <a:blip r:embed="rId7" cstate="print">
+            <a:extLst>
+              <a:ext uri="{28A0092B-C50C-407E-A947-70E740481C1C}">
+                <a14:useLocalDpi xmlns:a14="http://schemas.microsoft.com/office/drawing/2010/main" val="0"/>
+              </a:ext>
+            </a:extLst>
+          </a:blip>
+          <a:srcRect/>
+          <a:stretch>
+            <a:fillRect/>
+          </a:stretch>
+        </p:blipFill>
+        <p:spPr bwMode="auto">
+          <a:xfrm flipH="1">
+            <a:off x="10672210" y="1760404"/>
+            <a:ext cx="341527" cy="406229"/>
+          </a:xfrm>
+          <a:prstGeom prst="rect">
+            <a:avLst/>
+          </a:prstGeom>
+          <a:noFill/>
+          <a:extLst>
+            <a:ext uri="{909E8E84-426E-40DD-AFC4-6F175D3DCCD1}">
+              <a14:hiddenFill xmlns:a14="http://schemas.microsoft.com/office/drawing/2010/main">
+                <a:solidFill>
+                  <a:srgbClr val="FFFFFF"/>
+                </a:solidFill>
+              </a14:hiddenFill>
+            </a:ext>
+          </a:extLst>
+        </p:spPr>
+      </p:pic>
+      <p:cxnSp>
+        <p:nvCxnSpPr>
+          <p:cNvPr id="55" name="Straight Arrow Connector 54"/>
+          <p:cNvCxnSpPr/>
+          <p:nvPr/>
+        </p:nvCxnSpPr>
+        <p:spPr>
+          <a:xfrm flipV="1">
+            <a:off x="7698992" y="1570516"/>
+            <a:ext cx="2611536" cy="218915"/>
+          </a:xfrm>
+          <a:prstGeom prst="straightConnector1">
+            <a:avLst/>
+          </a:prstGeom>
+          <a:ln>
+            <a:solidFill>
+              <a:schemeClr val="tx1"/>
+            </a:solidFill>
+            <a:tailEnd type="triangle"/>
+          </a:ln>
+        </p:spPr>
+        <p:style>
+          <a:lnRef idx="1">
+            <a:schemeClr val="accent4"/>
+          </a:lnRef>
+          <a:fillRef idx="0">
+            <a:schemeClr val="accent4"/>
+          </a:fillRef>
+          <a:effectRef idx="0">
+            <a:schemeClr val="accent4"/>
+          </a:effectRef>
+          <a:fontRef idx="minor">
+            <a:schemeClr val="tx1"/>
+          </a:fontRef>
+        </p:style>
+      </p:cxnSp>
+      <p:pic>
+        <p:nvPicPr>
+          <p:cNvPr id="1030" name="Picture 6" descr="http://images.wikia.com/darksouls/images/9/91/Icon_xbox360.png"/>
+          <p:cNvPicPr>
+            <a:picLocks noChangeAspect="1" noChangeArrowheads="1"/>
+          </p:cNvPicPr>
+          <p:nvPr/>
+        </p:nvPicPr>
+        <p:blipFill>
+          <a:blip r:embed="rId8" cstate="print">
+            <a:extLst>
+              <a:ext uri="{28A0092B-C50C-407E-A947-70E740481C1C}">
+                <a14:useLocalDpi xmlns:a14="http://schemas.microsoft.com/office/drawing/2010/main" val="0"/>
+              </a:ext>
+            </a:extLst>
+          </a:blip>
+          <a:srcRect/>
+          <a:stretch>
+            <a:fillRect/>
+          </a:stretch>
+        </p:blipFill>
+        <p:spPr bwMode="auto">
+          <a:xfrm>
+            <a:off x="10672209" y="2355849"/>
+            <a:ext cx="361129" cy="361129"/>
+          </a:xfrm>
+          <a:prstGeom prst="rect">
+            <a:avLst/>
+          </a:prstGeom>
+          <a:noFill/>
+          <a:extLst>
+            <a:ext uri="{909E8E84-426E-40DD-AFC4-6F175D3DCCD1}">
+              <a14:hiddenFill xmlns:a14="http://schemas.microsoft.com/office/drawing/2010/main">
+                <a:solidFill>
+                  <a:srgbClr val="FFFFFF"/>
+                </a:solidFill>
+              </a14:hiddenFill>
+            </a:ext>
+          </a:extLst>
+        </p:spPr>
+      </p:pic>
+      <p:pic>
+        <p:nvPicPr>
+          <p:cNvPr id="1032" name="Picture 8" descr="http://upload.wikimedia.org/wikipedia/commons/c/c7/Windows_logo_-_2012.png"/>
+          <p:cNvPicPr>
+            <a:picLocks noChangeAspect="1" noChangeArrowheads="1"/>
+          </p:cNvPicPr>
+          <p:nvPr/>
+        </p:nvPicPr>
+        <p:blipFill>
+          <a:blip r:embed="rId9" cstate="print">
+            <a:extLst>
+              <a:ext uri="{28A0092B-C50C-407E-A947-70E740481C1C}">
+                <a14:useLocalDpi xmlns:a14="http://schemas.microsoft.com/office/drawing/2010/main" val="0"/>
+              </a:ext>
+            </a:extLst>
+          </a:blip>
+          <a:srcRect/>
+          <a:stretch>
+            <a:fillRect/>
+          </a:stretch>
+        </p:blipFill>
+        <p:spPr bwMode="auto">
+          <a:xfrm>
+            <a:off x="10729217" y="2821659"/>
+            <a:ext cx="285501" cy="313008"/>
+          </a:xfrm>
+          <a:prstGeom prst="rect">
+            <a:avLst/>
+          </a:prstGeom>
+          <a:noFill/>
+          <a:extLst>
+            <a:ext uri="{909E8E84-426E-40DD-AFC4-6F175D3DCCD1}">
+              <a14:hiddenFill xmlns:a14="http://schemas.microsoft.com/office/drawing/2010/main">
+                <a:solidFill>
+                  <a:srgbClr val="FFFFFF"/>
+                </a:solidFill>
+              </a14:hiddenFill>
+            </a:ext>
+          </a:extLst>
+        </p:spPr>
+      </p:pic>
+      <p:cxnSp>
+        <p:nvCxnSpPr>
+          <p:cNvPr id="62" name="Straight Arrow Connector 61"/>
+          <p:cNvCxnSpPr>
+            <a:stCxn id="32" idx="3"/>
+          </p:cNvCxnSpPr>
+          <p:nvPr/>
+        </p:nvCxnSpPr>
+        <p:spPr>
+          <a:xfrm flipV="1">
+            <a:off x="8459666" y="3615027"/>
+            <a:ext cx="1919708" cy="171898"/>
+          </a:xfrm>
+          <a:prstGeom prst="straightConnector1">
+            <a:avLst/>
+          </a:prstGeom>
+          <a:ln>
+            <a:solidFill>
+              <a:schemeClr val="tx1"/>
+            </a:solidFill>
+            <a:tailEnd type="triangle"/>
+          </a:ln>
+        </p:spPr>
+        <p:style>
+          <a:lnRef idx="1">
+            <a:schemeClr val="accent4"/>
+          </a:lnRef>
+          <a:fillRef idx="0">
+            <a:schemeClr val="accent4"/>
+          </a:fillRef>
+          <a:effectRef idx="0">
+            <a:schemeClr val="accent4"/>
+          </a:effectRef>
+          <a:fontRef idx="minor">
+            <a:schemeClr val="tx1"/>
+          </a:fontRef>
+        </p:style>
+      </p:cxnSp>
+      <p:cxnSp>
+        <p:nvCxnSpPr>
+          <p:cNvPr id="63" name="Straight Arrow Connector 62"/>
+          <p:cNvCxnSpPr>
+            <a:stCxn id="32" idx="3"/>
+          </p:cNvCxnSpPr>
+          <p:nvPr/>
+        </p:nvCxnSpPr>
+        <p:spPr>
+          <a:xfrm>
+            <a:off x="8459666" y="3786925"/>
+            <a:ext cx="1900513" cy="221147"/>
+          </a:xfrm>
+          <a:prstGeom prst="straightConnector1">
+            <a:avLst/>
+          </a:prstGeom>
+          <a:ln>
+            <a:solidFill>
+              <a:schemeClr val="tx1"/>
+            </a:solidFill>
+            <a:tailEnd type="triangle"/>
+          </a:ln>
+        </p:spPr>
+        <p:style>
+          <a:lnRef idx="1">
+            <a:schemeClr val="accent4"/>
+          </a:lnRef>
+          <a:fillRef idx="0">
+            <a:schemeClr val="accent4"/>
+          </a:fillRef>
+          <a:effectRef idx="0">
+            <a:schemeClr val="accent4"/>
+          </a:effectRef>
+          <a:fontRef idx="minor">
+            <a:schemeClr val="tx1"/>
+          </a:fontRef>
+        </p:style>
+      </p:cxnSp>
+      <p:pic>
+        <p:nvPicPr>
+          <p:cNvPr id="61" name="Picture 60"/>
+          <p:cNvPicPr>
+            <a:picLocks noChangeAspect="1"/>
+          </p:cNvPicPr>
+          <p:nvPr/>
+        </p:nvPicPr>
+        <p:blipFill>
+          <a:blip r:embed="rId10" cstate="print">
+            <a:duotone>
+              <a:prstClr val="black"/>
+              <a:schemeClr val="accent2">
+                <a:tint val="45000"/>
+                <a:satMod val="400000"/>
+              </a:schemeClr>
+            </a:duotone>
+            <a:extLst>
+              <a:ext uri="{28A0092B-C50C-407E-A947-70E740481C1C}">
+                <a14:useLocalDpi xmlns:a14="http://schemas.microsoft.com/office/drawing/2010/main" val="0"/>
+              </a:ext>
+            </a:extLst>
+          </a:blip>
+          <a:stretch>
+            <a:fillRect/>
+          </a:stretch>
+        </p:blipFill>
+        <p:spPr>
+          <a:xfrm>
+            <a:off x="417898" y="6082397"/>
+            <a:ext cx="586370" cy="586963"/>
+          </a:xfrm>
+          <a:prstGeom prst="rect">
+            <a:avLst/>
+          </a:prstGeom>
+        </p:spPr>
+      </p:pic>
+      <p:sp>
+        <p:nvSpPr>
+          <p:cNvPr id="1024" name="Rectangle 1023"/>
+          <p:cNvSpPr/>
+          <p:nvPr/>
+        </p:nvSpPr>
+        <p:spPr>
+          <a:xfrm>
+            <a:off x="1081542" y="6133327"/>
+            <a:ext cx="10832004" cy="454420"/>
+          </a:xfrm>
+          <a:prstGeom prst="rect">
+            <a:avLst/>
+          </a:prstGeom>
+        </p:spPr>
+        <p:txBody>
+          <a:bodyPr wrap="none">
+            <a:spAutoFit/>
+          </a:bodyPr>
+          <a:lstStyle/>
+          <a:p>
+            <a:r>
+              <a:rPr lang="es-AR" sz="2353" dirty="0" smtClean="0">
+                <a:solidFill>
+                  <a:srgbClr val="FF0000"/>
+                </a:solidFill>
+                <a:latin typeface="Calibri" panose="020F0502020204030204" pitchFamily="34" charset="0"/>
+              </a:rPr>
+              <a:t>Se necesita tener al menos 1 ‘</a:t>
+            </a:r>
+            <a:r>
+              <a:rPr lang="es-AR" sz="2353" dirty="0" err="1" smtClean="0">
+                <a:solidFill>
+                  <a:srgbClr val="FF0000"/>
+                </a:solidFill>
+                <a:latin typeface="Calibri" panose="020F0502020204030204" pitchFamily="34" charset="0"/>
+              </a:rPr>
+              <a:t>Reserved</a:t>
+            </a:r>
+            <a:r>
+              <a:rPr lang="es-AR" sz="2353" dirty="0" smtClean="0">
+                <a:solidFill>
+                  <a:srgbClr val="FF0000"/>
+                </a:solidFill>
+                <a:latin typeface="Calibri" panose="020F0502020204030204" pitchFamily="34" charset="0"/>
+              </a:rPr>
+              <a:t> </a:t>
+            </a:r>
+            <a:r>
+              <a:rPr lang="es-AR" sz="2353" dirty="0" err="1" smtClean="0">
+                <a:solidFill>
+                  <a:srgbClr val="FF0000"/>
+                </a:solidFill>
+                <a:latin typeface="Calibri" panose="020F0502020204030204" pitchFamily="34" charset="0"/>
+              </a:rPr>
+              <a:t>Streaming</a:t>
+            </a:r>
+            <a:r>
+              <a:rPr lang="es-AR" sz="2353" dirty="0" smtClean="0">
+                <a:solidFill>
+                  <a:srgbClr val="FF0000"/>
+                </a:solidFill>
+                <a:latin typeface="Calibri" panose="020F0502020204030204" pitchFamily="34" charset="0"/>
+              </a:rPr>
+              <a:t> </a:t>
+            </a:r>
+            <a:r>
+              <a:rPr lang="es-AR" sz="2353" dirty="0" err="1" smtClean="0">
+                <a:solidFill>
+                  <a:srgbClr val="FF0000"/>
+                </a:solidFill>
+                <a:latin typeface="Calibri" panose="020F0502020204030204" pitchFamily="34" charset="0"/>
+              </a:rPr>
+              <a:t>unit</a:t>
+            </a:r>
+            <a:r>
+              <a:rPr lang="es-AR" sz="2353" dirty="0" smtClean="0">
+                <a:solidFill>
+                  <a:srgbClr val="FF0000"/>
+                </a:solidFill>
+                <a:latin typeface="Calibri" panose="020F0502020204030204" pitchFamily="34" charset="0"/>
+              </a:rPr>
+              <a:t>’ para utilizar </a:t>
+            </a:r>
+            <a:r>
+              <a:rPr lang="es-AR" sz="2353" dirty="0" err="1" smtClean="0">
+                <a:solidFill>
+                  <a:srgbClr val="FF0000"/>
+                </a:solidFill>
+                <a:latin typeface="Calibri" panose="020F0502020204030204" pitchFamily="34" charset="0"/>
+              </a:rPr>
+              <a:t>dynamic</a:t>
+            </a:r>
+            <a:r>
+              <a:rPr lang="es-AR" sz="2353" dirty="0" smtClean="0">
+                <a:solidFill>
+                  <a:srgbClr val="FF0000"/>
+                </a:solidFill>
+                <a:latin typeface="Calibri" panose="020F0502020204030204" pitchFamily="34" charset="0"/>
+              </a:rPr>
+              <a:t> packaging</a:t>
+            </a:r>
+            <a:endParaRPr lang="es-AR" sz="2353" dirty="0">
+              <a:solidFill>
+                <a:srgbClr val="FF0000"/>
+              </a:solidFill>
+            </a:endParaRPr>
+          </a:p>
+        </p:txBody>
+      </p:sp>
+      <p:pic>
+        <p:nvPicPr>
+          <p:cNvPr id="69" name="Picture 2" descr="http://upload.wikimedia.org/wikipedia/commons/6/6c/IOS.png"/>
+          <p:cNvPicPr>
+            <a:picLocks noChangeAspect="1" noChangeArrowheads="1"/>
+          </p:cNvPicPr>
+          <p:nvPr/>
+        </p:nvPicPr>
+        <p:blipFill>
+          <a:blip r:embed="rId6" cstate="print">
+            <a:extLst>
+              <a:ext uri="{28A0092B-C50C-407E-A947-70E740481C1C}">
+                <a14:useLocalDpi xmlns:a14="http://schemas.microsoft.com/office/drawing/2010/main" val="0"/>
+              </a:ext>
+            </a:extLst>
+          </a:blip>
+          <a:srcRect/>
+          <a:stretch>
+            <a:fillRect/>
+          </a:stretch>
+        </p:blipFill>
+        <p:spPr bwMode="auto">
+          <a:xfrm>
+            <a:off x="10633486" y="3443079"/>
+            <a:ext cx="503074" cy="330672"/>
+          </a:xfrm>
+          <a:prstGeom prst="rect">
+            <a:avLst/>
+          </a:prstGeom>
+          <a:noFill/>
+          <a:extLst>
+            <a:ext uri="{909E8E84-426E-40DD-AFC4-6F175D3DCCD1}">
+              <a14:hiddenFill xmlns:a14="http://schemas.microsoft.com/office/drawing/2010/main">
+                <a:solidFill>
+                  <a:srgbClr val="FFFFFF"/>
+                </a:solidFill>
+              </a14:hiddenFill>
+            </a:ext>
+          </a:extLst>
+        </p:spPr>
+      </p:pic>
+      <p:pic>
+        <p:nvPicPr>
+          <p:cNvPr id="70" name="Picture 4" descr="http://upload.wikimedia.org/wikipedia/commons/6/66/Android_robot.png"/>
+          <p:cNvPicPr>
+            <a:picLocks noChangeAspect="1" noChangeArrowheads="1"/>
+          </p:cNvPicPr>
+          <p:nvPr/>
+        </p:nvPicPr>
+        <p:blipFill>
+          <a:blip r:embed="rId7" cstate="print">
+            <a:extLst>
+              <a:ext uri="{28A0092B-C50C-407E-A947-70E740481C1C}">
+                <a14:useLocalDpi xmlns:a14="http://schemas.microsoft.com/office/drawing/2010/main" val="0"/>
+              </a:ext>
+            </a:extLst>
+          </a:blip>
+          <a:srcRect/>
+          <a:stretch>
+            <a:fillRect/>
+          </a:stretch>
+        </p:blipFill>
+        <p:spPr bwMode="auto">
+          <a:xfrm flipH="1">
+            <a:off x="10695489" y="3826601"/>
+            <a:ext cx="341527" cy="406229"/>
+          </a:xfrm>
+          <a:prstGeom prst="rect">
+            <a:avLst/>
+          </a:prstGeom>
+          <a:noFill/>
+          <a:extLst>
+            <a:ext uri="{909E8E84-426E-40DD-AFC4-6F175D3DCCD1}">
+              <a14:hiddenFill xmlns:a14="http://schemas.microsoft.com/office/drawing/2010/main">
+                <a:solidFill>
+                  <a:srgbClr val="FFFFFF"/>
+                </a:solidFill>
+              </a14:hiddenFill>
+            </a:ext>
+          </a:extLst>
+        </p:spPr>
+      </p:pic>
+      <p:pic>
+        <p:nvPicPr>
+          <p:cNvPr id="71" name="Picture 6" descr="http://images.wikia.com/darksouls/images/9/91/Icon_xbox360.png"/>
+          <p:cNvPicPr>
+            <a:picLocks noChangeAspect="1" noChangeArrowheads="1"/>
+          </p:cNvPicPr>
+          <p:nvPr/>
+        </p:nvPicPr>
+        <p:blipFill>
+          <a:blip r:embed="rId8" cstate="print">
+            <a:extLst>
+              <a:ext uri="{28A0092B-C50C-407E-A947-70E740481C1C}">
+                <a14:useLocalDpi xmlns:a14="http://schemas.microsoft.com/office/drawing/2010/main" val="0"/>
+              </a:ext>
+            </a:extLst>
+          </a:blip>
+          <a:srcRect/>
+          <a:stretch>
+            <a:fillRect/>
+          </a:stretch>
+        </p:blipFill>
+        <p:spPr bwMode="auto">
+          <a:xfrm>
+            <a:off x="10695488" y="4422045"/>
+            <a:ext cx="361129" cy="361129"/>
+          </a:xfrm>
+          <a:prstGeom prst="rect">
+            <a:avLst/>
+          </a:prstGeom>
+          <a:noFill/>
+          <a:extLst>
+            <a:ext uri="{909E8E84-426E-40DD-AFC4-6F175D3DCCD1}">
+              <a14:hiddenFill xmlns:a14="http://schemas.microsoft.com/office/drawing/2010/main">
+                <a:solidFill>
+                  <a:srgbClr val="FFFFFF"/>
+                </a:solidFill>
+              </a14:hiddenFill>
+            </a:ext>
+          </a:extLst>
+        </p:spPr>
+      </p:pic>
+      <p:pic>
+        <p:nvPicPr>
+          <p:cNvPr id="72" name="Picture 8" descr="http://upload.wikimedia.org/wikipedia/commons/c/c7/Windows_logo_-_2012.png"/>
+          <p:cNvPicPr>
+            <a:picLocks noChangeAspect="1" noChangeArrowheads="1"/>
+          </p:cNvPicPr>
+          <p:nvPr/>
+        </p:nvPicPr>
+        <p:blipFill>
+          <a:blip r:embed="rId9" cstate="print">
+            <a:extLst>
+              <a:ext uri="{28A0092B-C50C-407E-A947-70E740481C1C}">
+                <a14:useLocalDpi xmlns:a14="http://schemas.microsoft.com/office/drawing/2010/main" val="0"/>
+              </a:ext>
+            </a:extLst>
+          </a:blip>
+          <a:srcRect/>
+          <a:stretch>
+            <a:fillRect/>
+          </a:stretch>
+        </p:blipFill>
+        <p:spPr bwMode="auto">
+          <a:xfrm>
+            <a:off x="10752496" y="4887856"/>
+            <a:ext cx="285501" cy="313008"/>
+          </a:xfrm>
+          <a:prstGeom prst="rect">
+            <a:avLst/>
+          </a:prstGeom>
+          <a:noFill/>
+          <a:extLst>
+            <a:ext uri="{909E8E84-426E-40DD-AFC4-6F175D3DCCD1}">
+              <a14:hiddenFill xmlns:a14="http://schemas.microsoft.com/office/drawing/2010/main">
+                <a:solidFill>
+                  <a:srgbClr val="FFFFFF"/>
+                </a:solidFill>
+              </a14:hiddenFill>
+            </a:ext>
+          </a:extLst>
+        </p:spPr>
+      </p:pic>
+      <p:cxnSp>
+        <p:nvCxnSpPr>
+          <p:cNvPr id="76" name="Straight Arrow Connector 75"/>
+          <p:cNvCxnSpPr/>
+          <p:nvPr/>
+        </p:nvCxnSpPr>
+        <p:spPr>
+          <a:xfrm flipV="1">
+            <a:off x="7767838" y="2513084"/>
+            <a:ext cx="2611536" cy="218915"/>
+          </a:xfrm>
+          <a:prstGeom prst="straightConnector1">
+            <a:avLst/>
+          </a:prstGeom>
+          <a:ln>
+            <a:solidFill>
+              <a:schemeClr val="tx1"/>
+            </a:solidFill>
+            <a:tailEnd type="triangle"/>
+          </a:ln>
+        </p:spPr>
+        <p:style>
+          <a:lnRef idx="1">
+            <a:schemeClr val="accent4"/>
+          </a:lnRef>
+          <a:fillRef idx="0">
+            <a:schemeClr val="accent4"/>
+          </a:fillRef>
+          <a:effectRef idx="0">
+            <a:schemeClr val="accent4"/>
+          </a:effectRef>
+          <a:fontRef idx="minor">
+            <a:schemeClr val="tx1"/>
+          </a:fontRef>
+        </p:style>
+      </p:cxnSp>
+      <p:cxnSp>
+        <p:nvCxnSpPr>
+          <p:cNvPr id="77" name="Straight Arrow Connector 76"/>
+          <p:cNvCxnSpPr/>
+          <p:nvPr/>
+        </p:nvCxnSpPr>
+        <p:spPr>
+          <a:xfrm>
+            <a:off x="7767837" y="2745196"/>
+            <a:ext cx="2592342" cy="168535"/>
+          </a:xfrm>
+          <a:prstGeom prst="straightConnector1">
+            <a:avLst/>
+          </a:prstGeom>
+          <a:ln>
+            <a:solidFill>
+              <a:schemeClr val="tx1"/>
+            </a:solidFill>
+            <a:tailEnd type="triangle"/>
+          </a:ln>
+        </p:spPr>
+        <p:style>
+          <a:lnRef idx="1">
+            <a:schemeClr val="accent4"/>
+          </a:lnRef>
+          <a:fillRef idx="0">
+            <a:schemeClr val="accent4"/>
+          </a:fillRef>
+          <a:effectRef idx="0">
+            <a:schemeClr val="accent4"/>
+          </a:effectRef>
+          <a:fontRef idx="minor">
+            <a:schemeClr val="tx1"/>
+          </a:fontRef>
+        </p:style>
+      </p:cxnSp>
+      <p:pic>
+        <p:nvPicPr>
+          <p:cNvPr id="11" name="Picture 10"/>
+          <p:cNvPicPr>
+            <a:picLocks noChangeAspect="1"/>
+          </p:cNvPicPr>
+          <p:nvPr/>
+        </p:nvPicPr>
+        <p:blipFill>
+          <a:blip r:embed="rId5"/>
+          <a:stretch>
+            <a:fillRect/>
+          </a:stretch>
+        </p:blipFill>
+        <p:spPr>
+          <a:xfrm>
+            <a:off x="8978025" y="1517700"/>
+            <a:ext cx="628185" cy="1444777"/>
+          </a:xfrm>
+          <a:prstGeom prst="rect">
+            <a:avLst/>
+          </a:prstGeom>
+        </p:spPr>
+      </p:pic>
+      <p:cxnSp>
+        <p:nvCxnSpPr>
+          <p:cNvPr id="81" name="Straight Arrow Connector 80"/>
+          <p:cNvCxnSpPr/>
+          <p:nvPr/>
+        </p:nvCxnSpPr>
+        <p:spPr>
+          <a:xfrm>
+            <a:off x="8627399" y="4435733"/>
+            <a:ext cx="1663935" cy="123957"/>
+          </a:xfrm>
+          <a:prstGeom prst="straightConnector1">
+            <a:avLst/>
+          </a:prstGeom>
+          <a:ln>
+            <a:solidFill>
+              <a:schemeClr val="tx1"/>
+            </a:solidFill>
+            <a:tailEnd type="triangle"/>
+          </a:ln>
+        </p:spPr>
+        <p:style>
+          <a:lnRef idx="1">
+            <a:schemeClr val="accent4"/>
+          </a:lnRef>
+          <a:fillRef idx="0">
+            <a:schemeClr val="accent4"/>
+          </a:fillRef>
+          <a:effectRef idx="0">
+            <a:schemeClr val="accent4"/>
+          </a:effectRef>
+          <a:fontRef idx="minor">
+            <a:schemeClr val="tx1"/>
+          </a:fontRef>
+        </p:style>
+      </p:cxnSp>
+      <p:cxnSp>
+        <p:nvCxnSpPr>
+          <p:cNvPr id="83" name="Straight Arrow Connector 82"/>
+          <p:cNvCxnSpPr/>
+          <p:nvPr/>
+        </p:nvCxnSpPr>
+        <p:spPr>
+          <a:xfrm>
+            <a:off x="8632584" y="4446185"/>
+            <a:ext cx="1776237" cy="567087"/>
+          </a:xfrm>
+          <a:prstGeom prst="straightConnector1">
+            <a:avLst/>
+          </a:prstGeom>
+          <a:ln>
+            <a:solidFill>
+              <a:schemeClr val="tx1"/>
+            </a:solidFill>
+            <a:tailEnd type="triangle"/>
+          </a:ln>
+        </p:spPr>
+        <p:style>
+          <a:lnRef idx="1">
+            <a:schemeClr val="accent4"/>
+          </a:lnRef>
+          <a:fillRef idx="0">
+            <a:schemeClr val="accent4"/>
+          </a:fillRef>
+          <a:effectRef idx="0">
+            <a:schemeClr val="accent4"/>
+          </a:effectRef>
+          <a:fontRef idx="minor">
+            <a:schemeClr val="tx1"/>
+          </a:fontRef>
+        </p:style>
+      </p:cxnSp>
+      <p:pic>
+        <p:nvPicPr>
+          <p:cNvPr id="64" name="Picture 63"/>
+          <p:cNvPicPr>
+            <a:picLocks noChangeAspect="1"/>
+          </p:cNvPicPr>
+          <p:nvPr/>
+        </p:nvPicPr>
+        <p:blipFill>
+          <a:blip r:embed="rId3">
+            <a:extLst>
+              <a:ext uri="{28A0092B-C50C-407E-A947-70E740481C1C}">
+                <a14:useLocalDpi xmlns:a14="http://schemas.microsoft.com/office/drawing/2010/main" val="0"/>
+              </a:ext>
+            </a:extLst>
+          </a:blip>
+          <a:stretch>
+            <a:fillRect/>
+          </a:stretch>
+        </p:blipFill>
+        <p:spPr>
+          <a:xfrm>
+            <a:off x="7523634" y="4614008"/>
+            <a:ext cx="617416" cy="617416"/>
+          </a:xfrm>
+          <a:prstGeom prst="rect">
+            <a:avLst/>
+          </a:prstGeom>
+        </p:spPr>
+      </p:pic>
+      <p:sp>
+        <p:nvSpPr>
+          <p:cNvPr id="65" name="TextBox 64"/>
+          <p:cNvSpPr txBox="1"/>
+          <p:nvPr/>
+        </p:nvSpPr>
+        <p:spPr>
+          <a:xfrm>
+            <a:off x="7962519" y="4880589"/>
+            <a:ext cx="550151" cy="250710"/>
+          </a:xfrm>
+          <a:prstGeom prst="rect">
+            <a:avLst/>
+          </a:prstGeom>
+          <a:noFill/>
+        </p:spPr>
+        <p:txBody>
+          <a:bodyPr wrap="none" rtlCol="0">
+            <a:spAutoFit/>
+          </a:bodyPr>
+          <a:lstStyle/>
+          <a:p>
+            <a:r>
+              <a:rPr lang="en-US" sz="1029" b="1" dirty="0" smtClean="0">
+                <a:solidFill>
+                  <a:schemeClr val="tx1">
+                    <a:lumMod val="65000"/>
+                    <a:lumOff val="35000"/>
+                  </a:schemeClr>
+                </a:solidFill>
+              </a:rPr>
+              <a:t>DASH</a:t>
+            </a:r>
+            <a:endParaRPr lang="en-US" sz="1029" b="1" dirty="0">
+              <a:solidFill>
+                <a:schemeClr val="tx1">
+                  <a:lumMod val="65000"/>
+                  <a:lumOff val="35000"/>
+                </a:schemeClr>
+              </a:solidFill>
+            </a:endParaRPr>
+          </a:p>
+        </p:txBody>
+      </p:sp>
+      <p:pic>
+        <p:nvPicPr>
+          <p:cNvPr id="25" name="Picture 24"/>
+          <p:cNvPicPr>
+            <a:picLocks noChangeAspect="1"/>
+          </p:cNvPicPr>
+          <p:nvPr/>
+        </p:nvPicPr>
+        <p:blipFill>
+          <a:blip r:embed="rId11"/>
+          <a:stretch>
+            <a:fillRect/>
+          </a:stretch>
+        </p:blipFill>
+        <p:spPr>
+          <a:xfrm>
+            <a:off x="10723796" y="5748161"/>
+            <a:ext cx="342900" cy="314325"/>
+          </a:xfrm>
+          <a:prstGeom prst="rect">
+            <a:avLst/>
+          </a:prstGeom>
+        </p:spPr>
+      </p:pic>
+      <p:pic>
+        <p:nvPicPr>
+          <p:cNvPr id="28" name="Picture 27"/>
+          <p:cNvPicPr>
+            <a:picLocks noChangeAspect="1"/>
+          </p:cNvPicPr>
+          <p:nvPr/>
+        </p:nvPicPr>
+        <p:blipFill>
+          <a:blip r:embed="rId12"/>
+          <a:stretch>
+            <a:fillRect/>
+          </a:stretch>
+        </p:blipFill>
+        <p:spPr>
+          <a:xfrm>
+            <a:off x="10713604" y="5321797"/>
+            <a:ext cx="371475" cy="314325"/>
+          </a:xfrm>
+          <a:prstGeom prst="rect">
+            <a:avLst/>
+          </a:prstGeom>
+        </p:spPr>
+      </p:pic>
+      <p:cxnSp>
+        <p:nvCxnSpPr>
+          <p:cNvPr id="66" name="Straight Arrow Connector 65"/>
+          <p:cNvCxnSpPr>
+            <a:stCxn id="65" idx="3"/>
+          </p:cNvCxnSpPr>
+          <p:nvPr/>
+        </p:nvCxnSpPr>
+        <p:spPr>
+          <a:xfrm>
+            <a:off x="8512670" y="5005944"/>
+            <a:ext cx="1866704" cy="433534"/>
+          </a:xfrm>
+          <a:prstGeom prst="straightConnector1">
+            <a:avLst/>
+          </a:prstGeom>
+          <a:ln>
+            <a:solidFill>
+              <a:schemeClr val="tx1"/>
+            </a:solidFill>
+            <a:tailEnd type="triangle"/>
+          </a:ln>
+        </p:spPr>
+        <p:style>
+          <a:lnRef idx="1">
+            <a:schemeClr val="accent4"/>
+          </a:lnRef>
+          <a:fillRef idx="0">
+            <a:schemeClr val="accent4"/>
+          </a:fillRef>
+          <a:effectRef idx="0">
+            <a:schemeClr val="accent4"/>
+          </a:effectRef>
+          <a:fontRef idx="minor">
+            <a:schemeClr val="tx1"/>
+          </a:fontRef>
+        </p:style>
+      </p:cxnSp>
+      <p:cxnSp>
+        <p:nvCxnSpPr>
+          <p:cNvPr id="67" name="Straight Arrow Connector 66"/>
+          <p:cNvCxnSpPr>
+            <a:stCxn id="65" idx="3"/>
+          </p:cNvCxnSpPr>
+          <p:nvPr/>
+        </p:nvCxnSpPr>
+        <p:spPr>
+          <a:xfrm>
+            <a:off x="8512670" y="5005944"/>
+            <a:ext cx="1847509" cy="894136"/>
+          </a:xfrm>
+          <a:prstGeom prst="straightConnector1">
+            <a:avLst/>
+          </a:prstGeom>
+          <a:ln>
+            <a:solidFill>
+              <a:schemeClr val="tx1"/>
+            </a:solidFill>
+            <a:tailEnd type="triangle"/>
+          </a:ln>
+        </p:spPr>
+        <p:style>
+          <a:lnRef idx="1">
+            <a:schemeClr val="accent4"/>
+          </a:lnRef>
+          <a:fillRef idx="0">
+            <a:schemeClr val="accent4"/>
+          </a:fillRef>
+          <a:effectRef idx="0">
+            <a:schemeClr val="accent4"/>
+          </a:effectRef>
+          <a:fontRef idx="minor">
+            <a:schemeClr val="tx1"/>
+          </a:fontRef>
+        </p:style>
+      </p:cxnSp>
+    </p:spTree>
+    <p:extLst>
+      <p:ext uri="{BB962C8B-B14F-4D97-AF65-F5344CB8AC3E}">
+        <p14:creationId xmlns:p14="http://schemas.microsoft.com/office/powerpoint/2010/main" val="339786981"/>
+      </p:ext>
+    </p:extLst>
+  </p:cSld>
+  <p:clrMapOvr>
+    <a:masterClrMapping/>
+  </p:clrMapOvr>
+  <mc:AlternateContent xmlns:mc="http://schemas.openxmlformats.org/markup-compatibility/2006">
+    <mc:Choice xmlns:p14="http://schemas.microsoft.com/office/powerpoint/2010/main" Requires="p14">
+      <p:transition p14:dur="0"/>
+    </mc:Choice>
+    <mc:Fallback>
+      <p:transition/>
+    </mc:Fallback>
+  </mc:AlternateContent>
+  <p:timing>
+    <p:tnLst>
+      <p:par>
+        <p:cTn id="1" dur="indefinite" restart="never" nodeType="tmRoot">
+          <p:childTnLst>
+            <p:seq concurrent="1" nextAc="seek">
+              <p:cTn id="2" dur="indefinite" nodeType="mainSeq">
+                <p:childTnLst>
+                  <p:par>
+                    <p:cTn id="3" fill="hold">
+                      <p:stCondLst>
+                        <p:cond delay="indefinite"/>
+                      </p:stCondLst>
+                      <p:childTnLst>
+                        <p:par>
+                          <p:cTn id="4" fill="hold">
+                            <p:stCondLst>
+                              <p:cond delay="0"/>
+                            </p:stCondLst>
+                            <p:childTnLst>
+                              <p:par>
+                                <p:cTn id="5" presetID="10" presetClass="entr" presetSubtype="0" fill="hold" grpId="0" nodeType="clickEffect">
+                                  <p:stCondLst>
+                                    <p:cond delay="0"/>
+                                  </p:stCondLst>
+                                  <p:childTnLst>
+                                    <p:set>
+                                      <p:cBhvr>
+                                        <p:cTn id="6" dur="1" fill="hold">
+                                          <p:stCondLst>
+                                            <p:cond delay="0"/>
+                                          </p:stCondLst>
+                                        </p:cTn>
+                                        <p:tgtEl>
+                                          <p:spTgt spid="37"/>
+                                        </p:tgtEl>
+                                        <p:attrNameLst>
+                                          <p:attrName>style.visibility</p:attrName>
+                                        </p:attrNameLst>
+                                      </p:cBhvr>
+                                      <p:to>
+                                        <p:strVal val="visible"/>
+                                      </p:to>
+                                    </p:set>
+                                    <p:animEffect transition="in" filter="fade">
+                                      <p:cBhvr>
+                                        <p:cTn id="7" dur="500"/>
+                                        <p:tgtEl>
+                                          <p:spTgt spid="37"/>
+                                        </p:tgtEl>
+                                      </p:cBhvr>
+                                    </p:animEffect>
+                                  </p:childTnLst>
+                                </p:cTn>
+                              </p:par>
+                            </p:childTnLst>
+                          </p:cTn>
+                        </p:par>
+                      </p:childTnLst>
+                    </p:cTn>
+                  </p:par>
+                  <p:par>
+                    <p:cTn id="8" fill="hold">
+                      <p:stCondLst>
+                        <p:cond delay="indefinite"/>
+                      </p:stCondLst>
+                      <p:childTnLst>
+                        <p:par>
+                          <p:cTn id="9" fill="hold">
+                            <p:stCondLst>
+                              <p:cond delay="0"/>
+                            </p:stCondLst>
+                            <p:childTnLst>
+                              <p:par>
+                                <p:cTn id="10" presetID="10" presetClass="entr" presetSubtype="0" fill="hold" nodeType="clickEffect">
+                                  <p:stCondLst>
+                                    <p:cond delay="0"/>
+                                  </p:stCondLst>
+                                  <p:childTnLst>
+                                    <p:set>
+                                      <p:cBhvr>
+                                        <p:cTn id="11" dur="1" fill="hold">
+                                          <p:stCondLst>
+                                            <p:cond delay="0"/>
+                                          </p:stCondLst>
+                                        </p:cTn>
+                                        <p:tgtEl>
+                                          <p:spTgt spid="7"/>
+                                        </p:tgtEl>
+                                        <p:attrNameLst>
+                                          <p:attrName>style.visibility</p:attrName>
+                                        </p:attrNameLst>
+                                      </p:cBhvr>
+                                      <p:to>
+                                        <p:strVal val="visible"/>
+                                      </p:to>
+                                    </p:set>
+                                    <p:animEffect transition="in" filter="fade">
+                                      <p:cBhvr>
+                                        <p:cTn id="12" dur="500"/>
+                                        <p:tgtEl>
+                                          <p:spTgt spid="7"/>
+                                        </p:tgtEl>
+                                      </p:cBhvr>
+                                    </p:animEffect>
+                                  </p:childTnLst>
+                                </p:cTn>
+                              </p:par>
+                              <p:par>
+                                <p:cTn id="13" presetID="10" presetClass="entr" presetSubtype="0" fill="hold" grpId="0" nodeType="withEffect">
+                                  <p:stCondLst>
+                                    <p:cond delay="0"/>
+                                  </p:stCondLst>
+                                  <p:childTnLst>
+                                    <p:set>
+                                      <p:cBhvr>
+                                        <p:cTn id="14" dur="1" fill="hold">
+                                          <p:stCondLst>
+                                            <p:cond delay="0"/>
+                                          </p:stCondLst>
+                                        </p:cTn>
+                                        <p:tgtEl>
+                                          <p:spTgt spid="8"/>
+                                        </p:tgtEl>
+                                        <p:attrNameLst>
+                                          <p:attrName>style.visibility</p:attrName>
+                                        </p:attrNameLst>
+                                      </p:cBhvr>
+                                      <p:to>
+                                        <p:strVal val="visible"/>
+                                      </p:to>
+                                    </p:set>
+                                    <p:animEffect transition="in" filter="fade">
+                                      <p:cBhvr>
+                                        <p:cTn id="15" dur="500"/>
+                                        <p:tgtEl>
+                                          <p:spTgt spid="8"/>
+                                        </p:tgtEl>
+                                      </p:cBhvr>
+                                    </p:animEffect>
+                                  </p:childTnLst>
+                                </p:cTn>
+                              </p:par>
+                            </p:childTnLst>
+                          </p:cTn>
+                        </p:par>
+                      </p:childTnLst>
+                    </p:cTn>
+                  </p:par>
+                  <p:par>
+                    <p:cTn id="16" fill="hold">
+                      <p:stCondLst>
+                        <p:cond delay="indefinite"/>
+                      </p:stCondLst>
+                      <p:childTnLst>
+                        <p:par>
+                          <p:cTn id="17" fill="hold">
+                            <p:stCondLst>
+                              <p:cond delay="0"/>
+                            </p:stCondLst>
+                            <p:childTnLst>
+                              <p:par>
+                                <p:cTn id="18" presetID="22" presetClass="entr" presetSubtype="8" fill="hold" nodeType="clickEffect">
+                                  <p:stCondLst>
+                                    <p:cond delay="0"/>
+                                  </p:stCondLst>
+                                  <p:childTnLst>
+                                    <p:set>
+                                      <p:cBhvr>
+                                        <p:cTn id="19" dur="1" fill="hold">
+                                          <p:stCondLst>
+                                            <p:cond delay="0"/>
+                                          </p:stCondLst>
+                                        </p:cTn>
+                                        <p:tgtEl>
+                                          <p:spTgt spid="9"/>
+                                        </p:tgtEl>
+                                        <p:attrNameLst>
+                                          <p:attrName>style.visibility</p:attrName>
+                                        </p:attrNameLst>
+                                      </p:cBhvr>
+                                      <p:to>
+                                        <p:strVal val="visible"/>
+                                      </p:to>
+                                    </p:set>
+                                    <p:animEffect transition="in" filter="wipe(left)">
+                                      <p:cBhvr>
+                                        <p:cTn id="20" dur="500"/>
+                                        <p:tgtEl>
+                                          <p:spTgt spid="9"/>
+                                        </p:tgtEl>
+                                      </p:cBhvr>
+                                    </p:animEffect>
+                                  </p:childTnLst>
+                                </p:cTn>
+                              </p:par>
+                              <p:par>
+                                <p:cTn id="21" presetID="10" presetClass="entr" presetSubtype="0" fill="hold" grpId="0" nodeType="withEffect">
+                                  <p:stCondLst>
+                                    <p:cond delay="0"/>
+                                  </p:stCondLst>
+                                  <p:childTnLst>
+                                    <p:set>
+                                      <p:cBhvr>
+                                        <p:cTn id="22" dur="1" fill="hold">
+                                          <p:stCondLst>
+                                            <p:cond delay="0"/>
+                                          </p:stCondLst>
+                                        </p:cTn>
+                                        <p:tgtEl>
+                                          <p:spTgt spid="19"/>
+                                        </p:tgtEl>
+                                        <p:attrNameLst>
+                                          <p:attrName>style.visibility</p:attrName>
+                                        </p:attrNameLst>
+                                      </p:cBhvr>
+                                      <p:to>
+                                        <p:strVal val="visible"/>
+                                      </p:to>
+                                    </p:set>
+                                    <p:animEffect transition="in" filter="fade">
+                                      <p:cBhvr>
+                                        <p:cTn id="23" dur="500"/>
+                                        <p:tgtEl>
+                                          <p:spTgt spid="19"/>
+                                        </p:tgtEl>
+                                      </p:cBhvr>
+                                    </p:animEffect>
+                                  </p:childTnLst>
+                                </p:cTn>
+                              </p:par>
+                            </p:childTnLst>
+                          </p:cTn>
+                        </p:par>
+                      </p:childTnLst>
+                    </p:cTn>
+                  </p:par>
+                  <p:par>
+                    <p:cTn id="24" fill="hold">
+                      <p:stCondLst>
+                        <p:cond delay="indefinite"/>
+                      </p:stCondLst>
+                      <p:childTnLst>
+                        <p:par>
+                          <p:cTn id="25" fill="hold">
+                            <p:stCondLst>
+                              <p:cond delay="0"/>
+                            </p:stCondLst>
+                            <p:childTnLst>
+                              <p:par>
+                                <p:cTn id="26" presetID="10" presetClass="entr" presetSubtype="0" fill="hold" nodeType="clickEffect">
+                                  <p:stCondLst>
+                                    <p:cond delay="0"/>
+                                  </p:stCondLst>
+                                  <p:childTnLst>
+                                    <p:set>
+                                      <p:cBhvr>
+                                        <p:cTn id="27" dur="1" fill="hold">
+                                          <p:stCondLst>
+                                            <p:cond delay="0"/>
+                                          </p:stCondLst>
+                                        </p:cTn>
+                                        <p:tgtEl>
+                                          <p:spTgt spid="6"/>
+                                        </p:tgtEl>
+                                        <p:attrNameLst>
+                                          <p:attrName>style.visibility</p:attrName>
+                                        </p:attrNameLst>
+                                      </p:cBhvr>
+                                      <p:to>
+                                        <p:strVal val="visible"/>
+                                      </p:to>
+                                    </p:set>
+                                    <p:animEffect transition="in" filter="fade">
+                                      <p:cBhvr>
+                                        <p:cTn id="28" dur="500"/>
+                                        <p:tgtEl>
+                                          <p:spTgt spid="6"/>
+                                        </p:tgtEl>
+                                      </p:cBhvr>
+                                    </p:animEffect>
+                                  </p:childTnLst>
+                                </p:cTn>
+                              </p:par>
+                              <p:par>
+                                <p:cTn id="29" presetID="10" presetClass="entr" presetSubtype="0" fill="hold" nodeType="withEffect">
+                                  <p:stCondLst>
+                                    <p:cond delay="0"/>
+                                  </p:stCondLst>
+                                  <p:childTnLst>
+                                    <p:set>
+                                      <p:cBhvr>
+                                        <p:cTn id="30" dur="1" fill="hold">
+                                          <p:stCondLst>
+                                            <p:cond delay="0"/>
+                                          </p:stCondLst>
+                                        </p:cTn>
+                                        <p:tgtEl>
+                                          <p:spTgt spid="5"/>
+                                        </p:tgtEl>
+                                        <p:attrNameLst>
+                                          <p:attrName>style.visibility</p:attrName>
+                                        </p:attrNameLst>
+                                      </p:cBhvr>
+                                      <p:to>
+                                        <p:strVal val="visible"/>
+                                      </p:to>
+                                    </p:set>
+                                    <p:animEffect transition="in" filter="fade">
+                                      <p:cBhvr>
+                                        <p:cTn id="31" dur="500"/>
+                                        <p:tgtEl>
+                                          <p:spTgt spid="5"/>
+                                        </p:tgtEl>
+                                      </p:cBhvr>
+                                    </p:animEffect>
+                                  </p:childTnLst>
+                                </p:cTn>
+                              </p:par>
+                              <p:par>
+                                <p:cTn id="32" presetID="10" presetClass="entr" presetSubtype="0" fill="hold" grpId="0" nodeType="withEffect">
+                                  <p:stCondLst>
+                                    <p:cond delay="0"/>
+                                  </p:stCondLst>
+                                  <p:childTnLst>
+                                    <p:set>
+                                      <p:cBhvr>
+                                        <p:cTn id="33" dur="1" fill="hold">
+                                          <p:stCondLst>
+                                            <p:cond delay="0"/>
+                                          </p:stCondLst>
+                                        </p:cTn>
+                                        <p:tgtEl>
+                                          <p:spTgt spid="10"/>
+                                        </p:tgtEl>
+                                        <p:attrNameLst>
+                                          <p:attrName>style.visibility</p:attrName>
+                                        </p:attrNameLst>
+                                      </p:cBhvr>
+                                      <p:to>
+                                        <p:strVal val="visible"/>
+                                      </p:to>
+                                    </p:set>
+                                    <p:animEffect transition="in" filter="fade">
+                                      <p:cBhvr>
+                                        <p:cTn id="34" dur="500"/>
+                                        <p:tgtEl>
+                                          <p:spTgt spid="10"/>
+                                        </p:tgtEl>
+                                      </p:cBhvr>
+                                    </p:animEffect>
+                                  </p:childTnLst>
+                                </p:cTn>
+                              </p:par>
+                            </p:childTnLst>
+                          </p:cTn>
+                        </p:par>
+                      </p:childTnLst>
+                    </p:cTn>
+                  </p:par>
+                  <p:par>
+                    <p:cTn id="35" fill="hold">
+                      <p:stCondLst>
+                        <p:cond delay="indefinite"/>
+                      </p:stCondLst>
+                      <p:childTnLst>
+                        <p:par>
+                          <p:cTn id="36" fill="hold">
+                            <p:stCondLst>
+                              <p:cond delay="0"/>
+                            </p:stCondLst>
+                            <p:childTnLst>
+                              <p:par>
+                                <p:cTn id="37" presetID="22" presetClass="entr" presetSubtype="8" fill="hold" nodeType="clickEffect">
+                                  <p:stCondLst>
+                                    <p:cond delay="0"/>
+                                  </p:stCondLst>
+                                  <p:childTnLst>
+                                    <p:set>
+                                      <p:cBhvr>
+                                        <p:cTn id="38" dur="1" fill="hold">
+                                          <p:stCondLst>
+                                            <p:cond delay="0"/>
+                                          </p:stCondLst>
+                                        </p:cTn>
+                                        <p:tgtEl>
+                                          <p:spTgt spid="39"/>
+                                        </p:tgtEl>
+                                        <p:attrNameLst>
+                                          <p:attrName>style.visibility</p:attrName>
+                                        </p:attrNameLst>
+                                      </p:cBhvr>
+                                      <p:to>
+                                        <p:strVal val="visible"/>
+                                      </p:to>
+                                    </p:set>
+                                    <p:animEffect transition="in" filter="wipe(left)">
+                                      <p:cBhvr>
+                                        <p:cTn id="39" dur="500"/>
+                                        <p:tgtEl>
+                                          <p:spTgt spid="39"/>
+                                        </p:tgtEl>
+                                      </p:cBhvr>
+                                    </p:animEffect>
+                                  </p:childTnLst>
+                                </p:cTn>
+                              </p:par>
+                              <p:par>
+                                <p:cTn id="40" presetID="10" presetClass="entr" presetSubtype="0" fill="hold" grpId="0" nodeType="withEffect">
+                                  <p:stCondLst>
+                                    <p:cond delay="0"/>
+                                  </p:stCondLst>
+                                  <p:childTnLst>
+                                    <p:set>
+                                      <p:cBhvr>
+                                        <p:cTn id="41" dur="1" fill="hold">
+                                          <p:stCondLst>
+                                            <p:cond delay="0"/>
+                                          </p:stCondLst>
+                                        </p:cTn>
+                                        <p:tgtEl>
+                                          <p:spTgt spid="20"/>
+                                        </p:tgtEl>
+                                        <p:attrNameLst>
+                                          <p:attrName>style.visibility</p:attrName>
+                                        </p:attrNameLst>
+                                      </p:cBhvr>
+                                      <p:to>
+                                        <p:strVal val="visible"/>
+                                      </p:to>
+                                    </p:set>
+                                    <p:animEffect transition="in" filter="fade">
+                                      <p:cBhvr>
+                                        <p:cTn id="42" dur="500"/>
+                                        <p:tgtEl>
+                                          <p:spTgt spid="20"/>
+                                        </p:tgtEl>
+                                      </p:cBhvr>
+                                    </p:animEffect>
+                                  </p:childTnLst>
+                                </p:cTn>
+                              </p:par>
+                              <p:par>
+                                <p:cTn id="43" presetID="22" presetClass="entr" presetSubtype="8" fill="hold" nodeType="withEffect">
+                                  <p:stCondLst>
+                                    <p:cond delay="0"/>
+                                  </p:stCondLst>
+                                  <p:childTnLst>
+                                    <p:set>
+                                      <p:cBhvr>
+                                        <p:cTn id="44" dur="1" fill="hold">
+                                          <p:stCondLst>
+                                            <p:cond delay="0"/>
+                                          </p:stCondLst>
+                                        </p:cTn>
+                                        <p:tgtEl>
+                                          <p:spTgt spid="45"/>
+                                        </p:tgtEl>
+                                        <p:attrNameLst>
+                                          <p:attrName>style.visibility</p:attrName>
+                                        </p:attrNameLst>
+                                      </p:cBhvr>
+                                      <p:to>
+                                        <p:strVal val="visible"/>
+                                      </p:to>
+                                    </p:set>
+                                    <p:animEffect transition="in" filter="wipe(left)">
+                                      <p:cBhvr>
+                                        <p:cTn id="45" dur="500"/>
+                                        <p:tgtEl>
+                                          <p:spTgt spid="45"/>
+                                        </p:tgtEl>
+                                      </p:cBhvr>
+                                    </p:animEffect>
+                                  </p:childTnLst>
+                                </p:cTn>
+                              </p:par>
+                              <p:par>
+                                <p:cTn id="46" presetID="10" presetClass="entr" presetSubtype="0" fill="hold" grpId="0" nodeType="withEffect">
+                                  <p:stCondLst>
+                                    <p:cond delay="0"/>
+                                  </p:stCondLst>
+                                  <p:childTnLst>
+                                    <p:set>
+                                      <p:cBhvr>
+                                        <p:cTn id="47" dur="1" fill="hold">
+                                          <p:stCondLst>
+                                            <p:cond delay="0"/>
+                                          </p:stCondLst>
+                                        </p:cTn>
+                                        <p:tgtEl>
+                                          <p:spTgt spid="44"/>
+                                        </p:tgtEl>
+                                        <p:attrNameLst>
+                                          <p:attrName>style.visibility</p:attrName>
+                                        </p:attrNameLst>
+                                      </p:cBhvr>
+                                      <p:to>
+                                        <p:strVal val="visible"/>
+                                      </p:to>
+                                    </p:set>
+                                    <p:animEffect transition="in" filter="fade">
+                                      <p:cBhvr>
+                                        <p:cTn id="48" dur="500"/>
+                                        <p:tgtEl>
+                                          <p:spTgt spid="44"/>
+                                        </p:tgtEl>
+                                      </p:cBhvr>
+                                    </p:animEffect>
+                                  </p:childTnLst>
+                                </p:cTn>
+                              </p:par>
+                            </p:childTnLst>
+                          </p:cTn>
+                        </p:par>
+                        <p:par>
+                          <p:cTn id="49" fill="hold">
+                            <p:stCondLst>
+                              <p:cond delay="500"/>
+                            </p:stCondLst>
+                            <p:childTnLst>
+                              <p:par>
+                                <p:cTn id="50" presetID="10" presetClass="entr" presetSubtype="0" fill="hold" nodeType="afterEffect">
+                                  <p:stCondLst>
+                                    <p:cond delay="0"/>
+                                  </p:stCondLst>
+                                  <p:childTnLst>
+                                    <p:set>
+                                      <p:cBhvr>
+                                        <p:cTn id="51" dur="1" fill="hold">
+                                          <p:stCondLst>
+                                            <p:cond delay="0"/>
+                                          </p:stCondLst>
+                                        </p:cTn>
+                                        <p:tgtEl>
+                                          <p:spTgt spid="14"/>
+                                        </p:tgtEl>
+                                        <p:attrNameLst>
+                                          <p:attrName>style.visibility</p:attrName>
+                                        </p:attrNameLst>
+                                      </p:cBhvr>
+                                      <p:to>
+                                        <p:strVal val="visible"/>
+                                      </p:to>
+                                    </p:set>
+                                    <p:animEffect transition="in" filter="fade">
+                                      <p:cBhvr>
+                                        <p:cTn id="52" dur="500"/>
+                                        <p:tgtEl>
+                                          <p:spTgt spid="14"/>
+                                        </p:tgtEl>
+                                      </p:cBhvr>
+                                    </p:animEffect>
+                                  </p:childTnLst>
+                                </p:cTn>
+                              </p:par>
+                              <p:par>
+                                <p:cTn id="53" presetID="10" presetClass="entr" presetSubtype="0" fill="hold" nodeType="withEffect">
+                                  <p:stCondLst>
+                                    <p:cond delay="0"/>
+                                  </p:stCondLst>
+                                  <p:childTnLst>
+                                    <p:set>
+                                      <p:cBhvr>
+                                        <p:cTn id="54" dur="1" fill="hold">
+                                          <p:stCondLst>
+                                            <p:cond delay="0"/>
+                                          </p:stCondLst>
+                                        </p:cTn>
+                                        <p:tgtEl>
+                                          <p:spTgt spid="4"/>
+                                        </p:tgtEl>
+                                        <p:attrNameLst>
+                                          <p:attrName>style.visibility</p:attrName>
+                                        </p:attrNameLst>
+                                      </p:cBhvr>
+                                      <p:to>
+                                        <p:strVal val="visible"/>
+                                      </p:to>
+                                    </p:set>
+                                    <p:animEffect transition="in" filter="fade">
+                                      <p:cBhvr>
+                                        <p:cTn id="55" dur="500"/>
+                                        <p:tgtEl>
+                                          <p:spTgt spid="4"/>
+                                        </p:tgtEl>
+                                      </p:cBhvr>
+                                    </p:animEffect>
+                                  </p:childTnLst>
+                                </p:cTn>
+                              </p:par>
+                              <p:par>
+                                <p:cTn id="56" presetID="10" presetClass="entr" presetSubtype="0" fill="hold" grpId="0" nodeType="withEffect">
+                                  <p:stCondLst>
+                                    <p:cond delay="0"/>
+                                  </p:stCondLst>
+                                  <p:childTnLst>
+                                    <p:set>
+                                      <p:cBhvr>
+                                        <p:cTn id="57" dur="1" fill="hold">
+                                          <p:stCondLst>
+                                            <p:cond delay="0"/>
+                                          </p:stCondLst>
+                                        </p:cTn>
+                                        <p:tgtEl>
+                                          <p:spTgt spid="16"/>
+                                        </p:tgtEl>
+                                        <p:attrNameLst>
+                                          <p:attrName>style.visibility</p:attrName>
+                                        </p:attrNameLst>
+                                      </p:cBhvr>
+                                      <p:to>
+                                        <p:strVal val="visible"/>
+                                      </p:to>
+                                    </p:set>
+                                    <p:animEffect transition="in" filter="fade">
+                                      <p:cBhvr>
+                                        <p:cTn id="58" dur="500"/>
+                                        <p:tgtEl>
+                                          <p:spTgt spid="16"/>
+                                        </p:tgtEl>
+                                      </p:cBhvr>
+                                    </p:animEffect>
+                                  </p:childTnLst>
+                                </p:cTn>
+                              </p:par>
+                              <p:par>
+                                <p:cTn id="59" presetID="10" presetClass="entr" presetSubtype="0" fill="hold" nodeType="withEffect">
+                                  <p:stCondLst>
+                                    <p:cond delay="0"/>
+                                  </p:stCondLst>
+                                  <p:childTnLst>
+                                    <p:set>
+                                      <p:cBhvr>
+                                        <p:cTn id="60" dur="1" fill="hold">
+                                          <p:stCondLst>
+                                            <p:cond delay="0"/>
+                                          </p:stCondLst>
+                                        </p:cTn>
+                                        <p:tgtEl>
+                                          <p:spTgt spid="15"/>
+                                        </p:tgtEl>
+                                        <p:attrNameLst>
+                                          <p:attrName>style.visibility</p:attrName>
+                                        </p:attrNameLst>
+                                      </p:cBhvr>
+                                      <p:to>
+                                        <p:strVal val="visible"/>
+                                      </p:to>
+                                    </p:set>
+                                    <p:animEffect transition="in" filter="fade">
+                                      <p:cBhvr>
+                                        <p:cTn id="61" dur="500"/>
+                                        <p:tgtEl>
+                                          <p:spTgt spid="15"/>
+                                        </p:tgtEl>
+                                      </p:cBhvr>
+                                    </p:animEffect>
+                                  </p:childTnLst>
+                                </p:cTn>
+                              </p:par>
+                              <p:par>
+                                <p:cTn id="62" presetID="10" presetClass="entr" presetSubtype="0" fill="hold" nodeType="withEffect">
+                                  <p:stCondLst>
+                                    <p:cond delay="0"/>
+                                  </p:stCondLst>
+                                  <p:childTnLst>
+                                    <p:set>
+                                      <p:cBhvr>
+                                        <p:cTn id="63" dur="1" fill="hold">
+                                          <p:stCondLst>
+                                            <p:cond delay="0"/>
+                                          </p:stCondLst>
+                                        </p:cTn>
+                                        <p:tgtEl>
+                                          <p:spTgt spid="3"/>
+                                        </p:tgtEl>
+                                        <p:attrNameLst>
+                                          <p:attrName>style.visibility</p:attrName>
+                                        </p:attrNameLst>
+                                      </p:cBhvr>
+                                      <p:to>
+                                        <p:strVal val="visible"/>
+                                      </p:to>
+                                    </p:set>
+                                    <p:animEffect transition="in" filter="fade">
+                                      <p:cBhvr>
+                                        <p:cTn id="64" dur="500"/>
+                                        <p:tgtEl>
+                                          <p:spTgt spid="3"/>
+                                        </p:tgtEl>
+                                      </p:cBhvr>
+                                    </p:animEffect>
+                                  </p:childTnLst>
+                                </p:cTn>
+                              </p:par>
+                              <p:par>
+                                <p:cTn id="65" presetID="10" presetClass="entr" presetSubtype="0" fill="hold" grpId="0" nodeType="withEffect">
+                                  <p:stCondLst>
+                                    <p:cond delay="0"/>
+                                  </p:stCondLst>
+                                  <p:childTnLst>
+                                    <p:set>
+                                      <p:cBhvr>
+                                        <p:cTn id="66" dur="1" fill="hold">
+                                          <p:stCondLst>
+                                            <p:cond delay="0"/>
+                                          </p:stCondLst>
+                                        </p:cTn>
+                                        <p:tgtEl>
+                                          <p:spTgt spid="17"/>
+                                        </p:tgtEl>
+                                        <p:attrNameLst>
+                                          <p:attrName>style.visibility</p:attrName>
+                                        </p:attrNameLst>
+                                      </p:cBhvr>
+                                      <p:to>
+                                        <p:strVal val="visible"/>
+                                      </p:to>
+                                    </p:set>
+                                    <p:animEffect transition="in" filter="fade">
+                                      <p:cBhvr>
+                                        <p:cTn id="67" dur="500"/>
+                                        <p:tgtEl>
+                                          <p:spTgt spid="17"/>
+                                        </p:tgtEl>
+                                      </p:cBhvr>
+                                    </p:animEffect>
+                                  </p:childTnLst>
+                                </p:cTn>
+                              </p:par>
+                            </p:childTnLst>
+                          </p:cTn>
+                        </p:par>
+                      </p:childTnLst>
+                    </p:cTn>
+                  </p:par>
+                  <p:par>
+                    <p:cTn id="68" fill="hold">
+                      <p:stCondLst>
+                        <p:cond delay="indefinite"/>
+                      </p:stCondLst>
+                      <p:childTnLst>
+                        <p:par>
+                          <p:cTn id="69" fill="hold">
+                            <p:stCondLst>
+                              <p:cond delay="0"/>
+                            </p:stCondLst>
+                            <p:childTnLst>
+                              <p:par>
+                                <p:cTn id="70" presetID="10" presetClass="entr" presetSubtype="0" fill="hold" nodeType="clickEffect">
+                                  <p:stCondLst>
+                                    <p:cond delay="0"/>
+                                  </p:stCondLst>
+                                  <p:childTnLst>
+                                    <p:set>
+                                      <p:cBhvr>
+                                        <p:cTn id="71" dur="1" fill="hold">
+                                          <p:stCondLst>
+                                            <p:cond delay="0"/>
+                                          </p:stCondLst>
+                                        </p:cTn>
+                                        <p:tgtEl>
+                                          <p:spTgt spid="11"/>
+                                        </p:tgtEl>
+                                        <p:attrNameLst>
+                                          <p:attrName>style.visibility</p:attrName>
+                                        </p:attrNameLst>
+                                      </p:cBhvr>
+                                      <p:to>
+                                        <p:strVal val="visible"/>
+                                      </p:to>
+                                    </p:set>
+                                    <p:animEffect transition="in" filter="fade">
+                                      <p:cBhvr>
+                                        <p:cTn id="72" dur="500"/>
+                                        <p:tgtEl>
+                                          <p:spTgt spid="11"/>
+                                        </p:tgtEl>
+                                      </p:cBhvr>
+                                    </p:animEffect>
+                                  </p:childTnLst>
+                                </p:cTn>
+                              </p:par>
+                              <p:par>
+                                <p:cTn id="73" presetID="10" presetClass="entr" presetSubtype="0" fill="hold" grpId="0" nodeType="withEffect">
+                                  <p:stCondLst>
+                                    <p:cond delay="0"/>
+                                  </p:stCondLst>
+                                  <p:childTnLst>
+                                    <p:set>
+                                      <p:cBhvr>
+                                        <p:cTn id="74" dur="1" fill="hold">
+                                          <p:stCondLst>
+                                            <p:cond delay="0"/>
+                                          </p:stCondLst>
+                                        </p:cTn>
+                                        <p:tgtEl>
+                                          <p:spTgt spid="13"/>
+                                        </p:tgtEl>
+                                        <p:attrNameLst>
+                                          <p:attrName>style.visibility</p:attrName>
+                                        </p:attrNameLst>
+                                      </p:cBhvr>
+                                      <p:to>
+                                        <p:strVal val="visible"/>
+                                      </p:to>
+                                    </p:set>
+                                    <p:animEffect transition="in" filter="fade">
+                                      <p:cBhvr>
+                                        <p:cTn id="75" dur="500"/>
+                                        <p:tgtEl>
+                                          <p:spTgt spid="13"/>
+                                        </p:tgtEl>
+                                      </p:cBhvr>
+                                    </p:animEffect>
+                                  </p:childTnLst>
+                                </p:cTn>
+                              </p:par>
+                            </p:childTnLst>
+                          </p:cTn>
+                        </p:par>
+                        <p:par>
+                          <p:cTn id="76" fill="hold">
+                            <p:stCondLst>
+                              <p:cond delay="500"/>
+                            </p:stCondLst>
+                            <p:childTnLst>
+                              <p:par>
+                                <p:cTn id="77" presetID="22" presetClass="entr" presetSubtype="8" fill="hold" nodeType="afterEffect">
+                                  <p:stCondLst>
+                                    <p:cond delay="0"/>
+                                  </p:stCondLst>
+                                  <p:childTnLst>
+                                    <p:set>
+                                      <p:cBhvr>
+                                        <p:cTn id="78" dur="1" fill="hold">
+                                          <p:stCondLst>
+                                            <p:cond delay="0"/>
+                                          </p:stCondLst>
+                                        </p:cTn>
+                                        <p:tgtEl>
+                                          <p:spTgt spid="50"/>
+                                        </p:tgtEl>
+                                        <p:attrNameLst>
+                                          <p:attrName>style.visibility</p:attrName>
+                                        </p:attrNameLst>
+                                      </p:cBhvr>
+                                      <p:to>
+                                        <p:strVal val="visible"/>
+                                      </p:to>
+                                    </p:set>
+                                    <p:animEffect transition="in" filter="wipe(left)">
+                                      <p:cBhvr>
+                                        <p:cTn id="79" dur="500"/>
+                                        <p:tgtEl>
+                                          <p:spTgt spid="50"/>
+                                        </p:tgtEl>
+                                      </p:cBhvr>
+                                    </p:animEffect>
+                                  </p:childTnLst>
+                                </p:cTn>
+                              </p:par>
+                              <p:par>
+                                <p:cTn id="80" presetID="22" presetClass="entr" presetSubtype="8" fill="hold" nodeType="withEffect">
+                                  <p:stCondLst>
+                                    <p:cond delay="0"/>
+                                  </p:stCondLst>
+                                  <p:childTnLst>
+                                    <p:set>
+                                      <p:cBhvr>
+                                        <p:cTn id="81" dur="1" fill="hold">
+                                          <p:stCondLst>
+                                            <p:cond delay="0"/>
+                                          </p:stCondLst>
+                                        </p:cTn>
+                                        <p:tgtEl>
+                                          <p:spTgt spid="55"/>
+                                        </p:tgtEl>
+                                        <p:attrNameLst>
+                                          <p:attrName>style.visibility</p:attrName>
+                                        </p:attrNameLst>
+                                      </p:cBhvr>
+                                      <p:to>
+                                        <p:strVal val="visible"/>
+                                      </p:to>
+                                    </p:set>
+                                    <p:animEffect transition="in" filter="wipe(left)">
+                                      <p:cBhvr>
+                                        <p:cTn id="82" dur="500"/>
+                                        <p:tgtEl>
+                                          <p:spTgt spid="55"/>
+                                        </p:tgtEl>
+                                      </p:cBhvr>
+                                    </p:animEffect>
+                                  </p:childTnLst>
+                                </p:cTn>
+                              </p:par>
+                              <p:par>
+                                <p:cTn id="83" presetID="22" presetClass="entr" presetSubtype="8" fill="hold" nodeType="withEffect">
+                                  <p:stCondLst>
+                                    <p:cond delay="0"/>
+                                  </p:stCondLst>
+                                  <p:childTnLst>
+                                    <p:set>
+                                      <p:cBhvr>
+                                        <p:cTn id="84" dur="1" fill="hold">
+                                          <p:stCondLst>
+                                            <p:cond delay="0"/>
+                                          </p:stCondLst>
+                                        </p:cTn>
+                                        <p:tgtEl>
+                                          <p:spTgt spid="76"/>
+                                        </p:tgtEl>
+                                        <p:attrNameLst>
+                                          <p:attrName>style.visibility</p:attrName>
+                                        </p:attrNameLst>
+                                      </p:cBhvr>
+                                      <p:to>
+                                        <p:strVal val="visible"/>
+                                      </p:to>
+                                    </p:set>
+                                    <p:animEffect transition="in" filter="wipe(left)">
+                                      <p:cBhvr>
+                                        <p:cTn id="85" dur="500"/>
+                                        <p:tgtEl>
+                                          <p:spTgt spid="76"/>
+                                        </p:tgtEl>
+                                      </p:cBhvr>
+                                    </p:animEffect>
+                                  </p:childTnLst>
+                                </p:cTn>
+                              </p:par>
+                              <p:par>
+                                <p:cTn id="86" presetID="22" presetClass="entr" presetSubtype="8" fill="hold" nodeType="withEffect">
+                                  <p:stCondLst>
+                                    <p:cond delay="0"/>
+                                  </p:stCondLst>
+                                  <p:childTnLst>
+                                    <p:set>
+                                      <p:cBhvr>
+                                        <p:cTn id="87" dur="1" fill="hold">
+                                          <p:stCondLst>
+                                            <p:cond delay="0"/>
+                                          </p:stCondLst>
+                                        </p:cTn>
+                                        <p:tgtEl>
+                                          <p:spTgt spid="77"/>
+                                        </p:tgtEl>
+                                        <p:attrNameLst>
+                                          <p:attrName>style.visibility</p:attrName>
+                                        </p:attrNameLst>
+                                      </p:cBhvr>
+                                      <p:to>
+                                        <p:strVal val="visible"/>
+                                      </p:to>
+                                    </p:set>
+                                    <p:animEffect transition="in" filter="wipe(left)">
+                                      <p:cBhvr>
+                                        <p:cTn id="88" dur="500"/>
+                                        <p:tgtEl>
+                                          <p:spTgt spid="77"/>
+                                        </p:tgtEl>
+                                      </p:cBhvr>
+                                    </p:animEffect>
+                                  </p:childTnLst>
+                                </p:cTn>
+                              </p:par>
+                            </p:childTnLst>
+                          </p:cTn>
+                        </p:par>
+                        <p:par>
+                          <p:cTn id="89" fill="hold">
+                            <p:stCondLst>
+                              <p:cond delay="1000"/>
+                            </p:stCondLst>
+                            <p:childTnLst>
+                              <p:par>
+                                <p:cTn id="90" presetID="10" presetClass="entr" presetSubtype="0" fill="hold" nodeType="afterEffect">
+                                  <p:stCondLst>
+                                    <p:cond delay="0"/>
+                                  </p:stCondLst>
+                                  <p:childTnLst>
+                                    <p:set>
+                                      <p:cBhvr>
+                                        <p:cTn id="91" dur="1" fill="hold">
+                                          <p:stCondLst>
+                                            <p:cond delay="0"/>
+                                          </p:stCondLst>
+                                        </p:cTn>
+                                        <p:tgtEl>
+                                          <p:spTgt spid="1026"/>
+                                        </p:tgtEl>
+                                        <p:attrNameLst>
+                                          <p:attrName>style.visibility</p:attrName>
+                                        </p:attrNameLst>
+                                      </p:cBhvr>
+                                      <p:to>
+                                        <p:strVal val="visible"/>
+                                      </p:to>
+                                    </p:set>
+                                    <p:animEffect transition="in" filter="fade">
+                                      <p:cBhvr>
+                                        <p:cTn id="92" dur="500"/>
+                                        <p:tgtEl>
+                                          <p:spTgt spid="1026"/>
+                                        </p:tgtEl>
+                                      </p:cBhvr>
+                                    </p:animEffect>
+                                  </p:childTnLst>
+                                </p:cTn>
+                              </p:par>
+                              <p:par>
+                                <p:cTn id="93" presetID="10" presetClass="entr" presetSubtype="0" fill="hold" nodeType="withEffect">
+                                  <p:stCondLst>
+                                    <p:cond delay="0"/>
+                                  </p:stCondLst>
+                                  <p:childTnLst>
+                                    <p:set>
+                                      <p:cBhvr>
+                                        <p:cTn id="94" dur="1" fill="hold">
+                                          <p:stCondLst>
+                                            <p:cond delay="0"/>
+                                          </p:stCondLst>
+                                        </p:cTn>
+                                        <p:tgtEl>
+                                          <p:spTgt spid="1028"/>
+                                        </p:tgtEl>
+                                        <p:attrNameLst>
+                                          <p:attrName>style.visibility</p:attrName>
+                                        </p:attrNameLst>
+                                      </p:cBhvr>
+                                      <p:to>
+                                        <p:strVal val="visible"/>
+                                      </p:to>
+                                    </p:set>
+                                    <p:animEffect transition="in" filter="fade">
+                                      <p:cBhvr>
+                                        <p:cTn id="95" dur="500"/>
+                                        <p:tgtEl>
+                                          <p:spTgt spid="1028"/>
+                                        </p:tgtEl>
+                                      </p:cBhvr>
+                                    </p:animEffect>
+                                  </p:childTnLst>
+                                </p:cTn>
+                              </p:par>
+                              <p:par>
+                                <p:cTn id="96" presetID="10" presetClass="entr" presetSubtype="0" fill="hold" nodeType="withEffect">
+                                  <p:stCondLst>
+                                    <p:cond delay="0"/>
+                                  </p:stCondLst>
+                                  <p:childTnLst>
+                                    <p:set>
+                                      <p:cBhvr>
+                                        <p:cTn id="97" dur="1" fill="hold">
+                                          <p:stCondLst>
+                                            <p:cond delay="0"/>
+                                          </p:stCondLst>
+                                        </p:cTn>
+                                        <p:tgtEl>
+                                          <p:spTgt spid="1030"/>
+                                        </p:tgtEl>
+                                        <p:attrNameLst>
+                                          <p:attrName>style.visibility</p:attrName>
+                                        </p:attrNameLst>
+                                      </p:cBhvr>
+                                      <p:to>
+                                        <p:strVal val="visible"/>
+                                      </p:to>
+                                    </p:set>
+                                    <p:animEffect transition="in" filter="fade">
+                                      <p:cBhvr>
+                                        <p:cTn id="98" dur="500"/>
+                                        <p:tgtEl>
+                                          <p:spTgt spid="1030"/>
+                                        </p:tgtEl>
+                                      </p:cBhvr>
+                                    </p:animEffect>
+                                  </p:childTnLst>
+                                </p:cTn>
+                              </p:par>
+                              <p:par>
+                                <p:cTn id="99" presetID="10" presetClass="entr" presetSubtype="0" fill="hold" nodeType="withEffect">
+                                  <p:stCondLst>
+                                    <p:cond delay="0"/>
+                                  </p:stCondLst>
+                                  <p:childTnLst>
+                                    <p:set>
+                                      <p:cBhvr>
+                                        <p:cTn id="100" dur="1" fill="hold">
+                                          <p:stCondLst>
+                                            <p:cond delay="0"/>
+                                          </p:stCondLst>
+                                        </p:cTn>
+                                        <p:tgtEl>
+                                          <p:spTgt spid="1032"/>
+                                        </p:tgtEl>
+                                        <p:attrNameLst>
+                                          <p:attrName>style.visibility</p:attrName>
+                                        </p:attrNameLst>
+                                      </p:cBhvr>
+                                      <p:to>
+                                        <p:strVal val="visible"/>
+                                      </p:to>
+                                    </p:set>
+                                    <p:animEffect transition="in" filter="fade">
+                                      <p:cBhvr>
+                                        <p:cTn id="101" dur="500"/>
+                                        <p:tgtEl>
+                                          <p:spTgt spid="1032"/>
+                                        </p:tgtEl>
+                                      </p:cBhvr>
+                                    </p:animEffect>
+                                  </p:childTnLst>
+                                </p:cTn>
+                              </p:par>
+                            </p:childTnLst>
+                          </p:cTn>
+                        </p:par>
+                      </p:childTnLst>
+                    </p:cTn>
+                  </p:par>
+                  <p:par>
+                    <p:cTn id="102" fill="hold">
+                      <p:stCondLst>
+                        <p:cond delay="indefinite"/>
+                      </p:stCondLst>
+                      <p:childTnLst>
+                        <p:par>
+                          <p:cTn id="103" fill="hold">
+                            <p:stCondLst>
+                              <p:cond delay="0"/>
+                            </p:stCondLst>
+                            <p:childTnLst>
+                              <p:par>
+                                <p:cTn id="104" presetID="10" presetClass="entr" presetSubtype="0" fill="hold" grpId="0" nodeType="clickEffect">
+                                  <p:stCondLst>
+                                    <p:cond delay="0"/>
+                                  </p:stCondLst>
+                                  <p:childTnLst>
+                                    <p:set>
+                                      <p:cBhvr>
+                                        <p:cTn id="105" dur="1" fill="hold">
+                                          <p:stCondLst>
+                                            <p:cond delay="0"/>
+                                          </p:stCondLst>
+                                        </p:cTn>
+                                        <p:tgtEl>
+                                          <p:spTgt spid="38"/>
+                                        </p:tgtEl>
+                                        <p:attrNameLst>
+                                          <p:attrName>style.visibility</p:attrName>
+                                        </p:attrNameLst>
+                                      </p:cBhvr>
+                                      <p:to>
+                                        <p:strVal val="visible"/>
+                                      </p:to>
+                                    </p:set>
+                                    <p:animEffect transition="in" filter="fade">
+                                      <p:cBhvr>
+                                        <p:cTn id="106" dur="500"/>
+                                        <p:tgtEl>
+                                          <p:spTgt spid="38"/>
+                                        </p:tgtEl>
+                                      </p:cBhvr>
+                                    </p:animEffect>
+                                  </p:childTnLst>
+                                </p:cTn>
+                              </p:par>
+                            </p:childTnLst>
+                          </p:cTn>
+                        </p:par>
+                      </p:childTnLst>
+                    </p:cTn>
+                  </p:par>
+                  <p:par>
+                    <p:cTn id="107" fill="hold">
+                      <p:stCondLst>
+                        <p:cond delay="indefinite"/>
+                      </p:stCondLst>
+                      <p:childTnLst>
+                        <p:par>
+                          <p:cTn id="108" fill="hold">
+                            <p:stCondLst>
+                              <p:cond delay="0"/>
+                            </p:stCondLst>
+                            <p:childTnLst>
+                              <p:par>
+                                <p:cTn id="109" presetID="10" presetClass="entr" presetSubtype="0" fill="hold" nodeType="clickEffect">
+                                  <p:stCondLst>
+                                    <p:cond delay="0"/>
+                                  </p:stCondLst>
+                                  <p:childTnLst>
+                                    <p:set>
+                                      <p:cBhvr>
+                                        <p:cTn id="110" dur="1" fill="hold">
+                                          <p:stCondLst>
+                                            <p:cond delay="0"/>
+                                          </p:stCondLst>
+                                        </p:cTn>
+                                        <p:tgtEl>
+                                          <p:spTgt spid="23"/>
+                                        </p:tgtEl>
+                                        <p:attrNameLst>
+                                          <p:attrName>style.visibility</p:attrName>
+                                        </p:attrNameLst>
+                                      </p:cBhvr>
+                                      <p:to>
+                                        <p:strVal val="visible"/>
+                                      </p:to>
+                                    </p:set>
+                                    <p:animEffect transition="in" filter="fade">
+                                      <p:cBhvr>
+                                        <p:cTn id="111" dur="500"/>
+                                        <p:tgtEl>
+                                          <p:spTgt spid="23"/>
+                                        </p:tgtEl>
+                                      </p:cBhvr>
+                                    </p:animEffect>
+                                  </p:childTnLst>
+                                </p:cTn>
+                              </p:par>
+                              <p:par>
+                                <p:cTn id="112" presetID="10" presetClass="entr" presetSubtype="0" fill="hold" grpId="0" nodeType="withEffect">
+                                  <p:stCondLst>
+                                    <p:cond delay="0"/>
+                                  </p:stCondLst>
+                                  <p:childTnLst>
+                                    <p:set>
+                                      <p:cBhvr>
+                                        <p:cTn id="113" dur="1" fill="hold">
+                                          <p:stCondLst>
+                                            <p:cond delay="0"/>
+                                          </p:stCondLst>
+                                        </p:cTn>
+                                        <p:tgtEl>
+                                          <p:spTgt spid="24"/>
+                                        </p:tgtEl>
+                                        <p:attrNameLst>
+                                          <p:attrName>style.visibility</p:attrName>
+                                        </p:attrNameLst>
+                                      </p:cBhvr>
+                                      <p:to>
+                                        <p:strVal val="visible"/>
+                                      </p:to>
+                                    </p:set>
+                                    <p:animEffect transition="in" filter="fade">
+                                      <p:cBhvr>
+                                        <p:cTn id="114" dur="500"/>
+                                        <p:tgtEl>
+                                          <p:spTgt spid="24"/>
+                                        </p:tgtEl>
+                                      </p:cBhvr>
+                                    </p:animEffect>
+                                  </p:childTnLst>
+                                </p:cTn>
+                              </p:par>
+                            </p:childTnLst>
+                          </p:cTn>
+                        </p:par>
+                      </p:childTnLst>
+                    </p:cTn>
+                  </p:par>
+                  <p:par>
+                    <p:cTn id="115" fill="hold">
+                      <p:stCondLst>
+                        <p:cond delay="indefinite"/>
+                      </p:stCondLst>
+                      <p:childTnLst>
+                        <p:par>
+                          <p:cTn id="116" fill="hold">
+                            <p:stCondLst>
+                              <p:cond delay="0"/>
+                            </p:stCondLst>
+                            <p:childTnLst>
+                              <p:par>
+                                <p:cTn id="117" presetID="22" presetClass="entr" presetSubtype="8" fill="hold" nodeType="clickEffect">
+                                  <p:stCondLst>
+                                    <p:cond delay="0"/>
+                                  </p:stCondLst>
+                                  <p:childTnLst>
+                                    <p:set>
+                                      <p:cBhvr>
+                                        <p:cTn id="118" dur="1" fill="hold">
+                                          <p:stCondLst>
+                                            <p:cond delay="0"/>
+                                          </p:stCondLst>
+                                        </p:cTn>
+                                        <p:tgtEl>
+                                          <p:spTgt spid="40"/>
+                                        </p:tgtEl>
+                                        <p:attrNameLst>
+                                          <p:attrName>style.visibility</p:attrName>
+                                        </p:attrNameLst>
+                                      </p:cBhvr>
+                                      <p:to>
+                                        <p:strVal val="visible"/>
+                                      </p:to>
+                                    </p:set>
+                                    <p:animEffect transition="in" filter="wipe(left)">
+                                      <p:cBhvr>
+                                        <p:cTn id="119" dur="500"/>
+                                        <p:tgtEl>
+                                          <p:spTgt spid="40"/>
+                                        </p:tgtEl>
+                                      </p:cBhvr>
+                                    </p:animEffect>
+                                  </p:childTnLst>
+                                </p:cTn>
+                              </p:par>
+                              <p:par>
+                                <p:cTn id="120" presetID="10" presetClass="entr" presetSubtype="0" fill="hold" grpId="0" nodeType="withEffect">
+                                  <p:stCondLst>
+                                    <p:cond delay="0"/>
+                                  </p:stCondLst>
+                                  <p:childTnLst>
+                                    <p:set>
+                                      <p:cBhvr>
+                                        <p:cTn id="121" dur="1" fill="hold">
+                                          <p:stCondLst>
+                                            <p:cond delay="0"/>
+                                          </p:stCondLst>
+                                        </p:cTn>
+                                        <p:tgtEl>
+                                          <p:spTgt spid="35"/>
+                                        </p:tgtEl>
+                                        <p:attrNameLst>
+                                          <p:attrName>style.visibility</p:attrName>
+                                        </p:attrNameLst>
+                                      </p:cBhvr>
+                                      <p:to>
+                                        <p:strVal val="visible"/>
+                                      </p:to>
+                                    </p:set>
+                                    <p:animEffect transition="in" filter="fade">
+                                      <p:cBhvr>
+                                        <p:cTn id="122" dur="500"/>
+                                        <p:tgtEl>
+                                          <p:spTgt spid="35"/>
+                                        </p:tgtEl>
+                                      </p:cBhvr>
+                                    </p:animEffect>
+                                  </p:childTnLst>
+                                </p:cTn>
+                              </p:par>
+                            </p:childTnLst>
+                          </p:cTn>
+                        </p:par>
+                      </p:childTnLst>
+                    </p:cTn>
+                  </p:par>
+                  <p:par>
+                    <p:cTn id="123" fill="hold">
+                      <p:stCondLst>
+                        <p:cond delay="indefinite"/>
+                      </p:stCondLst>
+                      <p:childTnLst>
+                        <p:par>
+                          <p:cTn id="124" fill="hold">
+                            <p:stCondLst>
+                              <p:cond delay="0"/>
+                            </p:stCondLst>
+                            <p:childTnLst>
+                              <p:par>
+                                <p:cTn id="125" presetID="10" presetClass="entr" presetSubtype="0" fill="hold" nodeType="clickEffect">
+                                  <p:stCondLst>
+                                    <p:cond delay="0"/>
+                                  </p:stCondLst>
+                                  <p:childTnLst>
+                                    <p:set>
+                                      <p:cBhvr>
+                                        <p:cTn id="126" dur="1" fill="hold">
+                                          <p:stCondLst>
+                                            <p:cond delay="0"/>
+                                          </p:stCondLst>
+                                        </p:cTn>
+                                        <p:tgtEl>
+                                          <p:spTgt spid="22"/>
+                                        </p:tgtEl>
+                                        <p:attrNameLst>
+                                          <p:attrName>style.visibility</p:attrName>
+                                        </p:attrNameLst>
+                                      </p:cBhvr>
+                                      <p:to>
+                                        <p:strVal val="visible"/>
+                                      </p:to>
+                                    </p:set>
+                                    <p:animEffect transition="in" filter="fade">
+                                      <p:cBhvr>
+                                        <p:cTn id="127" dur="500"/>
+                                        <p:tgtEl>
+                                          <p:spTgt spid="22"/>
+                                        </p:tgtEl>
+                                      </p:cBhvr>
+                                    </p:animEffect>
+                                  </p:childTnLst>
+                                </p:cTn>
+                              </p:par>
+                              <p:par>
+                                <p:cTn id="128" presetID="10" presetClass="entr" presetSubtype="0" fill="hold" nodeType="withEffect">
+                                  <p:stCondLst>
+                                    <p:cond delay="0"/>
+                                  </p:stCondLst>
+                                  <p:childTnLst>
+                                    <p:set>
+                                      <p:cBhvr>
+                                        <p:cTn id="129" dur="1" fill="hold">
+                                          <p:stCondLst>
+                                            <p:cond delay="0"/>
+                                          </p:stCondLst>
+                                        </p:cTn>
+                                        <p:tgtEl>
+                                          <p:spTgt spid="21"/>
+                                        </p:tgtEl>
+                                        <p:attrNameLst>
+                                          <p:attrName>style.visibility</p:attrName>
+                                        </p:attrNameLst>
+                                      </p:cBhvr>
+                                      <p:to>
+                                        <p:strVal val="visible"/>
+                                      </p:to>
+                                    </p:set>
+                                    <p:animEffect transition="in" filter="fade">
+                                      <p:cBhvr>
+                                        <p:cTn id="130" dur="500"/>
+                                        <p:tgtEl>
+                                          <p:spTgt spid="21"/>
+                                        </p:tgtEl>
+                                      </p:cBhvr>
+                                    </p:animEffect>
+                                  </p:childTnLst>
+                                </p:cTn>
+                              </p:par>
+                              <p:par>
+                                <p:cTn id="131" presetID="10" presetClass="entr" presetSubtype="0" fill="hold" grpId="0" nodeType="withEffect">
+                                  <p:stCondLst>
+                                    <p:cond delay="0"/>
+                                  </p:stCondLst>
+                                  <p:childTnLst>
+                                    <p:set>
+                                      <p:cBhvr>
+                                        <p:cTn id="132" dur="1" fill="hold">
+                                          <p:stCondLst>
+                                            <p:cond delay="0"/>
+                                          </p:stCondLst>
+                                        </p:cTn>
+                                        <p:tgtEl>
+                                          <p:spTgt spid="26"/>
+                                        </p:tgtEl>
+                                        <p:attrNameLst>
+                                          <p:attrName>style.visibility</p:attrName>
+                                        </p:attrNameLst>
+                                      </p:cBhvr>
+                                      <p:to>
+                                        <p:strVal val="visible"/>
+                                      </p:to>
+                                    </p:set>
+                                    <p:animEffect transition="in" filter="fade">
+                                      <p:cBhvr>
+                                        <p:cTn id="133" dur="500"/>
+                                        <p:tgtEl>
+                                          <p:spTgt spid="26"/>
+                                        </p:tgtEl>
+                                      </p:cBhvr>
+                                    </p:animEffect>
+                                  </p:childTnLst>
+                                </p:cTn>
+                              </p:par>
+                            </p:childTnLst>
+                          </p:cTn>
+                        </p:par>
+                      </p:childTnLst>
+                    </p:cTn>
+                  </p:par>
+                  <p:par>
+                    <p:cTn id="134" fill="hold">
+                      <p:stCondLst>
+                        <p:cond delay="indefinite"/>
+                      </p:stCondLst>
+                      <p:childTnLst>
+                        <p:par>
+                          <p:cTn id="135" fill="hold">
+                            <p:stCondLst>
+                              <p:cond delay="0"/>
+                            </p:stCondLst>
+                            <p:childTnLst>
+                              <p:par>
+                                <p:cTn id="136" presetID="10" presetClass="entr" presetSubtype="0" fill="hold" nodeType="clickEffect">
+                                  <p:stCondLst>
+                                    <p:cond delay="0"/>
+                                  </p:stCondLst>
+                                  <p:childTnLst>
+                                    <p:set>
+                                      <p:cBhvr>
+                                        <p:cTn id="137" dur="1" fill="hold">
+                                          <p:stCondLst>
+                                            <p:cond delay="0"/>
+                                          </p:stCondLst>
+                                        </p:cTn>
+                                        <p:tgtEl>
+                                          <p:spTgt spid="27"/>
+                                        </p:tgtEl>
+                                        <p:attrNameLst>
+                                          <p:attrName>style.visibility</p:attrName>
+                                        </p:attrNameLst>
+                                      </p:cBhvr>
+                                      <p:to>
+                                        <p:strVal val="visible"/>
+                                      </p:to>
+                                    </p:set>
+                                    <p:animEffect transition="in" filter="fade">
+                                      <p:cBhvr>
+                                        <p:cTn id="138" dur="500"/>
+                                        <p:tgtEl>
+                                          <p:spTgt spid="27"/>
+                                        </p:tgtEl>
+                                      </p:cBhvr>
+                                    </p:animEffect>
+                                  </p:childTnLst>
+                                </p:cTn>
+                              </p:par>
+                              <p:par>
+                                <p:cTn id="139" presetID="10" presetClass="entr" presetSubtype="0" fill="hold" grpId="0" nodeType="withEffect">
+                                  <p:stCondLst>
+                                    <p:cond delay="0"/>
+                                  </p:stCondLst>
+                                  <p:childTnLst>
+                                    <p:set>
+                                      <p:cBhvr>
+                                        <p:cTn id="140" dur="1" fill="hold">
+                                          <p:stCondLst>
+                                            <p:cond delay="0"/>
+                                          </p:stCondLst>
+                                        </p:cTn>
+                                        <p:tgtEl>
+                                          <p:spTgt spid="29"/>
+                                        </p:tgtEl>
+                                        <p:attrNameLst>
+                                          <p:attrName>style.visibility</p:attrName>
+                                        </p:attrNameLst>
+                                      </p:cBhvr>
+                                      <p:to>
+                                        <p:strVal val="visible"/>
+                                      </p:to>
+                                    </p:set>
+                                    <p:animEffect transition="in" filter="fade">
+                                      <p:cBhvr>
+                                        <p:cTn id="141" dur="500"/>
+                                        <p:tgtEl>
+                                          <p:spTgt spid="29"/>
+                                        </p:tgtEl>
+                                      </p:cBhvr>
+                                    </p:animEffect>
+                                  </p:childTnLst>
+                                </p:cTn>
+                              </p:par>
+                              <p:par>
+                                <p:cTn id="142" presetID="10" presetClass="entr" presetSubtype="0" fill="hold" grpId="0" nodeType="withEffect">
+                                  <p:stCondLst>
+                                    <p:cond delay="0"/>
+                                  </p:stCondLst>
+                                  <p:childTnLst>
+                                    <p:set>
+                                      <p:cBhvr>
+                                        <p:cTn id="143" dur="1" fill="hold">
+                                          <p:stCondLst>
+                                            <p:cond delay="0"/>
+                                          </p:stCondLst>
+                                        </p:cTn>
+                                        <p:tgtEl>
+                                          <p:spTgt spid="34"/>
+                                        </p:tgtEl>
+                                        <p:attrNameLst>
+                                          <p:attrName>style.visibility</p:attrName>
+                                        </p:attrNameLst>
+                                      </p:cBhvr>
+                                      <p:to>
+                                        <p:strVal val="visible"/>
+                                      </p:to>
+                                    </p:set>
+                                    <p:animEffect transition="in" filter="fade">
+                                      <p:cBhvr>
+                                        <p:cTn id="144" dur="500"/>
+                                        <p:tgtEl>
+                                          <p:spTgt spid="34"/>
+                                        </p:tgtEl>
+                                      </p:cBhvr>
+                                    </p:animEffect>
+                                  </p:childTnLst>
+                                </p:cTn>
+                              </p:par>
+                            </p:childTnLst>
+                          </p:cTn>
+                        </p:par>
+                      </p:childTnLst>
+                    </p:cTn>
+                  </p:par>
+                  <p:par>
+                    <p:cTn id="145" fill="hold">
+                      <p:stCondLst>
+                        <p:cond delay="indefinite"/>
+                      </p:stCondLst>
+                      <p:childTnLst>
+                        <p:par>
+                          <p:cTn id="146" fill="hold">
+                            <p:stCondLst>
+                              <p:cond delay="0"/>
+                            </p:stCondLst>
+                            <p:childTnLst>
+                              <p:par>
+                                <p:cTn id="147" presetID="22" presetClass="entr" presetSubtype="8" fill="hold" nodeType="clickEffect">
+                                  <p:stCondLst>
+                                    <p:cond delay="0"/>
+                                  </p:stCondLst>
+                                  <p:childTnLst>
+                                    <p:set>
+                                      <p:cBhvr>
+                                        <p:cTn id="148" dur="1" fill="hold">
+                                          <p:stCondLst>
+                                            <p:cond delay="0"/>
+                                          </p:stCondLst>
+                                        </p:cTn>
+                                        <p:tgtEl>
+                                          <p:spTgt spid="41"/>
+                                        </p:tgtEl>
+                                        <p:attrNameLst>
+                                          <p:attrName>style.visibility</p:attrName>
+                                        </p:attrNameLst>
+                                      </p:cBhvr>
+                                      <p:to>
+                                        <p:strVal val="visible"/>
+                                      </p:to>
+                                    </p:set>
+                                    <p:animEffect transition="in" filter="wipe(left)">
+                                      <p:cBhvr>
+                                        <p:cTn id="149" dur="500"/>
+                                        <p:tgtEl>
+                                          <p:spTgt spid="41"/>
+                                        </p:tgtEl>
+                                      </p:cBhvr>
+                                    </p:animEffect>
+                                  </p:childTnLst>
+                                </p:cTn>
+                              </p:par>
+                              <p:par>
+                                <p:cTn id="150" presetID="10" presetClass="entr" presetSubtype="0" fill="hold" grpId="0" nodeType="withEffect">
+                                  <p:stCondLst>
+                                    <p:cond delay="0"/>
+                                  </p:stCondLst>
+                                  <p:childTnLst>
+                                    <p:set>
+                                      <p:cBhvr>
+                                        <p:cTn id="151" dur="1" fill="hold">
+                                          <p:stCondLst>
+                                            <p:cond delay="0"/>
+                                          </p:stCondLst>
+                                        </p:cTn>
+                                        <p:tgtEl>
+                                          <p:spTgt spid="36"/>
+                                        </p:tgtEl>
+                                        <p:attrNameLst>
+                                          <p:attrName>style.visibility</p:attrName>
+                                        </p:attrNameLst>
+                                      </p:cBhvr>
+                                      <p:to>
+                                        <p:strVal val="visible"/>
+                                      </p:to>
+                                    </p:set>
+                                    <p:animEffect transition="in" filter="fade">
+                                      <p:cBhvr>
+                                        <p:cTn id="152" dur="500"/>
+                                        <p:tgtEl>
+                                          <p:spTgt spid="36"/>
+                                        </p:tgtEl>
+                                      </p:cBhvr>
+                                    </p:animEffect>
+                                  </p:childTnLst>
+                                </p:cTn>
+                              </p:par>
+                            </p:childTnLst>
+                          </p:cTn>
+                        </p:par>
+                      </p:childTnLst>
+                    </p:cTn>
+                  </p:par>
+                  <p:par>
+                    <p:cTn id="153" fill="hold">
+                      <p:stCondLst>
+                        <p:cond delay="indefinite"/>
+                      </p:stCondLst>
+                      <p:childTnLst>
+                        <p:par>
+                          <p:cTn id="154" fill="hold">
+                            <p:stCondLst>
+                              <p:cond delay="0"/>
+                            </p:stCondLst>
+                            <p:childTnLst>
+                              <p:par>
+                                <p:cTn id="155" presetID="10" presetClass="entr" presetSubtype="0" fill="hold" nodeType="clickEffect">
+                                  <p:stCondLst>
+                                    <p:cond delay="0"/>
+                                  </p:stCondLst>
+                                  <p:childTnLst>
+                                    <p:set>
+                                      <p:cBhvr>
+                                        <p:cTn id="156" dur="1" fill="hold">
+                                          <p:stCondLst>
+                                            <p:cond delay="0"/>
+                                          </p:stCondLst>
+                                        </p:cTn>
+                                        <p:tgtEl>
+                                          <p:spTgt spid="30"/>
+                                        </p:tgtEl>
+                                        <p:attrNameLst>
+                                          <p:attrName>style.visibility</p:attrName>
+                                        </p:attrNameLst>
+                                      </p:cBhvr>
+                                      <p:to>
+                                        <p:strVal val="visible"/>
+                                      </p:to>
+                                    </p:set>
+                                    <p:animEffect transition="in" filter="fade">
+                                      <p:cBhvr>
+                                        <p:cTn id="157" dur="500"/>
+                                        <p:tgtEl>
+                                          <p:spTgt spid="30"/>
+                                        </p:tgtEl>
+                                      </p:cBhvr>
+                                    </p:animEffect>
+                                  </p:childTnLst>
+                                </p:cTn>
+                              </p:par>
+                              <p:par>
+                                <p:cTn id="158" presetID="10" presetClass="entr" presetSubtype="0" fill="hold" grpId="0" nodeType="withEffect">
+                                  <p:stCondLst>
+                                    <p:cond delay="0"/>
+                                  </p:stCondLst>
+                                  <p:childTnLst>
+                                    <p:set>
+                                      <p:cBhvr>
+                                        <p:cTn id="159" dur="1" fill="hold">
+                                          <p:stCondLst>
+                                            <p:cond delay="0"/>
+                                          </p:stCondLst>
+                                        </p:cTn>
+                                        <p:tgtEl>
+                                          <p:spTgt spid="32"/>
+                                        </p:tgtEl>
+                                        <p:attrNameLst>
+                                          <p:attrName>style.visibility</p:attrName>
+                                        </p:attrNameLst>
+                                      </p:cBhvr>
+                                      <p:to>
+                                        <p:strVal val="visible"/>
+                                      </p:to>
+                                    </p:set>
+                                    <p:animEffect transition="in" filter="fade">
+                                      <p:cBhvr>
+                                        <p:cTn id="160" dur="500"/>
+                                        <p:tgtEl>
+                                          <p:spTgt spid="32"/>
+                                        </p:tgtEl>
+                                      </p:cBhvr>
+                                    </p:animEffect>
+                                  </p:childTnLst>
+                                </p:cTn>
+                              </p:par>
+                              <p:par>
+                                <p:cTn id="161" presetID="10" presetClass="entr" presetSubtype="0" fill="hold" grpId="0" nodeType="withEffect">
+                                  <p:stCondLst>
+                                    <p:cond delay="0"/>
+                                  </p:stCondLst>
+                                  <p:childTnLst>
+                                    <p:set>
+                                      <p:cBhvr>
+                                        <p:cTn id="162" dur="1" fill="hold">
+                                          <p:stCondLst>
+                                            <p:cond delay="0"/>
+                                          </p:stCondLst>
+                                        </p:cTn>
+                                        <p:tgtEl>
+                                          <p:spTgt spid="33"/>
+                                        </p:tgtEl>
+                                        <p:attrNameLst>
+                                          <p:attrName>style.visibility</p:attrName>
+                                        </p:attrNameLst>
+                                      </p:cBhvr>
+                                      <p:to>
+                                        <p:strVal val="visible"/>
+                                      </p:to>
+                                    </p:set>
+                                    <p:animEffect transition="in" filter="fade">
+                                      <p:cBhvr>
+                                        <p:cTn id="163" dur="500"/>
+                                        <p:tgtEl>
+                                          <p:spTgt spid="33"/>
+                                        </p:tgtEl>
+                                      </p:cBhvr>
+                                    </p:animEffect>
+                                  </p:childTnLst>
+                                </p:cTn>
+                              </p:par>
+                              <p:par>
+                                <p:cTn id="164" presetID="10" presetClass="entr" presetSubtype="0" fill="hold" nodeType="withEffect">
+                                  <p:stCondLst>
+                                    <p:cond delay="0"/>
+                                  </p:stCondLst>
+                                  <p:childTnLst>
+                                    <p:set>
+                                      <p:cBhvr>
+                                        <p:cTn id="165" dur="1" fill="hold">
+                                          <p:stCondLst>
+                                            <p:cond delay="0"/>
+                                          </p:stCondLst>
+                                        </p:cTn>
+                                        <p:tgtEl>
+                                          <p:spTgt spid="31"/>
+                                        </p:tgtEl>
+                                        <p:attrNameLst>
+                                          <p:attrName>style.visibility</p:attrName>
+                                        </p:attrNameLst>
+                                      </p:cBhvr>
+                                      <p:to>
+                                        <p:strVal val="visible"/>
+                                      </p:to>
+                                    </p:set>
+                                    <p:animEffect transition="in" filter="fade">
+                                      <p:cBhvr>
+                                        <p:cTn id="166" dur="500"/>
+                                        <p:tgtEl>
+                                          <p:spTgt spid="31"/>
+                                        </p:tgtEl>
+                                      </p:cBhvr>
+                                    </p:animEffect>
+                                  </p:childTnLst>
+                                </p:cTn>
+                              </p:par>
+                            </p:childTnLst>
+                          </p:cTn>
+                        </p:par>
+                        <p:par>
+                          <p:cTn id="167" fill="hold">
+                            <p:stCondLst>
+                              <p:cond delay="500"/>
+                            </p:stCondLst>
+                            <p:childTnLst>
+                              <p:par>
+                                <p:cTn id="168" presetID="22" presetClass="entr" presetSubtype="8" fill="hold" nodeType="afterEffect">
+                                  <p:stCondLst>
+                                    <p:cond delay="0"/>
+                                  </p:stCondLst>
+                                  <p:childTnLst>
+                                    <p:set>
+                                      <p:cBhvr>
+                                        <p:cTn id="169" dur="1" fill="hold">
+                                          <p:stCondLst>
+                                            <p:cond delay="0"/>
+                                          </p:stCondLst>
+                                        </p:cTn>
+                                        <p:tgtEl>
+                                          <p:spTgt spid="62"/>
+                                        </p:tgtEl>
+                                        <p:attrNameLst>
+                                          <p:attrName>style.visibility</p:attrName>
+                                        </p:attrNameLst>
+                                      </p:cBhvr>
+                                      <p:to>
+                                        <p:strVal val="visible"/>
+                                      </p:to>
+                                    </p:set>
+                                    <p:animEffect transition="in" filter="wipe(left)">
+                                      <p:cBhvr>
+                                        <p:cTn id="170" dur="500"/>
+                                        <p:tgtEl>
+                                          <p:spTgt spid="62"/>
+                                        </p:tgtEl>
+                                      </p:cBhvr>
+                                    </p:animEffect>
+                                  </p:childTnLst>
+                                </p:cTn>
+                              </p:par>
+                              <p:par>
+                                <p:cTn id="171" presetID="22" presetClass="entr" presetSubtype="8" fill="hold" nodeType="withEffect">
+                                  <p:stCondLst>
+                                    <p:cond delay="0"/>
+                                  </p:stCondLst>
+                                  <p:childTnLst>
+                                    <p:set>
+                                      <p:cBhvr>
+                                        <p:cTn id="172" dur="1" fill="hold">
+                                          <p:stCondLst>
+                                            <p:cond delay="0"/>
+                                          </p:stCondLst>
+                                        </p:cTn>
+                                        <p:tgtEl>
+                                          <p:spTgt spid="63"/>
+                                        </p:tgtEl>
+                                        <p:attrNameLst>
+                                          <p:attrName>style.visibility</p:attrName>
+                                        </p:attrNameLst>
+                                      </p:cBhvr>
+                                      <p:to>
+                                        <p:strVal val="visible"/>
+                                      </p:to>
+                                    </p:set>
+                                    <p:animEffect transition="in" filter="wipe(left)">
+                                      <p:cBhvr>
+                                        <p:cTn id="173" dur="500"/>
+                                        <p:tgtEl>
+                                          <p:spTgt spid="63"/>
+                                        </p:tgtEl>
+                                      </p:cBhvr>
+                                    </p:animEffect>
+                                  </p:childTnLst>
+                                </p:cTn>
+                              </p:par>
+                              <p:par>
+                                <p:cTn id="174" presetID="22" presetClass="entr" presetSubtype="8" fill="hold" nodeType="withEffect">
+                                  <p:stCondLst>
+                                    <p:cond delay="0"/>
+                                  </p:stCondLst>
+                                  <p:childTnLst>
+                                    <p:set>
+                                      <p:cBhvr>
+                                        <p:cTn id="175" dur="1" fill="hold">
+                                          <p:stCondLst>
+                                            <p:cond delay="0"/>
+                                          </p:stCondLst>
+                                        </p:cTn>
+                                        <p:tgtEl>
+                                          <p:spTgt spid="81"/>
+                                        </p:tgtEl>
+                                        <p:attrNameLst>
+                                          <p:attrName>style.visibility</p:attrName>
+                                        </p:attrNameLst>
+                                      </p:cBhvr>
+                                      <p:to>
+                                        <p:strVal val="visible"/>
+                                      </p:to>
+                                    </p:set>
+                                    <p:animEffect transition="in" filter="wipe(left)">
+                                      <p:cBhvr>
+                                        <p:cTn id="176" dur="500"/>
+                                        <p:tgtEl>
+                                          <p:spTgt spid="81"/>
+                                        </p:tgtEl>
+                                      </p:cBhvr>
+                                    </p:animEffect>
+                                  </p:childTnLst>
+                                </p:cTn>
+                              </p:par>
+                              <p:par>
+                                <p:cTn id="177" presetID="22" presetClass="entr" presetSubtype="8" fill="hold" nodeType="withEffect">
+                                  <p:stCondLst>
+                                    <p:cond delay="0"/>
+                                  </p:stCondLst>
+                                  <p:childTnLst>
+                                    <p:set>
+                                      <p:cBhvr>
+                                        <p:cTn id="178" dur="1" fill="hold">
+                                          <p:stCondLst>
+                                            <p:cond delay="0"/>
+                                          </p:stCondLst>
+                                        </p:cTn>
+                                        <p:tgtEl>
+                                          <p:spTgt spid="83"/>
+                                        </p:tgtEl>
+                                        <p:attrNameLst>
+                                          <p:attrName>style.visibility</p:attrName>
+                                        </p:attrNameLst>
+                                      </p:cBhvr>
+                                      <p:to>
+                                        <p:strVal val="visible"/>
+                                      </p:to>
+                                    </p:set>
+                                    <p:animEffect transition="in" filter="wipe(left)">
+                                      <p:cBhvr>
+                                        <p:cTn id="179" dur="500"/>
+                                        <p:tgtEl>
+                                          <p:spTgt spid="83"/>
+                                        </p:tgtEl>
+                                      </p:cBhvr>
+                                    </p:animEffect>
+                                  </p:childTnLst>
+                                </p:cTn>
+                              </p:par>
+                            </p:childTnLst>
+                          </p:cTn>
+                        </p:par>
+                        <p:par>
+                          <p:cTn id="180" fill="hold">
+                            <p:stCondLst>
+                              <p:cond delay="1000"/>
+                            </p:stCondLst>
+                            <p:childTnLst>
+                              <p:par>
+                                <p:cTn id="181" presetID="10" presetClass="entr" presetSubtype="0" fill="hold" nodeType="afterEffect">
+                                  <p:stCondLst>
+                                    <p:cond delay="0"/>
+                                  </p:stCondLst>
+                                  <p:childTnLst>
+                                    <p:set>
+                                      <p:cBhvr>
+                                        <p:cTn id="182" dur="1" fill="hold">
+                                          <p:stCondLst>
+                                            <p:cond delay="0"/>
+                                          </p:stCondLst>
+                                        </p:cTn>
+                                        <p:tgtEl>
+                                          <p:spTgt spid="69"/>
+                                        </p:tgtEl>
+                                        <p:attrNameLst>
+                                          <p:attrName>style.visibility</p:attrName>
+                                        </p:attrNameLst>
+                                      </p:cBhvr>
+                                      <p:to>
+                                        <p:strVal val="visible"/>
+                                      </p:to>
+                                    </p:set>
+                                    <p:animEffect transition="in" filter="fade">
+                                      <p:cBhvr>
+                                        <p:cTn id="183" dur="500"/>
+                                        <p:tgtEl>
+                                          <p:spTgt spid="69"/>
+                                        </p:tgtEl>
+                                      </p:cBhvr>
+                                    </p:animEffect>
+                                  </p:childTnLst>
+                                </p:cTn>
+                              </p:par>
+                              <p:par>
+                                <p:cTn id="184" presetID="10" presetClass="entr" presetSubtype="0" fill="hold" nodeType="withEffect">
+                                  <p:stCondLst>
+                                    <p:cond delay="0"/>
+                                  </p:stCondLst>
+                                  <p:childTnLst>
+                                    <p:set>
+                                      <p:cBhvr>
+                                        <p:cTn id="185" dur="1" fill="hold">
+                                          <p:stCondLst>
+                                            <p:cond delay="0"/>
+                                          </p:stCondLst>
+                                        </p:cTn>
+                                        <p:tgtEl>
+                                          <p:spTgt spid="70"/>
+                                        </p:tgtEl>
+                                        <p:attrNameLst>
+                                          <p:attrName>style.visibility</p:attrName>
+                                        </p:attrNameLst>
+                                      </p:cBhvr>
+                                      <p:to>
+                                        <p:strVal val="visible"/>
+                                      </p:to>
+                                    </p:set>
+                                    <p:animEffect transition="in" filter="fade">
+                                      <p:cBhvr>
+                                        <p:cTn id="186" dur="500"/>
+                                        <p:tgtEl>
+                                          <p:spTgt spid="70"/>
+                                        </p:tgtEl>
+                                      </p:cBhvr>
+                                    </p:animEffect>
+                                  </p:childTnLst>
+                                </p:cTn>
+                              </p:par>
+                              <p:par>
+                                <p:cTn id="187" presetID="10" presetClass="entr" presetSubtype="0" fill="hold" nodeType="withEffect">
+                                  <p:stCondLst>
+                                    <p:cond delay="0"/>
+                                  </p:stCondLst>
+                                  <p:childTnLst>
+                                    <p:set>
+                                      <p:cBhvr>
+                                        <p:cTn id="188" dur="1" fill="hold">
+                                          <p:stCondLst>
+                                            <p:cond delay="0"/>
+                                          </p:stCondLst>
+                                        </p:cTn>
+                                        <p:tgtEl>
+                                          <p:spTgt spid="71"/>
+                                        </p:tgtEl>
+                                        <p:attrNameLst>
+                                          <p:attrName>style.visibility</p:attrName>
+                                        </p:attrNameLst>
+                                      </p:cBhvr>
+                                      <p:to>
+                                        <p:strVal val="visible"/>
+                                      </p:to>
+                                    </p:set>
+                                    <p:animEffect transition="in" filter="fade">
+                                      <p:cBhvr>
+                                        <p:cTn id="189" dur="500"/>
+                                        <p:tgtEl>
+                                          <p:spTgt spid="71"/>
+                                        </p:tgtEl>
+                                      </p:cBhvr>
+                                    </p:animEffect>
+                                  </p:childTnLst>
+                                </p:cTn>
+                              </p:par>
+                              <p:par>
+                                <p:cTn id="190" presetID="10" presetClass="entr" presetSubtype="0" fill="hold" nodeType="withEffect">
+                                  <p:stCondLst>
+                                    <p:cond delay="0"/>
+                                  </p:stCondLst>
+                                  <p:childTnLst>
+                                    <p:set>
+                                      <p:cBhvr>
+                                        <p:cTn id="191" dur="1" fill="hold">
+                                          <p:stCondLst>
+                                            <p:cond delay="0"/>
+                                          </p:stCondLst>
+                                        </p:cTn>
+                                        <p:tgtEl>
+                                          <p:spTgt spid="72"/>
+                                        </p:tgtEl>
+                                        <p:attrNameLst>
+                                          <p:attrName>style.visibility</p:attrName>
+                                        </p:attrNameLst>
+                                      </p:cBhvr>
+                                      <p:to>
+                                        <p:strVal val="visible"/>
+                                      </p:to>
+                                    </p:set>
+                                    <p:animEffect transition="in" filter="fade">
+                                      <p:cBhvr>
+                                        <p:cTn id="192" dur="500"/>
+                                        <p:tgtEl>
+                                          <p:spTgt spid="72"/>
+                                        </p:tgtEl>
+                                      </p:cBhvr>
+                                    </p:animEffect>
+                                  </p:childTnLst>
+                                </p:cTn>
+                              </p:par>
+                              <p:par>
+                                <p:cTn id="193" presetID="10" presetClass="entr" presetSubtype="0" fill="hold" nodeType="withEffect">
+                                  <p:stCondLst>
+                                    <p:cond delay="0"/>
+                                  </p:stCondLst>
+                                  <p:childTnLst>
+                                    <p:set>
+                                      <p:cBhvr>
+                                        <p:cTn id="194" dur="1" fill="hold">
+                                          <p:stCondLst>
+                                            <p:cond delay="0"/>
+                                          </p:stCondLst>
+                                        </p:cTn>
+                                        <p:tgtEl>
+                                          <p:spTgt spid="28"/>
+                                        </p:tgtEl>
+                                        <p:attrNameLst>
+                                          <p:attrName>style.visibility</p:attrName>
+                                        </p:attrNameLst>
+                                      </p:cBhvr>
+                                      <p:to>
+                                        <p:strVal val="visible"/>
+                                      </p:to>
+                                    </p:set>
+                                    <p:animEffect transition="in" filter="fade">
+                                      <p:cBhvr>
+                                        <p:cTn id="195" dur="500"/>
+                                        <p:tgtEl>
+                                          <p:spTgt spid="28"/>
+                                        </p:tgtEl>
+                                      </p:cBhvr>
+                                    </p:animEffect>
+                                  </p:childTnLst>
+                                </p:cTn>
+                              </p:par>
+                              <p:par>
+                                <p:cTn id="196" presetID="10" presetClass="entr" presetSubtype="0" fill="hold" nodeType="withEffect">
+                                  <p:stCondLst>
+                                    <p:cond delay="0"/>
+                                  </p:stCondLst>
+                                  <p:childTnLst>
+                                    <p:set>
+                                      <p:cBhvr>
+                                        <p:cTn id="197" dur="1" fill="hold">
+                                          <p:stCondLst>
+                                            <p:cond delay="0"/>
+                                          </p:stCondLst>
+                                        </p:cTn>
+                                        <p:tgtEl>
+                                          <p:spTgt spid="25"/>
+                                        </p:tgtEl>
+                                        <p:attrNameLst>
+                                          <p:attrName>style.visibility</p:attrName>
+                                        </p:attrNameLst>
+                                      </p:cBhvr>
+                                      <p:to>
+                                        <p:strVal val="visible"/>
+                                      </p:to>
+                                    </p:set>
+                                    <p:animEffect transition="in" filter="fade">
+                                      <p:cBhvr>
+                                        <p:cTn id="198" dur="500"/>
+                                        <p:tgtEl>
+                                          <p:spTgt spid="25"/>
+                                        </p:tgtEl>
+                                      </p:cBhvr>
+                                    </p:animEffect>
+                                  </p:childTnLst>
+                                </p:cTn>
+                              </p:par>
+                              <p:par>
+                                <p:cTn id="199" presetID="10" presetClass="entr" presetSubtype="0" fill="hold" grpId="0" nodeType="withEffect">
+                                  <p:stCondLst>
+                                    <p:cond delay="0"/>
+                                  </p:stCondLst>
+                                  <p:childTnLst>
+                                    <p:set>
+                                      <p:cBhvr>
+                                        <p:cTn id="200" dur="1" fill="hold">
+                                          <p:stCondLst>
+                                            <p:cond delay="0"/>
+                                          </p:stCondLst>
+                                        </p:cTn>
+                                        <p:tgtEl>
+                                          <p:spTgt spid="65"/>
+                                        </p:tgtEl>
+                                        <p:attrNameLst>
+                                          <p:attrName>style.visibility</p:attrName>
+                                        </p:attrNameLst>
+                                      </p:cBhvr>
+                                      <p:to>
+                                        <p:strVal val="visible"/>
+                                      </p:to>
+                                    </p:set>
+                                    <p:animEffect transition="in" filter="fade">
+                                      <p:cBhvr>
+                                        <p:cTn id="201" dur="500"/>
+                                        <p:tgtEl>
+                                          <p:spTgt spid="65"/>
+                                        </p:tgtEl>
+                                      </p:cBhvr>
+                                    </p:animEffect>
+                                  </p:childTnLst>
+                                </p:cTn>
+                              </p:par>
+                              <p:par>
+                                <p:cTn id="202" presetID="10" presetClass="entr" presetSubtype="0" fill="hold" nodeType="withEffect">
+                                  <p:stCondLst>
+                                    <p:cond delay="0"/>
+                                  </p:stCondLst>
+                                  <p:childTnLst>
+                                    <p:set>
+                                      <p:cBhvr>
+                                        <p:cTn id="203" dur="1" fill="hold">
+                                          <p:stCondLst>
+                                            <p:cond delay="0"/>
+                                          </p:stCondLst>
+                                        </p:cTn>
+                                        <p:tgtEl>
+                                          <p:spTgt spid="64"/>
+                                        </p:tgtEl>
+                                        <p:attrNameLst>
+                                          <p:attrName>style.visibility</p:attrName>
+                                        </p:attrNameLst>
+                                      </p:cBhvr>
+                                      <p:to>
+                                        <p:strVal val="visible"/>
+                                      </p:to>
+                                    </p:set>
+                                    <p:animEffect transition="in" filter="fade">
+                                      <p:cBhvr>
+                                        <p:cTn id="204" dur="500"/>
+                                        <p:tgtEl>
+                                          <p:spTgt spid="64"/>
+                                        </p:tgtEl>
+                                      </p:cBhvr>
+                                    </p:animEffect>
+                                  </p:childTnLst>
+                                </p:cTn>
+                              </p:par>
+                              <p:par>
+                                <p:cTn id="205" presetID="22" presetClass="entr" presetSubtype="8" fill="hold" nodeType="withEffect">
+                                  <p:stCondLst>
+                                    <p:cond delay="0"/>
+                                  </p:stCondLst>
+                                  <p:childTnLst>
+                                    <p:set>
+                                      <p:cBhvr>
+                                        <p:cTn id="206" dur="1" fill="hold">
+                                          <p:stCondLst>
+                                            <p:cond delay="0"/>
+                                          </p:stCondLst>
+                                        </p:cTn>
+                                        <p:tgtEl>
+                                          <p:spTgt spid="66"/>
+                                        </p:tgtEl>
+                                        <p:attrNameLst>
+                                          <p:attrName>style.visibility</p:attrName>
+                                        </p:attrNameLst>
+                                      </p:cBhvr>
+                                      <p:to>
+                                        <p:strVal val="visible"/>
+                                      </p:to>
+                                    </p:set>
+                                    <p:animEffect transition="in" filter="wipe(left)">
+                                      <p:cBhvr>
+                                        <p:cTn id="207" dur="500"/>
+                                        <p:tgtEl>
+                                          <p:spTgt spid="66"/>
+                                        </p:tgtEl>
+                                      </p:cBhvr>
+                                    </p:animEffect>
+                                  </p:childTnLst>
+                                </p:cTn>
+                              </p:par>
+                              <p:par>
+                                <p:cTn id="208" presetID="22" presetClass="entr" presetSubtype="8" fill="hold" nodeType="withEffect">
+                                  <p:stCondLst>
+                                    <p:cond delay="0"/>
+                                  </p:stCondLst>
+                                  <p:childTnLst>
+                                    <p:set>
+                                      <p:cBhvr>
+                                        <p:cTn id="209" dur="1" fill="hold">
+                                          <p:stCondLst>
+                                            <p:cond delay="0"/>
+                                          </p:stCondLst>
+                                        </p:cTn>
+                                        <p:tgtEl>
+                                          <p:spTgt spid="67"/>
+                                        </p:tgtEl>
+                                        <p:attrNameLst>
+                                          <p:attrName>style.visibility</p:attrName>
+                                        </p:attrNameLst>
+                                      </p:cBhvr>
+                                      <p:to>
+                                        <p:strVal val="visible"/>
+                                      </p:to>
+                                    </p:set>
+                                    <p:animEffect transition="in" filter="wipe(left)">
+                                      <p:cBhvr>
+                                        <p:cTn id="210" dur="500"/>
+                                        <p:tgtEl>
+                                          <p:spTgt spid="67"/>
+                                        </p:tgtEl>
+                                      </p:cBhvr>
+                                    </p:animEffect>
+                                  </p:childTnLst>
+                                </p:cTn>
+                              </p:par>
+                            </p:childTnLst>
+                          </p:cTn>
+                        </p:par>
+                      </p:childTnLst>
+                    </p:cTn>
+                  </p:par>
+                  <p:par>
+                    <p:cTn id="211" fill="hold">
+                      <p:stCondLst>
+                        <p:cond delay="indefinite"/>
+                      </p:stCondLst>
+                      <p:childTnLst>
+                        <p:par>
+                          <p:cTn id="212" fill="hold">
+                            <p:stCondLst>
+                              <p:cond delay="0"/>
+                            </p:stCondLst>
+                            <p:childTnLst>
+                              <p:par>
+                                <p:cTn id="213" presetID="10" presetClass="entr" presetSubtype="0" fill="hold" grpId="0" nodeType="clickEffect">
+                                  <p:stCondLst>
+                                    <p:cond delay="0"/>
+                                  </p:stCondLst>
+                                  <p:childTnLst>
+                                    <p:set>
+                                      <p:cBhvr>
+                                        <p:cTn id="214" dur="1" fill="hold">
+                                          <p:stCondLst>
+                                            <p:cond delay="0"/>
+                                          </p:stCondLst>
+                                        </p:cTn>
+                                        <p:tgtEl>
+                                          <p:spTgt spid="52"/>
+                                        </p:tgtEl>
+                                        <p:attrNameLst>
+                                          <p:attrName>style.visibility</p:attrName>
+                                        </p:attrNameLst>
+                                      </p:cBhvr>
+                                      <p:to>
+                                        <p:strVal val="visible"/>
+                                      </p:to>
+                                    </p:set>
+                                    <p:animEffect transition="in" filter="fade">
+                                      <p:cBhvr>
+                                        <p:cTn id="215" dur="500"/>
+                                        <p:tgtEl>
+                                          <p:spTgt spid="52"/>
+                                        </p:tgtEl>
+                                      </p:cBhvr>
+                                    </p:animEffect>
+                                  </p:childTnLst>
+                                </p:cTn>
+                              </p:par>
+                            </p:childTnLst>
+                          </p:cTn>
+                        </p:par>
+                      </p:childTnLst>
+                    </p:cTn>
+                  </p:par>
+                  <p:par>
+                    <p:cTn id="216" fill="hold">
+                      <p:stCondLst>
+                        <p:cond delay="indefinite"/>
+                      </p:stCondLst>
+                      <p:childTnLst>
+                        <p:par>
+                          <p:cTn id="217" fill="hold">
+                            <p:stCondLst>
+                              <p:cond delay="0"/>
+                            </p:stCondLst>
+                            <p:childTnLst>
+                              <p:par>
+                                <p:cTn id="218" presetID="10" presetClass="entr" presetSubtype="0" fill="hold" nodeType="clickEffect">
+                                  <p:stCondLst>
+                                    <p:cond delay="0"/>
+                                  </p:stCondLst>
+                                  <p:childTnLst>
+                                    <p:set>
+                                      <p:cBhvr>
+                                        <p:cTn id="219" dur="1" fill="hold">
+                                          <p:stCondLst>
+                                            <p:cond delay="0"/>
+                                          </p:stCondLst>
+                                        </p:cTn>
+                                        <p:tgtEl>
+                                          <p:spTgt spid="61"/>
+                                        </p:tgtEl>
+                                        <p:attrNameLst>
+                                          <p:attrName>style.visibility</p:attrName>
+                                        </p:attrNameLst>
+                                      </p:cBhvr>
+                                      <p:to>
+                                        <p:strVal val="visible"/>
+                                      </p:to>
+                                    </p:set>
+                                    <p:animEffect transition="in" filter="fade">
+                                      <p:cBhvr>
+                                        <p:cTn id="220" dur="500"/>
+                                        <p:tgtEl>
+                                          <p:spTgt spid="61"/>
+                                        </p:tgtEl>
+                                      </p:cBhvr>
+                                    </p:animEffect>
+                                  </p:childTnLst>
+                                </p:cTn>
+                              </p:par>
+                              <p:par>
+                                <p:cTn id="221" presetID="10" presetClass="entr" presetSubtype="0" fill="hold" grpId="0" nodeType="withEffect">
+                                  <p:stCondLst>
+                                    <p:cond delay="0"/>
+                                  </p:stCondLst>
+                                  <p:childTnLst>
+                                    <p:set>
+                                      <p:cBhvr>
+                                        <p:cTn id="222" dur="1" fill="hold">
+                                          <p:stCondLst>
+                                            <p:cond delay="0"/>
+                                          </p:stCondLst>
+                                        </p:cTn>
+                                        <p:tgtEl>
+                                          <p:spTgt spid="1024"/>
+                                        </p:tgtEl>
+                                        <p:attrNameLst>
+                                          <p:attrName>style.visibility</p:attrName>
+                                        </p:attrNameLst>
+                                      </p:cBhvr>
+                                      <p:to>
+                                        <p:strVal val="visible"/>
+                                      </p:to>
+                                    </p:set>
+                                    <p:animEffect transition="in" filter="fade">
+                                      <p:cBhvr>
+                                        <p:cTn id="223" dur="500"/>
+                                        <p:tgtEl>
+                                          <p:spTgt spid="1024"/>
+                                        </p:tgtEl>
+                                      </p:cBhvr>
+                                    </p:animEffect>
+                                  </p:childTnLst>
+                                </p:cTn>
+                              </p:par>
+                            </p:childTnLst>
+                          </p:cTn>
+                        </p:par>
+                      </p:childTnLst>
+                    </p:cTn>
+                  </p:par>
+                </p:childTnLst>
+              </p:cTn>
+              <p:prevCondLst>
+                <p:cond evt="onPrev" delay="0">
+                  <p:tgtEl>
+                    <p:sldTgt/>
+                  </p:tgtEl>
+                </p:cond>
+              </p:prevCondLst>
+              <p:nextCondLst>
+                <p:cond evt="onNext" delay="0">
+                  <p:tgtEl>
+                    <p:sldTgt/>
+                  </p:tgtEl>
+                </p:cond>
+              </p:nextCondLst>
+            </p:seq>
+          </p:childTnLst>
+        </p:cTn>
+      </p:par>
+    </p:tnLst>
+    <p:bldLst>
+      <p:bldP spid="8" grpId="0"/>
+      <p:bldP spid="10" grpId="0"/>
+      <p:bldP spid="13" grpId="0"/>
+      <p:bldP spid="16" grpId="0"/>
+      <p:bldP spid="17" grpId="0"/>
+      <p:bldP spid="19" grpId="0"/>
+      <p:bldP spid="20" grpId="0"/>
+      <p:bldP spid="24" grpId="0"/>
+      <p:bldP spid="26" grpId="0"/>
+      <p:bldP spid="29" grpId="0"/>
+      <p:bldP spid="32" grpId="0"/>
+      <p:bldP spid="33" grpId="0"/>
+      <p:bldP spid="34" grpId="0" animBg="1"/>
+      <p:bldP spid="35" grpId="0"/>
+      <p:bldP spid="36" grpId="0"/>
+      <p:bldP spid="37" grpId="0"/>
+      <p:bldP spid="38" grpId="0"/>
+      <p:bldP spid="44" grpId="0"/>
+      <p:bldP spid="52" grpId="0"/>
+      <p:bldP spid="1024" grpId="0"/>
+      <p:bldP spid="65" grpId="0"/>
+    </p:bldLst>
+  </p:timing>
+</p:sld>
+</file>
+
+<file path=ppt/slides/slide18.xml><?xml version="1.0" encoding="utf-8"?>
+<p:sld xmlns:a="http://schemas.openxmlformats.org/drawingml/2006/main" xmlns:r="http://schemas.openxmlformats.org/officeDocument/2006/relationships" xmlns:p="http://schemas.openxmlformats.org/presentationml/2006/main">
+  <p:cSld>
     <p:bg>
       <p:bgPr>
         <a:solidFill>
@@ -20432,76 +25690,3664 @@
       </p:grpSpPr>
       <p:sp>
         <p:nvSpPr>
-          <p:cNvPr id="4" name="Rectangle 3"/>
-          <p:cNvSpPr/>
+          <p:cNvPr id="5" name="Subtitle 4"/>
+          <p:cNvSpPr>
+            <a:spLocks noGrp="1"/>
+          </p:cNvSpPr>
+          <p:nvPr>
+            <p:ph type="subTitle" idx="11"/>
+          </p:nvPr>
+        </p:nvSpPr>
+        <p:spPr/>
+        <p:txBody>
+          <a:bodyPr/>
+          <a:lstStyle/>
+          <a:p>
+            <a:pPr marL="0" indent="0">
+              <a:buNone/>
+            </a:pPr>
+            <a:r>
+              <a:rPr lang="en-US" dirty="0" smtClean="0">
+                <a:solidFill>
+                  <a:schemeClr val="bg1"/>
+                </a:solidFill>
+              </a:rPr>
+              <a:t>Demo: </a:t>
+            </a:r>
+            <a:r>
+              <a:rPr lang="en-US" dirty="0" smtClean="0">
+                <a:solidFill>
+                  <a:schemeClr val="bg1"/>
+                </a:solidFill>
+              </a:rPr>
+              <a:t>Dynamic Packaging </a:t>
+            </a:r>
+            <a:r>
+              <a:rPr lang="en-US" dirty="0" err="1" smtClean="0">
+                <a:solidFill>
+                  <a:schemeClr val="bg1"/>
+                </a:solidFill>
+              </a:rPr>
+              <a:t>desde</a:t>
+            </a:r>
+            <a:r>
+              <a:rPr lang="en-US" dirty="0" smtClean="0">
+                <a:solidFill>
+                  <a:schemeClr val="bg1"/>
+                </a:solidFill>
+              </a:rPr>
+              <a:t> C#</a:t>
+            </a:r>
+            <a:endParaRPr lang="en-US" dirty="0">
+              <a:solidFill>
+                <a:schemeClr val="bg1"/>
+              </a:solidFill>
+            </a:endParaRPr>
+          </a:p>
+        </p:txBody>
+      </p:sp>
+      <p:sp>
+        <p:nvSpPr>
+          <p:cNvPr id="8" name="Title 7"/>
+          <p:cNvSpPr>
+            <a:spLocks noGrp="1"/>
+          </p:cNvSpPr>
+          <p:nvPr>
+            <p:ph type="title"/>
+          </p:nvPr>
+        </p:nvSpPr>
+        <p:spPr>
+          <a:xfrm>
+            <a:off x="269240" y="2981502"/>
+            <a:ext cx="11653521" cy="894996"/>
+          </a:xfrm>
+        </p:spPr>
+        <p:txBody>
+          <a:bodyPr>
+            <a:noAutofit/>
+          </a:bodyPr>
+          <a:lstStyle/>
+          <a:p>
+            <a:r>
+              <a:rPr lang="en-US" sz="4400" dirty="0" smtClean="0">
+                <a:solidFill>
+                  <a:schemeClr val="bg1"/>
+                </a:solidFill>
+              </a:rPr>
+              <a:t>Dynamic Packaging</a:t>
+            </a:r>
+            <a:endParaRPr lang="en-US" sz="4400" dirty="0">
+              <a:solidFill>
+                <a:schemeClr val="bg1"/>
+              </a:solidFill>
+            </a:endParaRPr>
+          </a:p>
+        </p:txBody>
+      </p:sp>
+      <p:sp>
+        <p:nvSpPr>
+          <p:cNvPr id="15" name="Freeform 24"/>
+          <p:cNvSpPr>
+            <a:spLocks noEditPoints="1"/>
+          </p:cNvSpPr>
           <p:nvPr/>
         </p:nvSpPr>
-        <p:spPr bwMode="auto">
+        <p:spPr bwMode="black">
           <a:xfrm>
-            <a:off x="9582126" y="1"/>
-            <a:ext cx="2609502" cy="6857999"/>
+            <a:off x="9120336" y="1400525"/>
+            <a:ext cx="2613773" cy="3032208"/>
           </a:xfrm>
-          <a:prstGeom prst="rect">
+          <a:custGeom>
             <a:avLst/>
-          </a:prstGeom>
+            <a:gdLst>
+              <a:gd name="T0" fmla="*/ 126 w 259"/>
+              <a:gd name="T1" fmla="*/ 53 h 300"/>
+              <a:gd name="T2" fmla="*/ 120 w 259"/>
+              <a:gd name="T3" fmla="*/ 38 h 300"/>
+              <a:gd name="T4" fmla="*/ 77 w 259"/>
+              <a:gd name="T5" fmla="*/ 43 h 300"/>
+              <a:gd name="T6" fmla="*/ 105 w 259"/>
+              <a:gd name="T7" fmla="*/ 53 h 300"/>
+              <a:gd name="T8" fmla="*/ 105 w 259"/>
+              <a:gd name="T9" fmla="*/ 53 h 300"/>
+              <a:gd name="T10" fmla="*/ 84 w 259"/>
+              <a:gd name="T11" fmla="*/ 136 h 300"/>
+              <a:gd name="T12" fmla="*/ 79 w 259"/>
+              <a:gd name="T13" fmla="*/ 124 h 300"/>
+              <a:gd name="T14" fmla="*/ 45 w 259"/>
+              <a:gd name="T15" fmla="*/ 128 h 300"/>
+              <a:gd name="T16" fmla="*/ 67 w 259"/>
+              <a:gd name="T17" fmla="*/ 136 h 300"/>
+              <a:gd name="T18" fmla="*/ 67 w 259"/>
+              <a:gd name="T19" fmla="*/ 136 h 300"/>
+              <a:gd name="T20" fmla="*/ 35 w 259"/>
+              <a:gd name="T21" fmla="*/ 69 h 300"/>
+              <a:gd name="T22" fmla="*/ 32 w 259"/>
+              <a:gd name="T23" fmla="*/ 63 h 300"/>
+              <a:gd name="T24" fmla="*/ 15 w 259"/>
+              <a:gd name="T25" fmla="*/ 65 h 300"/>
+              <a:gd name="T26" fmla="*/ 26 w 259"/>
+              <a:gd name="T27" fmla="*/ 69 h 300"/>
+              <a:gd name="T28" fmla="*/ 26 w 259"/>
+              <a:gd name="T29" fmla="*/ 69 h 300"/>
+              <a:gd name="T30" fmla="*/ 233 w 259"/>
+              <a:gd name="T31" fmla="*/ 19 h 300"/>
+              <a:gd name="T32" fmla="*/ 231 w 259"/>
+              <a:gd name="T33" fmla="*/ 13 h 300"/>
+              <a:gd name="T34" fmla="*/ 214 w 259"/>
+              <a:gd name="T35" fmla="*/ 15 h 300"/>
+              <a:gd name="T36" fmla="*/ 225 w 259"/>
+              <a:gd name="T37" fmla="*/ 19 h 300"/>
+              <a:gd name="T38" fmla="*/ 225 w 259"/>
+              <a:gd name="T39" fmla="*/ 19 h 300"/>
+              <a:gd name="T40" fmla="*/ 248 w 259"/>
+              <a:gd name="T41" fmla="*/ 141 h 300"/>
+              <a:gd name="T42" fmla="*/ 246 w 259"/>
+              <a:gd name="T43" fmla="*/ 135 h 300"/>
+              <a:gd name="T44" fmla="*/ 229 w 259"/>
+              <a:gd name="T45" fmla="*/ 136 h 300"/>
+              <a:gd name="T46" fmla="*/ 240 w 259"/>
+              <a:gd name="T47" fmla="*/ 141 h 300"/>
+              <a:gd name="T48" fmla="*/ 240 w 259"/>
+              <a:gd name="T49" fmla="*/ 141 h 300"/>
+              <a:gd name="T50" fmla="*/ 20 w 259"/>
+              <a:gd name="T51" fmla="*/ 162 h 300"/>
+              <a:gd name="T52" fmla="*/ 17 w 259"/>
+              <a:gd name="T53" fmla="*/ 156 h 300"/>
+              <a:gd name="T54" fmla="*/ 0 w 259"/>
+              <a:gd name="T55" fmla="*/ 158 h 300"/>
+              <a:gd name="T56" fmla="*/ 11 w 259"/>
+              <a:gd name="T57" fmla="*/ 162 h 300"/>
+              <a:gd name="T58" fmla="*/ 11 w 259"/>
+              <a:gd name="T59" fmla="*/ 162 h 300"/>
+              <a:gd name="T60" fmla="*/ 226 w 259"/>
+              <a:gd name="T61" fmla="*/ 100 h 300"/>
+              <a:gd name="T62" fmla="*/ 219 w 259"/>
+              <a:gd name="T63" fmla="*/ 82 h 300"/>
+              <a:gd name="T64" fmla="*/ 168 w 259"/>
+              <a:gd name="T65" fmla="*/ 88 h 300"/>
+              <a:gd name="T66" fmla="*/ 201 w 259"/>
+              <a:gd name="T67" fmla="*/ 100 h 300"/>
+              <a:gd name="T68" fmla="*/ 201 w 259"/>
+              <a:gd name="T69" fmla="*/ 100 h 300"/>
+              <a:gd name="T70" fmla="*/ 223 w 259"/>
+              <a:gd name="T71" fmla="*/ 146 h 300"/>
+              <a:gd name="T72" fmla="*/ 156 w 259"/>
+              <a:gd name="T73" fmla="*/ 178 h 300"/>
+              <a:gd name="T74" fmla="*/ 150 w 259"/>
+              <a:gd name="T75" fmla="*/ 178 h 300"/>
+              <a:gd name="T76" fmla="*/ 206 w 259"/>
+              <a:gd name="T77" fmla="*/ 17 h 300"/>
+              <a:gd name="T78" fmla="*/ 120 w 259"/>
+              <a:gd name="T79" fmla="*/ 69 h 300"/>
+              <a:gd name="T80" fmla="*/ 54 w 259"/>
+              <a:gd name="T81" fmla="*/ 62 h 300"/>
+              <a:gd name="T82" fmla="*/ 103 w 259"/>
+              <a:gd name="T83" fmla="*/ 178 h 300"/>
+              <a:gd name="T84" fmla="*/ 97 w 259"/>
+              <a:gd name="T85" fmla="*/ 178 h 300"/>
+              <a:gd name="T86" fmla="*/ 36 w 259"/>
+              <a:gd name="T87" fmla="*/ 160 h 300"/>
+              <a:gd name="T88" fmla="*/ 22 w 259"/>
+              <a:gd name="T89" fmla="*/ 236 h 300"/>
+              <a:gd name="T90" fmla="*/ 60 w 259"/>
+              <a:gd name="T91" fmla="*/ 294 h 300"/>
+              <a:gd name="T92" fmla="*/ 212 w 259"/>
+              <a:gd name="T93" fmla="*/ 195 h 300"/>
+              <a:gd name="T94" fmla="*/ 250 w 259"/>
+              <a:gd name="T95" fmla="*/ 231 h 300"/>
+              <a:gd name="T96" fmla="*/ 113 w 259"/>
+              <a:gd name="T97" fmla="*/ 214 h 300"/>
+            </a:gdLst>
+            <a:ahLst/>
+            <a:cxnLst>
+              <a:cxn ang="0">
+                <a:pos x="T0" y="T1"/>
+              </a:cxn>
+              <a:cxn ang="0">
+                <a:pos x="T2" y="T3"/>
+              </a:cxn>
+              <a:cxn ang="0">
+                <a:pos x="T4" y="T5"/>
+              </a:cxn>
+              <a:cxn ang="0">
+                <a:pos x="T6" y="T7"/>
+              </a:cxn>
+              <a:cxn ang="0">
+                <a:pos x="T8" y="T9"/>
+              </a:cxn>
+              <a:cxn ang="0">
+                <a:pos x="T10" y="T11"/>
+              </a:cxn>
+              <a:cxn ang="0">
+                <a:pos x="T12" y="T13"/>
+              </a:cxn>
+              <a:cxn ang="0">
+                <a:pos x="T14" y="T15"/>
+              </a:cxn>
+              <a:cxn ang="0">
+                <a:pos x="T16" y="T17"/>
+              </a:cxn>
+              <a:cxn ang="0">
+                <a:pos x="T18" y="T19"/>
+              </a:cxn>
+              <a:cxn ang="0">
+                <a:pos x="T20" y="T21"/>
+              </a:cxn>
+              <a:cxn ang="0">
+                <a:pos x="T22" y="T23"/>
+              </a:cxn>
+              <a:cxn ang="0">
+                <a:pos x="T24" y="T25"/>
+              </a:cxn>
+              <a:cxn ang="0">
+                <a:pos x="T26" y="T27"/>
+              </a:cxn>
+              <a:cxn ang="0">
+                <a:pos x="T28" y="T29"/>
+              </a:cxn>
+              <a:cxn ang="0">
+                <a:pos x="T30" y="T31"/>
+              </a:cxn>
+              <a:cxn ang="0">
+                <a:pos x="T32" y="T33"/>
+              </a:cxn>
+              <a:cxn ang="0">
+                <a:pos x="T34" y="T35"/>
+              </a:cxn>
+              <a:cxn ang="0">
+                <a:pos x="T36" y="T37"/>
+              </a:cxn>
+              <a:cxn ang="0">
+                <a:pos x="T38" y="T39"/>
+              </a:cxn>
+              <a:cxn ang="0">
+                <a:pos x="T40" y="T41"/>
+              </a:cxn>
+              <a:cxn ang="0">
+                <a:pos x="T42" y="T43"/>
+              </a:cxn>
+              <a:cxn ang="0">
+                <a:pos x="T44" y="T45"/>
+              </a:cxn>
+              <a:cxn ang="0">
+                <a:pos x="T46" y="T47"/>
+              </a:cxn>
+              <a:cxn ang="0">
+                <a:pos x="T48" y="T49"/>
+              </a:cxn>
+              <a:cxn ang="0">
+                <a:pos x="T50" y="T51"/>
+              </a:cxn>
+              <a:cxn ang="0">
+                <a:pos x="T52" y="T53"/>
+              </a:cxn>
+              <a:cxn ang="0">
+                <a:pos x="T54" y="T55"/>
+              </a:cxn>
+              <a:cxn ang="0">
+                <a:pos x="T56" y="T57"/>
+              </a:cxn>
+              <a:cxn ang="0">
+                <a:pos x="T58" y="T59"/>
+              </a:cxn>
+              <a:cxn ang="0">
+                <a:pos x="T60" y="T61"/>
+              </a:cxn>
+              <a:cxn ang="0">
+                <a:pos x="T62" y="T63"/>
+              </a:cxn>
+              <a:cxn ang="0">
+                <a:pos x="T64" y="T65"/>
+              </a:cxn>
+              <a:cxn ang="0">
+                <a:pos x="T66" y="T67"/>
+              </a:cxn>
+              <a:cxn ang="0">
+                <a:pos x="T68" y="T69"/>
+              </a:cxn>
+              <a:cxn ang="0">
+                <a:pos x="T70" y="T71"/>
+              </a:cxn>
+              <a:cxn ang="0">
+                <a:pos x="T72" y="T73"/>
+              </a:cxn>
+              <a:cxn ang="0">
+                <a:pos x="T74" y="T75"/>
+              </a:cxn>
+              <a:cxn ang="0">
+                <a:pos x="T76" y="T77"/>
+              </a:cxn>
+              <a:cxn ang="0">
+                <a:pos x="T78" y="T79"/>
+              </a:cxn>
+              <a:cxn ang="0">
+                <a:pos x="T80" y="T81"/>
+              </a:cxn>
+              <a:cxn ang="0">
+                <a:pos x="T82" y="T83"/>
+              </a:cxn>
+              <a:cxn ang="0">
+                <a:pos x="T84" y="T85"/>
+              </a:cxn>
+              <a:cxn ang="0">
+                <a:pos x="T86" y="T87"/>
+              </a:cxn>
+              <a:cxn ang="0">
+                <a:pos x="T88" y="T89"/>
+              </a:cxn>
+              <a:cxn ang="0">
+                <a:pos x="T90" y="T91"/>
+              </a:cxn>
+              <a:cxn ang="0">
+                <a:pos x="T92" y="T93"/>
+              </a:cxn>
+              <a:cxn ang="0">
+                <a:pos x="T94" y="T95"/>
+              </a:cxn>
+              <a:cxn ang="0">
+                <a:pos x="T96" y="T97"/>
+              </a:cxn>
+            </a:cxnLst>
+            <a:rect l="0" t="0" r="r" b="b"/>
+            <a:pathLst>
+              <a:path w="259" h="300">
+                <a:moveTo>
+                  <a:pt x="115" y="81"/>
+                </a:moveTo>
+                <a:cubicBezTo>
+                  <a:pt x="115" y="81"/>
+                  <a:pt x="115" y="52"/>
+                  <a:pt x="120" y="47"/>
+                </a:cubicBezTo>
+                <a:cubicBezTo>
+                  <a:pt x="125" y="42"/>
+                  <a:pt x="153" y="43"/>
+                  <a:pt x="153" y="43"/>
+                </a:cubicBezTo>
+                <a:cubicBezTo>
+                  <a:pt x="153" y="43"/>
+                  <a:pt x="131" y="48"/>
+                  <a:pt x="126" y="53"/>
+                </a:cubicBezTo>
+                <a:cubicBezTo>
+                  <a:pt x="120" y="58"/>
+                  <a:pt x="115" y="81"/>
+                  <a:pt x="115" y="81"/>
+                </a:cubicBezTo>
+                <a:close/>
+                <a:moveTo>
+                  <a:pt x="126" y="32"/>
+                </a:moveTo>
+                <a:cubicBezTo>
+                  <a:pt x="120" y="27"/>
+                  <a:pt x="115" y="5"/>
+                  <a:pt x="115" y="5"/>
+                </a:cubicBezTo>
+                <a:cubicBezTo>
+                  <a:pt x="115" y="5"/>
+                  <a:pt x="115" y="33"/>
+                  <a:pt x="120" y="38"/>
+                </a:cubicBezTo>
+                <a:cubicBezTo>
+                  <a:pt x="125" y="43"/>
+                  <a:pt x="153" y="43"/>
+                  <a:pt x="153" y="43"/>
+                </a:cubicBezTo>
+                <a:cubicBezTo>
+                  <a:pt x="153" y="43"/>
+                  <a:pt x="131" y="38"/>
+                  <a:pt x="126" y="32"/>
+                </a:cubicBezTo>
+                <a:close/>
+                <a:moveTo>
+                  <a:pt x="105" y="32"/>
+                </a:moveTo>
+                <a:cubicBezTo>
+                  <a:pt x="100" y="38"/>
+                  <a:pt x="77" y="43"/>
+                  <a:pt x="77" y="43"/>
+                </a:cubicBezTo>
+                <a:cubicBezTo>
+                  <a:pt x="77" y="43"/>
+                  <a:pt x="105" y="43"/>
+                  <a:pt x="111" y="38"/>
+                </a:cubicBezTo>
+                <a:cubicBezTo>
+                  <a:pt x="116" y="33"/>
+                  <a:pt x="115" y="5"/>
+                  <a:pt x="115" y="5"/>
+                </a:cubicBezTo>
+                <a:cubicBezTo>
+                  <a:pt x="115" y="5"/>
+                  <a:pt x="110" y="27"/>
+                  <a:pt x="105" y="32"/>
+                </a:cubicBezTo>
+                <a:close/>
+                <a:moveTo>
+                  <a:pt x="105" y="53"/>
+                </a:moveTo>
+                <a:cubicBezTo>
+                  <a:pt x="110" y="58"/>
+                  <a:pt x="115" y="81"/>
+                  <a:pt x="115" y="81"/>
+                </a:cubicBezTo>
+                <a:cubicBezTo>
+                  <a:pt x="115" y="81"/>
+                  <a:pt x="116" y="52"/>
+                  <a:pt x="111" y="47"/>
+                </a:cubicBezTo>
+                <a:cubicBezTo>
+                  <a:pt x="105" y="42"/>
+                  <a:pt x="77" y="43"/>
+                  <a:pt x="77" y="43"/>
+                </a:cubicBezTo>
+                <a:cubicBezTo>
+                  <a:pt x="77" y="43"/>
+                  <a:pt x="100" y="48"/>
+                  <a:pt x="105" y="53"/>
+                </a:cubicBezTo>
+                <a:close/>
+                <a:moveTo>
+                  <a:pt x="75" y="158"/>
+                </a:moveTo>
+                <a:cubicBezTo>
+                  <a:pt x="75" y="158"/>
+                  <a:pt x="75" y="136"/>
+                  <a:pt x="79" y="131"/>
+                </a:cubicBezTo>
+                <a:cubicBezTo>
+                  <a:pt x="83" y="127"/>
+                  <a:pt x="106" y="128"/>
+                  <a:pt x="106" y="128"/>
+                </a:cubicBezTo>
+                <a:cubicBezTo>
+                  <a:pt x="106" y="128"/>
+                  <a:pt x="88" y="132"/>
+                  <a:pt x="84" y="136"/>
+                </a:cubicBezTo>
+                <a:cubicBezTo>
+                  <a:pt x="79" y="140"/>
+                  <a:pt x="75" y="158"/>
+                  <a:pt x="75" y="158"/>
+                </a:cubicBezTo>
+                <a:close/>
+                <a:moveTo>
+                  <a:pt x="84" y="119"/>
+                </a:moveTo>
+                <a:cubicBezTo>
+                  <a:pt x="79" y="115"/>
+                  <a:pt x="75" y="97"/>
+                  <a:pt x="75" y="97"/>
+                </a:cubicBezTo>
+                <a:cubicBezTo>
+                  <a:pt x="75" y="97"/>
+                  <a:pt x="75" y="120"/>
+                  <a:pt x="79" y="124"/>
+                </a:cubicBezTo>
+                <a:cubicBezTo>
+                  <a:pt x="83" y="128"/>
+                  <a:pt x="106" y="128"/>
+                  <a:pt x="106" y="128"/>
+                </a:cubicBezTo>
+                <a:cubicBezTo>
+                  <a:pt x="106" y="128"/>
+                  <a:pt x="88" y="124"/>
+                  <a:pt x="84" y="119"/>
+                </a:cubicBezTo>
+                <a:close/>
+                <a:moveTo>
+                  <a:pt x="67" y="119"/>
+                </a:moveTo>
+                <a:cubicBezTo>
+                  <a:pt x="63" y="124"/>
+                  <a:pt x="45" y="128"/>
+                  <a:pt x="45" y="128"/>
+                </a:cubicBezTo>
+                <a:cubicBezTo>
+                  <a:pt x="45" y="128"/>
+                  <a:pt x="68" y="128"/>
+                  <a:pt x="72" y="124"/>
+                </a:cubicBezTo>
+                <a:cubicBezTo>
+                  <a:pt x="76" y="120"/>
+                  <a:pt x="75" y="97"/>
+                  <a:pt x="75" y="97"/>
+                </a:cubicBezTo>
+                <a:cubicBezTo>
+                  <a:pt x="75" y="97"/>
+                  <a:pt x="71" y="115"/>
+                  <a:pt x="67" y="119"/>
+                </a:cubicBezTo>
+                <a:close/>
+                <a:moveTo>
+                  <a:pt x="67" y="136"/>
+                </a:moveTo>
+                <a:cubicBezTo>
+                  <a:pt x="71" y="140"/>
+                  <a:pt x="75" y="158"/>
+                  <a:pt x="75" y="158"/>
+                </a:cubicBezTo>
+                <a:cubicBezTo>
+                  <a:pt x="75" y="158"/>
+                  <a:pt x="76" y="136"/>
+                  <a:pt x="72" y="131"/>
+                </a:cubicBezTo>
+                <a:cubicBezTo>
+                  <a:pt x="68" y="127"/>
+                  <a:pt x="45" y="128"/>
+                  <a:pt x="45" y="128"/>
+                </a:cubicBezTo>
+                <a:cubicBezTo>
+                  <a:pt x="45" y="128"/>
+                  <a:pt x="63" y="132"/>
+                  <a:pt x="67" y="136"/>
+                </a:cubicBezTo>
+                <a:close/>
+                <a:moveTo>
+                  <a:pt x="31" y="80"/>
+                </a:moveTo>
+                <a:cubicBezTo>
+                  <a:pt x="31" y="80"/>
+                  <a:pt x="30" y="69"/>
+                  <a:pt x="32" y="67"/>
+                </a:cubicBezTo>
+                <a:cubicBezTo>
+                  <a:pt x="35" y="65"/>
+                  <a:pt x="46" y="65"/>
+                  <a:pt x="46" y="65"/>
+                </a:cubicBezTo>
+                <a:cubicBezTo>
+                  <a:pt x="46" y="65"/>
+                  <a:pt x="37" y="67"/>
+                  <a:pt x="35" y="69"/>
+                </a:cubicBezTo>
+                <a:cubicBezTo>
+                  <a:pt x="33" y="71"/>
+                  <a:pt x="31" y="80"/>
+                  <a:pt x="31" y="80"/>
+                </a:cubicBezTo>
+                <a:close/>
+                <a:moveTo>
+                  <a:pt x="35" y="61"/>
+                </a:moveTo>
+                <a:cubicBezTo>
+                  <a:pt x="33" y="59"/>
+                  <a:pt x="31" y="50"/>
+                  <a:pt x="31" y="50"/>
+                </a:cubicBezTo>
+                <a:cubicBezTo>
+                  <a:pt x="31" y="50"/>
+                  <a:pt x="30" y="61"/>
+                  <a:pt x="32" y="63"/>
+                </a:cubicBezTo>
+                <a:cubicBezTo>
+                  <a:pt x="35" y="65"/>
+                  <a:pt x="46" y="65"/>
+                  <a:pt x="46" y="65"/>
+                </a:cubicBezTo>
+                <a:cubicBezTo>
+                  <a:pt x="46" y="65"/>
+                  <a:pt x="37" y="63"/>
+                  <a:pt x="35" y="61"/>
+                </a:cubicBezTo>
+                <a:close/>
+                <a:moveTo>
+                  <a:pt x="26" y="61"/>
+                </a:moveTo>
+                <a:cubicBezTo>
+                  <a:pt x="24" y="63"/>
+                  <a:pt x="15" y="65"/>
+                  <a:pt x="15" y="65"/>
+                </a:cubicBezTo>
+                <a:cubicBezTo>
+                  <a:pt x="15" y="65"/>
+                  <a:pt x="27" y="65"/>
+                  <a:pt x="29" y="63"/>
+                </a:cubicBezTo>
+                <a:cubicBezTo>
+                  <a:pt x="31" y="61"/>
+                  <a:pt x="31" y="50"/>
+                  <a:pt x="31" y="50"/>
+                </a:cubicBezTo>
+                <a:cubicBezTo>
+                  <a:pt x="31" y="50"/>
+                  <a:pt x="29" y="59"/>
+                  <a:pt x="26" y="61"/>
+                </a:cubicBezTo>
+                <a:close/>
+                <a:moveTo>
+                  <a:pt x="26" y="69"/>
+                </a:moveTo>
+                <a:cubicBezTo>
+                  <a:pt x="29" y="71"/>
+                  <a:pt x="31" y="80"/>
+                  <a:pt x="31" y="80"/>
+                </a:cubicBezTo>
+                <a:cubicBezTo>
+                  <a:pt x="31" y="80"/>
+                  <a:pt x="31" y="69"/>
+                  <a:pt x="29" y="67"/>
+                </a:cubicBezTo>
+                <a:cubicBezTo>
+                  <a:pt x="27" y="65"/>
+                  <a:pt x="15" y="65"/>
+                  <a:pt x="15" y="65"/>
+                </a:cubicBezTo>
+                <a:cubicBezTo>
+                  <a:pt x="15" y="65"/>
+                  <a:pt x="24" y="67"/>
+                  <a:pt x="26" y="69"/>
+                </a:cubicBezTo>
+                <a:close/>
+                <a:moveTo>
+                  <a:pt x="229" y="30"/>
+                </a:moveTo>
+                <a:cubicBezTo>
+                  <a:pt x="229" y="30"/>
+                  <a:pt x="229" y="19"/>
+                  <a:pt x="231" y="17"/>
+                </a:cubicBezTo>
+                <a:cubicBezTo>
+                  <a:pt x="233" y="15"/>
+                  <a:pt x="244" y="15"/>
+                  <a:pt x="244" y="15"/>
+                </a:cubicBezTo>
+                <a:cubicBezTo>
+                  <a:pt x="244" y="15"/>
+                  <a:pt x="235" y="17"/>
+                  <a:pt x="233" y="19"/>
+                </a:cubicBezTo>
+                <a:cubicBezTo>
+                  <a:pt x="231" y="21"/>
+                  <a:pt x="229" y="30"/>
+                  <a:pt x="229" y="30"/>
+                </a:cubicBezTo>
+                <a:close/>
+                <a:moveTo>
+                  <a:pt x="233" y="11"/>
+                </a:moveTo>
+                <a:cubicBezTo>
+                  <a:pt x="231" y="9"/>
+                  <a:pt x="229" y="0"/>
+                  <a:pt x="229" y="0"/>
+                </a:cubicBezTo>
+                <a:cubicBezTo>
+                  <a:pt x="229" y="0"/>
+                  <a:pt x="229" y="11"/>
+                  <a:pt x="231" y="13"/>
+                </a:cubicBezTo>
+                <a:cubicBezTo>
+                  <a:pt x="233" y="15"/>
+                  <a:pt x="244" y="15"/>
+                  <a:pt x="244" y="15"/>
+                </a:cubicBezTo>
+                <a:cubicBezTo>
+                  <a:pt x="244" y="15"/>
+                  <a:pt x="235" y="13"/>
+                  <a:pt x="233" y="11"/>
+                </a:cubicBezTo>
+                <a:close/>
+                <a:moveTo>
+                  <a:pt x="225" y="11"/>
+                </a:moveTo>
+                <a:cubicBezTo>
+                  <a:pt x="223" y="13"/>
+                  <a:pt x="214" y="15"/>
+                  <a:pt x="214" y="15"/>
+                </a:cubicBezTo>
+                <a:cubicBezTo>
+                  <a:pt x="214" y="15"/>
+                  <a:pt x="225" y="15"/>
+                  <a:pt x="227" y="13"/>
+                </a:cubicBezTo>
+                <a:cubicBezTo>
+                  <a:pt x="229" y="11"/>
+                  <a:pt x="229" y="0"/>
+                  <a:pt x="229" y="0"/>
+                </a:cubicBezTo>
+                <a:cubicBezTo>
+                  <a:pt x="229" y="0"/>
+                  <a:pt x="227" y="9"/>
+                  <a:pt x="225" y="11"/>
+                </a:cubicBezTo>
+                <a:close/>
+                <a:moveTo>
+                  <a:pt x="225" y="19"/>
+                </a:moveTo>
+                <a:cubicBezTo>
+                  <a:pt x="227" y="21"/>
+                  <a:pt x="229" y="30"/>
+                  <a:pt x="229" y="30"/>
+                </a:cubicBezTo>
+                <a:cubicBezTo>
+                  <a:pt x="229" y="30"/>
+                  <a:pt x="229" y="19"/>
+                  <a:pt x="227" y="17"/>
+                </a:cubicBezTo>
+                <a:cubicBezTo>
+                  <a:pt x="225" y="15"/>
+                  <a:pt x="214" y="15"/>
+                  <a:pt x="214" y="15"/>
+                </a:cubicBezTo>
+                <a:cubicBezTo>
+                  <a:pt x="214" y="15"/>
+                  <a:pt x="223" y="17"/>
+                  <a:pt x="225" y="19"/>
+                </a:cubicBezTo>
+                <a:close/>
+                <a:moveTo>
+                  <a:pt x="244" y="152"/>
+                </a:moveTo>
+                <a:cubicBezTo>
+                  <a:pt x="244" y="152"/>
+                  <a:pt x="244" y="140"/>
+                  <a:pt x="246" y="138"/>
+                </a:cubicBezTo>
+                <a:cubicBezTo>
+                  <a:pt x="248" y="136"/>
+                  <a:pt x="259" y="136"/>
+                  <a:pt x="259" y="136"/>
+                </a:cubicBezTo>
+                <a:cubicBezTo>
+                  <a:pt x="259" y="136"/>
+                  <a:pt x="250" y="138"/>
+                  <a:pt x="248" y="141"/>
+                </a:cubicBezTo>
+                <a:cubicBezTo>
+                  <a:pt x="246" y="143"/>
+                  <a:pt x="244" y="152"/>
+                  <a:pt x="244" y="152"/>
+                </a:cubicBezTo>
+                <a:close/>
+                <a:moveTo>
+                  <a:pt x="248" y="132"/>
+                </a:moveTo>
+                <a:cubicBezTo>
+                  <a:pt x="246" y="130"/>
+                  <a:pt x="244" y="121"/>
+                  <a:pt x="244" y="121"/>
+                </a:cubicBezTo>
+                <a:cubicBezTo>
+                  <a:pt x="244" y="121"/>
+                  <a:pt x="244" y="133"/>
+                  <a:pt x="246" y="135"/>
+                </a:cubicBezTo>
+                <a:cubicBezTo>
+                  <a:pt x="248" y="137"/>
+                  <a:pt x="259" y="136"/>
+                  <a:pt x="259" y="136"/>
+                </a:cubicBezTo>
+                <a:cubicBezTo>
+                  <a:pt x="259" y="136"/>
+                  <a:pt x="250" y="134"/>
+                  <a:pt x="248" y="132"/>
+                </a:cubicBezTo>
+                <a:close/>
+                <a:moveTo>
+                  <a:pt x="240" y="132"/>
+                </a:moveTo>
+                <a:cubicBezTo>
+                  <a:pt x="238" y="134"/>
+                  <a:pt x="229" y="136"/>
+                  <a:pt x="229" y="136"/>
+                </a:cubicBezTo>
+                <a:cubicBezTo>
+                  <a:pt x="229" y="136"/>
+                  <a:pt x="240" y="137"/>
+                  <a:pt x="242" y="135"/>
+                </a:cubicBezTo>
+                <a:cubicBezTo>
+                  <a:pt x="244" y="133"/>
+                  <a:pt x="244" y="121"/>
+                  <a:pt x="244" y="121"/>
+                </a:cubicBezTo>
+                <a:cubicBezTo>
+                  <a:pt x="244" y="121"/>
+                  <a:pt x="242" y="130"/>
+                  <a:pt x="240" y="132"/>
+                </a:cubicBezTo>
+                <a:close/>
+                <a:moveTo>
+                  <a:pt x="240" y="141"/>
+                </a:moveTo>
+                <a:cubicBezTo>
+                  <a:pt x="242" y="143"/>
+                  <a:pt x="244" y="152"/>
+                  <a:pt x="244" y="152"/>
+                </a:cubicBezTo>
+                <a:cubicBezTo>
+                  <a:pt x="244" y="152"/>
+                  <a:pt x="244" y="140"/>
+                  <a:pt x="242" y="138"/>
+                </a:cubicBezTo>
+                <a:cubicBezTo>
+                  <a:pt x="240" y="136"/>
+                  <a:pt x="229" y="136"/>
+                  <a:pt x="229" y="136"/>
+                </a:cubicBezTo>
+                <a:cubicBezTo>
+                  <a:pt x="229" y="136"/>
+                  <a:pt x="238" y="138"/>
+                  <a:pt x="240" y="141"/>
+                </a:cubicBezTo>
+                <a:close/>
+                <a:moveTo>
+                  <a:pt x="15" y="173"/>
+                </a:moveTo>
+                <a:cubicBezTo>
+                  <a:pt x="15" y="173"/>
+                  <a:pt x="15" y="162"/>
+                  <a:pt x="17" y="160"/>
+                </a:cubicBezTo>
+                <a:cubicBezTo>
+                  <a:pt x="19" y="158"/>
+                  <a:pt x="31" y="158"/>
+                  <a:pt x="31" y="158"/>
+                </a:cubicBezTo>
+                <a:cubicBezTo>
+                  <a:pt x="31" y="158"/>
+                  <a:pt x="22" y="160"/>
+                  <a:pt x="20" y="162"/>
+                </a:cubicBezTo>
+                <a:cubicBezTo>
+                  <a:pt x="17" y="164"/>
+                  <a:pt x="15" y="173"/>
+                  <a:pt x="15" y="173"/>
+                </a:cubicBezTo>
+                <a:close/>
+                <a:moveTo>
+                  <a:pt x="20" y="154"/>
+                </a:moveTo>
+                <a:cubicBezTo>
+                  <a:pt x="17" y="152"/>
+                  <a:pt x="15" y="143"/>
+                  <a:pt x="15" y="143"/>
+                </a:cubicBezTo>
+                <a:cubicBezTo>
+                  <a:pt x="15" y="143"/>
+                  <a:pt x="15" y="154"/>
+                  <a:pt x="17" y="156"/>
+                </a:cubicBezTo>
+                <a:cubicBezTo>
+                  <a:pt x="19" y="158"/>
+                  <a:pt x="31" y="158"/>
+                  <a:pt x="31" y="158"/>
+                </a:cubicBezTo>
+                <a:cubicBezTo>
+                  <a:pt x="31" y="158"/>
+                  <a:pt x="22" y="156"/>
+                  <a:pt x="20" y="154"/>
+                </a:cubicBezTo>
+                <a:close/>
+                <a:moveTo>
+                  <a:pt x="11" y="154"/>
+                </a:moveTo>
+                <a:cubicBezTo>
+                  <a:pt x="9" y="156"/>
+                  <a:pt x="0" y="158"/>
+                  <a:pt x="0" y="158"/>
+                </a:cubicBezTo>
+                <a:cubicBezTo>
+                  <a:pt x="0" y="158"/>
+                  <a:pt x="11" y="158"/>
+                  <a:pt x="14" y="156"/>
+                </a:cubicBezTo>
+                <a:cubicBezTo>
+                  <a:pt x="16" y="154"/>
+                  <a:pt x="15" y="143"/>
+                  <a:pt x="15" y="143"/>
+                </a:cubicBezTo>
+                <a:cubicBezTo>
+                  <a:pt x="15" y="143"/>
+                  <a:pt x="13" y="152"/>
+                  <a:pt x="11" y="154"/>
+                </a:cubicBezTo>
+                <a:close/>
+                <a:moveTo>
+                  <a:pt x="11" y="162"/>
+                </a:moveTo>
+                <a:cubicBezTo>
+                  <a:pt x="13" y="164"/>
+                  <a:pt x="15" y="173"/>
+                  <a:pt x="15" y="173"/>
+                </a:cubicBezTo>
+                <a:cubicBezTo>
+                  <a:pt x="15" y="173"/>
+                  <a:pt x="16" y="162"/>
+                  <a:pt x="14" y="160"/>
+                </a:cubicBezTo>
+                <a:cubicBezTo>
+                  <a:pt x="11" y="158"/>
+                  <a:pt x="0" y="158"/>
+                  <a:pt x="0" y="158"/>
+                </a:cubicBezTo>
+                <a:cubicBezTo>
+                  <a:pt x="0" y="158"/>
+                  <a:pt x="9" y="160"/>
+                  <a:pt x="11" y="162"/>
+                </a:cubicBezTo>
+                <a:close/>
+                <a:moveTo>
+                  <a:pt x="214" y="133"/>
+                </a:moveTo>
+                <a:cubicBezTo>
+                  <a:pt x="214" y="133"/>
+                  <a:pt x="213" y="99"/>
+                  <a:pt x="219" y="93"/>
+                </a:cubicBezTo>
+                <a:cubicBezTo>
+                  <a:pt x="226" y="87"/>
+                  <a:pt x="259" y="88"/>
+                  <a:pt x="259" y="88"/>
+                </a:cubicBezTo>
+                <a:cubicBezTo>
+                  <a:pt x="259" y="88"/>
+                  <a:pt x="232" y="94"/>
+                  <a:pt x="226" y="100"/>
+                </a:cubicBezTo>
+                <a:cubicBezTo>
+                  <a:pt x="220" y="106"/>
+                  <a:pt x="214" y="133"/>
+                  <a:pt x="214" y="133"/>
+                </a:cubicBezTo>
+                <a:close/>
+                <a:moveTo>
+                  <a:pt x="226" y="75"/>
+                </a:moveTo>
+                <a:cubicBezTo>
+                  <a:pt x="220" y="69"/>
+                  <a:pt x="214" y="42"/>
+                  <a:pt x="214" y="42"/>
+                </a:cubicBezTo>
+                <a:cubicBezTo>
+                  <a:pt x="214" y="42"/>
+                  <a:pt x="213" y="76"/>
+                  <a:pt x="219" y="82"/>
+                </a:cubicBezTo>
+                <a:cubicBezTo>
+                  <a:pt x="226" y="88"/>
+                  <a:pt x="259" y="88"/>
+                  <a:pt x="259" y="88"/>
+                </a:cubicBezTo>
+                <a:cubicBezTo>
+                  <a:pt x="259" y="88"/>
+                  <a:pt x="232" y="81"/>
+                  <a:pt x="226" y="75"/>
+                </a:cubicBezTo>
+                <a:close/>
+                <a:moveTo>
+                  <a:pt x="201" y="75"/>
+                </a:moveTo>
+                <a:cubicBezTo>
+                  <a:pt x="195" y="81"/>
+                  <a:pt x="168" y="88"/>
+                  <a:pt x="168" y="88"/>
+                </a:cubicBezTo>
+                <a:cubicBezTo>
+                  <a:pt x="168" y="88"/>
+                  <a:pt x="202" y="88"/>
+                  <a:pt x="208" y="82"/>
+                </a:cubicBezTo>
+                <a:cubicBezTo>
+                  <a:pt x="215" y="76"/>
+                  <a:pt x="214" y="42"/>
+                  <a:pt x="214" y="42"/>
+                </a:cubicBezTo>
+                <a:cubicBezTo>
+                  <a:pt x="214" y="42"/>
+                  <a:pt x="208" y="69"/>
+                  <a:pt x="201" y="75"/>
+                </a:cubicBezTo>
+                <a:close/>
+                <a:moveTo>
+                  <a:pt x="201" y="100"/>
+                </a:moveTo>
+                <a:cubicBezTo>
+                  <a:pt x="208" y="106"/>
+                  <a:pt x="214" y="133"/>
+                  <a:pt x="214" y="133"/>
+                </a:cubicBezTo>
+                <a:cubicBezTo>
+                  <a:pt x="214" y="133"/>
+                  <a:pt x="215" y="99"/>
+                  <a:pt x="208" y="93"/>
+                </a:cubicBezTo>
+                <a:cubicBezTo>
+                  <a:pt x="202" y="87"/>
+                  <a:pt x="168" y="88"/>
+                  <a:pt x="168" y="88"/>
+                </a:cubicBezTo>
+                <a:cubicBezTo>
+                  <a:pt x="168" y="88"/>
+                  <a:pt x="195" y="94"/>
+                  <a:pt x="201" y="100"/>
+                </a:cubicBezTo>
+                <a:close/>
+                <a:moveTo>
+                  <a:pt x="250" y="231"/>
+                </a:moveTo>
+                <a:cubicBezTo>
+                  <a:pt x="212" y="178"/>
+                  <a:pt x="212" y="178"/>
+                  <a:pt x="212" y="178"/>
+                </a:cubicBezTo>
+                <a:cubicBezTo>
+                  <a:pt x="189" y="178"/>
+                  <a:pt x="189" y="178"/>
+                  <a:pt x="189" y="178"/>
+                </a:cubicBezTo>
+                <a:cubicBezTo>
+                  <a:pt x="193" y="160"/>
+                  <a:pt x="207" y="146"/>
+                  <a:pt x="223" y="146"/>
+                </a:cubicBezTo>
+                <a:cubicBezTo>
+                  <a:pt x="224" y="146"/>
+                  <a:pt x="226" y="144"/>
+                  <a:pt x="226" y="143"/>
+                </a:cubicBezTo>
+                <a:cubicBezTo>
+                  <a:pt x="226" y="141"/>
+                  <a:pt x="224" y="140"/>
+                  <a:pt x="223" y="140"/>
+                </a:cubicBezTo>
+                <a:cubicBezTo>
+                  <a:pt x="203" y="140"/>
+                  <a:pt x="187" y="156"/>
+                  <a:pt x="183" y="178"/>
+                </a:cubicBezTo>
+                <a:cubicBezTo>
+                  <a:pt x="156" y="178"/>
+                  <a:pt x="156" y="178"/>
+                  <a:pt x="156" y="178"/>
+                </a:cubicBezTo>
+                <a:cubicBezTo>
+                  <a:pt x="158" y="140"/>
+                  <a:pt x="173" y="110"/>
+                  <a:pt x="190" y="110"/>
+                </a:cubicBezTo>
+                <a:cubicBezTo>
+                  <a:pt x="191" y="110"/>
+                  <a:pt x="193" y="109"/>
+                  <a:pt x="193" y="107"/>
+                </a:cubicBezTo>
+                <a:cubicBezTo>
+                  <a:pt x="193" y="105"/>
+                  <a:pt x="191" y="104"/>
+                  <a:pt x="190" y="104"/>
+                </a:cubicBezTo>
+                <a:cubicBezTo>
+                  <a:pt x="169" y="104"/>
+                  <a:pt x="152" y="136"/>
+                  <a:pt x="150" y="178"/>
+                </a:cubicBezTo>
+                <a:cubicBezTo>
+                  <a:pt x="139" y="178"/>
+                  <a:pt x="139" y="178"/>
+                  <a:pt x="139" y="178"/>
+                </a:cubicBezTo>
+                <a:cubicBezTo>
+                  <a:pt x="141" y="92"/>
+                  <a:pt x="170" y="23"/>
+                  <a:pt x="206" y="23"/>
+                </a:cubicBezTo>
+                <a:cubicBezTo>
+                  <a:pt x="208" y="23"/>
+                  <a:pt x="210" y="21"/>
+                  <a:pt x="210" y="20"/>
+                </a:cubicBezTo>
+                <a:cubicBezTo>
+                  <a:pt x="210" y="18"/>
+                  <a:pt x="208" y="17"/>
+                  <a:pt x="206" y="17"/>
+                </a:cubicBezTo>
+                <a:cubicBezTo>
+                  <a:pt x="166" y="17"/>
+                  <a:pt x="135" y="87"/>
+                  <a:pt x="133" y="178"/>
+                </a:cubicBezTo>
+                <a:cubicBezTo>
+                  <a:pt x="129" y="178"/>
+                  <a:pt x="129" y="178"/>
+                  <a:pt x="129" y="178"/>
+                </a:cubicBezTo>
+                <a:cubicBezTo>
+                  <a:pt x="129" y="66"/>
+                  <a:pt x="127" y="66"/>
+                  <a:pt x="124" y="66"/>
+                </a:cubicBezTo>
+                <a:cubicBezTo>
+                  <a:pt x="122" y="66"/>
+                  <a:pt x="120" y="68"/>
+                  <a:pt x="120" y="69"/>
+                </a:cubicBezTo>
+                <a:cubicBezTo>
+                  <a:pt x="120" y="70"/>
+                  <a:pt x="121" y="70"/>
+                  <a:pt x="121" y="71"/>
+                </a:cubicBezTo>
+                <a:cubicBezTo>
+                  <a:pt x="122" y="76"/>
+                  <a:pt x="123" y="118"/>
+                  <a:pt x="123" y="178"/>
+                </a:cubicBezTo>
+                <a:cubicBezTo>
+                  <a:pt x="120" y="178"/>
+                  <a:pt x="120" y="178"/>
+                  <a:pt x="120" y="178"/>
+                </a:cubicBezTo>
+                <a:cubicBezTo>
+                  <a:pt x="118" y="114"/>
+                  <a:pt x="89" y="62"/>
+                  <a:pt x="54" y="62"/>
+                </a:cubicBezTo>
+                <a:cubicBezTo>
+                  <a:pt x="52" y="62"/>
+                  <a:pt x="51" y="63"/>
+                  <a:pt x="51" y="65"/>
+                </a:cubicBezTo>
+                <a:cubicBezTo>
+                  <a:pt x="51" y="67"/>
+                  <a:pt x="52" y="68"/>
+                  <a:pt x="54" y="68"/>
+                </a:cubicBezTo>
+                <a:cubicBezTo>
+                  <a:pt x="86" y="68"/>
+                  <a:pt x="112" y="117"/>
+                  <a:pt x="113" y="178"/>
+                </a:cubicBezTo>
+                <a:cubicBezTo>
+                  <a:pt x="103" y="178"/>
+                  <a:pt x="103" y="178"/>
+                  <a:pt x="103" y="178"/>
+                </a:cubicBezTo>
+                <a:cubicBezTo>
+                  <a:pt x="103" y="161"/>
+                  <a:pt x="98" y="144"/>
+                  <a:pt x="89" y="144"/>
+                </a:cubicBezTo>
+                <a:cubicBezTo>
+                  <a:pt x="87" y="144"/>
+                  <a:pt x="86" y="145"/>
+                  <a:pt x="86" y="147"/>
+                </a:cubicBezTo>
+                <a:cubicBezTo>
+                  <a:pt x="86" y="149"/>
+                  <a:pt x="87" y="150"/>
+                  <a:pt x="89" y="150"/>
+                </a:cubicBezTo>
+                <a:cubicBezTo>
+                  <a:pt x="91" y="150"/>
+                  <a:pt x="97" y="161"/>
+                  <a:pt x="97" y="178"/>
+                </a:cubicBezTo>
+                <a:cubicBezTo>
+                  <a:pt x="86" y="178"/>
+                  <a:pt x="86" y="178"/>
+                  <a:pt x="86" y="178"/>
+                </a:cubicBezTo>
+                <a:cubicBezTo>
+                  <a:pt x="79" y="164"/>
+                  <a:pt x="59" y="154"/>
+                  <a:pt x="36" y="154"/>
+                </a:cubicBezTo>
+                <a:cubicBezTo>
+                  <a:pt x="34" y="154"/>
+                  <a:pt x="33" y="156"/>
+                  <a:pt x="33" y="157"/>
+                </a:cubicBezTo>
+                <a:cubicBezTo>
+                  <a:pt x="33" y="159"/>
+                  <a:pt x="34" y="160"/>
+                  <a:pt x="36" y="160"/>
+                </a:cubicBezTo>
+                <a:cubicBezTo>
+                  <a:pt x="55" y="160"/>
+                  <a:pt x="72" y="168"/>
+                  <a:pt x="79" y="178"/>
+                </a:cubicBezTo>
+                <a:cubicBezTo>
+                  <a:pt x="60" y="178"/>
+                  <a:pt x="60" y="178"/>
+                  <a:pt x="60" y="178"/>
+                </a:cubicBezTo>
+                <a:cubicBezTo>
+                  <a:pt x="22" y="231"/>
+                  <a:pt x="22" y="231"/>
+                  <a:pt x="22" y="231"/>
+                </a:cubicBezTo>
+                <a:cubicBezTo>
+                  <a:pt x="21" y="233"/>
+                  <a:pt x="21" y="235"/>
+                  <a:pt x="22" y="236"/>
+                </a:cubicBezTo>
+                <a:cubicBezTo>
+                  <a:pt x="27" y="238"/>
+                  <a:pt x="27" y="238"/>
+                  <a:pt x="27" y="238"/>
+                </a:cubicBezTo>
+                <a:cubicBezTo>
+                  <a:pt x="28" y="239"/>
+                  <a:pt x="30" y="239"/>
+                  <a:pt x="31" y="238"/>
+                </a:cubicBezTo>
+                <a:cubicBezTo>
+                  <a:pt x="60" y="195"/>
+                  <a:pt x="60" y="195"/>
+                  <a:pt x="60" y="195"/>
+                </a:cubicBezTo>
+                <a:cubicBezTo>
+                  <a:pt x="60" y="294"/>
+                  <a:pt x="60" y="294"/>
+                  <a:pt x="60" y="294"/>
+                </a:cubicBezTo>
+                <a:cubicBezTo>
+                  <a:pt x="60" y="297"/>
+                  <a:pt x="63" y="300"/>
+                  <a:pt x="66" y="300"/>
+                </a:cubicBezTo>
+                <a:cubicBezTo>
+                  <a:pt x="206" y="300"/>
+                  <a:pt x="206" y="300"/>
+                  <a:pt x="206" y="300"/>
+                </a:cubicBezTo>
+                <a:cubicBezTo>
+                  <a:pt x="209" y="300"/>
+                  <a:pt x="212" y="297"/>
+                  <a:pt x="212" y="294"/>
+                </a:cubicBezTo>
+                <a:cubicBezTo>
+                  <a:pt x="212" y="195"/>
+                  <a:pt x="212" y="195"/>
+                  <a:pt x="212" y="195"/>
+                </a:cubicBezTo>
+                <a:cubicBezTo>
+                  <a:pt x="242" y="238"/>
+                  <a:pt x="242" y="238"/>
+                  <a:pt x="242" y="238"/>
+                </a:cubicBezTo>
+                <a:cubicBezTo>
+                  <a:pt x="243" y="239"/>
+                  <a:pt x="244" y="239"/>
+                  <a:pt x="246" y="238"/>
+                </a:cubicBezTo>
+                <a:cubicBezTo>
+                  <a:pt x="250" y="236"/>
+                  <a:pt x="250" y="236"/>
+                  <a:pt x="250" y="236"/>
+                </a:cubicBezTo>
+                <a:cubicBezTo>
+                  <a:pt x="251" y="235"/>
+                  <a:pt x="251" y="233"/>
+                  <a:pt x="250" y="231"/>
+                </a:cubicBezTo>
+                <a:close/>
+                <a:moveTo>
+                  <a:pt x="159" y="226"/>
+                </a:moveTo>
+                <a:cubicBezTo>
+                  <a:pt x="113" y="226"/>
+                  <a:pt x="113" y="226"/>
+                  <a:pt x="113" y="226"/>
+                </a:cubicBezTo>
+                <a:cubicBezTo>
+                  <a:pt x="110" y="226"/>
+                  <a:pt x="107" y="223"/>
+                  <a:pt x="107" y="220"/>
+                </a:cubicBezTo>
+                <a:cubicBezTo>
+                  <a:pt x="107" y="216"/>
+                  <a:pt x="110" y="214"/>
+                  <a:pt x="113" y="214"/>
+                </a:cubicBezTo>
+                <a:cubicBezTo>
+                  <a:pt x="159" y="214"/>
+                  <a:pt x="159" y="214"/>
+                  <a:pt x="159" y="214"/>
+                </a:cubicBezTo>
+                <a:cubicBezTo>
+                  <a:pt x="162" y="214"/>
+                  <a:pt x="165" y="216"/>
+                  <a:pt x="165" y="220"/>
+                </a:cubicBezTo>
+                <a:cubicBezTo>
+                  <a:pt x="165" y="223"/>
+                  <a:pt x="162" y="226"/>
+                  <a:pt x="159" y="226"/>
+                </a:cubicBezTo>
+                <a:close/>
+              </a:path>
+            </a:pathLst>
+          </a:custGeom>
           <a:solidFill>
-            <a:schemeClr val="tx2">
-              <a:lumMod val="75000"/>
-            </a:schemeClr>
+            <a:schemeClr val="bg1"/>
           </a:solidFill>
           <a:ln>
             <a:noFill/>
-            <a:headEnd type="none" w="med" len="med"/>
-            <a:tailEnd type="none" w="med" len="med"/>
           </a:ln>
-          <a:effectLst/>
         </p:spPr>
-        <p:style>
-          <a:lnRef idx="1">
-            <a:schemeClr val="accent2"/>
-          </a:lnRef>
-          <a:fillRef idx="3">
-            <a:schemeClr val="accent2"/>
-          </a:fillRef>
-          <a:effectRef idx="2">
-            <a:schemeClr val="accent2"/>
-          </a:effectRef>
-          <a:fontRef idx="minor">
-            <a:schemeClr val="lt1"/>
-          </a:fontRef>
-        </p:style>
         <p:txBody>
-          <a:bodyPr vert="horz" wrap="square" lIns="68567" tIns="34284" rIns="68567" bIns="34284" numCol="1" rtlCol="0" anchor="ctr" anchorCtr="0" compatLnSpc="1">
+          <a:bodyPr vert="horz" wrap="square" lIns="83943" tIns="41972" rIns="83943" bIns="41972" numCol="1" anchor="t" anchorCtr="0" compatLnSpc="1">
             <a:prstTxWarp prst="textNoShape">
               <a:avLst/>
             </a:prstTxWarp>
           </a:bodyPr>
           <a:lstStyle/>
           <a:p>
-            <a:pPr algn="ctr" defTabSz="685513" fontAlgn="base">
-              <a:spcBef>
-                <a:spcPct val="0"/>
-              </a:spcBef>
-              <a:spcAft>
-                <a:spcPct val="0"/>
-              </a:spcAft>
-            </a:pPr>
-            <a:endParaRPr lang="en-US" sz="1650" dirty="0">
-              <a:gradFill>
-                <a:gsLst>
-                  <a:gs pos="0">
-                    <a:srgbClr val="FFFFFF"/>
-                  </a:gs>
-                  <a:gs pos="100000">
-                    <a:srgbClr val="FFFFFF"/>
-                  </a:gs>
-                </a:gsLst>
-                <a:lin ang="5400000" scaled="0"/>
-              </a:gradFill>
+            <a:pPr defTabSz="932407"/>
+            <a:endParaRPr lang="en-US" sz="1632">
+              <a:solidFill>
+                <a:srgbClr val="292929"/>
+              </a:solidFill>
             </a:endParaRPr>
           </a:p>
         </p:txBody>
       </p:sp>
+    </p:spTree>
+    <p:extLst>
+      <p:ext uri="{BB962C8B-B14F-4D97-AF65-F5344CB8AC3E}">
+        <p14:creationId xmlns:p14="http://schemas.microsoft.com/office/powerpoint/2010/main" val="2102439596"/>
+      </p:ext>
+    </p:extLst>
+  </p:cSld>
+  <p:clrMapOvr>
+    <a:masterClrMapping/>
+  </p:clrMapOvr>
+  <mc:AlternateContent xmlns:mc="http://schemas.openxmlformats.org/markup-compatibility/2006">
+    <mc:Choice xmlns:p14="http://schemas.microsoft.com/office/powerpoint/2010/main" Requires="p14">
+      <p:transition p14:dur="0"/>
+    </mc:Choice>
+    <mc:Fallback>
+      <p:transition/>
+    </mc:Fallback>
+  </mc:AlternateContent>
+  <p:timing>
+    <p:tnLst>
+      <p:par>
+        <p:cTn id="1" dur="indefinite" restart="never" nodeType="tmRoot"/>
+      </p:par>
+    </p:tnLst>
+  </p:timing>
+</p:sld>
+</file>
+
+<file path=ppt/slides/slide19.xml><?xml version="1.0" encoding="utf-8"?>
+<p:sld xmlns:a="http://schemas.openxmlformats.org/drawingml/2006/main" xmlns:r="http://schemas.openxmlformats.org/officeDocument/2006/relationships" xmlns:p="http://schemas.openxmlformats.org/presentationml/2006/main">
+  <p:cSld>
+    <p:spTree>
+      <p:nvGrpSpPr>
+        <p:cNvPr id="1" name=""/>
+        <p:cNvGrpSpPr/>
+        <p:nvPr/>
+      </p:nvGrpSpPr>
+      <p:grpSpPr>
+        <a:xfrm>
+          <a:off x="0" y="0"/>
+          <a:ext cx="0" cy="0"/>
+          <a:chOff x="0" y="0"/>
+          <a:chExt cx="0" cy="0"/>
+        </a:xfrm>
+      </p:grpSpPr>
+      <p:sp>
+        <p:nvSpPr>
+          <p:cNvPr id="2" name="Title 1"/>
+          <p:cNvSpPr>
+            <a:spLocks noGrp="1"/>
+          </p:cNvSpPr>
+          <p:nvPr>
+            <p:ph type="title"/>
+          </p:nvPr>
+        </p:nvSpPr>
+        <p:spPr/>
+        <p:txBody>
+          <a:bodyPr/>
+          <a:lstStyle/>
+          <a:p>
+            <a:r>
+              <a:rPr lang="en-US" dirty="0" smtClean="0"/>
+              <a:t>Player Frameworks</a:t>
+            </a:r>
+            <a:endParaRPr lang="en-US" dirty="0"/>
+          </a:p>
+        </p:txBody>
+      </p:sp>
+      <p:pic>
+        <p:nvPicPr>
+          <p:cNvPr id="10" name="Picture 9"/>
+          <p:cNvPicPr>
+            <a:picLocks noChangeAspect="1"/>
+          </p:cNvPicPr>
+          <p:nvPr/>
+        </p:nvPicPr>
+        <p:blipFill>
+          <a:blip r:embed="rId4"/>
+          <a:stretch>
+            <a:fillRect/>
+          </a:stretch>
+        </p:blipFill>
+        <p:spPr>
+          <a:xfrm>
+            <a:off x="9376898" y="186384"/>
+            <a:ext cx="2580908" cy="790463"/>
+          </a:xfrm>
+          <a:prstGeom prst="rect">
+            <a:avLst/>
+          </a:prstGeom>
+        </p:spPr>
+      </p:pic>
+      <p:sp>
+        <p:nvSpPr>
+          <p:cNvPr id="11" name="TextBox 10"/>
+          <p:cNvSpPr txBox="1"/>
+          <p:nvPr/>
+        </p:nvSpPr>
+        <p:spPr>
+          <a:xfrm>
+            <a:off x="407368" y="2703016"/>
+            <a:ext cx="8767785" cy="4154984"/>
+          </a:xfrm>
+          <a:prstGeom prst="rect">
+            <a:avLst/>
+          </a:prstGeom>
+          <a:noFill/>
+        </p:spPr>
+        <p:txBody>
+          <a:bodyPr wrap="none" lIns="0" tIns="0" rIns="0" bIns="0" rtlCol="0">
+            <a:spAutoFit/>
+          </a:bodyPr>
+          <a:lstStyle/>
+          <a:p>
+            <a:pPr marL="460286" indent="-460286" defTabSz="914039">
+              <a:lnSpc>
+                <a:spcPct val="90000"/>
+              </a:lnSpc>
+              <a:spcBef>
+                <a:spcPct val="20000"/>
+              </a:spcBef>
+              <a:buSzPct val="80000"/>
+              <a:buBlip>
+                <a:blip r:embed="rId5"/>
+              </a:buBlip>
+            </a:pPr>
+            <a:r>
+              <a:rPr lang="en-US" sz="2500" dirty="0">
+                <a:solidFill>
+                  <a:srgbClr val="292929">
+                    <a:lumMod val="75000"/>
+                    <a:lumOff val="25000"/>
+                  </a:srgbClr>
+                </a:solidFill>
+              </a:rPr>
+              <a:t>Shipped as Open source at </a:t>
+            </a:r>
+            <a:r>
+              <a:rPr lang="en-US" sz="2500" dirty="0">
+                <a:solidFill>
+                  <a:srgbClr val="292929">
+                    <a:lumMod val="75000"/>
+                    <a:lumOff val="25000"/>
+                  </a:srgbClr>
+                </a:solidFill>
+                <a:hlinkClick r:id="rId6"/>
+              </a:rPr>
+              <a:t>playerframework.codeplex.com</a:t>
+            </a:r>
+            <a:endParaRPr lang="en-US" sz="2500" dirty="0">
+              <a:solidFill>
+                <a:srgbClr val="292929">
+                  <a:lumMod val="75000"/>
+                  <a:lumOff val="25000"/>
+                </a:srgbClr>
+              </a:solidFill>
+            </a:endParaRPr>
+          </a:p>
+          <a:p>
+            <a:pPr marL="460286" lvl="1" indent="-460286" defTabSz="914039">
+              <a:lnSpc>
+                <a:spcPct val="90000"/>
+              </a:lnSpc>
+              <a:spcBef>
+                <a:spcPct val="20000"/>
+              </a:spcBef>
+              <a:buSzPct val="80000"/>
+              <a:buBlip>
+                <a:blip r:embed="rId5"/>
+              </a:buBlip>
+            </a:pPr>
+            <a:r>
+              <a:rPr lang="en-US" sz="2500" dirty="0">
+                <a:solidFill>
+                  <a:srgbClr val="292929">
+                    <a:lumMod val="75000"/>
+                    <a:lumOff val="25000"/>
+                  </a:srgbClr>
+                </a:solidFill>
+              </a:rPr>
+              <a:t>Builds on capabilities of Smooth Streaming Client</a:t>
+            </a:r>
+          </a:p>
+          <a:p>
+            <a:pPr marL="460286" indent="-460286" defTabSz="914039">
+              <a:lnSpc>
+                <a:spcPct val="90000"/>
+              </a:lnSpc>
+              <a:spcBef>
+                <a:spcPct val="20000"/>
+              </a:spcBef>
+              <a:buSzPct val="80000"/>
+              <a:buBlip>
+                <a:blip r:embed="rId5"/>
+              </a:buBlip>
+            </a:pPr>
+            <a:r>
+              <a:rPr lang="en-US" sz="2500" dirty="0">
+                <a:solidFill>
+                  <a:srgbClr val="292929">
+                    <a:lumMod val="75000"/>
+                    <a:lumOff val="25000"/>
+                  </a:srgbClr>
+                </a:solidFill>
+              </a:rPr>
+              <a:t>Available for multiple platform </a:t>
+            </a:r>
+          </a:p>
+          <a:p>
+            <a:pPr marL="917307" lvl="1" indent="-460286" defTabSz="914039">
+              <a:lnSpc>
+                <a:spcPct val="90000"/>
+              </a:lnSpc>
+              <a:spcBef>
+                <a:spcPct val="20000"/>
+              </a:spcBef>
+              <a:buSzPct val="80000"/>
+              <a:buBlip>
+                <a:blip r:embed="rId5"/>
+              </a:buBlip>
+            </a:pPr>
+            <a:r>
+              <a:rPr lang="en-US" sz="2500" dirty="0">
+                <a:solidFill>
+                  <a:srgbClr val="292929">
+                    <a:lumMod val="75000"/>
+                    <a:lumOff val="25000"/>
+                  </a:srgbClr>
+                </a:solidFill>
+              </a:rPr>
+              <a:t>Windows 8 Player</a:t>
+            </a:r>
+          </a:p>
+          <a:p>
+            <a:pPr marL="1374325" lvl="2" indent="-460286" defTabSz="914039">
+              <a:lnSpc>
+                <a:spcPct val="90000"/>
+              </a:lnSpc>
+              <a:spcBef>
+                <a:spcPct val="20000"/>
+              </a:spcBef>
+              <a:buSzPct val="80000"/>
+              <a:buFont typeface="Arial" panose="020B0604020202020204" pitchFamily="34" charset="0"/>
+              <a:buChar char="•"/>
+            </a:pPr>
+            <a:r>
+              <a:rPr lang="en-US" sz="2500" dirty="0">
+                <a:solidFill>
+                  <a:srgbClr val="292929">
+                    <a:lumMod val="75000"/>
+                    <a:lumOff val="25000"/>
+                  </a:srgbClr>
+                </a:solidFill>
+              </a:rPr>
+              <a:t>HTML/JavaScript Modern style applications</a:t>
+            </a:r>
+          </a:p>
+          <a:p>
+            <a:pPr marL="1374325" lvl="2" indent="-460286" defTabSz="914039">
+              <a:lnSpc>
+                <a:spcPct val="90000"/>
+              </a:lnSpc>
+              <a:spcBef>
+                <a:spcPct val="20000"/>
+              </a:spcBef>
+              <a:buSzPct val="80000"/>
+              <a:buFont typeface="Arial" panose="020B0604020202020204" pitchFamily="34" charset="0"/>
+              <a:buChar char="•"/>
+            </a:pPr>
+            <a:r>
+              <a:rPr lang="en-US" sz="2500" dirty="0">
+                <a:solidFill>
+                  <a:srgbClr val="292929">
+                    <a:lumMod val="75000"/>
+                    <a:lumOff val="25000"/>
+                  </a:srgbClr>
+                </a:solidFill>
+              </a:rPr>
+              <a:t>XAML/C# Modern style applications</a:t>
+            </a:r>
+          </a:p>
+          <a:p>
+            <a:pPr marL="917307" lvl="1" indent="-460286" defTabSz="914039">
+              <a:lnSpc>
+                <a:spcPct val="90000"/>
+              </a:lnSpc>
+              <a:spcBef>
+                <a:spcPct val="20000"/>
+              </a:spcBef>
+              <a:buSzPct val="80000"/>
+              <a:buBlip>
+                <a:blip r:embed="rId5"/>
+              </a:buBlip>
+            </a:pPr>
+            <a:r>
+              <a:rPr lang="en-US" sz="2500" dirty="0">
+                <a:solidFill>
+                  <a:srgbClr val="292929">
+                    <a:lumMod val="75000"/>
+                    <a:lumOff val="25000"/>
+                  </a:srgbClr>
+                </a:solidFill>
+              </a:rPr>
+              <a:t>HTML5 player for browser</a:t>
+            </a:r>
+          </a:p>
+          <a:p>
+            <a:pPr marL="917307" lvl="1" indent="-460286" defTabSz="914039">
+              <a:lnSpc>
+                <a:spcPct val="90000"/>
+              </a:lnSpc>
+              <a:spcBef>
+                <a:spcPct val="20000"/>
+              </a:spcBef>
+              <a:buSzPct val="80000"/>
+              <a:buBlip>
+                <a:blip r:embed="rId5"/>
+              </a:buBlip>
+            </a:pPr>
+            <a:r>
+              <a:rPr lang="en-US" sz="2500" dirty="0">
+                <a:solidFill>
+                  <a:srgbClr val="292929">
+                    <a:lumMod val="75000"/>
+                    <a:lumOff val="25000"/>
+                  </a:srgbClr>
+                </a:solidFill>
+              </a:rPr>
+              <a:t>Silverlight &amp; Windows Phone player</a:t>
+            </a:r>
+          </a:p>
+          <a:p>
+            <a:pPr marL="460286" indent="-460286" defTabSz="914039">
+              <a:lnSpc>
+                <a:spcPct val="90000"/>
+              </a:lnSpc>
+              <a:spcBef>
+                <a:spcPct val="20000"/>
+              </a:spcBef>
+              <a:buSzPct val="80000"/>
+              <a:buBlip>
+                <a:blip r:embed="rId5"/>
+              </a:buBlip>
+            </a:pPr>
+            <a:r>
+              <a:rPr lang="en-US" sz="2500" dirty="0">
+                <a:solidFill>
+                  <a:srgbClr val="292929">
+                    <a:lumMod val="75000"/>
+                    <a:lumOff val="25000"/>
+                  </a:srgbClr>
+                </a:solidFill>
+              </a:rPr>
+              <a:t>Well established player framework</a:t>
+            </a:r>
+          </a:p>
+          <a:p>
+            <a:pPr marL="460286" indent="-460286" defTabSz="914039">
+              <a:lnSpc>
+                <a:spcPct val="90000"/>
+              </a:lnSpc>
+              <a:spcBef>
+                <a:spcPct val="20000"/>
+              </a:spcBef>
+              <a:buSzPct val="80000"/>
+              <a:buBlip>
+                <a:blip r:embed="rId5"/>
+              </a:buBlip>
+            </a:pPr>
+            <a:r>
+              <a:rPr lang="en-US" sz="2500" dirty="0">
+                <a:solidFill>
+                  <a:srgbClr val="292929">
+                    <a:lumMod val="75000"/>
+                    <a:lumOff val="25000"/>
+                  </a:srgbClr>
+                </a:solidFill>
+              </a:rPr>
+              <a:t>Plugin Architecture – import what you need</a:t>
+            </a:r>
+          </a:p>
+        </p:txBody>
+      </p:sp>
+      <p:grpSp>
+        <p:nvGrpSpPr>
+          <p:cNvPr id="3" name="Group 2"/>
+          <p:cNvGrpSpPr/>
+          <p:nvPr/>
+        </p:nvGrpSpPr>
+        <p:grpSpPr>
+          <a:xfrm>
+            <a:off x="7766927" y="2510604"/>
+            <a:ext cx="4188370" cy="3607879"/>
+            <a:chOff x="6095966" y="1371600"/>
+            <a:chExt cx="5678522" cy="4891500"/>
+          </a:xfrm>
+        </p:grpSpPr>
+        <p:sp>
+          <p:nvSpPr>
+            <p:cNvPr id="5" name="Rounded Rectangle 26"/>
+            <p:cNvSpPr/>
+            <p:nvPr/>
+          </p:nvSpPr>
+          <p:spPr>
+            <a:xfrm>
+              <a:off x="6095966" y="1371600"/>
+              <a:ext cx="5678522" cy="920338"/>
+            </a:xfrm>
+            <a:custGeom>
+              <a:avLst/>
+              <a:gdLst>
+                <a:gd name="connsiteX0" fmla="*/ 0 w 5678522"/>
+                <a:gd name="connsiteY0" fmla="*/ 0 h 914400"/>
+                <a:gd name="connsiteX1" fmla="*/ 5678522 w 5678522"/>
+                <a:gd name="connsiteY1" fmla="*/ 0 h 914400"/>
+                <a:gd name="connsiteX2" fmla="*/ 5678522 w 5678522"/>
+                <a:gd name="connsiteY2" fmla="*/ 914400 h 914400"/>
+                <a:gd name="connsiteX3" fmla="*/ 0 w 5678522"/>
+                <a:gd name="connsiteY3" fmla="*/ 914400 h 914400"/>
+                <a:gd name="connsiteX4" fmla="*/ 0 w 5678522"/>
+                <a:gd name="connsiteY4" fmla="*/ 0 h 914400"/>
+                <a:gd name="connsiteX0" fmla="*/ 0 w 5678522"/>
+                <a:gd name="connsiteY0" fmla="*/ 0 h 920338"/>
+                <a:gd name="connsiteX1" fmla="*/ 5678522 w 5678522"/>
+                <a:gd name="connsiteY1" fmla="*/ 0 h 920338"/>
+                <a:gd name="connsiteX2" fmla="*/ 5138195 w 5678522"/>
+                <a:gd name="connsiteY2" fmla="*/ 920338 h 920338"/>
+                <a:gd name="connsiteX3" fmla="*/ 0 w 5678522"/>
+                <a:gd name="connsiteY3" fmla="*/ 914400 h 920338"/>
+                <a:gd name="connsiteX4" fmla="*/ 0 w 5678522"/>
+                <a:gd name="connsiteY4" fmla="*/ 0 h 920338"/>
+                <a:gd name="connsiteX0" fmla="*/ 0 w 5678522"/>
+                <a:gd name="connsiteY0" fmla="*/ 0 h 920338"/>
+                <a:gd name="connsiteX1" fmla="*/ 5678522 w 5678522"/>
+                <a:gd name="connsiteY1" fmla="*/ 0 h 920338"/>
+                <a:gd name="connsiteX2" fmla="*/ 5138195 w 5678522"/>
+                <a:gd name="connsiteY2" fmla="*/ 920338 h 920338"/>
+                <a:gd name="connsiteX3" fmla="*/ 552202 w 5678522"/>
+                <a:gd name="connsiteY3" fmla="*/ 920338 h 920338"/>
+                <a:gd name="connsiteX4" fmla="*/ 0 w 5678522"/>
+                <a:gd name="connsiteY4" fmla="*/ 0 h 920338"/>
+              </a:gdLst>
+              <a:ahLst/>
+              <a:cxnLst>
+                <a:cxn ang="0">
+                  <a:pos x="connsiteX0" y="connsiteY0"/>
+                </a:cxn>
+                <a:cxn ang="0">
+                  <a:pos x="connsiteX1" y="connsiteY1"/>
+                </a:cxn>
+                <a:cxn ang="0">
+                  <a:pos x="connsiteX2" y="connsiteY2"/>
+                </a:cxn>
+                <a:cxn ang="0">
+                  <a:pos x="connsiteX3" y="connsiteY3"/>
+                </a:cxn>
+                <a:cxn ang="0">
+                  <a:pos x="connsiteX4" y="connsiteY4"/>
+                </a:cxn>
+              </a:cxnLst>
+              <a:rect l="l" t="t" r="r" b="b"/>
+              <a:pathLst>
+                <a:path w="5678522" h="920338">
+                  <a:moveTo>
+                    <a:pt x="0" y="0"/>
+                  </a:moveTo>
+                  <a:lnTo>
+                    <a:pt x="5678522" y="0"/>
+                  </a:lnTo>
+                  <a:lnTo>
+                    <a:pt x="5138195" y="920338"/>
+                  </a:lnTo>
+                  <a:lnTo>
+                    <a:pt x="552202" y="920338"/>
+                  </a:lnTo>
+                  <a:lnTo>
+                    <a:pt x="0" y="0"/>
+                  </a:lnTo>
+                  <a:close/>
+                </a:path>
+              </a:pathLst>
+            </a:custGeom>
+            <a:solidFill>
+              <a:schemeClr val="tx1">
+                <a:lumMod val="50000"/>
+                <a:lumOff val="50000"/>
+              </a:schemeClr>
+            </a:solidFill>
+          </p:spPr>
+          <p:style>
+            <a:lnRef idx="0">
+              <a:scrgbClr r="0" g="0" b="0"/>
+            </a:lnRef>
+            <a:fillRef idx="0">
+              <a:scrgbClr r="0" g="0" b="0"/>
+            </a:fillRef>
+            <a:effectRef idx="0">
+              <a:scrgbClr r="0" g="0" b="0"/>
+            </a:effectRef>
+            <a:fontRef idx="minor">
+              <a:schemeClr val="dk1">
+                <a:hueOff val="0"/>
+                <a:satOff val="0"/>
+                <a:lumOff val="0"/>
+                <a:alphaOff val="0"/>
+              </a:schemeClr>
+            </a:fontRef>
+          </p:style>
+          <p:txBody>
+            <a:bodyPr spcFirstLastPara="0" vert="horz" wrap="square" lIns="60952" tIns="60952" rIns="60952" bIns="60952" numCol="1" spcCol="1270" anchor="ctr" anchorCtr="0">
+              <a:noAutofit/>
+            </a:bodyPr>
+            <a:lstStyle/>
+            <a:p>
+              <a:pPr algn="ctr" defTabSz="711064">
+                <a:lnSpc>
+                  <a:spcPct val="90000"/>
+                </a:lnSpc>
+                <a:spcBef>
+                  <a:spcPct val="0"/>
+                </a:spcBef>
+                <a:spcAft>
+                  <a:spcPct val="35000"/>
+                </a:spcAft>
+              </a:pPr>
+              <a:r>
+                <a:rPr lang="en-US" sz="1200" dirty="0">
+                  <a:solidFill>
+                    <a:srgbClr val="FFFFFF">
+                      <a:alpha val="99000"/>
+                    </a:srgbClr>
+                  </a:solidFill>
+                </a:rPr>
+                <a:t>Player Applications</a:t>
+              </a:r>
+              <a:br>
+                <a:rPr lang="en-US" sz="1200" dirty="0">
+                  <a:solidFill>
+                    <a:srgbClr val="FFFFFF">
+                      <a:alpha val="99000"/>
+                    </a:srgbClr>
+                  </a:solidFill>
+                </a:rPr>
+              </a:br>
+              <a:r>
+                <a:rPr lang="en-US" sz="1100" dirty="0">
+                  <a:solidFill>
+                    <a:srgbClr val="FFFFFF">
+                      <a:alpha val="99000"/>
+                    </a:srgbClr>
+                  </a:solidFill>
+                </a:rPr>
+                <a:t>(e.g., NBC, Comcast)</a:t>
+              </a:r>
+            </a:p>
+          </p:txBody>
+        </p:sp>
+        <p:sp>
+          <p:nvSpPr>
+            <p:cNvPr id="6" name="Rounded Rectangle 26"/>
+            <p:cNvSpPr/>
+            <p:nvPr/>
+          </p:nvSpPr>
+          <p:spPr>
+            <a:xfrm>
+              <a:off x="6689731" y="2367360"/>
+              <a:ext cx="4508803" cy="914400"/>
+            </a:xfrm>
+            <a:custGeom>
+              <a:avLst/>
+              <a:gdLst>
+                <a:gd name="connsiteX0" fmla="*/ 0 w 5678522"/>
+                <a:gd name="connsiteY0" fmla="*/ 0 h 914400"/>
+                <a:gd name="connsiteX1" fmla="*/ 5678522 w 5678522"/>
+                <a:gd name="connsiteY1" fmla="*/ 0 h 914400"/>
+                <a:gd name="connsiteX2" fmla="*/ 5678522 w 5678522"/>
+                <a:gd name="connsiteY2" fmla="*/ 914400 h 914400"/>
+                <a:gd name="connsiteX3" fmla="*/ 0 w 5678522"/>
+                <a:gd name="connsiteY3" fmla="*/ 914400 h 914400"/>
+                <a:gd name="connsiteX4" fmla="*/ 0 w 5678522"/>
+                <a:gd name="connsiteY4" fmla="*/ 0 h 914400"/>
+                <a:gd name="connsiteX0" fmla="*/ 0 w 5678522"/>
+                <a:gd name="connsiteY0" fmla="*/ 0 h 914400"/>
+                <a:gd name="connsiteX1" fmla="*/ 5102569 w 5678522"/>
+                <a:gd name="connsiteY1" fmla="*/ 0 h 914400"/>
+                <a:gd name="connsiteX2" fmla="*/ 5678522 w 5678522"/>
+                <a:gd name="connsiteY2" fmla="*/ 914400 h 914400"/>
+                <a:gd name="connsiteX3" fmla="*/ 0 w 5678522"/>
+                <a:gd name="connsiteY3" fmla="*/ 914400 h 914400"/>
+                <a:gd name="connsiteX4" fmla="*/ 0 w 5678522"/>
+                <a:gd name="connsiteY4" fmla="*/ 0 h 914400"/>
+                <a:gd name="connsiteX0" fmla="*/ 0 w 5102569"/>
+                <a:gd name="connsiteY0" fmla="*/ 0 h 914400"/>
+                <a:gd name="connsiteX1" fmla="*/ 5102569 w 5102569"/>
+                <a:gd name="connsiteY1" fmla="*/ 0 h 914400"/>
+                <a:gd name="connsiteX2" fmla="*/ 4562242 w 5102569"/>
+                <a:gd name="connsiteY2" fmla="*/ 914400 h 914400"/>
+                <a:gd name="connsiteX3" fmla="*/ 0 w 5102569"/>
+                <a:gd name="connsiteY3" fmla="*/ 914400 h 914400"/>
+                <a:gd name="connsiteX4" fmla="*/ 0 w 5102569"/>
+                <a:gd name="connsiteY4" fmla="*/ 0 h 914400"/>
+                <a:gd name="connsiteX0" fmla="*/ 593766 w 5102569"/>
+                <a:gd name="connsiteY0" fmla="*/ 0 h 914400"/>
+                <a:gd name="connsiteX1" fmla="*/ 5102569 w 5102569"/>
+                <a:gd name="connsiteY1" fmla="*/ 0 h 914400"/>
+                <a:gd name="connsiteX2" fmla="*/ 4562242 w 5102569"/>
+                <a:gd name="connsiteY2" fmla="*/ 914400 h 914400"/>
+                <a:gd name="connsiteX3" fmla="*/ 0 w 5102569"/>
+                <a:gd name="connsiteY3" fmla="*/ 914400 h 914400"/>
+                <a:gd name="connsiteX4" fmla="*/ 593766 w 5102569"/>
+                <a:gd name="connsiteY4" fmla="*/ 0 h 914400"/>
+                <a:gd name="connsiteX0" fmla="*/ 0 w 4508803"/>
+                <a:gd name="connsiteY0" fmla="*/ 0 h 914400"/>
+                <a:gd name="connsiteX1" fmla="*/ 4508803 w 4508803"/>
+                <a:gd name="connsiteY1" fmla="*/ 0 h 914400"/>
+                <a:gd name="connsiteX2" fmla="*/ 3968476 w 4508803"/>
+                <a:gd name="connsiteY2" fmla="*/ 914400 h 914400"/>
+                <a:gd name="connsiteX3" fmla="*/ 534390 w 4508803"/>
+                <a:gd name="connsiteY3" fmla="*/ 914400 h 914400"/>
+                <a:gd name="connsiteX4" fmla="*/ 0 w 4508803"/>
+                <a:gd name="connsiteY4" fmla="*/ 0 h 914400"/>
+              </a:gdLst>
+              <a:ahLst/>
+              <a:cxnLst>
+                <a:cxn ang="0">
+                  <a:pos x="connsiteX0" y="connsiteY0"/>
+                </a:cxn>
+                <a:cxn ang="0">
+                  <a:pos x="connsiteX1" y="connsiteY1"/>
+                </a:cxn>
+                <a:cxn ang="0">
+                  <a:pos x="connsiteX2" y="connsiteY2"/>
+                </a:cxn>
+                <a:cxn ang="0">
+                  <a:pos x="connsiteX3" y="connsiteY3"/>
+                </a:cxn>
+                <a:cxn ang="0">
+                  <a:pos x="connsiteX4" y="connsiteY4"/>
+                </a:cxn>
+              </a:cxnLst>
+              <a:rect l="l" t="t" r="r" b="b"/>
+              <a:pathLst>
+                <a:path w="4508803" h="914400">
+                  <a:moveTo>
+                    <a:pt x="0" y="0"/>
+                  </a:moveTo>
+                  <a:lnTo>
+                    <a:pt x="4508803" y="0"/>
+                  </a:lnTo>
+                  <a:lnTo>
+                    <a:pt x="3968476" y="914400"/>
+                  </a:lnTo>
+                  <a:lnTo>
+                    <a:pt x="534390" y="914400"/>
+                  </a:lnTo>
+                  <a:lnTo>
+                    <a:pt x="0" y="0"/>
+                  </a:lnTo>
+                  <a:close/>
+                </a:path>
+              </a:pathLst>
+            </a:custGeom>
+            <a:solidFill>
+              <a:srgbClr val="00B0F0"/>
+            </a:solidFill>
+          </p:spPr>
+          <p:style>
+            <a:lnRef idx="0">
+              <a:scrgbClr r="0" g="0" b="0"/>
+            </a:lnRef>
+            <a:fillRef idx="0">
+              <a:scrgbClr r="0" g="0" b="0"/>
+            </a:fillRef>
+            <a:effectRef idx="0">
+              <a:scrgbClr r="0" g="0" b="0"/>
+            </a:effectRef>
+            <a:fontRef idx="minor">
+              <a:schemeClr val="dk1">
+                <a:hueOff val="0"/>
+                <a:satOff val="0"/>
+                <a:lumOff val="0"/>
+                <a:alphaOff val="0"/>
+              </a:schemeClr>
+            </a:fontRef>
+          </p:style>
+          <p:txBody>
+            <a:bodyPr spcFirstLastPara="0" vert="horz" wrap="square" lIns="60952" tIns="60952" rIns="60952" bIns="60952" numCol="1" spcCol="1270" anchor="ctr" anchorCtr="0">
+              <a:noAutofit/>
+            </a:bodyPr>
+            <a:lstStyle/>
+            <a:p>
+              <a:pPr algn="ctr" defTabSz="711064">
+                <a:lnSpc>
+                  <a:spcPct val="90000"/>
+                </a:lnSpc>
+                <a:spcBef>
+                  <a:spcPct val="0"/>
+                </a:spcBef>
+                <a:spcAft>
+                  <a:spcPct val="35000"/>
+                </a:spcAft>
+              </a:pPr>
+              <a:r>
+                <a:rPr lang="en-US" sz="1200" dirty="0">
+                  <a:solidFill>
+                    <a:srgbClr val="FFFFFF">
+                      <a:alpha val="99000"/>
+                    </a:srgbClr>
+                  </a:solidFill>
+                </a:rPr>
+                <a:t>Player Frameworks</a:t>
+              </a:r>
+              <a:br>
+                <a:rPr lang="en-US" sz="1200" dirty="0">
+                  <a:solidFill>
+                    <a:srgbClr val="FFFFFF">
+                      <a:alpha val="99000"/>
+                    </a:srgbClr>
+                  </a:solidFill>
+                </a:rPr>
+              </a:br>
+              <a:r>
+                <a:rPr lang="en-US" sz="1100" dirty="0">
+                  <a:solidFill>
+                    <a:srgbClr val="FFFFFF">
+                      <a:alpha val="99000"/>
+                    </a:srgbClr>
+                  </a:solidFill>
+                </a:rPr>
+                <a:t>(e.g., MMPPF, HTML5 framework)</a:t>
+              </a:r>
+            </a:p>
+          </p:txBody>
+        </p:sp>
+        <p:sp>
+          <p:nvSpPr>
+            <p:cNvPr id="7" name="Rounded Rectangle 26"/>
+            <p:cNvSpPr/>
+            <p:nvPr/>
+          </p:nvSpPr>
+          <p:spPr>
+            <a:xfrm>
+              <a:off x="7277559" y="3357182"/>
+              <a:ext cx="3333147" cy="920337"/>
+            </a:xfrm>
+            <a:custGeom>
+              <a:avLst/>
+              <a:gdLst>
+                <a:gd name="connsiteX0" fmla="*/ 0 w 5678522"/>
+                <a:gd name="connsiteY0" fmla="*/ 0 h 914400"/>
+                <a:gd name="connsiteX1" fmla="*/ 5678522 w 5678522"/>
+                <a:gd name="connsiteY1" fmla="*/ 0 h 914400"/>
+                <a:gd name="connsiteX2" fmla="*/ 5678522 w 5678522"/>
+                <a:gd name="connsiteY2" fmla="*/ 914400 h 914400"/>
+                <a:gd name="connsiteX3" fmla="*/ 0 w 5678522"/>
+                <a:gd name="connsiteY3" fmla="*/ 914400 h 914400"/>
+                <a:gd name="connsiteX4" fmla="*/ 0 w 5678522"/>
+                <a:gd name="connsiteY4" fmla="*/ 0 h 914400"/>
+                <a:gd name="connsiteX0" fmla="*/ 0 w 5678522"/>
+                <a:gd name="connsiteY0" fmla="*/ 5937 h 920337"/>
+                <a:gd name="connsiteX1" fmla="*/ 4514741 w 5678522"/>
+                <a:gd name="connsiteY1" fmla="*/ 0 h 920337"/>
+                <a:gd name="connsiteX2" fmla="*/ 5678522 w 5678522"/>
+                <a:gd name="connsiteY2" fmla="*/ 920337 h 920337"/>
+                <a:gd name="connsiteX3" fmla="*/ 0 w 5678522"/>
+                <a:gd name="connsiteY3" fmla="*/ 920337 h 920337"/>
+                <a:gd name="connsiteX4" fmla="*/ 0 w 5678522"/>
+                <a:gd name="connsiteY4" fmla="*/ 5937 h 920337"/>
+                <a:gd name="connsiteX0" fmla="*/ 0 w 4514741"/>
+                <a:gd name="connsiteY0" fmla="*/ 5937 h 920337"/>
+                <a:gd name="connsiteX1" fmla="*/ 4514741 w 4514741"/>
+                <a:gd name="connsiteY1" fmla="*/ 0 h 920337"/>
+                <a:gd name="connsiteX2" fmla="*/ 3986289 w 4514741"/>
+                <a:gd name="connsiteY2" fmla="*/ 920337 h 920337"/>
+                <a:gd name="connsiteX3" fmla="*/ 0 w 4514741"/>
+                <a:gd name="connsiteY3" fmla="*/ 920337 h 920337"/>
+                <a:gd name="connsiteX4" fmla="*/ 0 w 4514741"/>
+                <a:gd name="connsiteY4" fmla="*/ 5937 h 920337"/>
+                <a:gd name="connsiteX0" fmla="*/ 1181594 w 4514741"/>
+                <a:gd name="connsiteY0" fmla="*/ 5937 h 920337"/>
+                <a:gd name="connsiteX1" fmla="*/ 4514741 w 4514741"/>
+                <a:gd name="connsiteY1" fmla="*/ 0 h 920337"/>
+                <a:gd name="connsiteX2" fmla="*/ 3986289 w 4514741"/>
+                <a:gd name="connsiteY2" fmla="*/ 920337 h 920337"/>
+                <a:gd name="connsiteX3" fmla="*/ 0 w 4514741"/>
+                <a:gd name="connsiteY3" fmla="*/ 920337 h 920337"/>
+                <a:gd name="connsiteX4" fmla="*/ 1181594 w 4514741"/>
+                <a:gd name="connsiteY4" fmla="*/ 5937 h 920337"/>
+                <a:gd name="connsiteX0" fmla="*/ 0 w 3333147"/>
+                <a:gd name="connsiteY0" fmla="*/ 5937 h 920337"/>
+                <a:gd name="connsiteX1" fmla="*/ 3333147 w 3333147"/>
+                <a:gd name="connsiteY1" fmla="*/ 0 h 920337"/>
+                <a:gd name="connsiteX2" fmla="*/ 2804695 w 3333147"/>
+                <a:gd name="connsiteY2" fmla="*/ 920337 h 920337"/>
+                <a:gd name="connsiteX3" fmla="*/ 522515 w 3333147"/>
+                <a:gd name="connsiteY3" fmla="*/ 920337 h 920337"/>
+                <a:gd name="connsiteX4" fmla="*/ 0 w 3333147"/>
+                <a:gd name="connsiteY4" fmla="*/ 5937 h 920337"/>
+              </a:gdLst>
+              <a:ahLst/>
+              <a:cxnLst>
+                <a:cxn ang="0">
+                  <a:pos x="connsiteX0" y="connsiteY0"/>
+                </a:cxn>
+                <a:cxn ang="0">
+                  <a:pos x="connsiteX1" y="connsiteY1"/>
+                </a:cxn>
+                <a:cxn ang="0">
+                  <a:pos x="connsiteX2" y="connsiteY2"/>
+                </a:cxn>
+                <a:cxn ang="0">
+                  <a:pos x="connsiteX3" y="connsiteY3"/>
+                </a:cxn>
+                <a:cxn ang="0">
+                  <a:pos x="connsiteX4" y="connsiteY4"/>
+                </a:cxn>
+              </a:cxnLst>
+              <a:rect l="l" t="t" r="r" b="b"/>
+              <a:pathLst>
+                <a:path w="3333147" h="920337">
+                  <a:moveTo>
+                    <a:pt x="0" y="5937"/>
+                  </a:moveTo>
+                  <a:lnTo>
+                    <a:pt x="3333147" y="0"/>
+                  </a:lnTo>
+                  <a:lnTo>
+                    <a:pt x="2804695" y="920337"/>
+                  </a:lnTo>
+                  <a:lnTo>
+                    <a:pt x="522515" y="920337"/>
+                  </a:lnTo>
+                  <a:lnTo>
+                    <a:pt x="0" y="5937"/>
+                  </a:lnTo>
+                  <a:close/>
+                </a:path>
+              </a:pathLst>
+            </a:custGeom>
+            <a:solidFill>
+              <a:schemeClr val="tx1">
+                <a:lumMod val="50000"/>
+                <a:lumOff val="50000"/>
+              </a:schemeClr>
+            </a:solidFill>
+          </p:spPr>
+          <p:style>
+            <a:lnRef idx="0">
+              <a:scrgbClr r="0" g="0" b="0"/>
+            </a:lnRef>
+            <a:fillRef idx="0">
+              <a:scrgbClr r="0" g="0" b="0"/>
+            </a:fillRef>
+            <a:effectRef idx="0">
+              <a:scrgbClr r="0" g="0" b="0"/>
+            </a:effectRef>
+            <a:fontRef idx="minor">
+              <a:schemeClr val="dk1">
+                <a:hueOff val="0"/>
+                <a:satOff val="0"/>
+                <a:lumOff val="0"/>
+                <a:alphaOff val="0"/>
+              </a:schemeClr>
+            </a:fontRef>
+          </p:style>
+          <p:txBody>
+            <a:bodyPr spcFirstLastPara="0" vert="horz" wrap="square" lIns="60952" tIns="60952" rIns="60952" bIns="60952" numCol="1" spcCol="1270" anchor="ctr" anchorCtr="0">
+              <a:noAutofit/>
+            </a:bodyPr>
+            <a:lstStyle/>
+            <a:p>
+              <a:pPr algn="ctr" defTabSz="711064">
+                <a:lnSpc>
+                  <a:spcPct val="90000"/>
+                </a:lnSpc>
+                <a:spcBef>
+                  <a:spcPct val="0"/>
+                </a:spcBef>
+                <a:spcAft>
+                  <a:spcPct val="35000"/>
+                </a:spcAft>
+              </a:pPr>
+              <a:r>
+                <a:rPr lang="en-US" sz="1200" dirty="0">
+                  <a:solidFill>
+                    <a:srgbClr val="FFFFFF">
+                      <a:alpha val="99000"/>
+                    </a:srgbClr>
+                  </a:solidFill>
+                </a:rPr>
+                <a:t>Client SDK / Porting Kits</a:t>
+              </a:r>
+              <a:br>
+                <a:rPr lang="en-US" sz="1200" dirty="0">
+                  <a:solidFill>
+                    <a:srgbClr val="FFFFFF">
+                      <a:alpha val="99000"/>
+                    </a:srgbClr>
+                  </a:solidFill>
+                </a:rPr>
+              </a:br>
+              <a:r>
+                <a:rPr lang="en-US" sz="1100" dirty="0">
+                  <a:solidFill>
+                    <a:srgbClr val="FFFFFF">
+                      <a:alpha val="99000"/>
+                    </a:srgbClr>
+                  </a:solidFill>
+                </a:rPr>
+                <a:t>(e.g., SSME, SSPK)</a:t>
+              </a:r>
+            </a:p>
+          </p:txBody>
+        </p:sp>
+        <p:sp>
+          <p:nvSpPr>
+            <p:cNvPr id="8" name="Rounded Rectangle 26"/>
+            <p:cNvSpPr/>
+            <p:nvPr/>
+          </p:nvSpPr>
+          <p:spPr>
+            <a:xfrm>
+              <a:off x="7853514" y="4358880"/>
+              <a:ext cx="2175302" cy="908462"/>
+            </a:xfrm>
+            <a:custGeom>
+              <a:avLst/>
+              <a:gdLst>
+                <a:gd name="connsiteX0" fmla="*/ 0 w 5678522"/>
+                <a:gd name="connsiteY0" fmla="*/ 0 h 914400"/>
+                <a:gd name="connsiteX1" fmla="*/ 5678522 w 5678522"/>
+                <a:gd name="connsiteY1" fmla="*/ 0 h 914400"/>
+                <a:gd name="connsiteX2" fmla="*/ 5678522 w 5678522"/>
+                <a:gd name="connsiteY2" fmla="*/ 914400 h 914400"/>
+                <a:gd name="connsiteX3" fmla="*/ 0 w 5678522"/>
+                <a:gd name="connsiteY3" fmla="*/ 914400 h 914400"/>
+                <a:gd name="connsiteX4" fmla="*/ 0 w 5678522"/>
+                <a:gd name="connsiteY4" fmla="*/ 0 h 914400"/>
+                <a:gd name="connsiteX0" fmla="*/ 0 w 5678522"/>
+                <a:gd name="connsiteY0" fmla="*/ 0 h 914400"/>
+                <a:gd name="connsiteX1" fmla="*/ 3932850 w 5678522"/>
+                <a:gd name="connsiteY1" fmla="*/ 5937 h 914400"/>
+                <a:gd name="connsiteX2" fmla="*/ 5678522 w 5678522"/>
+                <a:gd name="connsiteY2" fmla="*/ 914400 h 914400"/>
+                <a:gd name="connsiteX3" fmla="*/ 0 w 5678522"/>
+                <a:gd name="connsiteY3" fmla="*/ 914400 h 914400"/>
+                <a:gd name="connsiteX4" fmla="*/ 0 w 5678522"/>
+                <a:gd name="connsiteY4" fmla="*/ 0 h 914400"/>
+                <a:gd name="connsiteX0" fmla="*/ 0 w 3932850"/>
+                <a:gd name="connsiteY0" fmla="*/ 0 h 914400"/>
+                <a:gd name="connsiteX1" fmla="*/ 3932850 w 3932850"/>
+                <a:gd name="connsiteY1" fmla="*/ 5937 h 914400"/>
+                <a:gd name="connsiteX2" fmla="*/ 3416273 w 3932850"/>
+                <a:gd name="connsiteY2" fmla="*/ 908462 h 914400"/>
+                <a:gd name="connsiteX3" fmla="*/ 0 w 3932850"/>
+                <a:gd name="connsiteY3" fmla="*/ 914400 h 914400"/>
+                <a:gd name="connsiteX4" fmla="*/ 0 w 3932850"/>
+                <a:gd name="connsiteY4" fmla="*/ 0 h 914400"/>
+                <a:gd name="connsiteX0" fmla="*/ 1757548 w 3932850"/>
+                <a:gd name="connsiteY0" fmla="*/ 0 h 914400"/>
+                <a:gd name="connsiteX1" fmla="*/ 3932850 w 3932850"/>
+                <a:gd name="connsiteY1" fmla="*/ 5937 h 914400"/>
+                <a:gd name="connsiteX2" fmla="*/ 3416273 w 3932850"/>
+                <a:gd name="connsiteY2" fmla="*/ 908462 h 914400"/>
+                <a:gd name="connsiteX3" fmla="*/ 0 w 3932850"/>
+                <a:gd name="connsiteY3" fmla="*/ 914400 h 914400"/>
+                <a:gd name="connsiteX4" fmla="*/ 1757548 w 3932850"/>
+                <a:gd name="connsiteY4" fmla="*/ 0 h 914400"/>
+                <a:gd name="connsiteX0" fmla="*/ 0 w 2175302"/>
+                <a:gd name="connsiteY0" fmla="*/ 0 h 908462"/>
+                <a:gd name="connsiteX1" fmla="*/ 2175302 w 2175302"/>
+                <a:gd name="connsiteY1" fmla="*/ 5937 h 908462"/>
+                <a:gd name="connsiteX2" fmla="*/ 1658725 w 2175302"/>
+                <a:gd name="connsiteY2" fmla="*/ 908462 h 908462"/>
+                <a:gd name="connsiteX3" fmla="*/ 522515 w 2175302"/>
+                <a:gd name="connsiteY3" fmla="*/ 908462 h 908462"/>
+                <a:gd name="connsiteX4" fmla="*/ 0 w 2175302"/>
+                <a:gd name="connsiteY4" fmla="*/ 0 h 908462"/>
+              </a:gdLst>
+              <a:ahLst/>
+              <a:cxnLst>
+                <a:cxn ang="0">
+                  <a:pos x="connsiteX0" y="connsiteY0"/>
+                </a:cxn>
+                <a:cxn ang="0">
+                  <a:pos x="connsiteX1" y="connsiteY1"/>
+                </a:cxn>
+                <a:cxn ang="0">
+                  <a:pos x="connsiteX2" y="connsiteY2"/>
+                </a:cxn>
+                <a:cxn ang="0">
+                  <a:pos x="connsiteX3" y="connsiteY3"/>
+                </a:cxn>
+                <a:cxn ang="0">
+                  <a:pos x="connsiteX4" y="connsiteY4"/>
+                </a:cxn>
+              </a:cxnLst>
+              <a:rect l="l" t="t" r="r" b="b"/>
+              <a:pathLst>
+                <a:path w="2175302" h="908462">
+                  <a:moveTo>
+                    <a:pt x="0" y="0"/>
+                  </a:moveTo>
+                  <a:lnTo>
+                    <a:pt x="2175302" y="5937"/>
+                  </a:lnTo>
+                  <a:lnTo>
+                    <a:pt x="1658725" y="908462"/>
+                  </a:lnTo>
+                  <a:lnTo>
+                    <a:pt x="522515" y="908462"/>
+                  </a:lnTo>
+                  <a:lnTo>
+                    <a:pt x="0" y="0"/>
+                  </a:lnTo>
+                  <a:close/>
+                </a:path>
+              </a:pathLst>
+            </a:custGeom>
+            <a:solidFill>
+              <a:schemeClr val="tx1">
+                <a:lumMod val="50000"/>
+                <a:lumOff val="50000"/>
+              </a:schemeClr>
+            </a:solidFill>
+          </p:spPr>
+          <p:style>
+            <a:lnRef idx="0">
+              <a:scrgbClr r="0" g="0" b="0"/>
+            </a:lnRef>
+            <a:fillRef idx="0">
+              <a:scrgbClr r="0" g="0" b="0"/>
+            </a:fillRef>
+            <a:effectRef idx="0">
+              <a:scrgbClr r="0" g="0" b="0"/>
+            </a:effectRef>
+            <a:fontRef idx="minor">
+              <a:schemeClr val="dk1">
+                <a:hueOff val="0"/>
+                <a:satOff val="0"/>
+                <a:lumOff val="0"/>
+                <a:alphaOff val="0"/>
+              </a:schemeClr>
+            </a:fontRef>
+          </p:style>
+          <p:txBody>
+            <a:bodyPr spcFirstLastPara="0" vert="horz" wrap="square" lIns="60952" tIns="60952" rIns="60952" bIns="60952" numCol="1" spcCol="1270" anchor="ctr" anchorCtr="0">
+              <a:noAutofit/>
+            </a:bodyPr>
+            <a:lstStyle/>
+            <a:p>
+              <a:pPr algn="ctr" defTabSz="711064">
+                <a:lnSpc>
+                  <a:spcPct val="90000"/>
+                </a:lnSpc>
+                <a:spcBef>
+                  <a:spcPct val="0"/>
+                </a:spcBef>
+                <a:spcAft>
+                  <a:spcPct val="35000"/>
+                </a:spcAft>
+              </a:pPr>
+              <a:r>
+                <a:rPr lang="en-US" sz="1200" dirty="0">
+                  <a:solidFill>
+                    <a:srgbClr val="FFFFFF">
+                      <a:alpha val="99000"/>
+                    </a:srgbClr>
+                  </a:solidFill>
+                </a:rPr>
+                <a:t>Media Pipeline</a:t>
+              </a:r>
+              <a:br>
+                <a:rPr lang="en-US" sz="1200" dirty="0">
+                  <a:solidFill>
+                    <a:srgbClr val="FFFFFF">
+                      <a:alpha val="99000"/>
+                    </a:srgbClr>
+                  </a:solidFill>
+                </a:rPr>
+              </a:br>
+              <a:r>
+                <a:rPr lang="en-US" sz="1100" dirty="0">
+                  <a:solidFill>
+                    <a:srgbClr val="FFFFFF">
+                      <a:alpha val="99000"/>
+                    </a:srgbClr>
+                  </a:solidFill>
+                </a:rPr>
+                <a:t>(e.g., Silverlight, </a:t>
+              </a:r>
+              <a:r>
+                <a:rPr lang="en-US" sz="1100" dirty="0" err="1">
+                  <a:solidFill>
+                    <a:srgbClr val="FFFFFF">
+                      <a:alpha val="99000"/>
+                    </a:srgbClr>
+                  </a:solidFill>
+                </a:rPr>
+                <a:t>GStreamer</a:t>
+              </a:r>
+              <a:r>
+                <a:rPr lang="en-US" sz="1100" dirty="0">
+                  <a:solidFill>
+                    <a:srgbClr val="FFFFFF">
+                      <a:alpha val="99000"/>
+                    </a:srgbClr>
+                  </a:solidFill>
+                </a:rPr>
+                <a:t>)</a:t>
+              </a:r>
+            </a:p>
+          </p:txBody>
+        </p:sp>
+        <p:sp>
+          <p:nvSpPr>
+            <p:cNvPr id="9" name="Rounded Rectangle 26"/>
+            <p:cNvSpPr/>
+            <p:nvPr/>
+          </p:nvSpPr>
+          <p:spPr>
+            <a:xfrm>
+              <a:off x="8423530" y="5354638"/>
+              <a:ext cx="1023394" cy="908462"/>
+            </a:xfrm>
+            <a:custGeom>
+              <a:avLst/>
+              <a:gdLst>
+                <a:gd name="connsiteX0" fmla="*/ 0 w 5678522"/>
+                <a:gd name="connsiteY0" fmla="*/ 0 h 914400"/>
+                <a:gd name="connsiteX1" fmla="*/ 5678522 w 5678522"/>
+                <a:gd name="connsiteY1" fmla="*/ 0 h 914400"/>
+                <a:gd name="connsiteX2" fmla="*/ 5678522 w 5678522"/>
+                <a:gd name="connsiteY2" fmla="*/ 914400 h 914400"/>
+                <a:gd name="connsiteX3" fmla="*/ 0 w 5678522"/>
+                <a:gd name="connsiteY3" fmla="*/ 914400 h 914400"/>
+                <a:gd name="connsiteX4" fmla="*/ 0 w 5678522"/>
+                <a:gd name="connsiteY4" fmla="*/ 0 h 914400"/>
+                <a:gd name="connsiteX0" fmla="*/ 2327564 w 5678522"/>
+                <a:gd name="connsiteY0" fmla="*/ 5938 h 914400"/>
+                <a:gd name="connsiteX1" fmla="*/ 5678522 w 5678522"/>
+                <a:gd name="connsiteY1" fmla="*/ 0 h 914400"/>
+                <a:gd name="connsiteX2" fmla="*/ 5678522 w 5678522"/>
+                <a:gd name="connsiteY2" fmla="*/ 914400 h 914400"/>
+                <a:gd name="connsiteX3" fmla="*/ 0 w 5678522"/>
+                <a:gd name="connsiteY3" fmla="*/ 914400 h 914400"/>
+                <a:gd name="connsiteX4" fmla="*/ 2327564 w 5678522"/>
+                <a:gd name="connsiteY4" fmla="*/ 5938 h 914400"/>
+                <a:gd name="connsiteX0" fmla="*/ 2327564 w 5678522"/>
+                <a:gd name="connsiteY0" fmla="*/ 5938 h 914400"/>
+                <a:gd name="connsiteX1" fmla="*/ 3350958 w 5678522"/>
+                <a:gd name="connsiteY1" fmla="*/ 0 h 914400"/>
+                <a:gd name="connsiteX2" fmla="*/ 5678522 w 5678522"/>
+                <a:gd name="connsiteY2" fmla="*/ 914400 h 914400"/>
+                <a:gd name="connsiteX3" fmla="*/ 0 w 5678522"/>
+                <a:gd name="connsiteY3" fmla="*/ 914400 h 914400"/>
+                <a:gd name="connsiteX4" fmla="*/ 2327564 w 5678522"/>
+                <a:gd name="connsiteY4" fmla="*/ 5938 h 914400"/>
+                <a:gd name="connsiteX0" fmla="*/ 2327564 w 3350958"/>
+                <a:gd name="connsiteY0" fmla="*/ 5938 h 914400"/>
+                <a:gd name="connsiteX1" fmla="*/ 3350958 w 3350958"/>
+                <a:gd name="connsiteY1" fmla="*/ 0 h 914400"/>
+                <a:gd name="connsiteX2" fmla="*/ 2448434 w 3350958"/>
+                <a:gd name="connsiteY2" fmla="*/ 914400 h 914400"/>
+                <a:gd name="connsiteX3" fmla="*/ 0 w 3350958"/>
+                <a:gd name="connsiteY3" fmla="*/ 914400 h 914400"/>
+                <a:gd name="connsiteX4" fmla="*/ 2327564 w 3350958"/>
+                <a:gd name="connsiteY4" fmla="*/ 5938 h 914400"/>
+                <a:gd name="connsiteX0" fmla="*/ 2327564 w 3350958"/>
+                <a:gd name="connsiteY0" fmla="*/ 5938 h 914400"/>
+                <a:gd name="connsiteX1" fmla="*/ 3350958 w 3350958"/>
+                <a:gd name="connsiteY1" fmla="*/ 0 h 914400"/>
+                <a:gd name="connsiteX2" fmla="*/ 2840320 w 3350958"/>
+                <a:gd name="connsiteY2" fmla="*/ 908462 h 914400"/>
+                <a:gd name="connsiteX3" fmla="*/ 0 w 3350958"/>
+                <a:gd name="connsiteY3" fmla="*/ 914400 h 914400"/>
+                <a:gd name="connsiteX4" fmla="*/ 2327564 w 3350958"/>
+                <a:gd name="connsiteY4" fmla="*/ 5938 h 914400"/>
+                <a:gd name="connsiteX0" fmla="*/ 0 w 1023394"/>
+                <a:gd name="connsiteY0" fmla="*/ 5938 h 908462"/>
+                <a:gd name="connsiteX1" fmla="*/ 1023394 w 1023394"/>
+                <a:gd name="connsiteY1" fmla="*/ 0 h 908462"/>
+                <a:gd name="connsiteX2" fmla="*/ 512756 w 1023394"/>
+                <a:gd name="connsiteY2" fmla="*/ 908462 h 908462"/>
+                <a:gd name="connsiteX3" fmla="*/ 0 w 1023394"/>
+                <a:gd name="connsiteY3" fmla="*/ 5938 h 908462"/>
+              </a:gdLst>
+              <a:ahLst/>
+              <a:cxnLst>
+                <a:cxn ang="0">
+                  <a:pos x="connsiteX0" y="connsiteY0"/>
+                </a:cxn>
+                <a:cxn ang="0">
+                  <a:pos x="connsiteX1" y="connsiteY1"/>
+                </a:cxn>
+                <a:cxn ang="0">
+                  <a:pos x="connsiteX2" y="connsiteY2"/>
+                </a:cxn>
+                <a:cxn ang="0">
+                  <a:pos x="connsiteX3" y="connsiteY3"/>
+                </a:cxn>
+              </a:cxnLst>
+              <a:rect l="l" t="t" r="r" b="b"/>
+              <a:pathLst>
+                <a:path w="1023394" h="908462">
+                  <a:moveTo>
+                    <a:pt x="0" y="5938"/>
+                  </a:moveTo>
+                  <a:lnTo>
+                    <a:pt x="1023394" y="0"/>
+                  </a:lnTo>
+                  <a:lnTo>
+                    <a:pt x="512756" y="908462"/>
+                  </a:lnTo>
+                  <a:lnTo>
+                    <a:pt x="0" y="5938"/>
+                  </a:lnTo>
+                  <a:close/>
+                </a:path>
+              </a:pathLst>
+            </a:custGeom>
+            <a:solidFill>
+              <a:schemeClr val="tx1">
+                <a:lumMod val="50000"/>
+                <a:lumOff val="50000"/>
+              </a:schemeClr>
+            </a:solidFill>
+          </p:spPr>
+          <p:style>
+            <a:lnRef idx="0">
+              <a:scrgbClr r="0" g="0" b="0"/>
+            </a:lnRef>
+            <a:fillRef idx="0">
+              <a:scrgbClr r="0" g="0" b="0"/>
+            </a:fillRef>
+            <a:effectRef idx="0">
+              <a:scrgbClr r="0" g="0" b="0"/>
+            </a:effectRef>
+            <a:fontRef idx="minor">
+              <a:schemeClr val="dk1">
+                <a:hueOff val="0"/>
+                <a:satOff val="0"/>
+                <a:lumOff val="0"/>
+                <a:alphaOff val="0"/>
+              </a:schemeClr>
+            </a:fontRef>
+          </p:style>
+          <p:txBody>
+            <a:bodyPr spcFirstLastPara="0" vert="horz" wrap="square" lIns="60952" tIns="0" rIns="60952" bIns="0" numCol="1" spcCol="1270" anchor="t" anchorCtr="0">
+              <a:noAutofit/>
+            </a:bodyPr>
+            <a:lstStyle/>
+            <a:p>
+              <a:pPr algn="ctr" defTabSz="711064">
+                <a:lnSpc>
+                  <a:spcPct val="85000"/>
+                </a:lnSpc>
+                <a:spcBef>
+                  <a:spcPct val="0"/>
+                </a:spcBef>
+              </a:pPr>
+              <a:r>
+                <a:rPr lang="en-US" sz="1100" dirty="0">
+                  <a:solidFill>
+                    <a:srgbClr val="FFFFFF">
+                      <a:alpha val="99000"/>
+                    </a:srgbClr>
+                  </a:solidFill>
+                </a:rPr>
+                <a:t>Platform</a:t>
+              </a:r>
+              <a:br>
+                <a:rPr lang="en-US" sz="1100" dirty="0">
+                  <a:solidFill>
+                    <a:srgbClr val="FFFFFF">
+                      <a:alpha val="99000"/>
+                    </a:srgbClr>
+                  </a:solidFill>
+                </a:rPr>
+              </a:br>
+              <a:r>
+                <a:rPr lang="en-US" sz="800" dirty="0">
+                  <a:solidFill>
+                    <a:srgbClr val="FFFFFF">
+                      <a:alpha val="99000"/>
+                    </a:srgbClr>
+                  </a:solidFill>
+                </a:rPr>
+                <a:t>(e.g., </a:t>
+              </a:r>
+              <a:br>
+                <a:rPr lang="en-US" sz="800" dirty="0">
+                  <a:solidFill>
+                    <a:srgbClr val="FFFFFF">
+                      <a:alpha val="99000"/>
+                    </a:srgbClr>
+                  </a:solidFill>
+                </a:rPr>
+              </a:br>
+              <a:r>
+                <a:rPr lang="en-US" sz="800" dirty="0">
+                  <a:solidFill>
+                    <a:srgbClr val="FFFFFF">
+                      <a:alpha val="99000"/>
+                    </a:srgbClr>
+                  </a:solidFill>
+                </a:rPr>
+                <a:t>Windows/ Linux)</a:t>
+              </a:r>
+            </a:p>
+          </p:txBody>
+        </p:sp>
+      </p:grpSp>
+      <p:grpSp>
+        <p:nvGrpSpPr>
+          <p:cNvPr id="12" name="Group 11"/>
+          <p:cNvGrpSpPr/>
+          <p:nvPr/>
+        </p:nvGrpSpPr>
+        <p:grpSpPr>
+          <a:xfrm>
+            <a:off x="527324" y="1234330"/>
+            <a:ext cx="9504064" cy="720000"/>
+            <a:chOff x="398388" y="2508874"/>
+            <a:chExt cx="8014651" cy="720000"/>
+          </a:xfrm>
+        </p:grpSpPr>
+        <p:pic>
+          <p:nvPicPr>
+            <p:cNvPr id="13" name="Picture 2" descr="\\w7-hmeydac\Share\WindowsPhone\light\appbar.control.play.png"/>
+            <p:cNvPicPr>
+              <a:picLocks noChangeAspect="1" noChangeArrowheads="1"/>
+            </p:cNvPicPr>
+            <p:nvPr/>
+          </p:nvPicPr>
+          <p:blipFill>
+            <a:blip r:embed="rId7">
+              <a:duotone>
+                <a:schemeClr val="accent4">
+                  <a:shade val="45000"/>
+                  <a:satMod val="135000"/>
+                </a:schemeClr>
+                <a:prstClr val="white"/>
+              </a:duotone>
+              <a:extLst>
+                <a:ext uri="{28A0092B-C50C-407E-A947-70E740481C1C}">
+                  <a14:useLocalDpi xmlns:a14="http://schemas.microsoft.com/office/drawing/2010/main" val="0"/>
+                </a:ext>
+              </a:extLst>
+            </a:blip>
+            <a:srcRect/>
+            <a:stretch>
+              <a:fillRect/>
+            </a:stretch>
+          </p:blipFill>
+          <p:spPr bwMode="auto">
+            <a:xfrm>
+              <a:off x="398388" y="2508874"/>
+              <a:ext cx="720000" cy="720000"/>
+            </a:xfrm>
+            <a:prstGeom prst="rect">
+              <a:avLst/>
+            </a:prstGeom>
+            <a:noFill/>
+            <a:extLst>
+              <a:ext uri="{909E8E84-426E-40DD-AFC4-6F175D3DCCD1}">
+                <a14:hiddenFill xmlns:a14="http://schemas.microsoft.com/office/drawing/2010/main">
+                  <a:solidFill>
+                    <a:srgbClr val="FFFFFF"/>
+                  </a:solidFill>
+                </a14:hiddenFill>
+              </a:ext>
+            </a:extLst>
+          </p:spPr>
+        </p:pic>
+        <p:sp>
+          <p:nvSpPr>
+            <p:cNvPr id="14" name="TextBox 13"/>
+            <p:cNvSpPr txBox="1"/>
+            <p:nvPr/>
+          </p:nvSpPr>
+          <p:spPr>
+            <a:xfrm>
+              <a:off x="1118388" y="2635731"/>
+              <a:ext cx="7294651" cy="461665"/>
+            </a:xfrm>
+            <a:prstGeom prst="rect">
+              <a:avLst/>
+            </a:prstGeom>
+            <a:noFill/>
+          </p:spPr>
+          <p:txBody>
+            <a:bodyPr wrap="square" rtlCol="0">
+              <a:spAutoFit/>
+            </a:bodyPr>
+            <a:lstStyle/>
+            <a:p>
+              <a:pPr marL="0" lvl="1">
+                <a:spcBef>
+                  <a:spcPts val="1200"/>
+                </a:spcBef>
+              </a:pPr>
+              <a:r>
+                <a:rPr lang="es-AR" sz="2400" dirty="0" smtClean="0">
+                  <a:latin typeface="Segoe UI" pitchFamily="34" charset="0"/>
+                  <a:cs typeface="Segoe UI" pitchFamily="34" charset="0"/>
+                </a:rPr>
+                <a:t>Código fuente disponible en </a:t>
+              </a:r>
+              <a:r>
+                <a:rPr lang="en-US" sz="2400" dirty="0" smtClean="0">
+                  <a:solidFill>
+                    <a:srgbClr val="292929">
+                      <a:lumMod val="75000"/>
+                      <a:lumOff val="25000"/>
+                    </a:srgbClr>
+                  </a:solidFill>
+                  <a:hlinkClick r:id="rId6"/>
+                </a:rPr>
+                <a:t>playerframework.codeplex.com</a:t>
+              </a:r>
+              <a:endParaRPr lang="es-AR" sz="2400" dirty="0" smtClean="0">
+                <a:latin typeface="Segoe UI" pitchFamily="34" charset="0"/>
+                <a:cs typeface="Segoe UI" pitchFamily="34" charset="0"/>
+              </a:endParaRPr>
+            </a:p>
+          </p:txBody>
+        </p:sp>
+      </p:grpSp>
+    </p:spTree>
+    <p:custDataLst>
+      <p:tags r:id="rId1"/>
+    </p:custDataLst>
+    <p:extLst>
+      <p:ext uri="{BB962C8B-B14F-4D97-AF65-F5344CB8AC3E}">
+        <p14:creationId xmlns:p14="http://schemas.microsoft.com/office/powerpoint/2010/main" val="1262525279"/>
+      </p:ext>
+    </p:extLst>
+  </p:cSld>
+  <p:clrMapOvr>
+    <a:masterClrMapping/>
+  </p:clrMapOvr>
+  <mc:AlternateContent xmlns:mc="http://schemas.openxmlformats.org/markup-compatibility/2006">
+    <mc:Choice xmlns:p14="http://schemas.microsoft.com/office/powerpoint/2010/main" Requires="p14">
+      <p:transition spd="med" p14:dur="700">
+        <p:fade/>
+      </p:transition>
+    </mc:Choice>
+    <mc:Fallback>
+      <p:transition spd="med">
+        <p:fade/>
+      </p:transition>
+    </mc:Fallback>
+  </mc:AlternateContent>
+  <p:timing>
+    <p:tnLst>
+      <p:par>
+        <p:cTn id="1" dur="indefinite" restart="never" nodeType="tmRoot">
+          <p:childTnLst>
+            <p:seq concurrent="1" nextAc="seek">
+              <p:cTn id="2" dur="indefinite" nodeType="mainSeq">
+                <p:childTnLst>
+                  <p:par>
+                    <p:cTn id="3" fill="hold">
+                      <p:stCondLst>
+                        <p:cond delay="indefinite"/>
+                      </p:stCondLst>
+                      <p:childTnLst>
+                        <p:par>
+                          <p:cTn id="4" fill="hold">
+                            <p:stCondLst>
+                              <p:cond delay="0"/>
+                            </p:stCondLst>
+                            <p:childTnLst>
+                              <p:par>
+                                <p:cTn id="5" presetID="10" presetClass="entr" presetSubtype="0" fill="hold" grpId="0" nodeType="clickEffect">
+                                  <p:stCondLst>
+                                    <p:cond delay="0"/>
+                                  </p:stCondLst>
+                                  <p:childTnLst>
+                                    <p:set>
+                                      <p:cBhvr>
+                                        <p:cTn id="6" dur="1" fill="hold">
+                                          <p:stCondLst>
+                                            <p:cond delay="0"/>
+                                          </p:stCondLst>
+                                        </p:cTn>
+                                        <p:tgtEl>
+                                          <p:spTgt spid="11">
+                                            <p:txEl>
+                                              <p:pRg st="0" end="0"/>
+                                            </p:txEl>
+                                          </p:spTgt>
+                                        </p:tgtEl>
+                                        <p:attrNameLst>
+                                          <p:attrName>style.visibility</p:attrName>
+                                        </p:attrNameLst>
+                                      </p:cBhvr>
+                                      <p:to>
+                                        <p:strVal val="visible"/>
+                                      </p:to>
+                                    </p:set>
+                                    <p:animEffect transition="in" filter="fade">
+                                      <p:cBhvr>
+                                        <p:cTn id="7" dur="500"/>
+                                        <p:tgtEl>
+                                          <p:spTgt spid="11">
+                                            <p:txEl>
+                                              <p:pRg st="0" end="0"/>
+                                            </p:txEl>
+                                          </p:spTgt>
+                                        </p:tgtEl>
+                                      </p:cBhvr>
+                                    </p:animEffect>
+                                  </p:childTnLst>
+                                </p:cTn>
+                              </p:par>
+                              <p:par>
+                                <p:cTn id="8" presetID="10" presetClass="entr" presetSubtype="0" fill="hold" grpId="0" nodeType="withEffect">
+                                  <p:stCondLst>
+                                    <p:cond delay="0"/>
+                                  </p:stCondLst>
+                                  <p:childTnLst>
+                                    <p:set>
+                                      <p:cBhvr>
+                                        <p:cTn id="9" dur="1" fill="hold">
+                                          <p:stCondLst>
+                                            <p:cond delay="0"/>
+                                          </p:stCondLst>
+                                        </p:cTn>
+                                        <p:tgtEl>
+                                          <p:spTgt spid="11">
+                                            <p:txEl>
+                                              <p:pRg st="1" end="1"/>
+                                            </p:txEl>
+                                          </p:spTgt>
+                                        </p:tgtEl>
+                                        <p:attrNameLst>
+                                          <p:attrName>style.visibility</p:attrName>
+                                        </p:attrNameLst>
+                                      </p:cBhvr>
+                                      <p:to>
+                                        <p:strVal val="visible"/>
+                                      </p:to>
+                                    </p:set>
+                                    <p:animEffect transition="in" filter="fade">
+                                      <p:cBhvr>
+                                        <p:cTn id="10" dur="500"/>
+                                        <p:tgtEl>
+                                          <p:spTgt spid="11">
+                                            <p:txEl>
+                                              <p:pRg st="1" end="1"/>
+                                            </p:txEl>
+                                          </p:spTgt>
+                                        </p:tgtEl>
+                                      </p:cBhvr>
+                                    </p:animEffect>
+                                  </p:childTnLst>
+                                </p:cTn>
+                              </p:par>
+                            </p:childTnLst>
+                          </p:cTn>
+                        </p:par>
+                      </p:childTnLst>
+                    </p:cTn>
+                  </p:par>
+                  <p:par>
+                    <p:cTn id="11" fill="hold">
+                      <p:stCondLst>
+                        <p:cond delay="indefinite"/>
+                      </p:stCondLst>
+                      <p:childTnLst>
+                        <p:par>
+                          <p:cTn id="12" fill="hold">
+                            <p:stCondLst>
+                              <p:cond delay="0"/>
+                            </p:stCondLst>
+                            <p:childTnLst>
+                              <p:par>
+                                <p:cTn id="13" presetID="10" presetClass="entr" presetSubtype="0" fill="hold" grpId="0" nodeType="clickEffect">
+                                  <p:stCondLst>
+                                    <p:cond delay="0"/>
+                                  </p:stCondLst>
+                                  <p:childTnLst>
+                                    <p:set>
+                                      <p:cBhvr>
+                                        <p:cTn id="14" dur="1" fill="hold">
+                                          <p:stCondLst>
+                                            <p:cond delay="0"/>
+                                          </p:stCondLst>
+                                        </p:cTn>
+                                        <p:tgtEl>
+                                          <p:spTgt spid="11">
+                                            <p:txEl>
+                                              <p:pRg st="2" end="2"/>
+                                            </p:txEl>
+                                          </p:spTgt>
+                                        </p:tgtEl>
+                                        <p:attrNameLst>
+                                          <p:attrName>style.visibility</p:attrName>
+                                        </p:attrNameLst>
+                                      </p:cBhvr>
+                                      <p:to>
+                                        <p:strVal val="visible"/>
+                                      </p:to>
+                                    </p:set>
+                                    <p:animEffect transition="in" filter="fade">
+                                      <p:cBhvr>
+                                        <p:cTn id="15" dur="500"/>
+                                        <p:tgtEl>
+                                          <p:spTgt spid="11">
+                                            <p:txEl>
+                                              <p:pRg st="2" end="2"/>
+                                            </p:txEl>
+                                          </p:spTgt>
+                                        </p:tgtEl>
+                                      </p:cBhvr>
+                                    </p:animEffect>
+                                  </p:childTnLst>
+                                </p:cTn>
+                              </p:par>
+                              <p:par>
+                                <p:cTn id="16" presetID="10" presetClass="entr" presetSubtype="0" fill="hold" grpId="0" nodeType="withEffect">
+                                  <p:stCondLst>
+                                    <p:cond delay="0"/>
+                                  </p:stCondLst>
+                                  <p:childTnLst>
+                                    <p:set>
+                                      <p:cBhvr>
+                                        <p:cTn id="17" dur="1" fill="hold">
+                                          <p:stCondLst>
+                                            <p:cond delay="0"/>
+                                          </p:stCondLst>
+                                        </p:cTn>
+                                        <p:tgtEl>
+                                          <p:spTgt spid="11">
+                                            <p:txEl>
+                                              <p:pRg st="3" end="3"/>
+                                            </p:txEl>
+                                          </p:spTgt>
+                                        </p:tgtEl>
+                                        <p:attrNameLst>
+                                          <p:attrName>style.visibility</p:attrName>
+                                        </p:attrNameLst>
+                                      </p:cBhvr>
+                                      <p:to>
+                                        <p:strVal val="visible"/>
+                                      </p:to>
+                                    </p:set>
+                                    <p:animEffect transition="in" filter="fade">
+                                      <p:cBhvr>
+                                        <p:cTn id="18" dur="500"/>
+                                        <p:tgtEl>
+                                          <p:spTgt spid="11">
+                                            <p:txEl>
+                                              <p:pRg st="3" end="3"/>
+                                            </p:txEl>
+                                          </p:spTgt>
+                                        </p:tgtEl>
+                                      </p:cBhvr>
+                                    </p:animEffect>
+                                  </p:childTnLst>
+                                </p:cTn>
+                              </p:par>
+                              <p:par>
+                                <p:cTn id="19" presetID="10" presetClass="entr" presetSubtype="0" fill="hold" grpId="0" nodeType="withEffect">
+                                  <p:stCondLst>
+                                    <p:cond delay="0"/>
+                                  </p:stCondLst>
+                                  <p:childTnLst>
+                                    <p:set>
+                                      <p:cBhvr>
+                                        <p:cTn id="20" dur="1" fill="hold">
+                                          <p:stCondLst>
+                                            <p:cond delay="0"/>
+                                          </p:stCondLst>
+                                        </p:cTn>
+                                        <p:tgtEl>
+                                          <p:spTgt spid="11">
+                                            <p:txEl>
+                                              <p:pRg st="4" end="4"/>
+                                            </p:txEl>
+                                          </p:spTgt>
+                                        </p:tgtEl>
+                                        <p:attrNameLst>
+                                          <p:attrName>style.visibility</p:attrName>
+                                        </p:attrNameLst>
+                                      </p:cBhvr>
+                                      <p:to>
+                                        <p:strVal val="visible"/>
+                                      </p:to>
+                                    </p:set>
+                                    <p:animEffect transition="in" filter="fade">
+                                      <p:cBhvr>
+                                        <p:cTn id="21" dur="500"/>
+                                        <p:tgtEl>
+                                          <p:spTgt spid="11">
+                                            <p:txEl>
+                                              <p:pRg st="4" end="4"/>
+                                            </p:txEl>
+                                          </p:spTgt>
+                                        </p:tgtEl>
+                                      </p:cBhvr>
+                                    </p:animEffect>
+                                  </p:childTnLst>
+                                </p:cTn>
+                              </p:par>
+                              <p:par>
+                                <p:cTn id="22" presetID="10" presetClass="entr" presetSubtype="0" fill="hold" grpId="0" nodeType="withEffect">
+                                  <p:stCondLst>
+                                    <p:cond delay="0"/>
+                                  </p:stCondLst>
+                                  <p:childTnLst>
+                                    <p:set>
+                                      <p:cBhvr>
+                                        <p:cTn id="23" dur="1" fill="hold">
+                                          <p:stCondLst>
+                                            <p:cond delay="0"/>
+                                          </p:stCondLst>
+                                        </p:cTn>
+                                        <p:tgtEl>
+                                          <p:spTgt spid="11">
+                                            <p:txEl>
+                                              <p:pRg st="5" end="5"/>
+                                            </p:txEl>
+                                          </p:spTgt>
+                                        </p:tgtEl>
+                                        <p:attrNameLst>
+                                          <p:attrName>style.visibility</p:attrName>
+                                        </p:attrNameLst>
+                                      </p:cBhvr>
+                                      <p:to>
+                                        <p:strVal val="visible"/>
+                                      </p:to>
+                                    </p:set>
+                                    <p:animEffect transition="in" filter="fade">
+                                      <p:cBhvr>
+                                        <p:cTn id="24" dur="500"/>
+                                        <p:tgtEl>
+                                          <p:spTgt spid="11">
+                                            <p:txEl>
+                                              <p:pRg st="5" end="5"/>
+                                            </p:txEl>
+                                          </p:spTgt>
+                                        </p:tgtEl>
+                                      </p:cBhvr>
+                                    </p:animEffect>
+                                  </p:childTnLst>
+                                </p:cTn>
+                              </p:par>
+                              <p:par>
+                                <p:cTn id="25" presetID="10" presetClass="entr" presetSubtype="0" fill="hold" grpId="0" nodeType="withEffect">
+                                  <p:stCondLst>
+                                    <p:cond delay="0"/>
+                                  </p:stCondLst>
+                                  <p:childTnLst>
+                                    <p:set>
+                                      <p:cBhvr>
+                                        <p:cTn id="26" dur="1" fill="hold">
+                                          <p:stCondLst>
+                                            <p:cond delay="0"/>
+                                          </p:stCondLst>
+                                        </p:cTn>
+                                        <p:tgtEl>
+                                          <p:spTgt spid="11">
+                                            <p:txEl>
+                                              <p:pRg st="6" end="6"/>
+                                            </p:txEl>
+                                          </p:spTgt>
+                                        </p:tgtEl>
+                                        <p:attrNameLst>
+                                          <p:attrName>style.visibility</p:attrName>
+                                        </p:attrNameLst>
+                                      </p:cBhvr>
+                                      <p:to>
+                                        <p:strVal val="visible"/>
+                                      </p:to>
+                                    </p:set>
+                                    <p:animEffect transition="in" filter="fade">
+                                      <p:cBhvr>
+                                        <p:cTn id="27" dur="500"/>
+                                        <p:tgtEl>
+                                          <p:spTgt spid="11">
+                                            <p:txEl>
+                                              <p:pRg st="6" end="6"/>
+                                            </p:txEl>
+                                          </p:spTgt>
+                                        </p:tgtEl>
+                                      </p:cBhvr>
+                                    </p:animEffect>
+                                  </p:childTnLst>
+                                </p:cTn>
+                              </p:par>
+                              <p:par>
+                                <p:cTn id="28" presetID="10" presetClass="entr" presetSubtype="0" fill="hold" grpId="0" nodeType="withEffect">
+                                  <p:stCondLst>
+                                    <p:cond delay="0"/>
+                                  </p:stCondLst>
+                                  <p:childTnLst>
+                                    <p:set>
+                                      <p:cBhvr>
+                                        <p:cTn id="29" dur="1" fill="hold">
+                                          <p:stCondLst>
+                                            <p:cond delay="0"/>
+                                          </p:stCondLst>
+                                        </p:cTn>
+                                        <p:tgtEl>
+                                          <p:spTgt spid="11">
+                                            <p:txEl>
+                                              <p:pRg st="7" end="7"/>
+                                            </p:txEl>
+                                          </p:spTgt>
+                                        </p:tgtEl>
+                                        <p:attrNameLst>
+                                          <p:attrName>style.visibility</p:attrName>
+                                        </p:attrNameLst>
+                                      </p:cBhvr>
+                                      <p:to>
+                                        <p:strVal val="visible"/>
+                                      </p:to>
+                                    </p:set>
+                                    <p:animEffect transition="in" filter="fade">
+                                      <p:cBhvr>
+                                        <p:cTn id="30" dur="500"/>
+                                        <p:tgtEl>
+                                          <p:spTgt spid="11">
+                                            <p:txEl>
+                                              <p:pRg st="7" end="7"/>
+                                            </p:txEl>
+                                          </p:spTgt>
+                                        </p:tgtEl>
+                                      </p:cBhvr>
+                                    </p:animEffect>
+                                  </p:childTnLst>
+                                </p:cTn>
+                              </p:par>
+                            </p:childTnLst>
+                          </p:cTn>
+                        </p:par>
+                      </p:childTnLst>
+                    </p:cTn>
+                  </p:par>
+                  <p:par>
+                    <p:cTn id="31" fill="hold">
+                      <p:stCondLst>
+                        <p:cond delay="indefinite"/>
+                      </p:stCondLst>
+                      <p:childTnLst>
+                        <p:par>
+                          <p:cTn id="32" fill="hold">
+                            <p:stCondLst>
+                              <p:cond delay="0"/>
+                            </p:stCondLst>
+                            <p:childTnLst>
+                              <p:par>
+                                <p:cTn id="33" presetID="10" presetClass="entr" presetSubtype="0" fill="hold" grpId="0" nodeType="clickEffect">
+                                  <p:stCondLst>
+                                    <p:cond delay="0"/>
+                                  </p:stCondLst>
+                                  <p:childTnLst>
+                                    <p:set>
+                                      <p:cBhvr>
+                                        <p:cTn id="34" dur="1" fill="hold">
+                                          <p:stCondLst>
+                                            <p:cond delay="0"/>
+                                          </p:stCondLst>
+                                        </p:cTn>
+                                        <p:tgtEl>
+                                          <p:spTgt spid="11">
+                                            <p:txEl>
+                                              <p:pRg st="8" end="8"/>
+                                            </p:txEl>
+                                          </p:spTgt>
+                                        </p:tgtEl>
+                                        <p:attrNameLst>
+                                          <p:attrName>style.visibility</p:attrName>
+                                        </p:attrNameLst>
+                                      </p:cBhvr>
+                                      <p:to>
+                                        <p:strVal val="visible"/>
+                                      </p:to>
+                                    </p:set>
+                                    <p:animEffect transition="in" filter="fade">
+                                      <p:cBhvr>
+                                        <p:cTn id="35" dur="500"/>
+                                        <p:tgtEl>
+                                          <p:spTgt spid="11">
+                                            <p:txEl>
+                                              <p:pRg st="8" end="8"/>
+                                            </p:txEl>
+                                          </p:spTgt>
+                                        </p:tgtEl>
+                                      </p:cBhvr>
+                                    </p:animEffect>
+                                  </p:childTnLst>
+                                </p:cTn>
+                              </p:par>
+                            </p:childTnLst>
+                          </p:cTn>
+                        </p:par>
+                      </p:childTnLst>
+                    </p:cTn>
+                  </p:par>
+                  <p:par>
+                    <p:cTn id="36" fill="hold">
+                      <p:stCondLst>
+                        <p:cond delay="indefinite"/>
+                      </p:stCondLst>
+                      <p:childTnLst>
+                        <p:par>
+                          <p:cTn id="37" fill="hold">
+                            <p:stCondLst>
+                              <p:cond delay="0"/>
+                            </p:stCondLst>
+                            <p:childTnLst>
+                              <p:par>
+                                <p:cTn id="38" presetID="10" presetClass="entr" presetSubtype="0" fill="hold" grpId="0" nodeType="clickEffect">
+                                  <p:stCondLst>
+                                    <p:cond delay="0"/>
+                                  </p:stCondLst>
+                                  <p:childTnLst>
+                                    <p:set>
+                                      <p:cBhvr>
+                                        <p:cTn id="39" dur="1" fill="hold">
+                                          <p:stCondLst>
+                                            <p:cond delay="0"/>
+                                          </p:stCondLst>
+                                        </p:cTn>
+                                        <p:tgtEl>
+                                          <p:spTgt spid="11">
+                                            <p:txEl>
+                                              <p:pRg st="9" end="9"/>
+                                            </p:txEl>
+                                          </p:spTgt>
+                                        </p:tgtEl>
+                                        <p:attrNameLst>
+                                          <p:attrName>style.visibility</p:attrName>
+                                        </p:attrNameLst>
+                                      </p:cBhvr>
+                                      <p:to>
+                                        <p:strVal val="visible"/>
+                                      </p:to>
+                                    </p:set>
+                                    <p:animEffect transition="in" filter="fade">
+                                      <p:cBhvr>
+                                        <p:cTn id="40" dur="500"/>
+                                        <p:tgtEl>
+                                          <p:spTgt spid="11">
+                                            <p:txEl>
+                                              <p:pRg st="9" end="9"/>
+                                            </p:txEl>
+                                          </p:spTgt>
+                                        </p:tgtEl>
+                                      </p:cBhvr>
+                                    </p:animEffect>
+                                  </p:childTnLst>
+                                </p:cTn>
+                              </p:par>
+                            </p:childTnLst>
+                          </p:cTn>
+                        </p:par>
+                      </p:childTnLst>
+                    </p:cTn>
+                  </p:par>
+                  <p:par>
+                    <p:cTn id="41" fill="hold">
+                      <p:stCondLst>
+                        <p:cond delay="indefinite"/>
+                      </p:stCondLst>
+                      <p:childTnLst>
+                        <p:par>
+                          <p:cTn id="42" fill="hold">
+                            <p:stCondLst>
+                              <p:cond delay="0"/>
+                            </p:stCondLst>
+                            <p:childTnLst>
+                              <p:par>
+                                <p:cTn id="43" presetID="10" presetClass="entr" presetSubtype="0" fill="hold" nodeType="clickEffect">
+                                  <p:stCondLst>
+                                    <p:cond delay="0"/>
+                                  </p:stCondLst>
+                                  <p:childTnLst>
+                                    <p:set>
+                                      <p:cBhvr>
+                                        <p:cTn id="44" dur="1" fill="hold">
+                                          <p:stCondLst>
+                                            <p:cond delay="0"/>
+                                          </p:stCondLst>
+                                        </p:cTn>
+                                        <p:tgtEl>
+                                          <p:spTgt spid="3"/>
+                                        </p:tgtEl>
+                                        <p:attrNameLst>
+                                          <p:attrName>style.visibility</p:attrName>
+                                        </p:attrNameLst>
+                                      </p:cBhvr>
+                                      <p:to>
+                                        <p:strVal val="visible"/>
+                                      </p:to>
+                                    </p:set>
+                                    <p:animEffect transition="in" filter="fade">
+                                      <p:cBhvr>
+                                        <p:cTn id="45" dur="500"/>
+                                        <p:tgtEl>
+                                          <p:spTgt spid="3"/>
+                                        </p:tgtEl>
+                                      </p:cBhvr>
+                                    </p:animEffect>
+                                  </p:childTnLst>
+                                </p:cTn>
+                              </p:par>
+                            </p:childTnLst>
+                          </p:cTn>
+                        </p:par>
+                      </p:childTnLst>
+                    </p:cTn>
+                  </p:par>
+                </p:childTnLst>
+              </p:cTn>
+              <p:prevCondLst>
+                <p:cond evt="onPrev" delay="0">
+                  <p:tgtEl>
+                    <p:sldTgt/>
+                  </p:tgtEl>
+                </p:cond>
+              </p:prevCondLst>
+              <p:nextCondLst>
+                <p:cond evt="onNext" delay="0">
+                  <p:tgtEl>
+                    <p:sldTgt/>
+                  </p:tgtEl>
+                </p:cond>
+              </p:nextCondLst>
+            </p:seq>
+          </p:childTnLst>
+        </p:cTn>
+      </p:par>
+    </p:tnLst>
+    <p:bldLst>
+      <p:bldP spid="11" grpId="0" build="p"/>
+    </p:bldLst>
+  </p:timing>
+</p:sld>
+</file>
+
+<file path=ppt/slides/slide2.xml><?xml version="1.0" encoding="utf-8"?>
+<p:sld xmlns:a="http://schemas.openxmlformats.org/drawingml/2006/main" xmlns:r="http://schemas.openxmlformats.org/officeDocument/2006/relationships" xmlns:p="http://schemas.openxmlformats.org/presentationml/2006/main">
+  <p:cSld>
+    <p:spTree>
+      <p:nvGrpSpPr>
+        <p:cNvPr id="1" name=""/>
+        <p:cNvGrpSpPr/>
+        <p:nvPr/>
+      </p:nvGrpSpPr>
+      <p:grpSpPr>
+        <a:xfrm>
+          <a:off x="0" y="0"/>
+          <a:ext cx="0" cy="0"/>
+          <a:chOff x="0" y="0"/>
+          <a:chExt cx="0" cy="0"/>
+        </a:xfrm>
+      </p:grpSpPr>
+      <p:sp>
+        <p:nvSpPr>
+          <p:cNvPr id="2" name="Title 1"/>
+          <p:cNvSpPr>
+            <a:spLocks noGrp="1"/>
+          </p:cNvSpPr>
+          <p:nvPr>
+            <p:ph type="title"/>
+          </p:nvPr>
+        </p:nvSpPr>
+        <p:spPr>
+          <a:xfrm>
+            <a:off x="839416" y="2857500"/>
+            <a:ext cx="10513168" cy="1143000"/>
+          </a:xfrm>
+        </p:spPr>
+        <p:txBody>
+          <a:bodyPr>
+            <a:noAutofit/>
+          </a:bodyPr>
+          <a:lstStyle/>
+          <a:p>
+            <a:r>
+              <a:rPr lang="en-US" dirty="0" smtClean="0"/>
+              <a:t>http://</a:t>
+            </a:r>
+            <a:r>
+              <a:rPr lang="en-US" sz="5400" dirty="0" smtClean="0"/>
+              <a:t>blogs.southworks.net/about-us</a:t>
+            </a:r>
+            <a:endParaRPr lang="es-AR" dirty="0"/>
+          </a:p>
+        </p:txBody>
+      </p:sp>
+    </p:spTree>
+    <p:extLst>
+      <p:ext uri="{BB962C8B-B14F-4D97-AF65-F5344CB8AC3E}">
+        <p14:creationId xmlns:p14="http://schemas.microsoft.com/office/powerpoint/2010/main" val="2565305341"/>
+      </p:ext>
+    </p:extLst>
+  </p:cSld>
+  <p:clrMapOvr>
+    <a:masterClrMapping/>
+  </p:clrMapOvr>
+  <mc:AlternateContent xmlns:mc="http://schemas.openxmlformats.org/markup-compatibility/2006">
+    <mc:Choice xmlns:p14="http://schemas.microsoft.com/office/powerpoint/2010/main" Requires="p14">
+      <p:transition p14:dur="0"/>
+    </mc:Choice>
+    <mc:Fallback>
+      <p:transition/>
+    </mc:Fallback>
+  </mc:AlternateContent>
+  <p:timing>
+    <p:tnLst>
+      <p:par>
+        <p:cTn id="1" dur="indefinite" restart="never" nodeType="tmRoot"/>
+      </p:par>
+    </p:tnLst>
+  </p:timing>
+</p:sld>
+</file>
+
+<file path=ppt/slides/slide20.xml><?xml version="1.0" encoding="utf-8"?>
+<p:sld xmlns:a="http://schemas.openxmlformats.org/drawingml/2006/main" xmlns:r="http://schemas.openxmlformats.org/officeDocument/2006/relationships" xmlns:p="http://schemas.openxmlformats.org/presentationml/2006/main">
+  <p:cSld>
+    <p:bg>
+      <p:bgPr>
+        <a:solidFill>
+          <a:srgbClr val="00B0F0"/>
+        </a:solidFill>
+        <a:effectLst/>
+      </p:bgPr>
+    </p:bg>
+    <p:spTree>
+      <p:nvGrpSpPr>
+        <p:cNvPr id="1" name=""/>
+        <p:cNvGrpSpPr/>
+        <p:nvPr/>
+      </p:nvGrpSpPr>
+      <p:grpSpPr>
+        <a:xfrm>
+          <a:off x="0" y="0"/>
+          <a:ext cx="0" cy="0"/>
+          <a:chOff x="0" y="0"/>
+          <a:chExt cx="0" cy="0"/>
+        </a:xfrm>
+      </p:grpSpPr>
+      <p:sp>
+        <p:nvSpPr>
+          <p:cNvPr id="5" name="Subtitle 4"/>
+          <p:cNvSpPr>
+            <a:spLocks noGrp="1"/>
+          </p:cNvSpPr>
+          <p:nvPr>
+            <p:ph type="subTitle" idx="11"/>
+          </p:nvPr>
+        </p:nvSpPr>
+        <p:spPr/>
+        <p:txBody>
+          <a:bodyPr/>
+          <a:lstStyle/>
+          <a:p>
+            <a:pPr marL="0" indent="0">
+              <a:buNone/>
+            </a:pPr>
+            <a:r>
+              <a:rPr lang="es-AR" dirty="0" smtClean="0">
+                <a:solidFill>
+                  <a:schemeClr val="bg1"/>
+                </a:solidFill>
+              </a:rPr>
+              <a:t>Demo: Reproduciendo contenido en múltiples plataformas</a:t>
+            </a:r>
+            <a:endParaRPr lang="es-AR" dirty="0">
+              <a:solidFill>
+                <a:schemeClr val="bg1"/>
+              </a:solidFill>
+            </a:endParaRPr>
+          </a:p>
+        </p:txBody>
+      </p:sp>
+      <p:sp>
+        <p:nvSpPr>
+          <p:cNvPr id="8" name="Title 7"/>
+          <p:cNvSpPr>
+            <a:spLocks noGrp="1"/>
+          </p:cNvSpPr>
+          <p:nvPr>
+            <p:ph type="title"/>
+          </p:nvPr>
+        </p:nvSpPr>
+        <p:spPr>
+          <a:xfrm>
+            <a:off x="269240" y="2981502"/>
+            <a:ext cx="11653521" cy="894996"/>
+          </a:xfrm>
+        </p:spPr>
+        <p:txBody>
+          <a:bodyPr>
+            <a:noAutofit/>
+          </a:bodyPr>
+          <a:lstStyle/>
+          <a:p>
+            <a:r>
+              <a:rPr lang="en-US" sz="4400" dirty="0" smtClean="0">
+                <a:solidFill>
+                  <a:schemeClr val="bg1"/>
+                </a:solidFill>
+              </a:rPr>
+              <a:t>Players</a:t>
+            </a:r>
+            <a:endParaRPr lang="en-US" sz="4400" dirty="0">
+              <a:solidFill>
+                <a:schemeClr val="bg1"/>
+              </a:solidFill>
+            </a:endParaRPr>
+          </a:p>
+        </p:txBody>
+      </p:sp>
+      <p:pic>
+        <p:nvPicPr>
+          <p:cNvPr id="4" name="Picture 3"/>
+          <p:cNvPicPr>
+            <a:picLocks noChangeAspect="1"/>
+          </p:cNvPicPr>
+          <p:nvPr/>
+        </p:nvPicPr>
+        <p:blipFill>
+          <a:blip r:embed="rId2">
+            <a:extLst>
+              <a:ext uri="{28A0092B-C50C-407E-A947-70E740481C1C}">
+                <a14:useLocalDpi xmlns:a14="http://schemas.microsoft.com/office/drawing/2010/main" val="0"/>
+              </a:ext>
+            </a:extLst>
+          </a:blip>
+          <a:stretch>
+            <a:fillRect/>
+          </a:stretch>
+        </p:blipFill>
+        <p:spPr>
+          <a:xfrm>
+            <a:off x="8832304" y="2315259"/>
+            <a:ext cx="2227482" cy="2227482"/>
+          </a:xfrm>
+          <a:prstGeom prst="rect">
+            <a:avLst/>
+          </a:prstGeom>
+        </p:spPr>
+      </p:pic>
+    </p:spTree>
+    <p:extLst>
+      <p:ext uri="{BB962C8B-B14F-4D97-AF65-F5344CB8AC3E}">
+        <p14:creationId xmlns:p14="http://schemas.microsoft.com/office/powerpoint/2010/main" val="1813580962"/>
+      </p:ext>
+    </p:extLst>
+  </p:cSld>
+  <p:clrMapOvr>
+    <a:masterClrMapping/>
+  </p:clrMapOvr>
+  <mc:AlternateContent xmlns:mc="http://schemas.openxmlformats.org/markup-compatibility/2006">
+    <mc:Choice xmlns:p14="http://schemas.microsoft.com/office/powerpoint/2010/main" Requires="p14">
+      <p:transition p14:dur="0"/>
+    </mc:Choice>
+    <mc:Fallback>
+      <p:transition/>
+    </mc:Fallback>
+  </mc:AlternateContent>
+  <p:timing>
+    <p:tnLst>
+      <p:par>
+        <p:cTn id="1" dur="indefinite" restart="never" nodeType="tmRoot"/>
+      </p:par>
+    </p:tnLst>
+  </p:timing>
+</p:sld>
+</file>
+
+<file path=ppt/slides/slide21.xml><?xml version="1.0" encoding="utf-8"?>
+<p:sld xmlns:a="http://schemas.openxmlformats.org/drawingml/2006/main" xmlns:r="http://schemas.openxmlformats.org/officeDocument/2006/relationships" xmlns:p="http://schemas.openxmlformats.org/presentationml/2006/main">
+  <p:cSld>
+    <p:bg>
+      <p:bgPr>
+        <a:solidFill>
+          <a:srgbClr val="00B0F0"/>
+        </a:solidFill>
+        <a:effectLst/>
+      </p:bgPr>
+    </p:bg>
+    <p:spTree>
+      <p:nvGrpSpPr>
+        <p:cNvPr id="1" name=""/>
+        <p:cNvGrpSpPr/>
+        <p:nvPr/>
+      </p:nvGrpSpPr>
+      <p:grpSpPr>
+        <a:xfrm>
+          <a:off x="0" y="0"/>
+          <a:ext cx="0" cy="0"/>
+          <a:chOff x="0" y="0"/>
+          <a:chExt cx="0" cy="0"/>
+        </a:xfrm>
+      </p:grpSpPr>
       <p:sp>
         <p:nvSpPr>
           <p:cNvPr id="6" name="Title 5"/>
@@ -20514,7 +29360,7 @@
         </p:nvSpPr>
         <p:spPr>
           <a:xfrm>
-            <a:off x="1725931" y="2894044"/>
+            <a:off x="1725930" y="2981502"/>
             <a:ext cx="8740141" cy="894996"/>
           </a:xfrm>
         </p:spPr>
@@ -20545,7 +29391,7 @@
         </p:nvSpPr>
         <p:spPr bwMode="black">
           <a:xfrm>
-            <a:off x="10370706" y="2287056"/>
+            <a:off x="10272464" y="2287056"/>
             <a:ext cx="1032345" cy="2283888"/>
           </a:xfrm>
           <a:custGeom>
@@ -20869,85 +29715,6 @@
     <p:extLst>
       <p:ext uri="{BB962C8B-B14F-4D97-AF65-F5344CB8AC3E}">
         <p14:creationId xmlns:p14="http://schemas.microsoft.com/office/powerpoint/2010/main" val="3914066743"/>
-      </p:ext>
-    </p:extLst>
-  </p:cSld>
-  <p:clrMapOvr>
-    <a:masterClrMapping/>
-  </p:clrMapOvr>
-  <mc:AlternateContent xmlns:mc="http://schemas.openxmlformats.org/markup-compatibility/2006">
-    <mc:Choice xmlns:p14="http://schemas.microsoft.com/office/powerpoint/2010/main" Requires="p14">
-      <p:transition p14:dur="0"/>
-    </mc:Choice>
-    <mc:Fallback>
-      <p:transition/>
-    </mc:Fallback>
-  </mc:AlternateContent>
-  <p:timing>
-    <p:tnLst>
-      <p:par>
-        <p:cTn id="1" dur="indefinite" restart="never" nodeType="tmRoot"/>
-      </p:par>
-    </p:tnLst>
-  </p:timing>
-</p:sld>
-</file>
-
-<file path=ppt/slides/slide2.xml><?xml version="1.0" encoding="utf-8"?>
-<p:sld xmlns:a="http://schemas.openxmlformats.org/drawingml/2006/main" xmlns:r="http://schemas.openxmlformats.org/officeDocument/2006/relationships" xmlns:p="http://schemas.openxmlformats.org/presentationml/2006/main">
-  <p:cSld>
-    <p:spTree>
-      <p:nvGrpSpPr>
-        <p:cNvPr id="1" name=""/>
-        <p:cNvGrpSpPr/>
-        <p:nvPr/>
-      </p:nvGrpSpPr>
-      <p:grpSpPr>
-        <a:xfrm>
-          <a:off x="0" y="0"/>
-          <a:ext cx="0" cy="0"/>
-          <a:chOff x="0" y="0"/>
-          <a:chExt cx="0" cy="0"/>
-        </a:xfrm>
-      </p:grpSpPr>
-      <p:sp>
-        <p:nvSpPr>
-          <p:cNvPr id="2" name="Title 1"/>
-          <p:cNvSpPr>
-            <a:spLocks noGrp="1"/>
-          </p:cNvSpPr>
-          <p:nvPr>
-            <p:ph type="title"/>
-          </p:nvPr>
-        </p:nvSpPr>
-        <p:spPr>
-          <a:xfrm>
-            <a:off x="839416" y="2857500"/>
-            <a:ext cx="10513168" cy="1143000"/>
-          </a:xfrm>
-        </p:spPr>
-        <p:txBody>
-          <a:bodyPr>
-            <a:noAutofit/>
-          </a:bodyPr>
-          <a:lstStyle/>
-          <a:p>
-            <a:r>
-              <a:rPr lang="en-US" dirty="0" smtClean="0"/>
-              <a:t>http://</a:t>
-            </a:r>
-            <a:r>
-              <a:rPr lang="en-US" sz="5400" dirty="0" smtClean="0"/>
-              <a:t>blogs.southworks.net/about-us</a:t>
-            </a:r>
-            <a:endParaRPr lang="es-AR" dirty="0"/>
-          </a:p>
-        </p:txBody>
-      </p:sp>
-    </p:spTree>
-    <p:extLst>
-      <p:ext uri="{BB962C8B-B14F-4D97-AF65-F5344CB8AC3E}">
-        <p14:creationId xmlns:p14="http://schemas.microsoft.com/office/powerpoint/2010/main" val="2565305341"/>
       </p:ext>
     </p:extLst>
   </p:cSld>
@@ -21472,8 +30239,13 @@
               </a:pPr>
               <a:r>
                 <a:rPr lang="es-AR" sz="2000" dirty="0"/>
-                <a:t>Demo: Reproduciendo mi contenido en Windows 8, Silverlight, Flash, iOS y IE11</a:t>
+                <a:t>Demo: Reproduciendo mi contenido en Windows 8, Silverlight, </a:t>
               </a:r>
+              <a:r>
+                <a:rPr lang="es-AR" sz="2000" dirty="0" smtClean="0"/>
+                <a:t>Flash y HTML5</a:t>
+              </a:r>
+              <a:endParaRPr lang="es-AR" sz="2000" dirty="0"/>
             </a:p>
           </p:txBody>
         </p:sp>
@@ -25558,7 +34330,7 @@
         </p:blipFill>
         <p:spPr bwMode="auto">
           <a:xfrm>
-            <a:off x="6387734" y="3858950"/>
+            <a:off x="6387734" y="4007542"/>
             <a:ext cx="1120192" cy="839063"/>
           </a:xfrm>
           <a:prstGeom prst="rect">
@@ -25608,7 +34380,7 @@
         </p:blipFill>
         <p:spPr bwMode="auto">
           <a:xfrm>
-            <a:off x="7982694" y="3891759"/>
+            <a:off x="7982694" y="4040351"/>
             <a:ext cx="711011" cy="711011"/>
           </a:xfrm>
           <a:prstGeom prst="rect">
@@ -25655,7 +34427,7 @@
         </p:blipFill>
         <p:spPr>
           <a:xfrm>
-            <a:off x="6095034" y="4287054"/>
+            <a:off x="6095034" y="4435646"/>
             <a:ext cx="342852" cy="342852"/>
           </a:xfrm>
           <a:prstGeom prst="rect">
@@ -25692,7 +34464,7 @@
         </p:blipFill>
         <p:spPr>
           <a:xfrm>
-            <a:off x="7457771" y="4294075"/>
+            <a:off x="7457771" y="4442667"/>
             <a:ext cx="342852" cy="342852"/>
           </a:xfrm>
           <a:prstGeom prst="rect">
@@ -25708,7 +34480,7 @@
         </p:nvSpPr>
         <p:spPr>
           <a:xfrm>
-            <a:off x="5332667" y="4874269"/>
+            <a:off x="5332667" y="5022861"/>
             <a:ext cx="3114955" cy="300082"/>
           </a:xfrm>
           <a:prstGeom prst="rect">
@@ -25754,7 +34526,7 @@
         </p:nvSpPr>
         <p:spPr>
           <a:xfrm>
-            <a:off x="5373791" y="5105561"/>
+            <a:off x="5373791" y="5254153"/>
             <a:ext cx="3060966" cy="623119"/>
           </a:xfrm>
           <a:prstGeom prst="rect">
@@ -25829,7 +34601,7 @@
         </p:blipFill>
         <p:spPr bwMode="auto">
           <a:xfrm>
-            <a:off x="5276157" y="3948027"/>
+            <a:off x="5276157" y="4096619"/>
             <a:ext cx="749987" cy="749987"/>
           </a:xfrm>
           <a:prstGeom prst="rect">
@@ -25910,7 +34682,7 @@
         </p:blipFill>
         <p:spPr bwMode="auto">
           <a:xfrm>
-            <a:off x="9261405" y="3967556"/>
+            <a:off x="9261405" y="4116148"/>
             <a:ext cx="713556" cy="681446"/>
           </a:xfrm>
           <a:prstGeom prst="rect">
@@ -25957,7 +34729,7 @@
         </p:blipFill>
         <p:spPr>
           <a:xfrm>
-            <a:off x="8806128" y="4284228"/>
+            <a:off x="8806128" y="4432820"/>
             <a:ext cx="342852" cy="342852"/>
           </a:xfrm>
           <a:prstGeom prst="rect">
@@ -25973,7 +34745,7 @@
         </p:nvSpPr>
         <p:spPr bwMode="auto">
           <a:xfrm rot="16200000">
-            <a:off x="4366007" y="3855752"/>
+            <a:off x="4366007" y="4004344"/>
             <a:ext cx="1798003" cy="1832697"/>
           </a:xfrm>
           <a:prstGeom prst="blockArc">
@@ -26068,7 +34840,7 @@
         </p:blipFill>
         <p:spPr bwMode="auto">
           <a:xfrm>
-            <a:off x="4862530" y="4563303"/>
+            <a:off x="4862530" y="4711895"/>
             <a:ext cx="438850" cy="438850"/>
           </a:xfrm>
           <a:prstGeom prst="rect">
@@ -31396,7 +40168,7 @@
               </a:spcAft>
             </a:pPr>
             <a:r>
-              <a:rPr lang="en-US" b="1" dirty="0" err="1">
+              <a:rPr lang="en-US" b="1" dirty="0">
                 <a:solidFill>
                   <a:schemeClr val="tx1"/>
                 </a:solidFill>
@@ -31405,13 +40177,6 @@
               </a:rPr>
               <a:t>XBox</a:t>
             </a:r>
-            <a:endParaRPr lang="en-US" b="1" dirty="0">
-              <a:solidFill>
-                <a:schemeClr val="tx1"/>
-              </a:solidFill>
-              <a:latin typeface="Gulim" panose="020B0600000101010101" pitchFamily="34" charset="-127"/>
-              <a:ea typeface="Gulim" panose="020B0600000101010101" pitchFamily="34" charset="-127"/>
-            </a:endParaRPr>
           </a:p>
         </p:txBody>
       </p:sp>
@@ -36918,7 +45683,7 @@
           <a:graphicData uri="http://schemas.openxmlformats.org/presentationml/2006/ole">
             <mc:AlternateContent xmlns:mc="http://schemas.openxmlformats.org/markup-compatibility/2006">
               <mc:Choice xmlns:v="urn:schemas-microsoft-com:vml" Requires="v">
-                <p:oleObj spid="_x0000_s1086" name="think-cell Slide" r:id="rId7" imgW="360" imgH="360" progId="">
+                <p:oleObj spid="_x0000_s1121" name="think-cell Slide" r:id="rId7" imgW="360" imgH="360" progId="">
                   <p:embed/>
                 </p:oleObj>
               </mc:Choice>
@@ -38481,6 +47246,12 @@
 </p:tagLst>
 </file>
 
+<file path=ppt/tags/tag13.xml><?xml version="1.0" encoding="utf-8"?>
+<p:tagLst xmlns:a="http://schemas.openxmlformats.org/drawingml/2006/main" xmlns:r="http://schemas.openxmlformats.org/officeDocument/2006/relationships" xmlns:p="http://schemas.openxmlformats.org/presentationml/2006/main">
+  <p:tag name="TIMING" val="|10.3|31.3|53.3|48.8|28.3"/>
+</p:tagLst>
+</file>
+
 <file path=ppt/tags/tag2.xml><?xml version="1.0" encoding="utf-8"?>
 <p:tagLst xmlns:a="http://schemas.openxmlformats.org/drawingml/2006/main" xmlns:r="http://schemas.openxmlformats.org/officeDocument/2006/relationships" xmlns:p="http://schemas.openxmlformats.org/presentationml/2006/main">
   <p:tag name="THINKCELLSHAPEDONOTDELETE" val="pMloeXTvM8kiNwAslONFSeg"/>

--- a/webcast.pptx
+++ b/webcast.pptx
@@ -5,10 +5,10 @@
     <p:sldMasterId id="2147483648" r:id="rId8"/>
   </p:sldMasterIdLst>
   <p:notesMasterIdLst>
-    <p:notesMasterId r:id="rId30"/>
+    <p:notesMasterId r:id="rId33"/>
   </p:notesMasterIdLst>
   <p:handoutMasterIdLst>
-    <p:handoutMasterId r:id="rId31"/>
+    <p:handoutMasterId r:id="rId34"/>
   </p:handoutMasterIdLst>
   <p:sldIdLst>
     <p:sldId id="256" r:id="rId9"/>
@@ -28,10 +28,13 @@
     <p:sldId id="293" r:id="rId23"/>
     <p:sldId id="295" r:id="rId24"/>
     <p:sldId id="296" r:id="rId25"/>
-    <p:sldId id="297" r:id="rId26"/>
+    <p:sldId id="303" r:id="rId26"/>
     <p:sldId id="299" r:id="rId27"/>
-    <p:sldId id="298" r:id="rId28"/>
-    <p:sldId id="292" r:id="rId29"/>
+    <p:sldId id="300" r:id="rId28"/>
+    <p:sldId id="301" r:id="rId29"/>
+    <p:sldId id="302" r:id="rId30"/>
+    <p:sldId id="297" r:id="rId31"/>
+    <p:sldId id="292" r:id="rId32"/>
   </p:sldIdLst>
   <p:sldSz cx="12192000" cy="6858000"/>
   <p:notesSz cx="6858000" cy="9144000"/>
@@ -946,6 +949,269 @@
     <p:extLst>
       <p:ext uri="{BB962C8B-B14F-4D97-AF65-F5344CB8AC3E}">
         <p14:creationId xmlns:p14="http://schemas.microsoft.com/office/powerpoint/2010/main" val="1179947774"/>
+      </p:ext>
+    </p:extLst>
+  </p:cSld>
+  <p:clrMapOvr>
+    <a:masterClrMapping/>
+  </p:clrMapOvr>
+</p:notes>
+</file>
+
+<file path=ppt/notesSlides/notesSlide12.xml><?xml version="1.0" encoding="utf-8"?>
+<p:notes xmlns:a="http://schemas.openxmlformats.org/drawingml/2006/main" xmlns:r="http://schemas.openxmlformats.org/officeDocument/2006/relationships" xmlns:p="http://schemas.openxmlformats.org/presentationml/2006/main">
+  <p:cSld>
+    <p:spTree>
+      <p:nvGrpSpPr>
+        <p:cNvPr id="1" name=""/>
+        <p:cNvGrpSpPr/>
+        <p:nvPr/>
+      </p:nvGrpSpPr>
+      <p:grpSpPr>
+        <a:xfrm>
+          <a:off x="0" y="0"/>
+          <a:ext cx="0" cy="0"/>
+          <a:chOff x="0" y="0"/>
+          <a:chExt cx="0" cy="0"/>
+        </a:xfrm>
+      </p:grpSpPr>
+      <p:sp>
+        <p:nvSpPr>
+          <p:cNvPr id="2" name="Slide Image Placeholder 1"/>
+          <p:cNvSpPr>
+            <a:spLocks noGrp="1" noRot="1" noChangeAspect="1"/>
+          </p:cNvSpPr>
+          <p:nvPr>
+            <p:ph type="sldImg"/>
+          </p:nvPr>
+        </p:nvSpPr>
+        <p:spPr/>
+      </p:sp>
+      <p:sp>
+        <p:nvSpPr>
+          <p:cNvPr id="3" name="Notes Placeholder 2"/>
+          <p:cNvSpPr>
+            <a:spLocks noGrp="1"/>
+          </p:cNvSpPr>
+          <p:nvPr>
+            <p:ph type="body" idx="1"/>
+          </p:nvPr>
+        </p:nvSpPr>
+        <p:spPr/>
+        <p:txBody>
+          <a:bodyPr/>
+          <a:lstStyle/>
+          <a:p>
+            <a:endParaRPr lang="en-US" dirty="0"/>
+          </a:p>
+        </p:txBody>
+      </p:sp>
+      <p:sp>
+        <p:nvSpPr>
+          <p:cNvPr id="4" name="Slide Number Placeholder 3"/>
+          <p:cNvSpPr>
+            <a:spLocks noGrp="1"/>
+          </p:cNvSpPr>
+          <p:nvPr>
+            <p:ph type="sldNum" sz="quarter" idx="10"/>
+          </p:nvPr>
+        </p:nvSpPr>
+        <p:spPr/>
+        <p:txBody>
+          <a:bodyPr/>
+          <a:lstStyle/>
+          <a:p>
+            <a:fld id="{8B263312-38AA-4E1E-B2B5-0F8F122B24FE}" type="slidenum">
+              <a:rPr lang="en-US" smtClean="0">
+                <a:solidFill>
+                  <a:prstClr val="black"/>
+                </a:solidFill>
+              </a:rPr>
+              <a:pPr/>
+              <a:t>20</a:t>
+            </a:fld>
+            <a:endParaRPr lang="en-US" dirty="0">
+              <a:solidFill>
+                <a:prstClr val="black"/>
+              </a:solidFill>
+            </a:endParaRPr>
+          </a:p>
+        </p:txBody>
+      </p:sp>
+    </p:spTree>
+    <p:extLst>
+      <p:ext uri="{BB962C8B-B14F-4D97-AF65-F5344CB8AC3E}">
+        <p14:creationId xmlns:p14="http://schemas.microsoft.com/office/powerpoint/2010/main" val="3723663082"/>
+      </p:ext>
+    </p:extLst>
+  </p:cSld>
+  <p:clrMapOvr>
+    <a:masterClrMapping/>
+  </p:clrMapOvr>
+</p:notes>
+</file>
+
+<file path=ppt/notesSlides/notesSlide13.xml><?xml version="1.0" encoding="utf-8"?>
+<p:notes xmlns:a="http://schemas.openxmlformats.org/drawingml/2006/main" xmlns:r="http://schemas.openxmlformats.org/officeDocument/2006/relationships" xmlns:p="http://schemas.openxmlformats.org/presentationml/2006/main">
+  <p:cSld>
+    <p:spTree>
+      <p:nvGrpSpPr>
+        <p:cNvPr id="1" name=""/>
+        <p:cNvGrpSpPr/>
+        <p:nvPr/>
+      </p:nvGrpSpPr>
+      <p:grpSpPr>
+        <a:xfrm>
+          <a:off x="0" y="0"/>
+          <a:ext cx="0" cy="0"/>
+          <a:chOff x="0" y="0"/>
+          <a:chExt cx="0" cy="0"/>
+        </a:xfrm>
+      </p:grpSpPr>
+      <p:sp>
+        <p:nvSpPr>
+          <p:cNvPr id="2" name="Slide Image Placeholder 1"/>
+          <p:cNvSpPr>
+            <a:spLocks noGrp="1" noRot="1" noChangeAspect="1"/>
+          </p:cNvSpPr>
+          <p:nvPr>
+            <p:ph type="sldImg"/>
+          </p:nvPr>
+        </p:nvSpPr>
+        <p:spPr/>
+      </p:sp>
+      <p:sp>
+        <p:nvSpPr>
+          <p:cNvPr id="3" name="Notes Placeholder 2"/>
+          <p:cNvSpPr>
+            <a:spLocks noGrp="1"/>
+          </p:cNvSpPr>
+          <p:nvPr>
+            <p:ph type="body" idx="1"/>
+          </p:nvPr>
+        </p:nvSpPr>
+        <p:spPr/>
+        <p:txBody>
+          <a:bodyPr/>
+          <a:lstStyle/>
+          <a:p>
+            <a:endParaRPr lang="en-US" dirty="0"/>
+          </a:p>
+        </p:txBody>
+      </p:sp>
+      <p:sp>
+        <p:nvSpPr>
+          <p:cNvPr id="4" name="Slide Number Placeholder 3"/>
+          <p:cNvSpPr>
+            <a:spLocks noGrp="1"/>
+          </p:cNvSpPr>
+          <p:nvPr>
+            <p:ph type="sldNum" sz="quarter" idx="10"/>
+          </p:nvPr>
+        </p:nvSpPr>
+        <p:spPr/>
+        <p:txBody>
+          <a:bodyPr/>
+          <a:lstStyle/>
+          <a:p>
+            <a:fld id="{8B263312-38AA-4E1E-B2B5-0F8F122B24FE}" type="slidenum">
+              <a:rPr lang="en-US" smtClean="0"/>
+              <a:pPr/>
+              <a:t>21</a:t>
+            </a:fld>
+            <a:endParaRPr lang="en-US" dirty="0"/>
+          </a:p>
+        </p:txBody>
+      </p:sp>
+    </p:spTree>
+    <p:extLst>
+      <p:ext uri="{BB962C8B-B14F-4D97-AF65-F5344CB8AC3E}">
+        <p14:creationId xmlns:p14="http://schemas.microsoft.com/office/powerpoint/2010/main" val="3443356096"/>
+      </p:ext>
+    </p:extLst>
+  </p:cSld>
+  <p:clrMapOvr>
+    <a:masterClrMapping/>
+  </p:clrMapOvr>
+</p:notes>
+</file>
+
+<file path=ppt/notesSlides/notesSlide14.xml><?xml version="1.0" encoding="utf-8"?>
+<p:notes xmlns:a="http://schemas.openxmlformats.org/drawingml/2006/main" xmlns:r="http://schemas.openxmlformats.org/officeDocument/2006/relationships" xmlns:p="http://schemas.openxmlformats.org/presentationml/2006/main">
+  <p:cSld>
+    <p:spTree>
+      <p:nvGrpSpPr>
+        <p:cNvPr id="1" name=""/>
+        <p:cNvGrpSpPr/>
+        <p:nvPr/>
+      </p:nvGrpSpPr>
+      <p:grpSpPr>
+        <a:xfrm>
+          <a:off x="0" y="0"/>
+          <a:ext cx="0" cy="0"/>
+          <a:chOff x="0" y="0"/>
+          <a:chExt cx="0" cy="0"/>
+        </a:xfrm>
+      </p:grpSpPr>
+      <p:sp>
+        <p:nvSpPr>
+          <p:cNvPr id="2" name="Slide Image Placeholder 1"/>
+          <p:cNvSpPr>
+            <a:spLocks noGrp="1" noRot="1" noChangeAspect="1"/>
+          </p:cNvSpPr>
+          <p:nvPr>
+            <p:ph type="sldImg"/>
+          </p:nvPr>
+        </p:nvSpPr>
+        <p:spPr/>
+      </p:sp>
+      <p:sp>
+        <p:nvSpPr>
+          <p:cNvPr id="3" name="Notes Placeholder 2"/>
+          <p:cNvSpPr>
+            <a:spLocks noGrp="1"/>
+          </p:cNvSpPr>
+          <p:nvPr>
+            <p:ph type="body" idx="1"/>
+          </p:nvPr>
+        </p:nvSpPr>
+        <p:spPr/>
+        <p:txBody>
+          <a:bodyPr/>
+          <a:lstStyle/>
+          <a:p>
+            <a:endParaRPr lang="en-US" dirty="0"/>
+          </a:p>
+        </p:txBody>
+      </p:sp>
+      <p:sp>
+        <p:nvSpPr>
+          <p:cNvPr id="4" name="Slide Number Placeholder 3"/>
+          <p:cNvSpPr>
+            <a:spLocks noGrp="1"/>
+          </p:cNvSpPr>
+          <p:nvPr>
+            <p:ph type="sldNum" sz="quarter" idx="10"/>
+          </p:nvPr>
+        </p:nvSpPr>
+        <p:spPr/>
+        <p:txBody>
+          <a:bodyPr/>
+          <a:lstStyle/>
+          <a:p>
+            <a:fld id="{8B263312-38AA-4E1E-B2B5-0F8F122B24FE}" type="slidenum">
+              <a:rPr lang="en-US" smtClean="0"/>
+              <a:pPr/>
+              <a:t>22</a:t>
+            </a:fld>
+            <a:endParaRPr lang="en-US" dirty="0"/>
+          </a:p>
+        </p:txBody>
+      </p:sp>
+    </p:spTree>
+    <p:extLst>
+      <p:ext uri="{BB962C8B-B14F-4D97-AF65-F5344CB8AC3E}">
+        <p14:creationId xmlns:p14="http://schemas.microsoft.com/office/powerpoint/2010/main" val="2283961480"/>
       </p:ext>
     </p:extLst>
   </p:cSld>
@@ -5636,7 +5902,7 @@
           <a:graphicData uri="http://schemas.openxmlformats.org/presentationml/2006/ole">
             <mc:AlternateContent xmlns:mc="http://schemas.openxmlformats.org/markup-compatibility/2006">
               <mc:Choice xmlns:v="urn:schemas-microsoft-com:vml" Requires="v">
-                <p:oleObj spid="_x0000_s2147" name="think-cell Slide" r:id="rId9" imgW="360" imgH="360" progId="">
+                <p:oleObj spid="_x0000_s2178" name="think-cell Slide" r:id="rId9" imgW="360" imgH="360" progId="">
                   <p:embed/>
                 </p:oleObj>
               </mc:Choice>
@@ -8123,7 +8389,16 @@
                 </a:solidFill>
                 <a:latin typeface="+mj-lt"/>
               </a:rPr>
-              <a:t>Empaqueta Smooth Streaming</a:t>
+              <a:t>Empaqueta Smooth</a:t>
+            </a:r>
+            <a:r>
+              <a:rPr lang="es-AR" sz="1500" b="1" dirty="0">
+                <a:solidFill>
+                  <a:schemeClr val="bg1"/>
+                </a:solidFill>
+                <a:latin typeface="+mj-lt"/>
+              </a:rPr>
+              <a:t> Streaming</a:t>
             </a:r>
             <a:r>
               <a:rPr lang="es-AR" sz="1500" b="1" dirty="0">
@@ -10447,7 +10722,7 @@
           <a:graphicData uri="http://schemas.openxmlformats.org/presentationml/2006/ole">
             <mc:AlternateContent xmlns:mc="http://schemas.openxmlformats.org/markup-compatibility/2006">
               <mc:Choice xmlns:v="urn:schemas-microsoft-com:vml" Requires="v">
-                <p:oleObj spid="_x0000_s3170" name="think-cell Slide" r:id="rId8" imgW="360" imgH="360" progId="">
+                <p:oleObj spid="_x0000_s3201" name="think-cell Slide" r:id="rId8" imgW="360" imgH="360" progId="">
                   <p:embed/>
                 </p:oleObj>
               </mc:Choice>
@@ -13265,7 +13540,16 @@
                 </a:solidFill>
                 <a:latin typeface="+mj-lt"/>
               </a:rPr>
-              <a:t>Smooth Streaming o Apple HLS</a:t>
+              <a:t>Smooth</a:t>
+            </a:r>
+            <a:r>
+              <a:rPr lang="es-AR" sz="1500" b="1" dirty="0">
+                <a:solidFill>
+                  <a:schemeClr val="bg1"/>
+                </a:solidFill>
+                <a:latin typeface="+mj-lt"/>
+              </a:rPr>
+              <a:t> Streaming o Apple HLS</a:t>
             </a:r>
           </a:p>
           <a:p>
@@ -14299,7 +14583,7 @@
           <a:graphicData uri="http://schemas.openxmlformats.org/presentationml/2006/ole">
             <mc:AlternateContent xmlns:mc="http://schemas.openxmlformats.org/markup-compatibility/2006">
               <mc:Choice xmlns:v="urn:schemas-microsoft-com:vml" Requires="v">
-                <p:oleObj spid="_x0000_s4193" name="think-cell Slide" r:id="rId11" imgW="360" imgH="360" progId="">
+                <p:oleObj spid="_x0000_s4224" name="think-cell Slide" r:id="rId11" imgW="360" imgH="360" progId="">
                   <p:embed/>
                 </p:oleObj>
               </mc:Choice>
@@ -17482,7 +17766,16 @@
                 </a:solidFill>
                 <a:latin typeface="+mj-lt"/>
               </a:rPr>
-              <a:t>) para MP4 y Smooth Streaming </a:t>
+              <a:t>) para MP4 y Smooth</a:t>
+            </a:r>
+            <a:r>
+              <a:rPr lang="es-AR" sz="1500" b="1" dirty="0">
+                <a:solidFill>
+                  <a:schemeClr val="bg1"/>
+                </a:solidFill>
+                <a:latin typeface="+mj-lt"/>
+              </a:rPr>
+              <a:t> Streaming </a:t>
             </a:r>
           </a:p>
           <a:p>
@@ -18887,6 +19180,14 @@
   <p:clrMapOvr>
     <a:masterClrMapping/>
   </p:clrMapOvr>
+  <mc:AlternateContent xmlns:mc="http://schemas.openxmlformats.org/markup-compatibility/2006">
+    <mc:Choice xmlns:p14="http://schemas.microsoft.com/office/powerpoint/2010/main" Requires="p14">
+      <p:transition p14:dur="0"/>
+    </mc:Choice>
+    <mc:Fallback>
+      <p:transition/>
+    </mc:Fallback>
+  </mc:AlternateContent>
   <p:timing>
     <p:tnLst>
       <p:par>
@@ -20633,34 +20934,50 @@
               <a:rPr lang="es-AR" sz="1961" dirty="0" smtClean="0"/>
             </a:br>
             <a:r>
-              <a:rPr lang="es-AR" sz="1961" dirty="0" smtClean="0"/>
+              <a:rPr lang="es-AR" sz="1961" dirty="0" smtClean="0">
+                <a:solidFill>
+                  <a:schemeClr val="tx1"/>
+                </a:solidFill>
+              </a:rPr>
               <a:t>Permite reutilizar el contenido ya </a:t>
             </a:r>
             <a:r>
-              <a:rPr lang="es-AR" sz="1961" i="1" dirty="0" smtClean="0"/>
+              <a:rPr lang="es-AR" sz="1961" i="1" dirty="0" smtClean="0">
+                <a:solidFill>
+                  <a:schemeClr val="tx1"/>
+                </a:solidFill>
+              </a:rPr>
               <a:t>encodeado </a:t>
             </a:r>
             <a:r>
-              <a:rPr lang="es-AR" sz="1961" dirty="0" smtClean="0"/>
-              <a:t>y llevarlo a varios formatos de </a:t>
+              <a:rPr lang="es-AR" sz="1961" dirty="0" smtClean="0">
+                <a:solidFill>
+                  <a:schemeClr val="tx1"/>
+                </a:solidFill>
+              </a:rPr>
+              <a:t>y llevarlo a varios formatos de streaming sin </a:t>
             </a:r>
             <a:r>
-              <a:rPr lang="es-AR" sz="1961" dirty="0" err="1" smtClean="0"/>
-              <a:t>streaming</a:t>
-            </a:r>
-            <a:r>
-              <a:rPr lang="es-AR" sz="1961" dirty="0" smtClean="0"/>
-              <a:t> sin </a:t>
-            </a:r>
-            <a:r>
-              <a:rPr lang="es-AR" sz="1961" i="1" dirty="0" err="1" smtClean="0"/>
+              <a:rPr lang="es-AR" sz="1961" i="1" dirty="0" err="1" smtClean="0">
+                <a:solidFill>
+                  <a:schemeClr val="tx1"/>
+                </a:solidFill>
+              </a:rPr>
               <a:t>repackagear</a:t>
             </a:r>
             <a:r>
-              <a:rPr lang="es-AR" sz="1961" dirty="0" smtClean="0"/>
+              <a:rPr lang="es-AR" sz="1961" dirty="0" smtClean="0">
+                <a:solidFill>
+                  <a:schemeClr val="tx1"/>
+                </a:solidFill>
+              </a:rPr>
               <a:t> el contenido  .</a:t>
             </a:r>
-            <a:endParaRPr lang="es-AR" sz="1961" dirty="0"/>
+            <a:endParaRPr lang="es-AR" sz="1961" dirty="0">
+              <a:solidFill>
+                <a:schemeClr val="tx1"/>
+              </a:solidFill>
+            </a:endParaRPr>
           </a:p>
         </p:txBody>
       </p:sp>
@@ -22081,19 +22398,7 @@
               <a:rPr lang="es-AR" dirty="0" smtClean="0">
                 <a:latin typeface="+mj-lt"/>
               </a:rPr>
-              <a:t> </a:t>
-            </a:r>
-            <a:r>
-              <a:rPr lang="es-AR" dirty="0" err="1" smtClean="0">
-                <a:latin typeface="+mj-lt"/>
-              </a:rPr>
-              <a:t>Streaming</a:t>
-            </a:r>
-            <a:r>
-              <a:rPr lang="es-AR" dirty="0" smtClean="0">
-                <a:latin typeface="+mj-lt"/>
-              </a:rPr>
-              <a:t> </a:t>
+              <a:t> Streaming </a:t>
             </a:r>
           </a:p>
           <a:p>
@@ -22113,31 +22418,7 @@
               <a:rPr lang="es-AR" dirty="0" smtClean="0">
                 <a:latin typeface="+mj-lt"/>
               </a:rPr>
-              <a:t> </a:t>
-            </a:r>
-            <a:r>
-              <a:rPr lang="es-AR" dirty="0" err="1" smtClean="0">
-                <a:latin typeface="+mj-lt"/>
-              </a:rPr>
-              <a:t>Streaming</a:t>
-            </a:r>
-            <a:r>
-              <a:rPr lang="es-AR" dirty="0" smtClean="0">
-                <a:latin typeface="+mj-lt"/>
-              </a:rPr>
-              <a:t>, Http-Live-</a:t>
-            </a:r>
-            <a:r>
-              <a:rPr lang="es-AR" dirty="0" err="1" smtClean="0">
-                <a:latin typeface="+mj-lt"/>
-              </a:rPr>
-              <a:t>Streaming</a:t>
-            </a:r>
-            <a:r>
-              <a:rPr lang="es-AR" dirty="0" smtClean="0">
-                <a:latin typeface="+mj-lt"/>
-              </a:rPr>
-              <a:t> v4 y MPEG-</a:t>
+              <a:t> Streaming, Http-Live-Streaming v4 y MPEG-</a:t>
             </a:r>
             <a:r>
               <a:rPr lang="es-AR" dirty="0" err="1" smtClean="0">
@@ -22510,25 +22791,7 @@
                 </a:solidFill>
                 <a:latin typeface="Calibri" panose="020F0502020204030204" pitchFamily="34" charset="0"/>
               </a:rPr>
-              <a:t> </a:t>
-            </a:r>
-            <a:r>
-              <a:rPr lang="es-AR" sz="2353" dirty="0" err="1" smtClean="0">
-                <a:solidFill>
-                  <a:srgbClr val="FF0000"/>
-                </a:solidFill>
-                <a:latin typeface="Calibri" panose="020F0502020204030204" pitchFamily="34" charset="0"/>
-              </a:rPr>
-              <a:t>Streaming</a:t>
-            </a:r>
-            <a:r>
-              <a:rPr lang="es-AR" sz="2353" dirty="0" smtClean="0">
-                <a:solidFill>
-                  <a:srgbClr val="FF0000"/>
-                </a:solidFill>
-                <a:latin typeface="Calibri" panose="020F0502020204030204" pitchFamily="34" charset="0"/>
-              </a:rPr>
-              <a:t> </a:t>
+              <a:t> Streaming </a:t>
             </a:r>
             <a:r>
               <a:rPr lang="es-AR" sz="2353" dirty="0" err="1" smtClean="0">
@@ -25666,14 +25929,6 @@
 <file path=ppt/slides/slide18.xml><?xml version="1.0" encoding="utf-8"?>
 <p:sld xmlns:a="http://schemas.openxmlformats.org/drawingml/2006/main" xmlns:r="http://schemas.openxmlformats.org/officeDocument/2006/relationships" xmlns:p="http://schemas.openxmlformats.org/presentationml/2006/main">
   <p:cSld>
-    <p:bg>
-      <p:bgPr>
-        <a:solidFill>
-          <a:srgbClr val="00B0F0"/>
-        </a:solidFill>
-        <a:effectLst/>
-      </p:bgPr>
-    </p:bg>
     <p:spTree>
       <p:nvGrpSpPr>
         <p:cNvPr id="1" name=""/>
@@ -25690,65 +25945,7 @@
       </p:grpSpPr>
       <p:sp>
         <p:nvSpPr>
-          <p:cNvPr id="5" name="Subtitle 4"/>
-          <p:cNvSpPr>
-            <a:spLocks noGrp="1"/>
-          </p:cNvSpPr>
-          <p:nvPr>
-            <p:ph type="subTitle" idx="11"/>
-          </p:nvPr>
-        </p:nvSpPr>
-        <p:spPr/>
-        <p:txBody>
-          <a:bodyPr/>
-          <a:lstStyle/>
-          <a:p>
-            <a:pPr marL="0" indent="0">
-              <a:buNone/>
-            </a:pPr>
-            <a:r>
-              <a:rPr lang="en-US" dirty="0" smtClean="0">
-                <a:solidFill>
-                  <a:schemeClr val="bg1"/>
-                </a:solidFill>
-              </a:rPr>
-              <a:t>Demo: </a:t>
-            </a:r>
-            <a:r>
-              <a:rPr lang="en-US" dirty="0" smtClean="0">
-                <a:solidFill>
-                  <a:schemeClr val="bg1"/>
-                </a:solidFill>
-              </a:rPr>
-              <a:t>Dynamic Packaging </a:t>
-            </a:r>
-            <a:r>
-              <a:rPr lang="en-US" dirty="0" err="1" smtClean="0">
-                <a:solidFill>
-                  <a:schemeClr val="bg1"/>
-                </a:solidFill>
-              </a:rPr>
-              <a:t>desde</a:t>
-            </a:r>
-            <a:r>
-              <a:rPr lang="en-US" dirty="0" smtClean="0">
-                <a:solidFill>
-                  <a:schemeClr val="bg1"/>
-                </a:solidFill>
-              </a:rPr>
-              <a:t> C#</a:t>
-            </a:r>
-            <a:endParaRPr lang="en-US" dirty="0">
-              <a:solidFill>
-                <a:schemeClr val="bg1"/>
-              </a:solidFill>
-            </a:endParaRPr>
-          </a:p>
-        </p:txBody>
-      </p:sp>
-      <p:sp>
-        <p:nvSpPr>
-          <p:cNvPr id="8" name="Title 7"/>
+          <p:cNvPr id="2" name="Title 1"/>
           <p:cNvSpPr>
             <a:spLocks noGrp="1"/>
           </p:cNvSpPr>
@@ -25756,1298 +25953,57 @@
             <p:ph type="title"/>
           </p:nvPr>
         </p:nvSpPr>
-        <p:spPr>
-          <a:xfrm>
-            <a:off x="269240" y="2981502"/>
-            <a:ext cx="11653521" cy="894996"/>
-          </a:xfrm>
-        </p:spPr>
+        <p:spPr/>
         <p:txBody>
           <a:bodyPr>
-            <a:noAutofit/>
+            <a:normAutofit/>
           </a:bodyPr>
           <a:lstStyle/>
           <a:p>
             <a:r>
-              <a:rPr lang="en-US" sz="4400" dirty="0" smtClean="0">
-                <a:solidFill>
-                  <a:schemeClr val="bg1"/>
-                </a:solidFill>
-              </a:rPr>
-              <a:t>Dynamic Packaging</a:t>
+              <a:rPr lang="es-AR" dirty="0" smtClean="0"/>
+              <a:t>¿Qué es MPEG</a:t>
             </a:r>
-            <a:endParaRPr lang="en-US" sz="4400" dirty="0">
-              <a:solidFill>
-                <a:schemeClr val="bg1"/>
-              </a:solidFill>
-            </a:endParaRPr>
+            <a:r>
+              <a:rPr lang="en-US" dirty="0" smtClean="0"/>
+              <a:t>-DASH?</a:t>
+            </a:r>
+            <a:endParaRPr lang="es-AR" dirty="0"/>
           </a:p>
         </p:txBody>
       </p:sp>
       <p:sp>
         <p:nvSpPr>
-          <p:cNvPr id="15" name="Freeform 24"/>
-          <p:cNvSpPr>
-            <a:spLocks noEditPoints="1"/>
-          </p:cNvSpPr>
+          <p:cNvPr id="16" name="Rectangle 15"/>
+          <p:cNvSpPr/>
           <p:nvPr/>
         </p:nvSpPr>
-        <p:spPr bwMode="black">
+        <p:spPr>
           <a:xfrm>
-            <a:off x="9120336" y="1400525"/>
-            <a:ext cx="2613773" cy="3032208"/>
+            <a:off x="695873" y="1234718"/>
+            <a:ext cx="10392140" cy="369332"/>
           </a:xfrm>
-          <a:custGeom>
+          <a:prstGeom prst="rect">
             <a:avLst/>
-            <a:gdLst>
-              <a:gd name="T0" fmla="*/ 126 w 259"/>
-              <a:gd name="T1" fmla="*/ 53 h 300"/>
-              <a:gd name="T2" fmla="*/ 120 w 259"/>
-              <a:gd name="T3" fmla="*/ 38 h 300"/>
-              <a:gd name="T4" fmla="*/ 77 w 259"/>
-              <a:gd name="T5" fmla="*/ 43 h 300"/>
-              <a:gd name="T6" fmla="*/ 105 w 259"/>
-              <a:gd name="T7" fmla="*/ 53 h 300"/>
-              <a:gd name="T8" fmla="*/ 105 w 259"/>
-              <a:gd name="T9" fmla="*/ 53 h 300"/>
-              <a:gd name="T10" fmla="*/ 84 w 259"/>
-              <a:gd name="T11" fmla="*/ 136 h 300"/>
-              <a:gd name="T12" fmla="*/ 79 w 259"/>
-              <a:gd name="T13" fmla="*/ 124 h 300"/>
-              <a:gd name="T14" fmla="*/ 45 w 259"/>
-              <a:gd name="T15" fmla="*/ 128 h 300"/>
-              <a:gd name="T16" fmla="*/ 67 w 259"/>
-              <a:gd name="T17" fmla="*/ 136 h 300"/>
-              <a:gd name="T18" fmla="*/ 67 w 259"/>
-              <a:gd name="T19" fmla="*/ 136 h 300"/>
-              <a:gd name="T20" fmla="*/ 35 w 259"/>
-              <a:gd name="T21" fmla="*/ 69 h 300"/>
-              <a:gd name="T22" fmla="*/ 32 w 259"/>
-              <a:gd name="T23" fmla="*/ 63 h 300"/>
-              <a:gd name="T24" fmla="*/ 15 w 259"/>
-              <a:gd name="T25" fmla="*/ 65 h 300"/>
-              <a:gd name="T26" fmla="*/ 26 w 259"/>
-              <a:gd name="T27" fmla="*/ 69 h 300"/>
-              <a:gd name="T28" fmla="*/ 26 w 259"/>
-              <a:gd name="T29" fmla="*/ 69 h 300"/>
-              <a:gd name="T30" fmla="*/ 233 w 259"/>
-              <a:gd name="T31" fmla="*/ 19 h 300"/>
-              <a:gd name="T32" fmla="*/ 231 w 259"/>
-              <a:gd name="T33" fmla="*/ 13 h 300"/>
-              <a:gd name="T34" fmla="*/ 214 w 259"/>
-              <a:gd name="T35" fmla="*/ 15 h 300"/>
-              <a:gd name="T36" fmla="*/ 225 w 259"/>
-              <a:gd name="T37" fmla="*/ 19 h 300"/>
-              <a:gd name="T38" fmla="*/ 225 w 259"/>
-              <a:gd name="T39" fmla="*/ 19 h 300"/>
-              <a:gd name="T40" fmla="*/ 248 w 259"/>
-              <a:gd name="T41" fmla="*/ 141 h 300"/>
-              <a:gd name="T42" fmla="*/ 246 w 259"/>
-              <a:gd name="T43" fmla="*/ 135 h 300"/>
-              <a:gd name="T44" fmla="*/ 229 w 259"/>
-              <a:gd name="T45" fmla="*/ 136 h 300"/>
-              <a:gd name="T46" fmla="*/ 240 w 259"/>
-              <a:gd name="T47" fmla="*/ 141 h 300"/>
-              <a:gd name="T48" fmla="*/ 240 w 259"/>
-              <a:gd name="T49" fmla="*/ 141 h 300"/>
-              <a:gd name="T50" fmla="*/ 20 w 259"/>
-              <a:gd name="T51" fmla="*/ 162 h 300"/>
-              <a:gd name="T52" fmla="*/ 17 w 259"/>
-              <a:gd name="T53" fmla="*/ 156 h 300"/>
-              <a:gd name="T54" fmla="*/ 0 w 259"/>
-              <a:gd name="T55" fmla="*/ 158 h 300"/>
-              <a:gd name="T56" fmla="*/ 11 w 259"/>
-              <a:gd name="T57" fmla="*/ 162 h 300"/>
-              <a:gd name="T58" fmla="*/ 11 w 259"/>
-              <a:gd name="T59" fmla="*/ 162 h 300"/>
-              <a:gd name="T60" fmla="*/ 226 w 259"/>
-              <a:gd name="T61" fmla="*/ 100 h 300"/>
-              <a:gd name="T62" fmla="*/ 219 w 259"/>
-              <a:gd name="T63" fmla="*/ 82 h 300"/>
-              <a:gd name="T64" fmla="*/ 168 w 259"/>
-              <a:gd name="T65" fmla="*/ 88 h 300"/>
-              <a:gd name="T66" fmla="*/ 201 w 259"/>
-              <a:gd name="T67" fmla="*/ 100 h 300"/>
-              <a:gd name="T68" fmla="*/ 201 w 259"/>
-              <a:gd name="T69" fmla="*/ 100 h 300"/>
-              <a:gd name="T70" fmla="*/ 223 w 259"/>
-              <a:gd name="T71" fmla="*/ 146 h 300"/>
-              <a:gd name="T72" fmla="*/ 156 w 259"/>
-              <a:gd name="T73" fmla="*/ 178 h 300"/>
-              <a:gd name="T74" fmla="*/ 150 w 259"/>
-              <a:gd name="T75" fmla="*/ 178 h 300"/>
-              <a:gd name="T76" fmla="*/ 206 w 259"/>
-              <a:gd name="T77" fmla="*/ 17 h 300"/>
-              <a:gd name="T78" fmla="*/ 120 w 259"/>
-              <a:gd name="T79" fmla="*/ 69 h 300"/>
-              <a:gd name="T80" fmla="*/ 54 w 259"/>
-              <a:gd name="T81" fmla="*/ 62 h 300"/>
-              <a:gd name="T82" fmla="*/ 103 w 259"/>
-              <a:gd name="T83" fmla="*/ 178 h 300"/>
-              <a:gd name="T84" fmla="*/ 97 w 259"/>
-              <a:gd name="T85" fmla="*/ 178 h 300"/>
-              <a:gd name="T86" fmla="*/ 36 w 259"/>
-              <a:gd name="T87" fmla="*/ 160 h 300"/>
-              <a:gd name="T88" fmla="*/ 22 w 259"/>
-              <a:gd name="T89" fmla="*/ 236 h 300"/>
-              <a:gd name="T90" fmla="*/ 60 w 259"/>
-              <a:gd name="T91" fmla="*/ 294 h 300"/>
-              <a:gd name="T92" fmla="*/ 212 w 259"/>
-              <a:gd name="T93" fmla="*/ 195 h 300"/>
-              <a:gd name="T94" fmla="*/ 250 w 259"/>
-              <a:gd name="T95" fmla="*/ 231 h 300"/>
-              <a:gd name="T96" fmla="*/ 113 w 259"/>
-              <a:gd name="T97" fmla="*/ 214 h 300"/>
-            </a:gdLst>
-            <a:ahLst/>
-            <a:cxnLst>
-              <a:cxn ang="0">
-                <a:pos x="T0" y="T1"/>
-              </a:cxn>
-              <a:cxn ang="0">
-                <a:pos x="T2" y="T3"/>
-              </a:cxn>
-              <a:cxn ang="0">
-                <a:pos x="T4" y="T5"/>
-              </a:cxn>
-              <a:cxn ang="0">
-                <a:pos x="T6" y="T7"/>
-              </a:cxn>
-              <a:cxn ang="0">
-                <a:pos x="T8" y="T9"/>
-              </a:cxn>
-              <a:cxn ang="0">
-                <a:pos x="T10" y="T11"/>
-              </a:cxn>
-              <a:cxn ang="0">
-                <a:pos x="T12" y="T13"/>
-              </a:cxn>
-              <a:cxn ang="0">
-                <a:pos x="T14" y="T15"/>
-              </a:cxn>
-              <a:cxn ang="0">
-                <a:pos x="T16" y="T17"/>
-              </a:cxn>
-              <a:cxn ang="0">
-                <a:pos x="T18" y="T19"/>
-              </a:cxn>
-              <a:cxn ang="0">
-                <a:pos x="T20" y="T21"/>
-              </a:cxn>
-              <a:cxn ang="0">
-                <a:pos x="T22" y="T23"/>
-              </a:cxn>
-              <a:cxn ang="0">
-                <a:pos x="T24" y="T25"/>
-              </a:cxn>
-              <a:cxn ang="0">
-                <a:pos x="T26" y="T27"/>
-              </a:cxn>
-              <a:cxn ang="0">
-                <a:pos x="T28" y="T29"/>
-              </a:cxn>
-              <a:cxn ang="0">
-                <a:pos x="T30" y="T31"/>
-              </a:cxn>
-              <a:cxn ang="0">
-                <a:pos x="T32" y="T33"/>
-              </a:cxn>
-              <a:cxn ang="0">
-                <a:pos x="T34" y="T35"/>
-              </a:cxn>
-              <a:cxn ang="0">
-                <a:pos x="T36" y="T37"/>
-              </a:cxn>
-              <a:cxn ang="0">
-                <a:pos x="T38" y="T39"/>
-              </a:cxn>
-              <a:cxn ang="0">
-                <a:pos x="T40" y="T41"/>
-              </a:cxn>
-              <a:cxn ang="0">
-                <a:pos x="T42" y="T43"/>
-              </a:cxn>
-              <a:cxn ang="0">
-                <a:pos x="T44" y="T45"/>
-              </a:cxn>
-              <a:cxn ang="0">
-                <a:pos x="T46" y="T47"/>
-              </a:cxn>
-              <a:cxn ang="0">
-                <a:pos x="T48" y="T49"/>
-              </a:cxn>
-              <a:cxn ang="0">
-                <a:pos x="T50" y="T51"/>
-              </a:cxn>
-              <a:cxn ang="0">
-                <a:pos x="T52" y="T53"/>
-              </a:cxn>
-              <a:cxn ang="0">
-                <a:pos x="T54" y="T55"/>
-              </a:cxn>
-              <a:cxn ang="0">
-                <a:pos x="T56" y="T57"/>
-              </a:cxn>
-              <a:cxn ang="0">
-                <a:pos x="T58" y="T59"/>
-              </a:cxn>
-              <a:cxn ang="0">
-                <a:pos x="T60" y="T61"/>
-              </a:cxn>
-              <a:cxn ang="0">
-                <a:pos x="T62" y="T63"/>
-              </a:cxn>
-              <a:cxn ang="0">
-                <a:pos x="T64" y="T65"/>
-              </a:cxn>
-              <a:cxn ang="0">
-                <a:pos x="T66" y="T67"/>
-              </a:cxn>
-              <a:cxn ang="0">
-                <a:pos x="T68" y="T69"/>
-              </a:cxn>
-              <a:cxn ang="0">
-                <a:pos x="T70" y="T71"/>
-              </a:cxn>
-              <a:cxn ang="0">
-                <a:pos x="T72" y="T73"/>
-              </a:cxn>
-              <a:cxn ang="0">
-                <a:pos x="T74" y="T75"/>
-              </a:cxn>
-              <a:cxn ang="0">
-                <a:pos x="T76" y="T77"/>
-              </a:cxn>
-              <a:cxn ang="0">
-                <a:pos x="T78" y="T79"/>
-              </a:cxn>
-              <a:cxn ang="0">
-                <a:pos x="T80" y="T81"/>
-              </a:cxn>
-              <a:cxn ang="0">
-                <a:pos x="T82" y="T83"/>
-              </a:cxn>
-              <a:cxn ang="0">
-                <a:pos x="T84" y="T85"/>
-              </a:cxn>
-              <a:cxn ang="0">
-                <a:pos x="T86" y="T87"/>
-              </a:cxn>
-              <a:cxn ang="0">
-                <a:pos x="T88" y="T89"/>
-              </a:cxn>
-              <a:cxn ang="0">
-                <a:pos x="T90" y="T91"/>
-              </a:cxn>
-              <a:cxn ang="0">
-                <a:pos x="T92" y="T93"/>
-              </a:cxn>
-              <a:cxn ang="0">
-                <a:pos x="T94" y="T95"/>
-              </a:cxn>
-              <a:cxn ang="0">
-                <a:pos x="T96" y="T97"/>
-              </a:cxn>
-            </a:cxnLst>
-            <a:rect l="0" t="0" r="r" b="b"/>
-            <a:pathLst>
-              <a:path w="259" h="300">
-                <a:moveTo>
-                  <a:pt x="115" y="81"/>
-                </a:moveTo>
-                <a:cubicBezTo>
-                  <a:pt x="115" y="81"/>
-                  <a:pt x="115" y="52"/>
-                  <a:pt x="120" y="47"/>
-                </a:cubicBezTo>
-                <a:cubicBezTo>
-                  <a:pt x="125" y="42"/>
-                  <a:pt x="153" y="43"/>
-                  <a:pt x="153" y="43"/>
-                </a:cubicBezTo>
-                <a:cubicBezTo>
-                  <a:pt x="153" y="43"/>
-                  <a:pt x="131" y="48"/>
-                  <a:pt x="126" y="53"/>
-                </a:cubicBezTo>
-                <a:cubicBezTo>
-                  <a:pt x="120" y="58"/>
-                  <a:pt x="115" y="81"/>
-                  <a:pt x="115" y="81"/>
-                </a:cubicBezTo>
-                <a:close/>
-                <a:moveTo>
-                  <a:pt x="126" y="32"/>
-                </a:moveTo>
-                <a:cubicBezTo>
-                  <a:pt x="120" y="27"/>
-                  <a:pt x="115" y="5"/>
-                  <a:pt x="115" y="5"/>
-                </a:cubicBezTo>
-                <a:cubicBezTo>
-                  <a:pt x="115" y="5"/>
-                  <a:pt x="115" y="33"/>
-                  <a:pt x="120" y="38"/>
-                </a:cubicBezTo>
-                <a:cubicBezTo>
-                  <a:pt x="125" y="43"/>
-                  <a:pt x="153" y="43"/>
-                  <a:pt x="153" y="43"/>
-                </a:cubicBezTo>
-                <a:cubicBezTo>
-                  <a:pt x="153" y="43"/>
-                  <a:pt x="131" y="38"/>
-                  <a:pt x="126" y="32"/>
-                </a:cubicBezTo>
-                <a:close/>
-                <a:moveTo>
-                  <a:pt x="105" y="32"/>
-                </a:moveTo>
-                <a:cubicBezTo>
-                  <a:pt x="100" y="38"/>
-                  <a:pt x="77" y="43"/>
-                  <a:pt x="77" y="43"/>
-                </a:cubicBezTo>
-                <a:cubicBezTo>
-                  <a:pt x="77" y="43"/>
-                  <a:pt x="105" y="43"/>
-                  <a:pt x="111" y="38"/>
-                </a:cubicBezTo>
-                <a:cubicBezTo>
-                  <a:pt x="116" y="33"/>
-                  <a:pt x="115" y="5"/>
-                  <a:pt x="115" y="5"/>
-                </a:cubicBezTo>
-                <a:cubicBezTo>
-                  <a:pt x="115" y="5"/>
-                  <a:pt x="110" y="27"/>
-                  <a:pt x="105" y="32"/>
-                </a:cubicBezTo>
-                <a:close/>
-                <a:moveTo>
-                  <a:pt x="105" y="53"/>
-                </a:moveTo>
-                <a:cubicBezTo>
-                  <a:pt x="110" y="58"/>
-                  <a:pt x="115" y="81"/>
-                  <a:pt x="115" y="81"/>
-                </a:cubicBezTo>
-                <a:cubicBezTo>
-                  <a:pt x="115" y="81"/>
-                  <a:pt x="116" y="52"/>
-                  <a:pt x="111" y="47"/>
-                </a:cubicBezTo>
-                <a:cubicBezTo>
-                  <a:pt x="105" y="42"/>
-                  <a:pt x="77" y="43"/>
-                  <a:pt x="77" y="43"/>
-                </a:cubicBezTo>
-                <a:cubicBezTo>
-                  <a:pt x="77" y="43"/>
-                  <a:pt x="100" y="48"/>
-                  <a:pt x="105" y="53"/>
-                </a:cubicBezTo>
-                <a:close/>
-                <a:moveTo>
-                  <a:pt x="75" y="158"/>
-                </a:moveTo>
-                <a:cubicBezTo>
-                  <a:pt x="75" y="158"/>
-                  <a:pt x="75" y="136"/>
-                  <a:pt x="79" y="131"/>
-                </a:cubicBezTo>
-                <a:cubicBezTo>
-                  <a:pt x="83" y="127"/>
-                  <a:pt x="106" y="128"/>
-                  <a:pt x="106" y="128"/>
-                </a:cubicBezTo>
-                <a:cubicBezTo>
-                  <a:pt x="106" y="128"/>
-                  <a:pt x="88" y="132"/>
-                  <a:pt x="84" y="136"/>
-                </a:cubicBezTo>
-                <a:cubicBezTo>
-                  <a:pt x="79" y="140"/>
-                  <a:pt x="75" y="158"/>
-                  <a:pt x="75" y="158"/>
-                </a:cubicBezTo>
-                <a:close/>
-                <a:moveTo>
-                  <a:pt x="84" y="119"/>
-                </a:moveTo>
-                <a:cubicBezTo>
-                  <a:pt x="79" y="115"/>
-                  <a:pt x="75" y="97"/>
-                  <a:pt x="75" y="97"/>
-                </a:cubicBezTo>
-                <a:cubicBezTo>
-                  <a:pt x="75" y="97"/>
-                  <a:pt x="75" y="120"/>
-                  <a:pt x="79" y="124"/>
-                </a:cubicBezTo>
-                <a:cubicBezTo>
-                  <a:pt x="83" y="128"/>
-                  <a:pt x="106" y="128"/>
-                  <a:pt x="106" y="128"/>
-                </a:cubicBezTo>
-                <a:cubicBezTo>
-                  <a:pt x="106" y="128"/>
-                  <a:pt x="88" y="124"/>
-                  <a:pt x="84" y="119"/>
-                </a:cubicBezTo>
-                <a:close/>
-                <a:moveTo>
-                  <a:pt x="67" y="119"/>
-                </a:moveTo>
-                <a:cubicBezTo>
-                  <a:pt x="63" y="124"/>
-                  <a:pt x="45" y="128"/>
-                  <a:pt x="45" y="128"/>
-                </a:cubicBezTo>
-                <a:cubicBezTo>
-                  <a:pt x="45" y="128"/>
-                  <a:pt x="68" y="128"/>
-                  <a:pt x="72" y="124"/>
-                </a:cubicBezTo>
-                <a:cubicBezTo>
-                  <a:pt x="76" y="120"/>
-                  <a:pt x="75" y="97"/>
-                  <a:pt x="75" y="97"/>
-                </a:cubicBezTo>
-                <a:cubicBezTo>
-                  <a:pt x="75" y="97"/>
-                  <a:pt x="71" y="115"/>
-                  <a:pt x="67" y="119"/>
-                </a:cubicBezTo>
-                <a:close/>
-                <a:moveTo>
-                  <a:pt x="67" y="136"/>
-                </a:moveTo>
-                <a:cubicBezTo>
-                  <a:pt x="71" y="140"/>
-                  <a:pt x="75" y="158"/>
-                  <a:pt x="75" y="158"/>
-                </a:cubicBezTo>
-                <a:cubicBezTo>
-                  <a:pt x="75" y="158"/>
-                  <a:pt x="76" y="136"/>
-                  <a:pt x="72" y="131"/>
-                </a:cubicBezTo>
-                <a:cubicBezTo>
-                  <a:pt x="68" y="127"/>
-                  <a:pt x="45" y="128"/>
-                  <a:pt x="45" y="128"/>
-                </a:cubicBezTo>
-                <a:cubicBezTo>
-                  <a:pt x="45" y="128"/>
-                  <a:pt x="63" y="132"/>
-                  <a:pt x="67" y="136"/>
-                </a:cubicBezTo>
-                <a:close/>
-                <a:moveTo>
-                  <a:pt x="31" y="80"/>
-                </a:moveTo>
-                <a:cubicBezTo>
-                  <a:pt x="31" y="80"/>
-                  <a:pt x="30" y="69"/>
-                  <a:pt x="32" y="67"/>
-                </a:cubicBezTo>
-                <a:cubicBezTo>
-                  <a:pt x="35" y="65"/>
-                  <a:pt x="46" y="65"/>
-                  <a:pt x="46" y="65"/>
-                </a:cubicBezTo>
-                <a:cubicBezTo>
-                  <a:pt x="46" y="65"/>
-                  <a:pt x="37" y="67"/>
-                  <a:pt x="35" y="69"/>
-                </a:cubicBezTo>
-                <a:cubicBezTo>
-                  <a:pt x="33" y="71"/>
-                  <a:pt x="31" y="80"/>
-                  <a:pt x="31" y="80"/>
-                </a:cubicBezTo>
-                <a:close/>
-                <a:moveTo>
-                  <a:pt x="35" y="61"/>
-                </a:moveTo>
-                <a:cubicBezTo>
-                  <a:pt x="33" y="59"/>
-                  <a:pt x="31" y="50"/>
-                  <a:pt x="31" y="50"/>
-                </a:cubicBezTo>
-                <a:cubicBezTo>
-                  <a:pt x="31" y="50"/>
-                  <a:pt x="30" y="61"/>
-                  <a:pt x="32" y="63"/>
-                </a:cubicBezTo>
-                <a:cubicBezTo>
-                  <a:pt x="35" y="65"/>
-                  <a:pt x="46" y="65"/>
-                  <a:pt x="46" y="65"/>
-                </a:cubicBezTo>
-                <a:cubicBezTo>
-                  <a:pt x="46" y="65"/>
-                  <a:pt x="37" y="63"/>
-                  <a:pt x="35" y="61"/>
-                </a:cubicBezTo>
-                <a:close/>
-                <a:moveTo>
-                  <a:pt x="26" y="61"/>
-                </a:moveTo>
-                <a:cubicBezTo>
-                  <a:pt x="24" y="63"/>
-                  <a:pt x="15" y="65"/>
-                  <a:pt x="15" y="65"/>
-                </a:cubicBezTo>
-                <a:cubicBezTo>
-                  <a:pt x="15" y="65"/>
-                  <a:pt x="27" y="65"/>
-                  <a:pt x="29" y="63"/>
-                </a:cubicBezTo>
-                <a:cubicBezTo>
-                  <a:pt x="31" y="61"/>
-                  <a:pt x="31" y="50"/>
-                  <a:pt x="31" y="50"/>
-                </a:cubicBezTo>
-                <a:cubicBezTo>
-                  <a:pt x="31" y="50"/>
-                  <a:pt x="29" y="59"/>
-                  <a:pt x="26" y="61"/>
-                </a:cubicBezTo>
-                <a:close/>
-                <a:moveTo>
-                  <a:pt x="26" y="69"/>
-                </a:moveTo>
-                <a:cubicBezTo>
-                  <a:pt x="29" y="71"/>
-                  <a:pt x="31" y="80"/>
-                  <a:pt x="31" y="80"/>
-                </a:cubicBezTo>
-                <a:cubicBezTo>
-                  <a:pt x="31" y="80"/>
-                  <a:pt x="31" y="69"/>
-                  <a:pt x="29" y="67"/>
-                </a:cubicBezTo>
-                <a:cubicBezTo>
-                  <a:pt x="27" y="65"/>
-                  <a:pt x="15" y="65"/>
-                  <a:pt x="15" y="65"/>
-                </a:cubicBezTo>
-                <a:cubicBezTo>
-                  <a:pt x="15" y="65"/>
-                  <a:pt x="24" y="67"/>
-                  <a:pt x="26" y="69"/>
-                </a:cubicBezTo>
-                <a:close/>
-                <a:moveTo>
-                  <a:pt x="229" y="30"/>
-                </a:moveTo>
-                <a:cubicBezTo>
-                  <a:pt x="229" y="30"/>
-                  <a:pt x="229" y="19"/>
-                  <a:pt x="231" y="17"/>
-                </a:cubicBezTo>
-                <a:cubicBezTo>
-                  <a:pt x="233" y="15"/>
-                  <a:pt x="244" y="15"/>
-                  <a:pt x="244" y="15"/>
-                </a:cubicBezTo>
-                <a:cubicBezTo>
-                  <a:pt x="244" y="15"/>
-                  <a:pt x="235" y="17"/>
-                  <a:pt x="233" y="19"/>
-                </a:cubicBezTo>
-                <a:cubicBezTo>
-                  <a:pt x="231" y="21"/>
-                  <a:pt x="229" y="30"/>
-                  <a:pt x="229" y="30"/>
-                </a:cubicBezTo>
-                <a:close/>
-                <a:moveTo>
-                  <a:pt x="233" y="11"/>
-                </a:moveTo>
-                <a:cubicBezTo>
-                  <a:pt x="231" y="9"/>
-                  <a:pt x="229" y="0"/>
-                  <a:pt x="229" y="0"/>
-                </a:cubicBezTo>
-                <a:cubicBezTo>
-                  <a:pt x="229" y="0"/>
-                  <a:pt x="229" y="11"/>
-                  <a:pt x="231" y="13"/>
-                </a:cubicBezTo>
-                <a:cubicBezTo>
-                  <a:pt x="233" y="15"/>
-                  <a:pt x="244" y="15"/>
-                  <a:pt x="244" y="15"/>
-                </a:cubicBezTo>
-                <a:cubicBezTo>
-                  <a:pt x="244" y="15"/>
-                  <a:pt x="235" y="13"/>
-                  <a:pt x="233" y="11"/>
-                </a:cubicBezTo>
-                <a:close/>
-                <a:moveTo>
-                  <a:pt x="225" y="11"/>
-                </a:moveTo>
-                <a:cubicBezTo>
-                  <a:pt x="223" y="13"/>
-                  <a:pt x="214" y="15"/>
-                  <a:pt x="214" y="15"/>
-                </a:cubicBezTo>
-                <a:cubicBezTo>
-                  <a:pt x="214" y="15"/>
-                  <a:pt x="225" y="15"/>
-                  <a:pt x="227" y="13"/>
-                </a:cubicBezTo>
-                <a:cubicBezTo>
-                  <a:pt x="229" y="11"/>
-                  <a:pt x="229" y="0"/>
-                  <a:pt x="229" y="0"/>
-                </a:cubicBezTo>
-                <a:cubicBezTo>
-                  <a:pt x="229" y="0"/>
-                  <a:pt x="227" y="9"/>
-                  <a:pt x="225" y="11"/>
-                </a:cubicBezTo>
-                <a:close/>
-                <a:moveTo>
-                  <a:pt x="225" y="19"/>
-                </a:moveTo>
-                <a:cubicBezTo>
-                  <a:pt x="227" y="21"/>
-                  <a:pt x="229" y="30"/>
-                  <a:pt x="229" y="30"/>
-                </a:cubicBezTo>
-                <a:cubicBezTo>
-                  <a:pt x="229" y="30"/>
-                  <a:pt x="229" y="19"/>
-                  <a:pt x="227" y="17"/>
-                </a:cubicBezTo>
-                <a:cubicBezTo>
-                  <a:pt x="225" y="15"/>
-                  <a:pt x="214" y="15"/>
-                  <a:pt x="214" y="15"/>
-                </a:cubicBezTo>
-                <a:cubicBezTo>
-                  <a:pt x="214" y="15"/>
-                  <a:pt x="223" y="17"/>
-                  <a:pt x="225" y="19"/>
-                </a:cubicBezTo>
-                <a:close/>
-                <a:moveTo>
-                  <a:pt x="244" y="152"/>
-                </a:moveTo>
-                <a:cubicBezTo>
-                  <a:pt x="244" y="152"/>
-                  <a:pt x="244" y="140"/>
-                  <a:pt x="246" y="138"/>
-                </a:cubicBezTo>
-                <a:cubicBezTo>
-                  <a:pt x="248" y="136"/>
-                  <a:pt x="259" y="136"/>
-                  <a:pt x="259" y="136"/>
-                </a:cubicBezTo>
-                <a:cubicBezTo>
-                  <a:pt x="259" y="136"/>
-                  <a:pt x="250" y="138"/>
-                  <a:pt x="248" y="141"/>
-                </a:cubicBezTo>
-                <a:cubicBezTo>
-                  <a:pt x="246" y="143"/>
-                  <a:pt x="244" y="152"/>
-                  <a:pt x="244" y="152"/>
-                </a:cubicBezTo>
-                <a:close/>
-                <a:moveTo>
-                  <a:pt x="248" y="132"/>
-                </a:moveTo>
-                <a:cubicBezTo>
-                  <a:pt x="246" y="130"/>
-                  <a:pt x="244" y="121"/>
-                  <a:pt x="244" y="121"/>
-                </a:cubicBezTo>
-                <a:cubicBezTo>
-                  <a:pt x="244" y="121"/>
-                  <a:pt x="244" y="133"/>
-                  <a:pt x="246" y="135"/>
-                </a:cubicBezTo>
-                <a:cubicBezTo>
-                  <a:pt x="248" y="137"/>
-                  <a:pt x="259" y="136"/>
-                  <a:pt x="259" y="136"/>
-                </a:cubicBezTo>
-                <a:cubicBezTo>
-                  <a:pt x="259" y="136"/>
-                  <a:pt x="250" y="134"/>
-                  <a:pt x="248" y="132"/>
-                </a:cubicBezTo>
-                <a:close/>
-                <a:moveTo>
-                  <a:pt x="240" y="132"/>
-                </a:moveTo>
-                <a:cubicBezTo>
-                  <a:pt x="238" y="134"/>
-                  <a:pt x="229" y="136"/>
-                  <a:pt x="229" y="136"/>
-                </a:cubicBezTo>
-                <a:cubicBezTo>
-                  <a:pt x="229" y="136"/>
-                  <a:pt x="240" y="137"/>
-                  <a:pt x="242" y="135"/>
-                </a:cubicBezTo>
-                <a:cubicBezTo>
-                  <a:pt x="244" y="133"/>
-                  <a:pt x="244" y="121"/>
-                  <a:pt x="244" y="121"/>
-                </a:cubicBezTo>
-                <a:cubicBezTo>
-                  <a:pt x="244" y="121"/>
-                  <a:pt x="242" y="130"/>
-                  <a:pt x="240" y="132"/>
-                </a:cubicBezTo>
-                <a:close/>
-                <a:moveTo>
-                  <a:pt x="240" y="141"/>
-                </a:moveTo>
-                <a:cubicBezTo>
-                  <a:pt x="242" y="143"/>
-                  <a:pt x="244" y="152"/>
-                  <a:pt x="244" y="152"/>
-                </a:cubicBezTo>
-                <a:cubicBezTo>
-                  <a:pt x="244" y="152"/>
-                  <a:pt x="244" y="140"/>
-                  <a:pt x="242" y="138"/>
-                </a:cubicBezTo>
-                <a:cubicBezTo>
-                  <a:pt x="240" y="136"/>
-                  <a:pt x="229" y="136"/>
-                  <a:pt x="229" y="136"/>
-                </a:cubicBezTo>
-                <a:cubicBezTo>
-                  <a:pt x="229" y="136"/>
-                  <a:pt x="238" y="138"/>
-                  <a:pt x="240" y="141"/>
-                </a:cubicBezTo>
-                <a:close/>
-                <a:moveTo>
-                  <a:pt x="15" y="173"/>
-                </a:moveTo>
-                <a:cubicBezTo>
-                  <a:pt x="15" y="173"/>
-                  <a:pt x="15" y="162"/>
-                  <a:pt x="17" y="160"/>
-                </a:cubicBezTo>
-                <a:cubicBezTo>
-                  <a:pt x="19" y="158"/>
-                  <a:pt x="31" y="158"/>
-                  <a:pt x="31" y="158"/>
-                </a:cubicBezTo>
-                <a:cubicBezTo>
-                  <a:pt x="31" y="158"/>
-                  <a:pt x="22" y="160"/>
-                  <a:pt x="20" y="162"/>
-                </a:cubicBezTo>
-                <a:cubicBezTo>
-                  <a:pt x="17" y="164"/>
-                  <a:pt x="15" y="173"/>
-                  <a:pt x="15" y="173"/>
-                </a:cubicBezTo>
-                <a:close/>
-                <a:moveTo>
-                  <a:pt x="20" y="154"/>
-                </a:moveTo>
-                <a:cubicBezTo>
-                  <a:pt x="17" y="152"/>
-                  <a:pt x="15" y="143"/>
-                  <a:pt x="15" y="143"/>
-                </a:cubicBezTo>
-                <a:cubicBezTo>
-                  <a:pt x="15" y="143"/>
-                  <a:pt x="15" y="154"/>
-                  <a:pt x="17" y="156"/>
-                </a:cubicBezTo>
-                <a:cubicBezTo>
-                  <a:pt x="19" y="158"/>
-                  <a:pt x="31" y="158"/>
-                  <a:pt x="31" y="158"/>
-                </a:cubicBezTo>
-                <a:cubicBezTo>
-                  <a:pt x="31" y="158"/>
-                  <a:pt x="22" y="156"/>
-                  <a:pt x="20" y="154"/>
-                </a:cubicBezTo>
-                <a:close/>
-                <a:moveTo>
-                  <a:pt x="11" y="154"/>
-                </a:moveTo>
-                <a:cubicBezTo>
-                  <a:pt x="9" y="156"/>
-                  <a:pt x="0" y="158"/>
-                  <a:pt x="0" y="158"/>
-                </a:cubicBezTo>
-                <a:cubicBezTo>
-                  <a:pt x="0" y="158"/>
-                  <a:pt x="11" y="158"/>
-                  <a:pt x="14" y="156"/>
-                </a:cubicBezTo>
-                <a:cubicBezTo>
-                  <a:pt x="16" y="154"/>
-                  <a:pt x="15" y="143"/>
-                  <a:pt x="15" y="143"/>
-                </a:cubicBezTo>
-                <a:cubicBezTo>
-                  <a:pt x="15" y="143"/>
-                  <a:pt x="13" y="152"/>
-                  <a:pt x="11" y="154"/>
-                </a:cubicBezTo>
-                <a:close/>
-                <a:moveTo>
-                  <a:pt x="11" y="162"/>
-                </a:moveTo>
-                <a:cubicBezTo>
-                  <a:pt x="13" y="164"/>
-                  <a:pt x="15" y="173"/>
-                  <a:pt x="15" y="173"/>
-                </a:cubicBezTo>
-                <a:cubicBezTo>
-                  <a:pt x="15" y="173"/>
-                  <a:pt x="16" y="162"/>
-                  <a:pt x="14" y="160"/>
-                </a:cubicBezTo>
-                <a:cubicBezTo>
-                  <a:pt x="11" y="158"/>
-                  <a:pt x="0" y="158"/>
-                  <a:pt x="0" y="158"/>
-                </a:cubicBezTo>
-                <a:cubicBezTo>
-                  <a:pt x="0" y="158"/>
-                  <a:pt x="9" y="160"/>
-                  <a:pt x="11" y="162"/>
-                </a:cubicBezTo>
-                <a:close/>
-                <a:moveTo>
-                  <a:pt x="214" y="133"/>
-                </a:moveTo>
-                <a:cubicBezTo>
-                  <a:pt x="214" y="133"/>
-                  <a:pt x="213" y="99"/>
-                  <a:pt x="219" y="93"/>
-                </a:cubicBezTo>
-                <a:cubicBezTo>
-                  <a:pt x="226" y="87"/>
-                  <a:pt x="259" y="88"/>
-                  <a:pt x="259" y="88"/>
-                </a:cubicBezTo>
-                <a:cubicBezTo>
-                  <a:pt x="259" y="88"/>
-                  <a:pt x="232" y="94"/>
-                  <a:pt x="226" y="100"/>
-                </a:cubicBezTo>
-                <a:cubicBezTo>
-                  <a:pt x="220" y="106"/>
-                  <a:pt x="214" y="133"/>
-                  <a:pt x="214" y="133"/>
-                </a:cubicBezTo>
-                <a:close/>
-                <a:moveTo>
-                  <a:pt x="226" y="75"/>
-                </a:moveTo>
-                <a:cubicBezTo>
-                  <a:pt x="220" y="69"/>
-                  <a:pt x="214" y="42"/>
-                  <a:pt x="214" y="42"/>
-                </a:cubicBezTo>
-                <a:cubicBezTo>
-                  <a:pt x="214" y="42"/>
-                  <a:pt x="213" y="76"/>
-                  <a:pt x="219" y="82"/>
-                </a:cubicBezTo>
-                <a:cubicBezTo>
-                  <a:pt x="226" y="88"/>
-                  <a:pt x="259" y="88"/>
-                  <a:pt x="259" y="88"/>
-                </a:cubicBezTo>
-                <a:cubicBezTo>
-                  <a:pt x="259" y="88"/>
-                  <a:pt x="232" y="81"/>
-                  <a:pt x="226" y="75"/>
-                </a:cubicBezTo>
-                <a:close/>
-                <a:moveTo>
-                  <a:pt x="201" y="75"/>
-                </a:moveTo>
-                <a:cubicBezTo>
-                  <a:pt x="195" y="81"/>
-                  <a:pt x="168" y="88"/>
-                  <a:pt x="168" y="88"/>
-                </a:cubicBezTo>
-                <a:cubicBezTo>
-                  <a:pt x="168" y="88"/>
-                  <a:pt x="202" y="88"/>
-                  <a:pt x="208" y="82"/>
-                </a:cubicBezTo>
-                <a:cubicBezTo>
-                  <a:pt x="215" y="76"/>
-                  <a:pt x="214" y="42"/>
-                  <a:pt x="214" y="42"/>
-                </a:cubicBezTo>
-                <a:cubicBezTo>
-                  <a:pt x="214" y="42"/>
-                  <a:pt x="208" y="69"/>
-                  <a:pt x="201" y="75"/>
-                </a:cubicBezTo>
-                <a:close/>
-                <a:moveTo>
-                  <a:pt x="201" y="100"/>
-                </a:moveTo>
-                <a:cubicBezTo>
-                  <a:pt x="208" y="106"/>
-                  <a:pt x="214" y="133"/>
-                  <a:pt x="214" y="133"/>
-                </a:cubicBezTo>
-                <a:cubicBezTo>
-                  <a:pt x="214" y="133"/>
-                  <a:pt x="215" y="99"/>
-                  <a:pt x="208" y="93"/>
-                </a:cubicBezTo>
-                <a:cubicBezTo>
-                  <a:pt x="202" y="87"/>
-                  <a:pt x="168" y="88"/>
-                  <a:pt x="168" y="88"/>
-                </a:cubicBezTo>
-                <a:cubicBezTo>
-                  <a:pt x="168" y="88"/>
-                  <a:pt x="195" y="94"/>
-                  <a:pt x="201" y="100"/>
-                </a:cubicBezTo>
-                <a:close/>
-                <a:moveTo>
-                  <a:pt x="250" y="231"/>
-                </a:moveTo>
-                <a:cubicBezTo>
-                  <a:pt x="212" y="178"/>
-                  <a:pt x="212" y="178"/>
-                  <a:pt x="212" y="178"/>
-                </a:cubicBezTo>
-                <a:cubicBezTo>
-                  <a:pt x="189" y="178"/>
-                  <a:pt x="189" y="178"/>
-                  <a:pt x="189" y="178"/>
-                </a:cubicBezTo>
-                <a:cubicBezTo>
-                  <a:pt x="193" y="160"/>
-                  <a:pt x="207" y="146"/>
-                  <a:pt x="223" y="146"/>
-                </a:cubicBezTo>
-                <a:cubicBezTo>
-                  <a:pt x="224" y="146"/>
-                  <a:pt x="226" y="144"/>
-                  <a:pt x="226" y="143"/>
-                </a:cubicBezTo>
-                <a:cubicBezTo>
-                  <a:pt x="226" y="141"/>
-                  <a:pt x="224" y="140"/>
-                  <a:pt x="223" y="140"/>
-                </a:cubicBezTo>
-                <a:cubicBezTo>
-                  <a:pt x="203" y="140"/>
-                  <a:pt x="187" y="156"/>
-                  <a:pt x="183" y="178"/>
-                </a:cubicBezTo>
-                <a:cubicBezTo>
-                  <a:pt x="156" y="178"/>
-                  <a:pt x="156" y="178"/>
-                  <a:pt x="156" y="178"/>
-                </a:cubicBezTo>
-                <a:cubicBezTo>
-                  <a:pt x="158" y="140"/>
-                  <a:pt x="173" y="110"/>
-                  <a:pt x="190" y="110"/>
-                </a:cubicBezTo>
-                <a:cubicBezTo>
-                  <a:pt x="191" y="110"/>
-                  <a:pt x="193" y="109"/>
-                  <a:pt x="193" y="107"/>
-                </a:cubicBezTo>
-                <a:cubicBezTo>
-                  <a:pt x="193" y="105"/>
-                  <a:pt x="191" y="104"/>
-                  <a:pt x="190" y="104"/>
-                </a:cubicBezTo>
-                <a:cubicBezTo>
-                  <a:pt x="169" y="104"/>
-                  <a:pt x="152" y="136"/>
-                  <a:pt x="150" y="178"/>
-                </a:cubicBezTo>
-                <a:cubicBezTo>
-                  <a:pt x="139" y="178"/>
-                  <a:pt x="139" y="178"/>
-                  <a:pt x="139" y="178"/>
-                </a:cubicBezTo>
-                <a:cubicBezTo>
-                  <a:pt x="141" y="92"/>
-                  <a:pt x="170" y="23"/>
-                  <a:pt x="206" y="23"/>
-                </a:cubicBezTo>
-                <a:cubicBezTo>
-                  <a:pt x="208" y="23"/>
-                  <a:pt x="210" y="21"/>
-                  <a:pt x="210" y="20"/>
-                </a:cubicBezTo>
-                <a:cubicBezTo>
-                  <a:pt x="210" y="18"/>
-                  <a:pt x="208" y="17"/>
-                  <a:pt x="206" y="17"/>
-                </a:cubicBezTo>
-                <a:cubicBezTo>
-                  <a:pt x="166" y="17"/>
-                  <a:pt x="135" y="87"/>
-                  <a:pt x="133" y="178"/>
-                </a:cubicBezTo>
-                <a:cubicBezTo>
-                  <a:pt x="129" y="178"/>
-                  <a:pt x="129" y="178"/>
-                  <a:pt x="129" y="178"/>
-                </a:cubicBezTo>
-                <a:cubicBezTo>
-                  <a:pt x="129" y="66"/>
-                  <a:pt x="127" y="66"/>
-                  <a:pt x="124" y="66"/>
-                </a:cubicBezTo>
-                <a:cubicBezTo>
-                  <a:pt x="122" y="66"/>
-                  <a:pt x="120" y="68"/>
-                  <a:pt x="120" y="69"/>
-                </a:cubicBezTo>
-                <a:cubicBezTo>
-                  <a:pt x="120" y="70"/>
-                  <a:pt x="121" y="70"/>
-                  <a:pt x="121" y="71"/>
-                </a:cubicBezTo>
-                <a:cubicBezTo>
-                  <a:pt x="122" y="76"/>
-                  <a:pt x="123" y="118"/>
-                  <a:pt x="123" y="178"/>
-                </a:cubicBezTo>
-                <a:cubicBezTo>
-                  <a:pt x="120" y="178"/>
-                  <a:pt x="120" y="178"/>
-                  <a:pt x="120" y="178"/>
-                </a:cubicBezTo>
-                <a:cubicBezTo>
-                  <a:pt x="118" y="114"/>
-                  <a:pt x="89" y="62"/>
-                  <a:pt x="54" y="62"/>
-                </a:cubicBezTo>
-                <a:cubicBezTo>
-                  <a:pt x="52" y="62"/>
-                  <a:pt x="51" y="63"/>
-                  <a:pt x="51" y="65"/>
-                </a:cubicBezTo>
-                <a:cubicBezTo>
-                  <a:pt x="51" y="67"/>
-                  <a:pt x="52" y="68"/>
-                  <a:pt x="54" y="68"/>
-                </a:cubicBezTo>
-                <a:cubicBezTo>
-                  <a:pt x="86" y="68"/>
-                  <a:pt x="112" y="117"/>
-                  <a:pt x="113" y="178"/>
-                </a:cubicBezTo>
-                <a:cubicBezTo>
-                  <a:pt x="103" y="178"/>
-                  <a:pt x="103" y="178"/>
-                  <a:pt x="103" y="178"/>
-                </a:cubicBezTo>
-                <a:cubicBezTo>
-                  <a:pt x="103" y="161"/>
-                  <a:pt x="98" y="144"/>
-                  <a:pt x="89" y="144"/>
-                </a:cubicBezTo>
-                <a:cubicBezTo>
-                  <a:pt x="87" y="144"/>
-                  <a:pt x="86" y="145"/>
-                  <a:pt x="86" y="147"/>
-                </a:cubicBezTo>
-                <a:cubicBezTo>
-                  <a:pt x="86" y="149"/>
-                  <a:pt x="87" y="150"/>
-                  <a:pt x="89" y="150"/>
-                </a:cubicBezTo>
-                <a:cubicBezTo>
-                  <a:pt x="91" y="150"/>
-                  <a:pt x="97" y="161"/>
-                  <a:pt x="97" y="178"/>
-                </a:cubicBezTo>
-                <a:cubicBezTo>
-                  <a:pt x="86" y="178"/>
-                  <a:pt x="86" y="178"/>
-                  <a:pt x="86" y="178"/>
-                </a:cubicBezTo>
-                <a:cubicBezTo>
-                  <a:pt x="79" y="164"/>
-                  <a:pt x="59" y="154"/>
-                  <a:pt x="36" y="154"/>
-                </a:cubicBezTo>
-                <a:cubicBezTo>
-                  <a:pt x="34" y="154"/>
-                  <a:pt x="33" y="156"/>
-                  <a:pt x="33" y="157"/>
-                </a:cubicBezTo>
-                <a:cubicBezTo>
-                  <a:pt x="33" y="159"/>
-                  <a:pt x="34" y="160"/>
-                  <a:pt x="36" y="160"/>
-                </a:cubicBezTo>
-                <a:cubicBezTo>
-                  <a:pt x="55" y="160"/>
-                  <a:pt x="72" y="168"/>
-                  <a:pt x="79" y="178"/>
-                </a:cubicBezTo>
-                <a:cubicBezTo>
-                  <a:pt x="60" y="178"/>
-                  <a:pt x="60" y="178"/>
-                  <a:pt x="60" y="178"/>
-                </a:cubicBezTo>
-                <a:cubicBezTo>
-                  <a:pt x="22" y="231"/>
-                  <a:pt x="22" y="231"/>
-                  <a:pt x="22" y="231"/>
-                </a:cubicBezTo>
-                <a:cubicBezTo>
-                  <a:pt x="21" y="233"/>
-                  <a:pt x="21" y="235"/>
-                  <a:pt x="22" y="236"/>
-                </a:cubicBezTo>
-                <a:cubicBezTo>
-                  <a:pt x="27" y="238"/>
-                  <a:pt x="27" y="238"/>
-                  <a:pt x="27" y="238"/>
-                </a:cubicBezTo>
-                <a:cubicBezTo>
-                  <a:pt x="28" y="239"/>
-                  <a:pt x="30" y="239"/>
-                  <a:pt x="31" y="238"/>
-                </a:cubicBezTo>
-                <a:cubicBezTo>
-                  <a:pt x="60" y="195"/>
-                  <a:pt x="60" y="195"/>
-                  <a:pt x="60" y="195"/>
-                </a:cubicBezTo>
-                <a:cubicBezTo>
-                  <a:pt x="60" y="294"/>
-                  <a:pt x="60" y="294"/>
-                  <a:pt x="60" y="294"/>
-                </a:cubicBezTo>
-                <a:cubicBezTo>
-                  <a:pt x="60" y="297"/>
-                  <a:pt x="63" y="300"/>
-                  <a:pt x="66" y="300"/>
-                </a:cubicBezTo>
-                <a:cubicBezTo>
-                  <a:pt x="206" y="300"/>
-                  <a:pt x="206" y="300"/>
-                  <a:pt x="206" y="300"/>
-                </a:cubicBezTo>
-                <a:cubicBezTo>
-                  <a:pt x="209" y="300"/>
-                  <a:pt x="212" y="297"/>
-                  <a:pt x="212" y="294"/>
-                </a:cubicBezTo>
-                <a:cubicBezTo>
-                  <a:pt x="212" y="195"/>
-                  <a:pt x="212" y="195"/>
-                  <a:pt x="212" y="195"/>
-                </a:cubicBezTo>
-                <a:cubicBezTo>
-                  <a:pt x="242" y="238"/>
-                  <a:pt x="242" y="238"/>
-                  <a:pt x="242" y="238"/>
-                </a:cubicBezTo>
-                <a:cubicBezTo>
-                  <a:pt x="243" y="239"/>
-                  <a:pt x="244" y="239"/>
-                  <a:pt x="246" y="238"/>
-                </a:cubicBezTo>
-                <a:cubicBezTo>
-                  <a:pt x="250" y="236"/>
-                  <a:pt x="250" y="236"/>
-                  <a:pt x="250" y="236"/>
-                </a:cubicBezTo>
-                <a:cubicBezTo>
-                  <a:pt x="251" y="235"/>
-                  <a:pt x="251" y="233"/>
-                  <a:pt x="250" y="231"/>
-                </a:cubicBezTo>
-                <a:close/>
-                <a:moveTo>
-                  <a:pt x="159" y="226"/>
-                </a:moveTo>
-                <a:cubicBezTo>
-                  <a:pt x="113" y="226"/>
-                  <a:pt x="113" y="226"/>
-                  <a:pt x="113" y="226"/>
-                </a:cubicBezTo>
-                <a:cubicBezTo>
-                  <a:pt x="110" y="226"/>
-                  <a:pt x="107" y="223"/>
-                  <a:pt x="107" y="220"/>
-                </a:cubicBezTo>
-                <a:cubicBezTo>
-                  <a:pt x="107" y="216"/>
-                  <a:pt x="110" y="214"/>
-                  <a:pt x="113" y="214"/>
-                </a:cubicBezTo>
-                <a:cubicBezTo>
-                  <a:pt x="159" y="214"/>
-                  <a:pt x="159" y="214"/>
-                  <a:pt x="159" y="214"/>
-                </a:cubicBezTo>
-                <a:cubicBezTo>
-                  <a:pt x="162" y="214"/>
-                  <a:pt x="165" y="216"/>
-                  <a:pt x="165" y="220"/>
-                </a:cubicBezTo>
-                <a:cubicBezTo>
-                  <a:pt x="165" y="223"/>
-                  <a:pt x="162" y="226"/>
-                  <a:pt x="159" y="226"/>
-                </a:cubicBezTo>
-                <a:close/>
-              </a:path>
-            </a:pathLst>
-          </a:custGeom>
-          <a:solidFill>
-            <a:schemeClr val="bg1"/>
-          </a:solidFill>
-          <a:ln>
-            <a:noFill/>
-          </a:ln>
+          </a:prstGeom>
         </p:spPr>
         <p:txBody>
-          <a:bodyPr vert="horz" wrap="square" lIns="83943" tIns="41972" rIns="83943" bIns="41972" numCol="1" anchor="t" anchorCtr="0" compatLnSpc="1">
-            <a:prstTxWarp prst="textNoShape">
-              <a:avLst/>
-            </a:prstTxWarp>
+          <a:bodyPr wrap="none">
+            <a:spAutoFit/>
           </a:bodyPr>
           <a:lstStyle/>
           <a:p>
-            <a:pPr defTabSz="932407"/>
-            <a:endParaRPr lang="en-US" sz="1632">
-              <a:solidFill>
-                <a:srgbClr val="292929"/>
-              </a:solidFill>
-            </a:endParaRPr>
+            <a:r>
+              <a:rPr lang="es-AR" dirty="0" smtClean="0"/>
+              <a:t>Actualmente hay tres grandes formatos de streaming propietarios (todos aceptan H.264 como input)</a:t>
+            </a:r>
           </a:p>
         </p:txBody>
       </p:sp>
     </p:spTree>
     <p:extLst>
       <p:ext uri="{BB962C8B-B14F-4D97-AF65-F5344CB8AC3E}">
-        <p14:creationId xmlns:p14="http://schemas.microsoft.com/office/powerpoint/2010/main" val="2102439596"/>
+        <p14:creationId xmlns:p14="http://schemas.microsoft.com/office/powerpoint/2010/main" val="840763685"/>
       </p:ext>
     </p:extLst>
   </p:cSld>
@@ -27136,297 +26092,6 @@
           </a:prstGeom>
         </p:spPr>
       </p:pic>
-      <p:sp>
-        <p:nvSpPr>
-          <p:cNvPr id="11" name="TextBox 10"/>
-          <p:cNvSpPr txBox="1"/>
-          <p:nvPr/>
-        </p:nvSpPr>
-        <p:spPr>
-          <a:xfrm>
-            <a:off x="407368" y="2703016"/>
-            <a:ext cx="8767785" cy="4154984"/>
-          </a:xfrm>
-          <a:prstGeom prst="rect">
-            <a:avLst/>
-          </a:prstGeom>
-          <a:noFill/>
-        </p:spPr>
-        <p:txBody>
-          <a:bodyPr wrap="none" lIns="0" tIns="0" rIns="0" bIns="0" rtlCol="0">
-            <a:spAutoFit/>
-          </a:bodyPr>
-          <a:lstStyle/>
-          <a:p>
-            <a:pPr marL="460286" indent="-460286" defTabSz="914039">
-              <a:lnSpc>
-                <a:spcPct val="90000"/>
-              </a:lnSpc>
-              <a:spcBef>
-                <a:spcPct val="20000"/>
-              </a:spcBef>
-              <a:buSzPct val="80000"/>
-              <a:buBlip>
-                <a:blip r:embed="rId5"/>
-              </a:buBlip>
-            </a:pPr>
-            <a:r>
-              <a:rPr lang="en-US" sz="2500" dirty="0">
-                <a:solidFill>
-                  <a:srgbClr val="292929">
-                    <a:lumMod val="75000"/>
-                    <a:lumOff val="25000"/>
-                  </a:srgbClr>
-                </a:solidFill>
-              </a:rPr>
-              <a:t>Shipped as Open source at </a:t>
-            </a:r>
-            <a:r>
-              <a:rPr lang="en-US" sz="2500" dirty="0">
-                <a:solidFill>
-                  <a:srgbClr val="292929">
-                    <a:lumMod val="75000"/>
-                    <a:lumOff val="25000"/>
-                  </a:srgbClr>
-                </a:solidFill>
-                <a:hlinkClick r:id="rId6"/>
-              </a:rPr>
-              <a:t>playerframework.codeplex.com</a:t>
-            </a:r>
-            <a:endParaRPr lang="en-US" sz="2500" dirty="0">
-              <a:solidFill>
-                <a:srgbClr val="292929">
-                  <a:lumMod val="75000"/>
-                  <a:lumOff val="25000"/>
-                </a:srgbClr>
-              </a:solidFill>
-            </a:endParaRPr>
-          </a:p>
-          <a:p>
-            <a:pPr marL="460286" lvl="1" indent="-460286" defTabSz="914039">
-              <a:lnSpc>
-                <a:spcPct val="90000"/>
-              </a:lnSpc>
-              <a:spcBef>
-                <a:spcPct val="20000"/>
-              </a:spcBef>
-              <a:buSzPct val="80000"/>
-              <a:buBlip>
-                <a:blip r:embed="rId5"/>
-              </a:buBlip>
-            </a:pPr>
-            <a:r>
-              <a:rPr lang="en-US" sz="2500" dirty="0">
-                <a:solidFill>
-                  <a:srgbClr val="292929">
-                    <a:lumMod val="75000"/>
-                    <a:lumOff val="25000"/>
-                  </a:srgbClr>
-                </a:solidFill>
-              </a:rPr>
-              <a:t>Builds on capabilities of Smooth Streaming Client</a:t>
-            </a:r>
-          </a:p>
-          <a:p>
-            <a:pPr marL="460286" indent="-460286" defTabSz="914039">
-              <a:lnSpc>
-                <a:spcPct val="90000"/>
-              </a:lnSpc>
-              <a:spcBef>
-                <a:spcPct val="20000"/>
-              </a:spcBef>
-              <a:buSzPct val="80000"/>
-              <a:buBlip>
-                <a:blip r:embed="rId5"/>
-              </a:buBlip>
-            </a:pPr>
-            <a:r>
-              <a:rPr lang="en-US" sz="2500" dirty="0">
-                <a:solidFill>
-                  <a:srgbClr val="292929">
-                    <a:lumMod val="75000"/>
-                    <a:lumOff val="25000"/>
-                  </a:srgbClr>
-                </a:solidFill>
-              </a:rPr>
-              <a:t>Available for multiple platform </a:t>
-            </a:r>
-          </a:p>
-          <a:p>
-            <a:pPr marL="917307" lvl="1" indent="-460286" defTabSz="914039">
-              <a:lnSpc>
-                <a:spcPct val="90000"/>
-              </a:lnSpc>
-              <a:spcBef>
-                <a:spcPct val="20000"/>
-              </a:spcBef>
-              <a:buSzPct val="80000"/>
-              <a:buBlip>
-                <a:blip r:embed="rId5"/>
-              </a:buBlip>
-            </a:pPr>
-            <a:r>
-              <a:rPr lang="en-US" sz="2500" dirty="0">
-                <a:solidFill>
-                  <a:srgbClr val="292929">
-                    <a:lumMod val="75000"/>
-                    <a:lumOff val="25000"/>
-                  </a:srgbClr>
-                </a:solidFill>
-              </a:rPr>
-              <a:t>Windows 8 Player</a:t>
-            </a:r>
-          </a:p>
-          <a:p>
-            <a:pPr marL="1374325" lvl="2" indent="-460286" defTabSz="914039">
-              <a:lnSpc>
-                <a:spcPct val="90000"/>
-              </a:lnSpc>
-              <a:spcBef>
-                <a:spcPct val="20000"/>
-              </a:spcBef>
-              <a:buSzPct val="80000"/>
-              <a:buFont typeface="Arial" panose="020B0604020202020204" pitchFamily="34" charset="0"/>
-              <a:buChar char="•"/>
-            </a:pPr>
-            <a:r>
-              <a:rPr lang="en-US" sz="2500" dirty="0">
-                <a:solidFill>
-                  <a:srgbClr val="292929">
-                    <a:lumMod val="75000"/>
-                    <a:lumOff val="25000"/>
-                  </a:srgbClr>
-                </a:solidFill>
-              </a:rPr>
-              <a:t>HTML/JavaScript Modern style applications</a:t>
-            </a:r>
-          </a:p>
-          <a:p>
-            <a:pPr marL="1374325" lvl="2" indent="-460286" defTabSz="914039">
-              <a:lnSpc>
-                <a:spcPct val="90000"/>
-              </a:lnSpc>
-              <a:spcBef>
-                <a:spcPct val="20000"/>
-              </a:spcBef>
-              <a:buSzPct val="80000"/>
-              <a:buFont typeface="Arial" panose="020B0604020202020204" pitchFamily="34" charset="0"/>
-              <a:buChar char="•"/>
-            </a:pPr>
-            <a:r>
-              <a:rPr lang="en-US" sz="2500" dirty="0">
-                <a:solidFill>
-                  <a:srgbClr val="292929">
-                    <a:lumMod val="75000"/>
-                    <a:lumOff val="25000"/>
-                  </a:srgbClr>
-                </a:solidFill>
-              </a:rPr>
-              <a:t>XAML/C# Modern style applications</a:t>
-            </a:r>
-          </a:p>
-          <a:p>
-            <a:pPr marL="917307" lvl="1" indent="-460286" defTabSz="914039">
-              <a:lnSpc>
-                <a:spcPct val="90000"/>
-              </a:lnSpc>
-              <a:spcBef>
-                <a:spcPct val="20000"/>
-              </a:spcBef>
-              <a:buSzPct val="80000"/>
-              <a:buBlip>
-                <a:blip r:embed="rId5"/>
-              </a:buBlip>
-            </a:pPr>
-            <a:r>
-              <a:rPr lang="en-US" sz="2500" dirty="0">
-                <a:solidFill>
-                  <a:srgbClr val="292929">
-                    <a:lumMod val="75000"/>
-                    <a:lumOff val="25000"/>
-                  </a:srgbClr>
-                </a:solidFill>
-              </a:rPr>
-              <a:t>HTML5 player for browser</a:t>
-            </a:r>
-          </a:p>
-          <a:p>
-            <a:pPr marL="917307" lvl="1" indent="-460286" defTabSz="914039">
-              <a:lnSpc>
-                <a:spcPct val="90000"/>
-              </a:lnSpc>
-              <a:spcBef>
-                <a:spcPct val="20000"/>
-              </a:spcBef>
-              <a:buSzPct val="80000"/>
-              <a:buBlip>
-                <a:blip r:embed="rId5"/>
-              </a:buBlip>
-            </a:pPr>
-            <a:r>
-              <a:rPr lang="en-US" sz="2500" dirty="0">
-                <a:solidFill>
-                  <a:srgbClr val="292929">
-                    <a:lumMod val="75000"/>
-                    <a:lumOff val="25000"/>
-                  </a:srgbClr>
-                </a:solidFill>
-              </a:rPr>
-              <a:t>Silverlight &amp; Windows Phone player</a:t>
-            </a:r>
-          </a:p>
-          <a:p>
-            <a:pPr marL="460286" indent="-460286" defTabSz="914039">
-              <a:lnSpc>
-                <a:spcPct val="90000"/>
-              </a:lnSpc>
-              <a:spcBef>
-                <a:spcPct val="20000"/>
-              </a:spcBef>
-              <a:buSzPct val="80000"/>
-              <a:buBlip>
-                <a:blip r:embed="rId5"/>
-              </a:buBlip>
-            </a:pPr>
-            <a:r>
-              <a:rPr lang="en-US" sz="2500" dirty="0">
-                <a:solidFill>
-                  <a:srgbClr val="292929">
-                    <a:lumMod val="75000"/>
-                    <a:lumOff val="25000"/>
-                  </a:srgbClr>
-                </a:solidFill>
-              </a:rPr>
-              <a:t>Well established player framework</a:t>
-            </a:r>
-          </a:p>
-          <a:p>
-            <a:pPr marL="460286" indent="-460286" defTabSz="914039">
-              <a:lnSpc>
-                <a:spcPct val="90000"/>
-              </a:lnSpc>
-              <a:spcBef>
-                <a:spcPct val="20000"/>
-              </a:spcBef>
-              <a:buSzPct val="80000"/>
-              <a:buBlip>
-                <a:blip r:embed="rId5"/>
-              </a:buBlip>
-            </a:pPr>
-            <a:r>
-              <a:rPr lang="en-US" sz="2500" dirty="0">
-                <a:solidFill>
-                  <a:srgbClr val="292929">
-                    <a:lumMod val="75000"/>
-                    <a:lumOff val="25000"/>
-                  </a:srgbClr>
-                </a:solidFill>
-              </a:rPr>
-              <a:t>Plugin Architecture – import what you need</a:t>
-            </a:r>
-          </a:p>
-        </p:txBody>
-      </p:sp>
       <p:grpSp>
         <p:nvGrpSpPr>
           <p:cNvPr id="3" name="Group 2"/>
@@ -28380,7 +27045,7 @@
             <p:nvPr/>
           </p:nvPicPr>
           <p:blipFill>
-            <a:blip r:embed="rId7">
+            <a:blip r:embed="rId5">
               <a:duotone>
                 <a:schemeClr val="accent4">
                   <a:shade val="45000"/>
@@ -28473,6 +27138,460 @@
           </p:txBody>
         </p:sp>
       </p:grpSp>
+      <p:grpSp>
+        <p:nvGrpSpPr>
+          <p:cNvPr id="21" name="Group 20"/>
+          <p:cNvGrpSpPr/>
+          <p:nvPr/>
+        </p:nvGrpSpPr>
+        <p:grpSpPr>
+          <a:xfrm>
+            <a:off x="477220" y="1763518"/>
+            <a:ext cx="10715673" cy="957854"/>
+            <a:chOff x="398388" y="2508874"/>
+            <a:chExt cx="7968080" cy="957854"/>
+          </a:xfrm>
+        </p:grpSpPr>
+        <p:pic>
+          <p:nvPicPr>
+            <p:cNvPr id="22" name="Picture 2" descr="\\w7-hmeydac\Share\WindowsPhone\light\appbar.control.play.png"/>
+            <p:cNvPicPr>
+              <a:picLocks noChangeAspect="1" noChangeArrowheads="1"/>
+            </p:cNvPicPr>
+            <p:nvPr/>
+          </p:nvPicPr>
+          <p:blipFill>
+            <a:blip r:embed="rId5">
+              <a:duotone>
+                <a:schemeClr val="accent4">
+                  <a:shade val="45000"/>
+                  <a:satMod val="135000"/>
+                </a:schemeClr>
+                <a:prstClr val="white"/>
+              </a:duotone>
+              <a:extLst>
+                <a:ext uri="{28A0092B-C50C-407E-A947-70E740481C1C}">
+                  <a14:useLocalDpi xmlns:a14="http://schemas.microsoft.com/office/drawing/2010/main" val="0"/>
+                </a:ext>
+              </a:extLst>
+            </a:blip>
+            <a:srcRect/>
+            <a:stretch>
+              <a:fillRect/>
+            </a:stretch>
+          </p:blipFill>
+          <p:spPr bwMode="auto">
+            <a:xfrm>
+              <a:off x="398388" y="2508874"/>
+              <a:ext cx="720000" cy="720000"/>
+            </a:xfrm>
+            <a:prstGeom prst="rect">
+              <a:avLst/>
+            </a:prstGeom>
+            <a:noFill/>
+            <a:extLst>
+              <a:ext uri="{909E8E84-426E-40DD-AFC4-6F175D3DCCD1}">
+                <a14:hiddenFill xmlns:a14="http://schemas.microsoft.com/office/drawing/2010/main">
+                  <a:solidFill>
+                    <a:srgbClr val="FFFFFF"/>
+                  </a:solidFill>
+                </a14:hiddenFill>
+              </a:ext>
+            </a:extLst>
+          </p:spPr>
+        </p:pic>
+        <p:sp>
+          <p:nvSpPr>
+            <p:cNvPr id="23" name="TextBox 22"/>
+            <p:cNvSpPr txBox="1"/>
+            <p:nvPr/>
+          </p:nvSpPr>
+          <p:spPr>
+            <a:xfrm>
+              <a:off x="1071817" y="2635731"/>
+              <a:ext cx="7294651" cy="830997"/>
+            </a:xfrm>
+            <a:prstGeom prst="rect">
+              <a:avLst/>
+            </a:prstGeom>
+            <a:noFill/>
+          </p:spPr>
+          <p:txBody>
+            <a:bodyPr wrap="square" rtlCol="0">
+              <a:spAutoFit/>
+            </a:bodyPr>
+            <a:lstStyle/>
+            <a:p>
+              <a:pPr marL="0" lvl="1">
+                <a:spcBef>
+                  <a:spcPts val="1200"/>
+                </a:spcBef>
+              </a:pPr>
+              <a:r>
+                <a:rPr lang="es-AR" sz="2400" dirty="0" smtClean="0">
+                  <a:latin typeface="Segoe UI" pitchFamily="34" charset="0"/>
+                  <a:cs typeface="Segoe UI" pitchFamily="34" charset="0"/>
+                </a:rPr>
+                <a:t>Construido en base a las capacidades del </a:t>
+              </a:r>
+              <a:r>
+                <a:rPr lang="es-AR" sz="2400" dirty="0" err="1" smtClean="0">
+                  <a:latin typeface="Segoe UI" pitchFamily="34" charset="0"/>
+                  <a:cs typeface="Segoe UI" pitchFamily="34" charset="0"/>
+                </a:rPr>
+                <a:t>Smooth</a:t>
+              </a:r>
+              <a:r>
+                <a:rPr lang="es-AR" sz="2400" dirty="0" smtClean="0">
+                  <a:latin typeface="Segoe UI" pitchFamily="34" charset="0"/>
+                  <a:cs typeface="Segoe UI" pitchFamily="34" charset="0"/>
+                </a:rPr>
+                <a:t> Streaming </a:t>
+              </a:r>
+              <a:r>
+                <a:rPr lang="es-AR" sz="2400" dirty="0" err="1" smtClean="0">
+                  <a:latin typeface="Segoe UI" pitchFamily="34" charset="0"/>
+                  <a:cs typeface="Segoe UI" pitchFamily="34" charset="0"/>
+                </a:rPr>
+                <a:t>Client</a:t>
+              </a:r>
+              <a:r>
+                <a:rPr lang="es-AR" sz="2400" dirty="0" smtClean="0">
+                  <a:latin typeface="Segoe UI" pitchFamily="34" charset="0"/>
+                  <a:cs typeface="Segoe UI" pitchFamily="34" charset="0"/>
+                </a:rPr>
+                <a:t> SDK</a:t>
+              </a:r>
+            </a:p>
+          </p:txBody>
+        </p:sp>
+      </p:grpSp>
+      <p:grpSp>
+        <p:nvGrpSpPr>
+          <p:cNvPr id="24" name="Group 23"/>
+          <p:cNvGrpSpPr/>
+          <p:nvPr/>
+        </p:nvGrpSpPr>
+        <p:grpSpPr>
+          <a:xfrm>
+            <a:off x="504632" y="2305152"/>
+            <a:ext cx="10140398" cy="3204623"/>
+            <a:chOff x="398388" y="2508874"/>
+            <a:chExt cx="8014651" cy="3204623"/>
+          </a:xfrm>
+        </p:grpSpPr>
+        <p:pic>
+          <p:nvPicPr>
+            <p:cNvPr id="25" name="Picture 2" descr="\\w7-hmeydac\Share\WindowsPhone\light\appbar.control.play.png"/>
+            <p:cNvPicPr>
+              <a:picLocks noChangeAspect="1" noChangeArrowheads="1"/>
+            </p:cNvPicPr>
+            <p:nvPr/>
+          </p:nvPicPr>
+          <p:blipFill>
+            <a:blip r:embed="rId5">
+              <a:duotone>
+                <a:schemeClr val="accent4">
+                  <a:shade val="45000"/>
+                  <a:satMod val="135000"/>
+                </a:schemeClr>
+                <a:prstClr val="white"/>
+              </a:duotone>
+              <a:extLst>
+                <a:ext uri="{28A0092B-C50C-407E-A947-70E740481C1C}">
+                  <a14:useLocalDpi xmlns:a14="http://schemas.microsoft.com/office/drawing/2010/main" val="0"/>
+                </a:ext>
+              </a:extLst>
+            </a:blip>
+            <a:srcRect/>
+            <a:stretch>
+              <a:fillRect/>
+            </a:stretch>
+          </p:blipFill>
+          <p:spPr bwMode="auto">
+            <a:xfrm>
+              <a:off x="398388" y="2508874"/>
+              <a:ext cx="720000" cy="720000"/>
+            </a:xfrm>
+            <a:prstGeom prst="rect">
+              <a:avLst/>
+            </a:prstGeom>
+            <a:noFill/>
+            <a:extLst>
+              <a:ext uri="{909E8E84-426E-40DD-AFC4-6F175D3DCCD1}">
+                <a14:hiddenFill xmlns:a14="http://schemas.microsoft.com/office/drawing/2010/main">
+                  <a:solidFill>
+                    <a:srgbClr val="FFFFFF"/>
+                  </a:solidFill>
+                </a14:hiddenFill>
+              </a:ext>
+            </a:extLst>
+          </p:spPr>
+        </p:pic>
+        <p:sp>
+          <p:nvSpPr>
+            <p:cNvPr id="26" name="TextBox 25"/>
+            <p:cNvSpPr txBox="1"/>
+            <p:nvPr/>
+          </p:nvSpPr>
+          <p:spPr>
+            <a:xfrm>
+              <a:off x="1118388" y="2635731"/>
+              <a:ext cx="7294651" cy="3077766"/>
+            </a:xfrm>
+            <a:prstGeom prst="rect">
+              <a:avLst/>
+            </a:prstGeom>
+            <a:noFill/>
+          </p:spPr>
+          <p:txBody>
+            <a:bodyPr wrap="square" rtlCol="0">
+              <a:spAutoFit/>
+            </a:bodyPr>
+            <a:lstStyle/>
+            <a:p>
+              <a:pPr marL="0" lvl="1">
+                <a:spcBef>
+                  <a:spcPts val="1200"/>
+                </a:spcBef>
+              </a:pPr>
+              <a:r>
+                <a:rPr lang="es-AR" sz="2400" dirty="0" smtClean="0">
+                  <a:latin typeface="Segoe UI" pitchFamily="34" charset="0"/>
+                  <a:cs typeface="Segoe UI" pitchFamily="34" charset="0"/>
+                </a:rPr>
+                <a:t>Disponible para múltiples plataformas</a:t>
+              </a:r>
+            </a:p>
+            <a:p>
+              <a:pPr marL="342900" lvl="1" indent="-342900">
+                <a:spcBef>
+                  <a:spcPts val="1200"/>
+                </a:spcBef>
+                <a:buFont typeface="Wingdings" panose="05000000000000000000" pitchFamily="2" charset="2"/>
+                <a:buChar char="q"/>
+              </a:pPr>
+              <a:r>
+                <a:rPr lang="es-AR" sz="2400" dirty="0" smtClean="0">
+                  <a:latin typeface="Segoe UI" pitchFamily="34" charset="0"/>
+                  <a:cs typeface="Segoe UI" pitchFamily="34" charset="0"/>
+                </a:rPr>
+                <a:t>Windows 8 Player</a:t>
+              </a:r>
+            </a:p>
+            <a:p>
+              <a:pPr marL="800100" lvl="2" indent="-342900">
+                <a:spcBef>
+                  <a:spcPts val="1200"/>
+                </a:spcBef>
+                <a:buFont typeface="Arial" panose="020B0604020202020204" pitchFamily="34" charset="0"/>
+                <a:buChar char="•"/>
+              </a:pPr>
+              <a:r>
+                <a:rPr lang="es-AR" sz="2400" dirty="0" smtClean="0">
+                  <a:latin typeface="Segoe UI" pitchFamily="34" charset="0"/>
+                  <a:cs typeface="Segoe UI" pitchFamily="34" charset="0"/>
+                </a:rPr>
+                <a:t>HTML/JavaScript Aplicaciones Modernas</a:t>
+              </a:r>
+            </a:p>
+            <a:p>
+              <a:pPr marL="800100" lvl="2" indent="-342900">
+                <a:spcBef>
+                  <a:spcPts val="1200"/>
+                </a:spcBef>
+                <a:buFont typeface="Arial" panose="020B0604020202020204" pitchFamily="34" charset="0"/>
+                <a:buChar char="•"/>
+              </a:pPr>
+              <a:r>
+                <a:rPr lang="es-AR" sz="2400" dirty="0" smtClean="0">
+                  <a:latin typeface="Segoe UI" pitchFamily="34" charset="0"/>
+                  <a:cs typeface="Segoe UI" pitchFamily="34" charset="0"/>
+                </a:rPr>
+                <a:t>XAML/C# Aplicaciones Modernas</a:t>
+              </a:r>
+              <a:endParaRPr lang="es-AR" sz="2400" dirty="0">
+                <a:latin typeface="Segoe UI" pitchFamily="34" charset="0"/>
+                <a:cs typeface="Segoe UI" pitchFamily="34" charset="0"/>
+              </a:endParaRPr>
+            </a:p>
+            <a:p>
+              <a:pPr marL="342900" lvl="1" indent="-342900">
+                <a:spcBef>
+                  <a:spcPts val="1200"/>
+                </a:spcBef>
+                <a:buFont typeface="Wingdings" panose="05000000000000000000" pitchFamily="2" charset="2"/>
+                <a:buChar char="q"/>
+              </a:pPr>
+              <a:r>
+                <a:rPr lang="es-AR" sz="2400" dirty="0" smtClean="0">
+                  <a:latin typeface="Segoe UI" pitchFamily="34" charset="0"/>
+                  <a:cs typeface="Segoe UI" pitchFamily="34" charset="0"/>
+                </a:rPr>
+                <a:t>HTML 5 player</a:t>
+              </a:r>
+              <a:r>
+                <a:rPr lang="es-AR" sz="2400" dirty="0">
+                  <a:latin typeface="Segoe UI" pitchFamily="34" charset="0"/>
+                  <a:cs typeface="Segoe UI" pitchFamily="34" charset="0"/>
+                </a:rPr>
+                <a:t> </a:t>
+              </a:r>
+              <a:r>
+                <a:rPr lang="es-AR" sz="2400" dirty="0" smtClean="0">
+                  <a:latin typeface="Segoe UI" pitchFamily="34" charset="0"/>
+                  <a:cs typeface="Segoe UI" pitchFamily="34" charset="0"/>
+                </a:rPr>
+                <a:t>(para el browser)</a:t>
+              </a:r>
+            </a:p>
+            <a:p>
+              <a:pPr marL="342900" lvl="1" indent="-342900">
+                <a:spcBef>
+                  <a:spcPts val="1200"/>
+                </a:spcBef>
+                <a:buFont typeface="Wingdings" panose="05000000000000000000" pitchFamily="2" charset="2"/>
+                <a:buChar char="q"/>
+              </a:pPr>
+              <a:r>
+                <a:rPr lang="es-AR" sz="2400" dirty="0" smtClean="0">
+                  <a:latin typeface="Segoe UI" pitchFamily="34" charset="0"/>
+                  <a:cs typeface="Segoe UI" pitchFamily="34" charset="0"/>
+                </a:rPr>
+                <a:t>Silverlight y Windows </a:t>
+              </a:r>
+              <a:r>
+                <a:rPr lang="es-AR" sz="2400" dirty="0" err="1" smtClean="0">
+                  <a:latin typeface="Segoe UI" pitchFamily="34" charset="0"/>
+                  <a:cs typeface="Segoe UI" pitchFamily="34" charset="0"/>
+                </a:rPr>
+                <a:t>Phone</a:t>
+              </a:r>
+              <a:r>
+                <a:rPr lang="es-AR" sz="2400" dirty="0" smtClean="0">
+                  <a:latin typeface="Segoe UI" pitchFamily="34" charset="0"/>
+                  <a:cs typeface="Segoe UI" pitchFamily="34" charset="0"/>
+                </a:rPr>
+                <a:t> player</a:t>
+              </a:r>
+            </a:p>
+          </p:txBody>
+        </p:sp>
+      </p:grpSp>
+      <p:grpSp>
+        <p:nvGrpSpPr>
+          <p:cNvPr id="27" name="Group 26"/>
+          <p:cNvGrpSpPr/>
+          <p:nvPr/>
+        </p:nvGrpSpPr>
+        <p:grpSpPr>
+          <a:xfrm>
+            <a:off x="527324" y="5473504"/>
+            <a:ext cx="9504064" cy="957854"/>
+            <a:chOff x="398388" y="2508874"/>
+            <a:chExt cx="8014651" cy="957854"/>
+          </a:xfrm>
+        </p:grpSpPr>
+        <p:pic>
+          <p:nvPicPr>
+            <p:cNvPr id="28" name="Picture 2" descr="\\w7-hmeydac\Share\WindowsPhone\light\appbar.control.play.png"/>
+            <p:cNvPicPr>
+              <a:picLocks noChangeAspect="1" noChangeArrowheads="1"/>
+            </p:cNvPicPr>
+            <p:nvPr/>
+          </p:nvPicPr>
+          <p:blipFill>
+            <a:blip r:embed="rId5">
+              <a:duotone>
+                <a:schemeClr val="accent4">
+                  <a:shade val="45000"/>
+                  <a:satMod val="135000"/>
+                </a:schemeClr>
+                <a:prstClr val="white"/>
+              </a:duotone>
+              <a:extLst>
+                <a:ext uri="{28A0092B-C50C-407E-A947-70E740481C1C}">
+                  <a14:useLocalDpi xmlns:a14="http://schemas.microsoft.com/office/drawing/2010/main" val="0"/>
+                </a:ext>
+              </a:extLst>
+            </a:blip>
+            <a:srcRect/>
+            <a:stretch>
+              <a:fillRect/>
+            </a:stretch>
+          </p:blipFill>
+          <p:spPr bwMode="auto">
+            <a:xfrm>
+              <a:off x="398388" y="2508874"/>
+              <a:ext cx="720000" cy="720000"/>
+            </a:xfrm>
+            <a:prstGeom prst="rect">
+              <a:avLst/>
+            </a:prstGeom>
+            <a:noFill/>
+            <a:extLst>
+              <a:ext uri="{909E8E84-426E-40DD-AFC4-6F175D3DCCD1}">
+                <a14:hiddenFill xmlns:a14="http://schemas.microsoft.com/office/drawing/2010/main">
+                  <a:solidFill>
+                    <a:srgbClr val="FFFFFF"/>
+                  </a:solidFill>
+                </a14:hiddenFill>
+              </a:ext>
+            </a:extLst>
+          </p:spPr>
+        </p:pic>
+        <p:sp>
+          <p:nvSpPr>
+            <p:cNvPr id="29" name="TextBox 28"/>
+            <p:cNvSpPr txBox="1"/>
+            <p:nvPr/>
+          </p:nvSpPr>
+          <p:spPr>
+            <a:xfrm>
+              <a:off x="1118388" y="2635731"/>
+              <a:ext cx="7294651" cy="830997"/>
+            </a:xfrm>
+            <a:prstGeom prst="rect">
+              <a:avLst/>
+            </a:prstGeom>
+            <a:noFill/>
+          </p:spPr>
+          <p:txBody>
+            <a:bodyPr wrap="square" rtlCol="0">
+              <a:spAutoFit/>
+            </a:bodyPr>
+            <a:lstStyle/>
+            <a:p>
+              <a:pPr marL="0" lvl="1">
+                <a:spcBef>
+                  <a:spcPts val="1200"/>
+                </a:spcBef>
+              </a:pPr>
+              <a:r>
+                <a:rPr lang="es-AR" sz="2400" dirty="0" smtClean="0">
+                  <a:latin typeface="Segoe UI" pitchFamily="34" charset="0"/>
+                  <a:cs typeface="Segoe UI" pitchFamily="34" charset="0"/>
+                </a:rPr>
+                <a:t>Arquitectura a base de </a:t>
+              </a:r>
+              <a:r>
+                <a:rPr lang="es-AR" sz="2400" dirty="0" err="1" smtClean="0">
+                  <a:latin typeface="Segoe UI" pitchFamily="34" charset="0"/>
+                  <a:cs typeface="Segoe UI" pitchFamily="34" charset="0"/>
+                </a:rPr>
+                <a:t>plugins</a:t>
+              </a:r>
+              <a:r>
+                <a:rPr lang="es-AR" sz="2400" dirty="0" smtClean="0">
+                  <a:latin typeface="Segoe UI" pitchFamily="34" charset="0"/>
+                  <a:cs typeface="Segoe UI" pitchFamily="34" charset="0"/>
+                </a:rPr>
+                <a:t> – Importas solo lo que necesitas usar </a:t>
+              </a:r>
+            </a:p>
+          </p:txBody>
+        </p:sp>
+      </p:grpSp>
     </p:spTree>
     <p:custDataLst>
       <p:tags r:id="rId1"/>
@@ -28488,14 +27607,10 @@
   </p:clrMapOvr>
   <mc:AlternateContent xmlns:mc="http://schemas.openxmlformats.org/markup-compatibility/2006">
     <mc:Choice xmlns:p14="http://schemas.microsoft.com/office/powerpoint/2010/main" Requires="p14">
-      <p:transition spd="med" p14:dur="700">
-        <p:fade/>
-      </p:transition>
+      <p:transition p14:dur="0"/>
     </mc:Choice>
     <mc:Fallback>
-      <p:transition spd="med">
-        <p:fade/>
-      </p:transition>
+      <p:transition/>
     </mc:Fallback>
   </mc:AlternateContent>
   <p:timing>
@@ -28519,7 +27634,7 @@
                             </p:stCondLst>
                             <p:childTnLst>
                               <p:par>
-                                <p:cTn id="5" presetID="10" presetClass="entr" presetSubtype="0" fill="hold" grpId="0" nodeType="clickEffect">
+                                <p:cTn id="5" presetID="10" presetClass="entr" presetSubtype="0" fill="hold" nodeType="clickEffect">
                                   <p:stCondLst>
                                     <p:cond delay="0"/>
                                   </p:stCondLst>
@@ -28527,508 +27642,6 @@
                                     <p:set>
                                       <p:cBhvr>
                                         <p:cTn id="6" dur="1" fill="hold">
-                                          <p:stCondLst>
-                                            <p:cond delay="0"/>
-                                          </p:stCondLst>
-                                        </p:cTn>
-                                        <p:tgtEl>
-                                          <p:spTgt spid="11">
-                                            <p:txEl>
-                                              <p:pRg st="0" end="0"/>
-                                            </p:txEl>
-                                          </p:spTgt>
-                                        </p:tgtEl>
-                                        <p:attrNameLst>
-                                          <p:attrName>style.visibility</p:attrName>
-                                        </p:attrNameLst>
-                                      </p:cBhvr>
-                                      <p:to>
-                                        <p:strVal val="visible"/>
-                                      </p:to>
-                                    </p:set>
-                                    <p:animEffect transition="in" filter="fade">
-                                      <p:cBhvr>
-                                        <p:cTn id="7" dur="500"/>
-                                        <p:tgtEl>
-                                          <p:spTgt spid="11">
-                                            <p:txEl>
-                                              <p:pRg st="0" end="0"/>
-                                            </p:txEl>
-                                          </p:spTgt>
-                                        </p:tgtEl>
-                                      </p:cBhvr>
-                                    </p:animEffect>
-                                  </p:childTnLst>
-                                </p:cTn>
-                              </p:par>
-                              <p:par>
-                                <p:cTn id="8" presetID="10" presetClass="entr" presetSubtype="0" fill="hold" grpId="0" nodeType="withEffect">
-                                  <p:stCondLst>
-                                    <p:cond delay="0"/>
-                                  </p:stCondLst>
-                                  <p:childTnLst>
-                                    <p:set>
-                                      <p:cBhvr>
-                                        <p:cTn id="9" dur="1" fill="hold">
-                                          <p:stCondLst>
-                                            <p:cond delay="0"/>
-                                          </p:stCondLst>
-                                        </p:cTn>
-                                        <p:tgtEl>
-                                          <p:spTgt spid="11">
-                                            <p:txEl>
-                                              <p:pRg st="1" end="1"/>
-                                            </p:txEl>
-                                          </p:spTgt>
-                                        </p:tgtEl>
-                                        <p:attrNameLst>
-                                          <p:attrName>style.visibility</p:attrName>
-                                        </p:attrNameLst>
-                                      </p:cBhvr>
-                                      <p:to>
-                                        <p:strVal val="visible"/>
-                                      </p:to>
-                                    </p:set>
-                                    <p:animEffect transition="in" filter="fade">
-                                      <p:cBhvr>
-                                        <p:cTn id="10" dur="500"/>
-                                        <p:tgtEl>
-                                          <p:spTgt spid="11">
-                                            <p:txEl>
-                                              <p:pRg st="1" end="1"/>
-                                            </p:txEl>
-                                          </p:spTgt>
-                                        </p:tgtEl>
-                                      </p:cBhvr>
-                                    </p:animEffect>
-                                  </p:childTnLst>
-                                </p:cTn>
-                              </p:par>
-                            </p:childTnLst>
-                          </p:cTn>
-                        </p:par>
-                      </p:childTnLst>
-                    </p:cTn>
-                  </p:par>
-                  <p:par>
-                    <p:cTn id="11" fill="hold">
-                      <p:stCondLst>
-                        <p:cond delay="indefinite"/>
-                      </p:stCondLst>
-                      <p:childTnLst>
-                        <p:par>
-                          <p:cTn id="12" fill="hold">
-                            <p:stCondLst>
-                              <p:cond delay="0"/>
-                            </p:stCondLst>
-                            <p:childTnLst>
-                              <p:par>
-                                <p:cTn id="13" presetID="10" presetClass="entr" presetSubtype="0" fill="hold" grpId="0" nodeType="clickEffect">
-                                  <p:stCondLst>
-                                    <p:cond delay="0"/>
-                                  </p:stCondLst>
-                                  <p:childTnLst>
-                                    <p:set>
-                                      <p:cBhvr>
-                                        <p:cTn id="14" dur="1" fill="hold">
-                                          <p:stCondLst>
-                                            <p:cond delay="0"/>
-                                          </p:stCondLst>
-                                        </p:cTn>
-                                        <p:tgtEl>
-                                          <p:spTgt spid="11">
-                                            <p:txEl>
-                                              <p:pRg st="2" end="2"/>
-                                            </p:txEl>
-                                          </p:spTgt>
-                                        </p:tgtEl>
-                                        <p:attrNameLst>
-                                          <p:attrName>style.visibility</p:attrName>
-                                        </p:attrNameLst>
-                                      </p:cBhvr>
-                                      <p:to>
-                                        <p:strVal val="visible"/>
-                                      </p:to>
-                                    </p:set>
-                                    <p:animEffect transition="in" filter="fade">
-                                      <p:cBhvr>
-                                        <p:cTn id="15" dur="500"/>
-                                        <p:tgtEl>
-                                          <p:spTgt spid="11">
-                                            <p:txEl>
-                                              <p:pRg st="2" end="2"/>
-                                            </p:txEl>
-                                          </p:spTgt>
-                                        </p:tgtEl>
-                                      </p:cBhvr>
-                                    </p:animEffect>
-                                  </p:childTnLst>
-                                </p:cTn>
-                              </p:par>
-                              <p:par>
-                                <p:cTn id="16" presetID="10" presetClass="entr" presetSubtype="0" fill="hold" grpId="0" nodeType="withEffect">
-                                  <p:stCondLst>
-                                    <p:cond delay="0"/>
-                                  </p:stCondLst>
-                                  <p:childTnLst>
-                                    <p:set>
-                                      <p:cBhvr>
-                                        <p:cTn id="17" dur="1" fill="hold">
-                                          <p:stCondLst>
-                                            <p:cond delay="0"/>
-                                          </p:stCondLst>
-                                        </p:cTn>
-                                        <p:tgtEl>
-                                          <p:spTgt spid="11">
-                                            <p:txEl>
-                                              <p:pRg st="3" end="3"/>
-                                            </p:txEl>
-                                          </p:spTgt>
-                                        </p:tgtEl>
-                                        <p:attrNameLst>
-                                          <p:attrName>style.visibility</p:attrName>
-                                        </p:attrNameLst>
-                                      </p:cBhvr>
-                                      <p:to>
-                                        <p:strVal val="visible"/>
-                                      </p:to>
-                                    </p:set>
-                                    <p:animEffect transition="in" filter="fade">
-                                      <p:cBhvr>
-                                        <p:cTn id="18" dur="500"/>
-                                        <p:tgtEl>
-                                          <p:spTgt spid="11">
-                                            <p:txEl>
-                                              <p:pRg st="3" end="3"/>
-                                            </p:txEl>
-                                          </p:spTgt>
-                                        </p:tgtEl>
-                                      </p:cBhvr>
-                                    </p:animEffect>
-                                  </p:childTnLst>
-                                </p:cTn>
-                              </p:par>
-                              <p:par>
-                                <p:cTn id="19" presetID="10" presetClass="entr" presetSubtype="0" fill="hold" grpId="0" nodeType="withEffect">
-                                  <p:stCondLst>
-                                    <p:cond delay="0"/>
-                                  </p:stCondLst>
-                                  <p:childTnLst>
-                                    <p:set>
-                                      <p:cBhvr>
-                                        <p:cTn id="20" dur="1" fill="hold">
-                                          <p:stCondLst>
-                                            <p:cond delay="0"/>
-                                          </p:stCondLst>
-                                        </p:cTn>
-                                        <p:tgtEl>
-                                          <p:spTgt spid="11">
-                                            <p:txEl>
-                                              <p:pRg st="4" end="4"/>
-                                            </p:txEl>
-                                          </p:spTgt>
-                                        </p:tgtEl>
-                                        <p:attrNameLst>
-                                          <p:attrName>style.visibility</p:attrName>
-                                        </p:attrNameLst>
-                                      </p:cBhvr>
-                                      <p:to>
-                                        <p:strVal val="visible"/>
-                                      </p:to>
-                                    </p:set>
-                                    <p:animEffect transition="in" filter="fade">
-                                      <p:cBhvr>
-                                        <p:cTn id="21" dur="500"/>
-                                        <p:tgtEl>
-                                          <p:spTgt spid="11">
-                                            <p:txEl>
-                                              <p:pRg st="4" end="4"/>
-                                            </p:txEl>
-                                          </p:spTgt>
-                                        </p:tgtEl>
-                                      </p:cBhvr>
-                                    </p:animEffect>
-                                  </p:childTnLst>
-                                </p:cTn>
-                              </p:par>
-                              <p:par>
-                                <p:cTn id="22" presetID="10" presetClass="entr" presetSubtype="0" fill="hold" grpId="0" nodeType="withEffect">
-                                  <p:stCondLst>
-                                    <p:cond delay="0"/>
-                                  </p:stCondLst>
-                                  <p:childTnLst>
-                                    <p:set>
-                                      <p:cBhvr>
-                                        <p:cTn id="23" dur="1" fill="hold">
-                                          <p:stCondLst>
-                                            <p:cond delay="0"/>
-                                          </p:stCondLst>
-                                        </p:cTn>
-                                        <p:tgtEl>
-                                          <p:spTgt spid="11">
-                                            <p:txEl>
-                                              <p:pRg st="5" end="5"/>
-                                            </p:txEl>
-                                          </p:spTgt>
-                                        </p:tgtEl>
-                                        <p:attrNameLst>
-                                          <p:attrName>style.visibility</p:attrName>
-                                        </p:attrNameLst>
-                                      </p:cBhvr>
-                                      <p:to>
-                                        <p:strVal val="visible"/>
-                                      </p:to>
-                                    </p:set>
-                                    <p:animEffect transition="in" filter="fade">
-                                      <p:cBhvr>
-                                        <p:cTn id="24" dur="500"/>
-                                        <p:tgtEl>
-                                          <p:spTgt spid="11">
-                                            <p:txEl>
-                                              <p:pRg st="5" end="5"/>
-                                            </p:txEl>
-                                          </p:spTgt>
-                                        </p:tgtEl>
-                                      </p:cBhvr>
-                                    </p:animEffect>
-                                  </p:childTnLst>
-                                </p:cTn>
-                              </p:par>
-                              <p:par>
-                                <p:cTn id="25" presetID="10" presetClass="entr" presetSubtype="0" fill="hold" grpId="0" nodeType="withEffect">
-                                  <p:stCondLst>
-                                    <p:cond delay="0"/>
-                                  </p:stCondLst>
-                                  <p:childTnLst>
-                                    <p:set>
-                                      <p:cBhvr>
-                                        <p:cTn id="26" dur="1" fill="hold">
-                                          <p:stCondLst>
-                                            <p:cond delay="0"/>
-                                          </p:stCondLst>
-                                        </p:cTn>
-                                        <p:tgtEl>
-                                          <p:spTgt spid="11">
-                                            <p:txEl>
-                                              <p:pRg st="6" end="6"/>
-                                            </p:txEl>
-                                          </p:spTgt>
-                                        </p:tgtEl>
-                                        <p:attrNameLst>
-                                          <p:attrName>style.visibility</p:attrName>
-                                        </p:attrNameLst>
-                                      </p:cBhvr>
-                                      <p:to>
-                                        <p:strVal val="visible"/>
-                                      </p:to>
-                                    </p:set>
-                                    <p:animEffect transition="in" filter="fade">
-                                      <p:cBhvr>
-                                        <p:cTn id="27" dur="500"/>
-                                        <p:tgtEl>
-                                          <p:spTgt spid="11">
-                                            <p:txEl>
-                                              <p:pRg st="6" end="6"/>
-                                            </p:txEl>
-                                          </p:spTgt>
-                                        </p:tgtEl>
-                                      </p:cBhvr>
-                                    </p:animEffect>
-                                  </p:childTnLst>
-                                </p:cTn>
-                              </p:par>
-                              <p:par>
-                                <p:cTn id="28" presetID="10" presetClass="entr" presetSubtype="0" fill="hold" grpId="0" nodeType="withEffect">
-                                  <p:stCondLst>
-                                    <p:cond delay="0"/>
-                                  </p:stCondLst>
-                                  <p:childTnLst>
-                                    <p:set>
-                                      <p:cBhvr>
-                                        <p:cTn id="29" dur="1" fill="hold">
-                                          <p:stCondLst>
-                                            <p:cond delay="0"/>
-                                          </p:stCondLst>
-                                        </p:cTn>
-                                        <p:tgtEl>
-                                          <p:spTgt spid="11">
-                                            <p:txEl>
-                                              <p:pRg st="7" end="7"/>
-                                            </p:txEl>
-                                          </p:spTgt>
-                                        </p:tgtEl>
-                                        <p:attrNameLst>
-                                          <p:attrName>style.visibility</p:attrName>
-                                        </p:attrNameLst>
-                                      </p:cBhvr>
-                                      <p:to>
-                                        <p:strVal val="visible"/>
-                                      </p:to>
-                                    </p:set>
-                                    <p:animEffect transition="in" filter="fade">
-                                      <p:cBhvr>
-                                        <p:cTn id="30" dur="500"/>
-                                        <p:tgtEl>
-                                          <p:spTgt spid="11">
-                                            <p:txEl>
-                                              <p:pRg st="7" end="7"/>
-                                            </p:txEl>
-                                          </p:spTgt>
-                                        </p:tgtEl>
-                                      </p:cBhvr>
-                                    </p:animEffect>
-                                  </p:childTnLst>
-                                </p:cTn>
-                              </p:par>
-                            </p:childTnLst>
-                          </p:cTn>
-                        </p:par>
-                      </p:childTnLst>
-                    </p:cTn>
-                  </p:par>
-                  <p:par>
-                    <p:cTn id="31" fill="hold">
-                      <p:stCondLst>
-                        <p:cond delay="indefinite"/>
-                      </p:stCondLst>
-                      <p:childTnLst>
-                        <p:par>
-                          <p:cTn id="32" fill="hold">
-                            <p:stCondLst>
-                              <p:cond delay="0"/>
-                            </p:stCondLst>
-                            <p:childTnLst>
-                              <p:par>
-                                <p:cTn id="33" presetID="10" presetClass="entr" presetSubtype="0" fill="hold" grpId="0" nodeType="clickEffect">
-                                  <p:stCondLst>
-                                    <p:cond delay="0"/>
-                                  </p:stCondLst>
-                                  <p:childTnLst>
-                                    <p:set>
-                                      <p:cBhvr>
-                                        <p:cTn id="34" dur="1" fill="hold">
-                                          <p:stCondLst>
-                                            <p:cond delay="0"/>
-                                          </p:stCondLst>
-                                        </p:cTn>
-                                        <p:tgtEl>
-                                          <p:spTgt spid="11">
-                                            <p:txEl>
-                                              <p:pRg st="8" end="8"/>
-                                            </p:txEl>
-                                          </p:spTgt>
-                                        </p:tgtEl>
-                                        <p:attrNameLst>
-                                          <p:attrName>style.visibility</p:attrName>
-                                        </p:attrNameLst>
-                                      </p:cBhvr>
-                                      <p:to>
-                                        <p:strVal val="visible"/>
-                                      </p:to>
-                                    </p:set>
-                                    <p:animEffect transition="in" filter="fade">
-                                      <p:cBhvr>
-                                        <p:cTn id="35" dur="500"/>
-                                        <p:tgtEl>
-                                          <p:spTgt spid="11">
-                                            <p:txEl>
-                                              <p:pRg st="8" end="8"/>
-                                            </p:txEl>
-                                          </p:spTgt>
-                                        </p:tgtEl>
-                                      </p:cBhvr>
-                                    </p:animEffect>
-                                  </p:childTnLst>
-                                </p:cTn>
-                              </p:par>
-                            </p:childTnLst>
-                          </p:cTn>
-                        </p:par>
-                      </p:childTnLst>
-                    </p:cTn>
-                  </p:par>
-                  <p:par>
-                    <p:cTn id="36" fill="hold">
-                      <p:stCondLst>
-                        <p:cond delay="indefinite"/>
-                      </p:stCondLst>
-                      <p:childTnLst>
-                        <p:par>
-                          <p:cTn id="37" fill="hold">
-                            <p:stCondLst>
-                              <p:cond delay="0"/>
-                            </p:stCondLst>
-                            <p:childTnLst>
-                              <p:par>
-                                <p:cTn id="38" presetID="10" presetClass="entr" presetSubtype="0" fill="hold" grpId="0" nodeType="clickEffect">
-                                  <p:stCondLst>
-                                    <p:cond delay="0"/>
-                                  </p:stCondLst>
-                                  <p:childTnLst>
-                                    <p:set>
-                                      <p:cBhvr>
-                                        <p:cTn id="39" dur="1" fill="hold">
-                                          <p:stCondLst>
-                                            <p:cond delay="0"/>
-                                          </p:stCondLst>
-                                        </p:cTn>
-                                        <p:tgtEl>
-                                          <p:spTgt spid="11">
-                                            <p:txEl>
-                                              <p:pRg st="9" end="9"/>
-                                            </p:txEl>
-                                          </p:spTgt>
-                                        </p:tgtEl>
-                                        <p:attrNameLst>
-                                          <p:attrName>style.visibility</p:attrName>
-                                        </p:attrNameLst>
-                                      </p:cBhvr>
-                                      <p:to>
-                                        <p:strVal val="visible"/>
-                                      </p:to>
-                                    </p:set>
-                                    <p:animEffect transition="in" filter="fade">
-                                      <p:cBhvr>
-                                        <p:cTn id="40" dur="500"/>
-                                        <p:tgtEl>
-                                          <p:spTgt spid="11">
-                                            <p:txEl>
-                                              <p:pRg st="9" end="9"/>
-                                            </p:txEl>
-                                          </p:spTgt>
-                                        </p:tgtEl>
-                                      </p:cBhvr>
-                                    </p:animEffect>
-                                  </p:childTnLst>
-                                </p:cTn>
-                              </p:par>
-                            </p:childTnLst>
-                          </p:cTn>
-                        </p:par>
-                      </p:childTnLst>
-                    </p:cTn>
-                  </p:par>
-                  <p:par>
-                    <p:cTn id="41" fill="hold">
-                      <p:stCondLst>
-                        <p:cond delay="indefinite"/>
-                      </p:stCondLst>
-                      <p:childTnLst>
-                        <p:par>
-                          <p:cTn id="42" fill="hold">
-                            <p:stCondLst>
-                              <p:cond delay="0"/>
-                            </p:stCondLst>
-                            <p:childTnLst>
-                              <p:par>
-                                <p:cTn id="43" presetID="10" presetClass="entr" presetSubtype="0" fill="hold" nodeType="clickEffect">
-                                  <p:stCondLst>
-                                    <p:cond delay="0"/>
-                                  </p:stCondLst>
-                                  <p:childTnLst>
-                                    <p:set>
-                                      <p:cBhvr>
-                                        <p:cTn id="44" dur="1" fill="hold">
                                           <p:stCondLst>
                                             <p:cond delay="0"/>
                                           </p:stCondLst>
@@ -29046,7 +27659,7 @@
                                     </p:set>
                                     <p:animEffect transition="in" filter="fade">
                                       <p:cBhvr>
-                                        <p:cTn id="45" dur="500"/>
+                                        <p:cTn id="7" dur="500"/>
                                         <p:tgtEl>
                                           <p:spTgt spid="3"/>
                                         </p:tgtEl>
@@ -29082,9 +27695,6 @@
         </p:cTn>
       </p:par>
     </p:tnLst>
-    <p:bldLst>
-      <p:bldP spid="11" grpId="0" build="p"/>
-    </p:bldLst>
   </p:timing>
 </p:sld>
 </file>
@@ -29171,6 +27781,3818 @@
 <file path=ppt/slides/slide20.xml><?xml version="1.0" encoding="utf-8"?>
 <p:sld xmlns:a="http://schemas.openxmlformats.org/drawingml/2006/main" xmlns:r="http://schemas.openxmlformats.org/officeDocument/2006/relationships" xmlns:p="http://schemas.openxmlformats.org/presentationml/2006/main">
   <p:cSld>
+    <p:spTree>
+      <p:nvGrpSpPr>
+        <p:cNvPr id="1" name=""/>
+        <p:cNvGrpSpPr/>
+        <p:nvPr/>
+      </p:nvGrpSpPr>
+      <p:grpSpPr>
+        <a:xfrm>
+          <a:off x="0" y="0"/>
+          <a:ext cx="0" cy="0"/>
+          <a:chOff x="0" y="0"/>
+          <a:chExt cx="0" cy="0"/>
+        </a:xfrm>
+      </p:grpSpPr>
+      <p:sp>
+        <p:nvSpPr>
+          <p:cNvPr id="19" name="Cloud large"/>
+          <p:cNvSpPr>
+            <a:spLocks/>
+          </p:cNvSpPr>
+          <p:nvPr/>
+        </p:nvSpPr>
+        <p:spPr bwMode="black">
+          <a:xfrm>
+            <a:off x="140128" y="829425"/>
+            <a:ext cx="11528796" cy="5665673"/>
+          </a:xfrm>
+          <a:custGeom>
+            <a:avLst/>
+            <a:gdLst>
+              <a:gd name="T0" fmla="*/ 415 w 489"/>
+              <a:gd name="T1" fmla="*/ 222 h 285"/>
+              <a:gd name="T2" fmla="*/ 489 w 489"/>
+              <a:gd name="T3" fmla="*/ 148 h 285"/>
+              <a:gd name="T4" fmla="*/ 415 w 489"/>
+              <a:gd name="T5" fmla="*/ 74 h 285"/>
+              <a:gd name="T6" fmla="*/ 404 w 489"/>
+              <a:gd name="T7" fmla="*/ 75 h 285"/>
+              <a:gd name="T8" fmla="*/ 295 w 489"/>
+              <a:gd name="T9" fmla="*/ 0 h 285"/>
+              <a:gd name="T10" fmla="*/ 213 w 489"/>
+              <a:gd name="T11" fmla="*/ 34 h 285"/>
+              <a:gd name="T12" fmla="*/ 162 w 489"/>
+              <a:gd name="T13" fmla="*/ 18 h 285"/>
+              <a:gd name="T14" fmla="*/ 71 w 489"/>
+              <a:gd name="T15" fmla="*/ 97 h 285"/>
+              <a:gd name="T16" fmla="*/ 56 w 489"/>
+              <a:gd name="T17" fmla="*/ 95 h 285"/>
+              <a:gd name="T18" fmla="*/ 0 w 489"/>
+              <a:gd name="T19" fmla="*/ 151 h 285"/>
+              <a:gd name="T20" fmla="*/ 56 w 489"/>
+              <a:gd name="T21" fmla="*/ 208 h 285"/>
+              <a:gd name="T22" fmla="*/ 78 w 489"/>
+              <a:gd name="T23" fmla="*/ 203 h 285"/>
+              <a:gd name="T24" fmla="*/ 141 w 489"/>
+              <a:gd name="T25" fmla="*/ 257 h 285"/>
+              <a:gd name="T26" fmla="*/ 178 w 489"/>
+              <a:gd name="T27" fmla="*/ 244 h 285"/>
+              <a:gd name="T28" fmla="*/ 241 w 489"/>
+              <a:gd name="T29" fmla="*/ 285 h 285"/>
+              <a:gd name="T30" fmla="*/ 297 w 489"/>
+              <a:gd name="T31" fmla="*/ 255 h 285"/>
+              <a:gd name="T32" fmla="*/ 332 w 489"/>
+              <a:gd name="T33" fmla="*/ 267 h 285"/>
+              <a:gd name="T34" fmla="*/ 390 w 489"/>
+              <a:gd name="T35" fmla="*/ 217 h 285"/>
+              <a:gd name="T36" fmla="*/ 415 w 489"/>
+              <a:gd name="T37" fmla="*/ 222 h 285"/>
+            </a:gdLst>
+            <a:ahLst/>
+            <a:cxnLst>
+              <a:cxn ang="0">
+                <a:pos x="T0" y="T1"/>
+              </a:cxn>
+              <a:cxn ang="0">
+                <a:pos x="T2" y="T3"/>
+              </a:cxn>
+              <a:cxn ang="0">
+                <a:pos x="T4" y="T5"/>
+              </a:cxn>
+              <a:cxn ang="0">
+                <a:pos x="T6" y="T7"/>
+              </a:cxn>
+              <a:cxn ang="0">
+                <a:pos x="T8" y="T9"/>
+              </a:cxn>
+              <a:cxn ang="0">
+                <a:pos x="T10" y="T11"/>
+              </a:cxn>
+              <a:cxn ang="0">
+                <a:pos x="T12" y="T13"/>
+              </a:cxn>
+              <a:cxn ang="0">
+                <a:pos x="T14" y="T15"/>
+              </a:cxn>
+              <a:cxn ang="0">
+                <a:pos x="T16" y="T17"/>
+              </a:cxn>
+              <a:cxn ang="0">
+                <a:pos x="T18" y="T19"/>
+              </a:cxn>
+              <a:cxn ang="0">
+                <a:pos x="T20" y="T21"/>
+              </a:cxn>
+              <a:cxn ang="0">
+                <a:pos x="T22" y="T23"/>
+              </a:cxn>
+              <a:cxn ang="0">
+                <a:pos x="T24" y="T25"/>
+              </a:cxn>
+              <a:cxn ang="0">
+                <a:pos x="T26" y="T27"/>
+              </a:cxn>
+              <a:cxn ang="0">
+                <a:pos x="T28" y="T29"/>
+              </a:cxn>
+              <a:cxn ang="0">
+                <a:pos x="T30" y="T31"/>
+              </a:cxn>
+              <a:cxn ang="0">
+                <a:pos x="T32" y="T33"/>
+              </a:cxn>
+              <a:cxn ang="0">
+                <a:pos x="T34" y="T35"/>
+              </a:cxn>
+              <a:cxn ang="0">
+                <a:pos x="T36" y="T37"/>
+              </a:cxn>
+            </a:cxnLst>
+            <a:rect l="0" t="0" r="r" b="b"/>
+            <a:pathLst>
+              <a:path w="489" h="285">
+                <a:moveTo>
+                  <a:pt x="415" y="222"/>
+                </a:moveTo>
+                <a:cubicBezTo>
+                  <a:pt x="456" y="222"/>
+                  <a:pt x="489" y="189"/>
+                  <a:pt x="489" y="148"/>
+                </a:cubicBezTo>
+                <a:cubicBezTo>
+                  <a:pt x="489" y="107"/>
+                  <a:pt x="456" y="74"/>
+                  <a:pt x="415" y="74"/>
+                </a:cubicBezTo>
+                <a:cubicBezTo>
+                  <a:pt x="411" y="74"/>
+                  <a:pt x="407" y="74"/>
+                  <a:pt x="404" y="75"/>
+                </a:cubicBezTo>
+                <a:cubicBezTo>
+                  <a:pt x="387" y="31"/>
+                  <a:pt x="345" y="0"/>
+                  <a:pt x="295" y="0"/>
+                </a:cubicBezTo>
+                <a:cubicBezTo>
+                  <a:pt x="263" y="0"/>
+                  <a:pt x="234" y="13"/>
+                  <a:pt x="213" y="34"/>
+                </a:cubicBezTo>
+                <a:cubicBezTo>
+                  <a:pt x="199" y="24"/>
+                  <a:pt x="181" y="18"/>
+                  <a:pt x="162" y="18"/>
+                </a:cubicBezTo>
+                <a:cubicBezTo>
+                  <a:pt x="115" y="18"/>
+                  <a:pt x="77" y="52"/>
+                  <a:pt x="71" y="97"/>
+                </a:cubicBezTo>
+                <a:cubicBezTo>
+                  <a:pt x="66" y="96"/>
+                  <a:pt x="61" y="95"/>
+                  <a:pt x="56" y="95"/>
+                </a:cubicBezTo>
+                <a:cubicBezTo>
+                  <a:pt x="25" y="95"/>
+                  <a:pt x="0" y="120"/>
+                  <a:pt x="0" y="151"/>
+                </a:cubicBezTo>
+                <a:cubicBezTo>
+                  <a:pt x="0" y="182"/>
+                  <a:pt x="25" y="208"/>
+                  <a:pt x="56" y="208"/>
+                </a:cubicBezTo>
+                <a:cubicBezTo>
+                  <a:pt x="64" y="208"/>
+                  <a:pt x="71" y="206"/>
+                  <a:pt x="78" y="203"/>
+                </a:cubicBezTo>
+                <a:cubicBezTo>
+                  <a:pt x="83" y="234"/>
+                  <a:pt x="109" y="257"/>
+                  <a:pt x="141" y="257"/>
+                </a:cubicBezTo>
+                <a:cubicBezTo>
+                  <a:pt x="155" y="257"/>
+                  <a:pt x="168" y="252"/>
+                  <a:pt x="178" y="244"/>
+                </a:cubicBezTo>
+                <a:cubicBezTo>
+                  <a:pt x="189" y="268"/>
+                  <a:pt x="213" y="285"/>
+                  <a:pt x="241" y="285"/>
+                </a:cubicBezTo>
+                <a:cubicBezTo>
+                  <a:pt x="264" y="285"/>
+                  <a:pt x="285" y="273"/>
+                  <a:pt x="297" y="255"/>
+                </a:cubicBezTo>
+                <a:cubicBezTo>
+                  <a:pt x="307" y="263"/>
+                  <a:pt x="319" y="267"/>
+                  <a:pt x="332" y="267"/>
+                </a:cubicBezTo>
+                <a:cubicBezTo>
+                  <a:pt x="361" y="267"/>
+                  <a:pt x="386" y="246"/>
+                  <a:pt x="390" y="217"/>
+                </a:cubicBezTo>
+                <a:cubicBezTo>
+                  <a:pt x="397" y="220"/>
+                  <a:pt x="406" y="222"/>
+                  <a:pt x="415" y="222"/>
+                </a:cubicBezTo>
+              </a:path>
+            </a:pathLst>
+          </a:custGeom>
+          <a:solidFill>
+            <a:schemeClr val="bg1"/>
+          </a:solidFill>
+          <a:ln>
+            <a:solidFill>
+              <a:srgbClr val="00B0F0"/>
+            </a:solidFill>
+          </a:ln>
+          <a:effectLst>
+            <a:outerShdw blurRad="50800" dist="38100" dir="5400000" algn="t" rotWithShape="0">
+              <a:prstClr val="black">
+                <a:alpha val="40000"/>
+              </a:prstClr>
+            </a:outerShdw>
+          </a:effectLst>
+          <a:extLst/>
+        </p:spPr>
+        <p:txBody>
+          <a:bodyPr vert="horz" wrap="square" lIns="91427" tIns="45713" rIns="91427" bIns="45713" numCol="1" anchor="t" anchorCtr="0" compatLnSpc="1">
+            <a:prstTxWarp prst="textNoShape">
+              <a:avLst/>
+            </a:prstTxWarp>
+          </a:bodyPr>
+          <a:lstStyle/>
+          <a:p>
+            <a:pPr defTabSz="914039"/>
+            <a:endParaRPr lang="en-US" sz="1600">
+              <a:solidFill>
+                <a:srgbClr val="292929"/>
+              </a:solidFill>
+            </a:endParaRPr>
+          </a:p>
+        </p:txBody>
+      </p:sp>
+      <p:sp>
+        <p:nvSpPr>
+          <p:cNvPr id="2" name="Title 1"/>
+          <p:cNvSpPr>
+            <a:spLocks noGrp="1"/>
+          </p:cNvSpPr>
+          <p:nvPr>
+            <p:ph type="title"/>
+          </p:nvPr>
+        </p:nvSpPr>
+        <p:spPr/>
+        <p:txBody>
+          <a:bodyPr/>
+          <a:lstStyle/>
+          <a:p>
+            <a:r>
+              <a:rPr lang="en-US" dirty="0" smtClean="0"/>
+              <a:t>Windows 8 Features</a:t>
+            </a:r>
+            <a:endParaRPr lang="en-US" dirty="0"/>
+          </a:p>
+        </p:txBody>
+      </p:sp>
+      <p:pic>
+        <p:nvPicPr>
+          <p:cNvPr id="10" name="Picture 9"/>
+          <p:cNvPicPr>
+            <a:picLocks noChangeAspect="1"/>
+          </p:cNvPicPr>
+          <p:nvPr/>
+        </p:nvPicPr>
+        <p:blipFill>
+          <a:blip r:embed="rId3"/>
+          <a:stretch>
+            <a:fillRect/>
+          </a:stretch>
+        </p:blipFill>
+        <p:spPr>
+          <a:xfrm>
+            <a:off x="9376898" y="186384"/>
+            <a:ext cx="2580908" cy="790463"/>
+          </a:xfrm>
+          <a:prstGeom prst="rect">
+            <a:avLst/>
+          </a:prstGeom>
+        </p:spPr>
+      </p:pic>
+      <p:sp>
+        <p:nvSpPr>
+          <p:cNvPr id="5" name="TextBox 3"/>
+          <p:cNvSpPr txBox="1"/>
+          <p:nvPr/>
+        </p:nvSpPr>
+        <p:spPr>
+          <a:xfrm>
+            <a:off x="2539933" y="2933744"/>
+            <a:ext cx="8367419" cy="677108"/>
+          </a:xfrm>
+          <a:prstGeom prst="rect">
+            <a:avLst/>
+          </a:prstGeom>
+          <a:noFill/>
+        </p:spPr>
+        <p:txBody>
+          <a:bodyPr wrap="none" lIns="0" tIns="0" rIns="0" bIns="0" rtlCol="0">
+            <a:spAutoFit/>
+          </a:bodyPr>
+          <a:lstStyle>
+            <a:defPPr>
+              <a:defRPr lang="en-US"/>
+            </a:defPPr>
+            <a:lvl1pPr marL="0" algn="l" defTabSz="914363" rtl="0" eaLnBrk="1" latinLnBrk="0" hangingPunct="1">
+              <a:defRPr sz="1800" kern="1200">
+                <a:solidFill>
+                  <a:schemeClr val="tx1"/>
+                </a:solidFill>
+                <a:latin typeface="+mn-lt"/>
+                <a:ea typeface="+mn-ea"/>
+                <a:cs typeface="+mn-cs"/>
+              </a:defRPr>
+            </a:lvl1pPr>
+            <a:lvl2pPr marL="457182" algn="l" defTabSz="914363" rtl="0" eaLnBrk="1" latinLnBrk="0" hangingPunct="1">
+              <a:defRPr sz="1800" kern="1200">
+                <a:solidFill>
+                  <a:schemeClr val="tx1"/>
+                </a:solidFill>
+                <a:latin typeface="+mn-lt"/>
+                <a:ea typeface="+mn-ea"/>
+                <a:cs typeface="+mn-cs"/>
+              </a:defRPr>
+            </a:lvl2pPr>
+            <a:lvl3pPr marL="914363" algn="l" defTabSz="914363" rtl="0" eaLnBrk="1" latinLnBrk="0" hangingPunct="1">
+              <a:defRPr sz="1800" kern="1200">
+                <a:solidFill>
+                  <a:schemeClr val="tx1"/>
+                </a:solidFill>
+                <a:latin typeface="+mn-lt"/>
+                <a:ea typeface="+mn-ea"/>
+                <a:cs typeface="+mn-cs"/>
+              </a:defRPr>
+            </a:lvl3pPr>
+            <a:lvl4pPr marL="1371545" algn="l" defTabSz="914363" rtl="0" eaLnBrk="1" latinLnBrk="0" hangingPunct="1">
+              <a:defRPr sz="1800" kern="1200">
+                <a:solidFill>
+                  <a:schemeClr val="tx1"/>
+                </a:solidFill>
+                <a:latin typeface="+mn-lt"/>
+                <a:ea typeface="+mn-ea"/>
+                <a:cs typeface="+mn-cs"/>
+              </a:defRPr>
+            </a:lvl4pPr>
+            <a:lvl5pPr marL="1828727" algn="l" defTabSz="914363" rtl="0" eaLnBrk="1" latinLnBrk="0" hangingPunct="1">
+              <a:defRPr sz="1800" kern="1200">
+                <a:solidFill>
+                  <a:schemeClr val="tx1"/>
+                </a:solidFill>
+                <a:latin typeface="+mn-lt"/>
+                <a:ea typeface="+mn-ea"/>
+                <a:cs typeface="+mn-cs"/>
+              </a:defRPr>
+            </a:lvl5pPr>
+            <a:lvl6pPr marL="2285909" algn="l" defTabSz="914363" rtl="0" eaLnBrk="1" latinLnBrk="0" hangingPunct="1">
+              <a:defRPr sz="1800" kern="1200">
+                <a:solidFill>
+                  <a:schemeClr val="tx1"/>
+                </a:solidFill>
+                <a:latin typeface="+mn-lt"/>
+                <a:ea typeface="+mn-ea"/>
+                <a:cs typeface="+mn-cs"/>
+              </a:defRPr>
+            </a:lvl6pPr>
+            <a:lvl7pPr marL="2743090" algn="l" defTabSz="914363" rtl="0" eaLnBrk="1" latinLnBrk="0" hangingPunct="1">
+              <a:defRPr sz="1800" kern="1200">
+                <a:solidFill>
+                  <a:schemeClr val="tx1"/>
+                </a:solidFill>
+                <a:latin typeface="+mn-lt"/>
+                <a:ea typeface="+mn-ea"/>
+                <a:cs typeface="+mn-cs"/>
+              </a:defRPr>
+            </a:lvl7pPr>
+            <a:lvl8pPr marL="3200272" algn="l" defTabSz="914363" rtl="0" eaLnBrk="1" latinLnBrk="0" hangingPunct="1">
+              <a:defRPr sz="1800" kern="1200">
+                <a:solidFill>
+                  <a:schemeClr val="tx1"/>
+                </a:solidFill>
+                <a:latin typeface="+mn-lt"/>
+                <a:ea typeface="+mn-ea"/>
+                <a:cs typeface="+mn-cs"/>
+              </a:defRPr>
+            </a:lvl8pPr>
+            <a:lvl9pPr marL="3657454" algn="l" defTabSz="914363" rtl="0" eaLnBrk="1" latinLnBrk="0" hangingPunct="1">
+              <a:defRPr sz="1800" kern="1200">
+                <a:solidFill>
+                  <a:schemeClr val="tx1"/>
+                </a:solidFill>
+                <a:latin typeface="+mn-lt"/>
+                <a:ea typeface="+mn-ea"/>
+                <a:cs typeface="+mn-cs"/>
+              </a:defRPr>
+            </a:lvl9pPr>
+          </a:lstStyle>
+          <a:p>
+            <a:r>
+              <a:rPr lang="en-US" sz="4400" dirty="0">
+                <a:solidFill>
+                  <a:srgbClr val="FF0000">
+                    <a:lumMod val="40000"/>
+                    <a:lumOff val="60000"/>
+                  </a:srgbClr>
+                </a:solidFill>
+              </a:rPr>
+              <a:t>Smooth Streaming (VOD and live)</a:t>
+            </a:r>
+          </a:p>
+        </p:txBody>
+      </p:sp>
+      <p:sp>
+        <p:nvSpPr>
+          <p:cNvPr id="6" name="TextBox 4"/>
+          <p:cNvSpPr txBox="1"/>
+          <p:nvPr/>
+        </p:nvSpPr>
+        <p:spPr>
+          <a:xfrm>
+            <a:off x="2998157" y="1593636"/>
+            <a:ext cx="3263714" cy="492443"/>
+          </a:xfrm>
+          <a:prstGeom prst="rect">
+            <a:avLst/>
+          </a:prstGeom>
+          <a:noFill/>
+        </p:spPr>
+        <p:txBody>
+          <a:bodyPr wrap="none" lIns="0" tIns="0" rIns="0" bIns="0" rtlCol="0">
+            <a:spAutoFit/>
+          </a:bodyPr>
+          <a:lstStyle>
+            <a:defPPr>
+              <a:defRPr lang="en-US"/>
+            </a:defPPr>
+            <a:lvl1pPr marL="0" algn="l" defTabSz="914363" rtl="0" eaLnBrk="1" latinLnBrk="0" hangingPunct="1">
+              <a:defRPr sz="1800" kern="1200">
+                <a:solidFill>
+                  <a:schemeClr val="tx1"/>
+                </a:solidFill>
+                <a:latin typeface="+mn-lt"/>
+                <a:ea typeface="+mn-ea"/>
+                <a:cs typeface="+mn-cs"/>
+              </a:defRPr>
+            </a:lvl1pPr>
+            <a:lvl2pPr marL="457182" algn="l" defTabSz="914363" rtl="0" eaLnBrk="1" latinLnBrk="0" hangingPunct="1">
+              <a:defRPr sz="1800" kern="1200">
+                <a:solidFill>
+                  <a:schemeClr val="tx1"/>
+                </a:solidFill>
+                <a:latin typeface="+mn-lt"/>
+                <a:ea typeface="+mn-ea"/>
+                <a:cs typeface="+mn-cs"/>
+              </a:defRPr>
+            </a:lvl2pPr>
+            <a:lvl3pPr marL="914363" algn="l" defTabSz="914363" rtl="0" eaLnBrk="1" latinLnBrk="0" hangingPunct="1">
+              <a:defRPr sz="1800" kern="1200">
+                <a:solidFill>
+                  <a:schemeClr val="tx1"/>
+                </a:solidFill>
+                <a:latin typeface="+mn-lt"/>
+                <a:ea typeface="+mn-ea"/>
+                <a:cs typeface="+mn-cs"/>
+              </a:defRPr>
+            </a:lvl3pPr>
+            <a:lvl4pPr marL="1371545" algn="l" defTabSz="914363" rtl="0" eaLnBrk="1" latinLnBrk="0" hangingPunct="1">
+              <a:defRPr sz="1800" kern="1200">
+                <a:solidFill>
+                  <a:schemeClr val="tx1"/>
+                </a:solidFill>
+                <a:latin typeface="+mn-lt"/>
+                <a:ea typeface="+mn-ea"/>
+                <a:cs typeface="+mn-cs"/>
+              </a:defRPr>
+            </a:lvl4pPr>
+            <a:lvl5pPr marL="1828727" algn="l" defTabSz="914363" rtl="0" eaLnBrk="1" latinLnBrk="0" hangingPunct="1">
+              <a:defRPr sz="1800" kern="1200">
+                <a:solidFill>
+                  <a:schemeClr val="tx1"/>
+                </a:solidFill>
+                <a:latin typeface="+mn-lt"/>
+                <a:ea typeface="+mn-ea"/>
+                <a:cs typeface="+mn-cs"/>
+              </a:defRPr>
+            </a:lvl5pPr>
+            <a:lvl6pPr marL="2285909" algn="l" defTabSz="914363" rtl="0" eaLnBrk="1" latinLnBrk="0" hangingPunct="1">
+              <a:defRPr sz="1800" kern="1200">
+                <a:solidFill>
+                  <a:schemeClr val="tx1"/>
+                </a:solidFill>
+                <a:latin typeface="+mn-lt"/>
+                <a:ea typeface="+mn-ea"/>
+                <a:cs typeface="+mn-cs"/>
+              </a:defRPr>
+            </a:lvl6pPr>
+            <a:lvl7pPr marL="2743090" algn="l" defTabSz="914363" rtl="0" eaLnBrk="1" latinLnBrk="0" hangingPunct="1">
+              <a:defRPr sz="1800" kern="1200">
+                <a:solidFill>
+                  <a:schemeClr val="tx1"/>
+                </a:solidFill>
+                <a:latin typeface="+mn-lt"/>
+                <a:ea typeface="+mn-ea"/>
+                <a:cs typeface="+mn-cs"/>
+              </a:defRPr>
+            </a:lvl7pPr>
+            <a:lvl8pPr marL="3200272" algn="l" defTabSz="914363" rtl="0" eaLnBrk="1" latinLnBrk="0" hangingPunct="1">
+              <a:defRPr sz="1800" kern="1200">
+                <a:solidFill>
+                  <a:schemeClr val="tx1"/>
+                </a:solidFill>
+                <a:latin typeface="+mn-lt"/>
+                <a:ea typeface="+mn-ea"/>
+                <a:cs typeface="+mn-cs"/>
+              </a:defRPr>
+            </a:lvl8pPr>
+            <a:lvl9pPr marL="3657454" algn="l" defTabSz="914363" rtl="0" eaLnBrk="1" latinLnBrk="0" hangingPunct="1">
+              <a:defRPr sz="1800" kern="1200">
+                <a:solidFill>
+                  <a:schemeClr val="tx1"/>
+                </a:solidFill>
+                <a:latin typeface="+mn-lt"/>
+                <a:ea typeface="+mn-ea"/>
+                <a:cs typeface="+mn-cs"/>
+              </a:defRPr>
+            </a:lvl9pPr>
+          </a:lstStyle>
+          <a:p>
+            <a:r>
+              <a:rPr lang="en-US" sz="3200" dirty="0">
+                <a:solidFill>
+                  <a:srgbClr val="FF0000">
+                    <a:lumMod val="40000"/>
+                    <a:lumOff val="60000"/>
+                  </a:srgbClr>
+                </a:solidFill>
+              </a:rPr>
+              <a:t>Closed captioning</a:t>
+            </a:r>
+          </a:p>
+        </p:txBody>
+      </p:sp>
+      <p:sp>
+        <p:nvSpPr>
+          <p:cNvPr id="7" name="TextBox 8"/>
+          <p:cNvSpPr txBox="1"/>
+          <p:nvPr/>
+        </p:nvSpPr>
+        <p:spPr>
+          <a:xfrm>
+            <a:off x="4407499" y="2257151"/>
+            <a:ext cx="2566921" cy="615553"/>
+          </a:xfrm>
+          <a:prstGeom prst="rect">
+            <a:avLst/>
+          </a:prstGeom>
+          <a:noFill/>
+        </p:spPr>
+        <p:txBody>
+          <a:bodyPr wrap="none" lIns="0" tIns="0" rIns="0" bIns="0" rtlCol="0">
+            <a:spAutoFit/>
+          </a:bodyPr>
+          <a:lstStyle>
+            <a:defPPr>
+              <a:defRPr lang="en-US"/>
+            </a:defPPr>
+            <a:lvl1pPr marL="0" algn="l" defTabSz="914363" rtl="0" eaLnBrk="1" latinLnBrk="0" hangingPunct="1">
+              <a:defRPr sz="1800" kern="1200">
+                <a:solidFill>
+                  <a:schemeClr val="tx1"/>
+                </a:solidFill>
+                <a:latin typeface="+mn-lt"/>
+                <a:ea typeface="+mn-ea"/>
+                <a:cs typeface="+mn-cs"/>
+              </a:defRPr>
+            </a:lvl1pPr>
+            <a:lvl2pPr marL="457182" algn="l" defTabSz="914363" rtl="0" eaLnBrk="1" latinLnBrk="0" hangingPunct="1">
+              <a:defRPr sz="1800" kern="1200">
+                <a:solidFill>
+                  <a:schemeClr val="tx1"/>
+                </a:solidFill>
+                <a:latin typeface="+mn-lt"/>
+                <a:ea typeface="+mn-ea"/>
+                <a:cs typeface="+mn-cs"/>
+              </a:defRPr>
+            </a:lvl2pPr>
+            <a:lvl3pPr marL="914363" algn="l" defTabSz="914363" rtl="0" eaLnBrk="1" latinLnBrk="0" hangingPunct="1">
+              <a:defRPr sz="1800" kern="1200">
+                <a:solidFill>
+                  <a:schemeClr val="tx1"/>
+                </a:solidFill>
+                <a:latin typeface="+mn-lt"/>
+                <a:ea typeface="+mn-ea"/>
+                <a:cs typeface="+mn-cs"/>
+              </a:defRPr>
+            </a:lvl3pPr>
+            <a:lvl4pPr marL="1371545" algn="l" defTabSz="914363" rtl="0" eaLnBrk="1" latinLnBrk="0" hangingPunct="1">
+              <a:defRPr sz="1800" kern="1200">
+                <a:solidFill>
+                  <a:schemeClr val="tx1"/>
+                </a:solidFill>
+                <a:latin typeface="+mn-lt"/>
+                <a:ea typeface="+mn-ea"/>
+                <a:cs typeface="+mn-cs"/>
+              </a:defRPr>
+            </a:lvl4pPr>
+            <a:lvl5pPr marL="1828727" algn="l" defTabSz="914363" rtl="0" eaLnBrk="1" latinLnBrk="0" hangingPunct="1">
+              <a:defRPr sz="1800" kern="1200">
+                <a:solidFill>
+                  <a:schemeClr val="tx1"/>
+                </a:solidFill>
+                <a:latin typeface="+mn-lt"/>
+                <a:ea typeface="+mn-ea"/>
+                <a:cs typeface="+mn-cs"/>
+              </a:defRPr>
+            </a:lvl5pPr>
+            <a:lvl6pPr marL="2285909" algn="l" defTabSz="914363" rtl="0" eaLnBrk="1" latinLnBrk="0" hangingPunct="1">
+              <a:defRPr sz="1800" kern="1200">
+                <a:solidFill>
+                  <a:schemeClr val="tx1"/>
+                </a:solidFill>
+                <a:latin typeface="+mn-lt"/>
+                <a:ea typeface="+mn-ea"/>
+                <a:cs typeface="+mn-cs"/>
+              </a:defRPr>
+            </a:lvl6pPr>
+            <a:lvl7pPr marL="2743090" algn="l" defTabSz="914363" rtl="0" eaLnBrk="1" latinLnBrk="0" hangingPunct="1">
+              <a:defRPr sz="1800" kern="1200">
+                <a:solidFill>
+                  <a:schemeClr val="tx1"/>
+                </a:solidFill>
+                <a:latin typeface="+mn-lt"/>
+                <a:ea typeface="+mn-ea"/>
+                <a:cs typeface="+mn-cs"/>
+              </a:defRPr>
+            </a:lvl7pPr>
+            <a:lvl8pPr marL="3200272" algn="l" defTabSz="914363" rtl="0" eaLnBrk="1" latinLnBrk="0" hangingPunct="1">
+              <a:defRPr sz="1800" kern="1200">
+                <a:solidFill>
+                  <a:schemeClr val="tx1"/>
+                </a:solidFill>
+                <a:latin typeface="+mn-lt"/>
+                <a:ea typeface="+mn-ea"/>
+                <a:cs typeface="+mn-cs"/>
+              </a:defRPr>
+            </a:lvl8pPr>
+            <a:lvl9pPr marL="3657454" algn="l" defTabSz="914363" rtl="0" eaLnBrk="1" latinLnBrk="0" hangingPunct="1">
+              <a:defRPr sz="1800" kern="1200">
+                <a:solidFill>
+                  <a:schemeClr val="tx1"/>
+                </a:solidFill>
+                <a:latin typeface="+mn-lt"/>
+                <a:ea typeface="+mn-ea"/>
+                <a:cs typeface="+mn-cs"/>
+              </a:defRPr>
+            </a:lvl9pPr>
+          </a:lstStyle>
+          <a:p>
+            <a:r>
+              <a:rPr lang="en-US" sz="4000" dirty="0">
+                <a:solidFill>
+                  <a:srgbClr val="FF0000">
+                    <a:lumMod val="40000"/>
+                    <a:lumOff val="60000"/>
+                  </a:srgbClr>
+                </a:solidFill>
+              </a:rPr>
+              <a:t>Advertising</a:t>
+            </a:r>
+          </a:p>
+        </p:txBody>
+      </p:sp>
+      <p:sp>
+        <p:nvSpPr>
+          <p:cNvPr id="8" name="TextBox 13"/>
+          <p:cNvSpPr txBox="1"/>
+          <p:nvPr/>
+        </p:nvSpPr>
+        <p:spPr>
+          <a:xfrm>
+            <a:off x="9643247" y="3986847"/>
+            <a:ext cx="1492396" cy="492443"/>
+          </a:xfrm>
+          <a:prstGeom prst="rect">
+            <a:avLst/>
+          </a:prstGeom>
+          <a:noFill/>
+        </p:spPr>
+        <p:txBody>
+          <a:bodyPr wrap="none" lIns="0" tIns="0" rIns="0" bIns="0" rtlCol="0">
+            <a:spAutoFit/>
+          </a:bodyPr>
+          <a:lstStyle>
+            <a:defPPr>
+              <a:defRPr lang="en-US"/>
+            </a:defPPr>
+            <a:lvl1pPr marL="0" algn="l" defTabSz="914363" rtl="0" eaLnBrk="1" latinLnBrk="0" hangingPunct="1">
+              <a:defRPr sz="1800" kern="1200">
+                <a:solidFill>
+                  <a:schemeClr val="tx1"/>
+                </a:solidFill>
+                <a:latin typeface="+mn-lt"/>
+                <a:ea typeface="+mn-ea"/>
+                <a:cs typeface="+mn-cs"/>
+              </a:defRPr>
+            </a:lvl1pPr>
+            <a:lvl2pPr marL="457182" algn="l" defTabSz="914363" rtl="0" eaLnBrk="1" latinLnBrk="0" hangingPunct="1">
+              <a:defRPr sz="1800" kern="1200">
+                <a:solidFill>
+                  <a:schemeClr val="tx1"/>
+                </a:solidFill>
+                <a:latin typeface="+mn-lt"/>
+                <a:ea typeface="+mn-ea"/>
+                <a:cs typeface="+mn-cs"/>
+              </a:defRPr>
+            </a:lvl2pPr>
+            <a:lvl3pPr marL="914363" algn="l" defTabSz="914363" rtl="0" eaLnBrk="1" latinLnBrk="0" hangingPunct="1">
+              <a:defRPr sz="1800" kern="1200">
+                <a:solidFill>
+                  <a:schemeClr val="tx1"/>
+                </a:solidFill>
+                <a:latin typeface="+mn-lt"/>
+                <a:ea typeface="+mn-ea"/>
+                <a:cs typeface="+mn-cs"/>
+              </a:defRPr>
+            </a:lvl3pPr>
+            <a:lvl4pPr marL="1371545" algn="l" defTabSz="914363" rtl="0" eaLnBrk="1" latinLnBrk="0" hangingPunct="1">
+              <a:defRPr sz="1800" kern="1200">
+                <a:solidFill>
+                  <a:schemeClr val="tx1"/>
+                </a:solidFill>
+                <a:latin typeface="+mn-lt"/>
+                <a:ea typeface="+mn-ea"/>
+                <a:cs typeface="+mn-cs"/>
+              </a:defRPr>
+            </a:lvl4pPr>
+            <a:lvl5pPr marL="1828727" algn="l" defTabSz="914363" rtl="0" eaLnBrk="1" latinLnBrk="0" hangingPunct="1">
+              <a:defRPr sz="1800" kern="1200">
+                <a:solidFill>
+                  <a:schemeClr val="tx1"/>
+                </a:solidFill>
+                <a:latin typeface="+mn-lt"/>
+                <a:ea typeface="+mn-ea"/>
+                <a:cs typeface="+mn-cs"/>
+              </a:defRPr>
+            </a:lvl5pPr>
+            <a:lvl6pPr marL="2285909" algn="l" defTabSz="914363" rtl="0" eaLnBrk="1" latinLnBrk="0" hangingPunct="1">
+              <a:defRPr sz="1800" kern="1200">
+                <a:solidFill>
+                  <a:schemeClr val="tx1"/>
+                </a:solidFill>
+                <a:latin typeface="+mn-lt"/>
+                <a:ea typeface="+mn-ea"/>
+                <a:cs typeface="+mn-cs"/>
+              </a:defRPr>
+            </a:lvl6pPr>
+            <a:lvl7pPr marL="2743090" algn="l" defTabSz="914363" rtl="0" eaLnBrk="1" latinLnBrk="0" hangingPunct="1">
+              <a:defRPr sz="1800" kern="1200">
+                <a:solidFill>
+                  <a:schemeClr val="tx1"/>
+                </a:solidFill>
+                <a:latin typeface="+mn-lt"/>
+                <a:ea typeface="+mn-ea"/>
+                <a:cs typeface="+mn-cs"/>
+              </a:defRPr>
+            </a:lvl7pPr>
+            <a:lvl8pPr marL="3200272" algn="l" defTabSz="914363" rtl="0" eaLnBrk="1" latinLnBrk="0" hangingPunct="1">
+              <a:defRPr sz="1800" kern="1200">
+                <a:solidFill>
+                  <a:schemeClr val="tx1"/>
+                </a:solidFill>
+                <a:latin typeface="+mn-lt"/>
+                <a:ea typeface="+mn-ea"/>
+                <a:cs typeface="+mn-cs"/>
+              </a:defRPr>
+            </a:lvl8pPr>
+            <a:lvl9pPr marL="3657454" algn="l" defTabSz="914363" rtl="0" eaLnBrk="1" latinLnBrk="0" hangingPunct="1">
+              <a:defRPr sz="1800" kern="1200">
+                <a:solidFill>
+                  <a:schemeClr val="tx1"/>
+                </a:solidFill>
+                <a:latin typeface="+mn-lt"/>
+                <a:ea typeface="+mn-ea"/>
+                <a:cs typeface="+mn-cs"/>
+              </a:defRPr>
+            </a:lvl9pPr>
+          </a:lstStyle>
+          <a:p>
+            <a:r>
+              <a:rPr lang="en-US" sz="3200" dirty="0">
+                <a:solidFill>
+                  <a:srgbClr val="00B0F0"/>
+                </a:solidFill>
+              </a:rPr>
+              <a:t>Logging</a:t>
+            </a:r>
+          </a:p>
+        </p:txBody>
+      </p:sp>
+      <p:sp>
+        <p:nvSpPr>
+          <p:cNvPr id="9" name="TextBox 17"/>
+          <p:cNvSpPr txBox="1"/>
+          <p:nvPr/>
+        </p:nvSpPr>
+        <p:spPr>
+          <a:xfrm>
+            <a:off x="1199276" y="3740662"/>
+            <a:ext cx="3223255" cy="492443"/>
+          </a:xfrm>
+          <a:prstGeom prst="rect">
+            <a:avLst/>
+          </a:prstGeom>
+          <a:noFill/>
+        </p:spPr>
+        <p:txBody>
+          <a:bodyPr wrap="none" lIns="0" tIns="0" rIns="0" bIns="0" rtlCol="0">
+            <a:spAutoFit/>
+          </a:bodyPr>
+          <a:lstStyle>
+            <a:defPPr>
+              <a:defRPr lang="en-US"/>
+            </a:defPPr>
+            <a:lvl1pPr marL="0" algn="l" defTabSz="914363" rtl="0" eaLnBrk="1" latinLnBrk="0" hangingPunct="1">
+              <a:defRPr sz="1800" kern="1200">
+                <a:solidFill>
+                  <a:schemeClr val="tx1"/>
+                </a:solidFill>
+                <a:latin typeface="+mn-lt"/>
+                <a:ea typeface="+mn-ea"/>
+                <a:cs typeface="+mn-cs"/>
+              </a:defRPr>
+            </a:lvl1pPr>
+            <a:lvl2pPr marL="457182" algn="l" defTabSz="914363" rtl="0" eaLnBrk="1" latinLnBrk="0" hangingPunct="1">
+              <a:defRPr sz="1800" kern="1200">
+                <a:solidFill>
+                  <a:schemeClr val="tx1"/>
+                </a:solidFill>
+                <a:latin typeface="+mn-lt"/>
+                <a:ea typeface="+mn-ea"/>
+                <a:cs typeface="+mn-cs"/>
+              </a:defRPr>
+            </a:lvl2pPr>
+            <a:lvl3pPr marL="914363" algn="l" defTabSz="914363" rtl="0" eaLnBrk="1" latinLnBrk="0" hangingPunct="1">
+              <a:defRPr sz="1800" kern="1200">
+                <a:solidFill>
+                  <a:schemeClr val="tx1"/>
+                </a:solidFill>
+                <a:latin typeface="+mn-lt"/>
+                <a:ea typeface="+mn-ea"/>
+                <a:cs typeface="+mn-cs"/>
+              </a:defRPr>
+            </a:lvl3pPr>
+            <a:lvl4pPr marL="1371545" algn="l" defTabSz="914363" rtl="0" eaLnBrk="1" latinLnBrk="0" hangingPunct="1">
+              <a:defRPr sz="1800" kern="1200">
+                <a:solidFill>
+                  <a:schemeClr val="tx1"/>
+                </a:solidFill>
+                <a:latin typeface="+mn-lt"/>
+                <a:ea typeface="+mn-ea"/>
+                <a:cs typeface="+mn-cs"/>
+              </a:defRPr>
+            </a:lvl4pPr>
+            <a:lvl5pPr marL="1828727" algn="l" defTabSz="914363" rtl="0" eaLnBrk="1" latinLnBrk="0" hangingPunct="1">
+              <a:defRPr sz="1800" kern="1200">
+                <a:solidFill>
+                  <a:schemeClr val="tx1"/>
+                </a:solidFill>
+                <a:latin typeface="+mn-lt"/>
+                <a:ea typeface="+mn-ea"/>
+                <a:cs typeface="+mn-cs"/>
+              </a:defRPr>
+            </a:lvl5pPr>
+            <a:lvl6pPr marL="2285909" algn="l" defTabSz="914363" rtl="0" eaLnBrk="1" latinLnBrk="0" hangingPunct="1">
+              <a:defRPr sz="1800" kern="1200">
+                <a:solidFill>
+                  <a:schemeClr val="tx1"/>
+                </a:solidFill>
+                <a:latin typeface="+mn-lt"/>
+                <a:ea typeface="+mn-ea"/>
+                <a:cs typeface="+mn-cs"/>
+              </a:defRPr>
+            </a:lvl6pPr>
+            <a:lvl7pPr marL="2743090" algn="l" defTabSz="914363" rtl="0" eaLnBrk="1" latinLnBrk="0" hangingPunct="1">
+              <a:defRPr sz="1800" kern="1200">
+                <a:solidFill>
+                  <a:schemeClr val="tx1"/>
+                </a:solidFill>
+                <a:latin typeface="+mn-lt"/>
+                <a:ea typeface="+mn-ea"/>
+                <a:cs typeface="+mn-cs"/>
+              </a:defRPr>
+            </a:lvl7pPr>
+            <a:lvl8pPr marL="3200272" algn="l" defTabSz="914363" rtl="0" eaLnBrk="1" latinLnBrk="0" hangingPunct="1">
+              <a:defRPr sz="1800" kern="1200">
+                <a:solidFill>
+                  <a:schemeClr val="tx1"/>
+                </a:solidFill>
+                <a:latin typeface="+mn-lt"/>
+                <a:ea typeface="+mn-ea"/>
+                <a:cs typeface="+mn-cs"/>
+              </a:defRPr>
+            </a:lvl8pPr>
+            <a:lvl9pPr marL="3657454" algn="l" defTabSz="914363" rtl="0" eaLnBrk="1" latinLnBrk="0" hangingPunct="1">
+              <a:defRPr sz="1800" kern="1200">
+                <a:solidFill>
+                  <a:schemeClr val="tx1"/>
+                </a:solidFill>
+                <a:latin typeface="+mn-lt"/>
+                <a:ea typeface="+mn-ea"/>
+                <a:cs typeface="+mn-cs"/>
+              </a:defRPr>
+            </a:lvl9pPr>
+          </a:lstStyle>
+          <a:p>
+            <a:r>
+              <a:rPr lang="en-US" sz="3200" dirty="0">
+                <a:solidFill>
+                  <a:srgbClr val="00B0F0"/>
+                </a:solidFill>
+              </a:rPr>
+              <a:t>Progressive Video</a:t>
+            </a:r>
+          </a:p>
+        </p:txBody>
+      </p:sp>
+      <p:sp>
+        <p:nvSpPr>
+          <p:cNvPr id="12" name="TextBox 17"/>
+          <p:cNvSpPr txBox="1"/>
+          <p:nvPr/>
+        </p:nvSpPr>
+        <p:spPr>
+          <a:xfrm>
+            <a:off x="7972305" y="2301786"/>
+            <a:ext cx="2389693" cy="492443"/>
+          </a:xfrm>
+          <a:prstGeom prst="rect">
+            <a:avLst/>
+          </a:prstGeom>
+          <a:noFill/>
+        </p:spPr>
+        <p:txBody>
+          <a:bodyPr wrap="none" lIns="0" tIns="0" rIns="0" bIns="0" rtlCol="0">
+            <a:spAutoFit/>
+          </a:bodyPr>
+          <a:lstStyle>
+            <a:defPPr>
+              <a:defRPr lang="en-US"/>
+            </a:defPPr>
+            <a:lvl1pPr marL="0" algn="l" defTabSz="914363" rtl="0" eaLnBrk="1" latinLnBrk="0" hangingPunct="1">
+              <a:defRPr sz="1800" kern="1200">
+                <a:solidFill>
+                  <a:schemeClr val="tx1"/>
+                </a:solidFill>
+                <a:latin typeface="+mn-lt"/>
+                <a:ea typeface="+mn-ea"/>
+                <a:cs typeface="+mn-cs"/>
+              </a:defRPr>
+            </a:lvl1pPr>
+            <a:lvl2pPr marL="457182" algn="l" defTabSz="914363" rtl="0" eaLnBrk="1" latinLnBrk="0" hangingPunct="1">
+              <a:defRPr sz="1800" kern="1200">
+                <a:solidFill>
+                  <a:schemeClr val="tx1"/>
+                </a:solidFill>
+                <a:latin typeface="+mn-lt"/>
+                <a:ea typeface="+mn-ea"/>
+                <a:cs typeface="+mn-cs"/>
+              </a:defRPr>
+            </a:lvl2pPr>
+            <a:lvl3pPr marL="914363" algn="l" defTabSz="914363" rtl="0" eaLnBrk="1" latinLnBrk="0" hangingPunct="1">
+              <a:defRPr sz="1800" kern="1200">
+                <a:solidFill>
+                  <a:schemeClr val="tx1"/>
+                </a:solidFill>
+                <a:latin typeface="+mn-lt"/>
+                <a:ea typeface="+mn-ea"/>
+                <a:cs typeface="+mn-cs"/>
+              </a:defRPr>
+            </a:lvl3pPr>
+            <a:lvl4pPr marL="1371545" algn="l" defTabSz="914363" rtl="0" eaLnBrk="1" latinLnBrk="0" hangingPunct="1">
+              <a:defRPr sz="1800" kern="1200">
+                <a:solidFill>
+                  <a:schemeClr val="tx1"/>
+                </a:solidFill>
+                <a:latin typeface="+mn-lt"/>
+                <a:ea typeface="+mn-ea"/>
+                <a:cs typeface="+mn-cs"/>
+              </a:defRPr>
+            </a:lvl4pPr>
+            <a:lvl5pPr marL="1828727" algn="l" defTabSz="914363" rtl="0" eaLnBrk="1" latinLnBrk="0" hangingPunct="1">
+              <a:defRPr sz="1800" kern="1200">
+                <a:solidFill>
+                  <a:schemeClr val="tx1"/>
+                </a:solidFill>
+                <a:latin typeface="+mn-lt"/>
+                <a:ea typeface="+mn-ea"/>
+                <a:cs typeface="+mn-cs"/>
+              </a:defRPr>
+            </a:lvl5pPr>
+            <a:lvl6pPr marL="2285909" algn="l" defTabSz="914363" rtl="0" eaLnBrk="1" latinLnBrk="0" hangingPunct="1">
+              <a:defRPr sz="1800" kern="1200">
+                <a:solidFill>
+                  <a:schemeClr val="tx1"/>
+                </a:solidFill>
+                <a:latin typeface="+mn-lt"/>
+                <a:ea typeface="+mn-ea"/>
+                <a:cs typeface="+mn-cs"/>
+              </a:defRPr>
+            </a:lvl6pPr>
+            <a:lvl7pPr marL="2743090" algn="l" defTabSz="914363" rtl="0" eaLnBrk="1" latinLnBrk="0" hangingPunct="1">
+              <a:defRPr sz="1800" kern="1200">
+                <a:solidFill>
+                  <a:schemeClr val="tx1"/>
+                </a:solidFill>
+                <a:latin typeface="+mn-lt"/>
+                <a:ea typeface="+mn-ea"/>
+                <a:cs typeface="+mn-cs"/>
+              </a:defRPr>
+            </a:lvl7pPr>
+            <a:lvl8pPr marL="3200272" algn="l" defTabSz="914363" rtl="0" eaLnBrk="1" latinLnBrk="0" hangingPunct="1">
+              <a:defRPr sz="1800" kern="1200">
+                <a:solidFill>
+                  <a:schemeClr val="tx1"/>
+                </a:solidFill>
+                <a:latin typeface="+mn-lt"/>
+                <a:ea typeface="+mn-ea"/>
+                <a:cs typeface="+mn-cs"/>
+              </a:defRPr>
+            </a:lvl8pPr>
+            <a:lvl9pPr marL="3657454" algn="l" defTabSz="914363" rtl="0" eaLnBrk="1" latinLnBrk="0" hangingPunct="1">
+              <a:defRPr sz="1800" kern="1200">
+                <a:solidFill>
+                  <a:schemeClr val="tx1"/>
+                </a:solidFill>
+                <a:latin typeface="+mn-lt"/>
+                <a:ea typeface="+mn-ea"/>
+                <a:cs typeface="+mn-cs"/>
+              </a:defRPr>
+            </a:lvl9pPr>
+          </a:lstStyle>
+          <a:p>
+            <a:r>
+              <a:rPr lang="en-US" sz="3200" dirty="0">
+                <a:solidFill>
+                  <a:srgbClr val="00B0F0"/>
+                </a:solidFill>
+              </a:rPr>
+              <a:t>Player styling</a:t>
+            </a:r>
+          </a:p>
+        </p:txBody>
+      </p:sp>
+      <p:sp>
+        <p:nvSpPr>
+          <p:cNvPr id="13" name="TextBox 17"/>
+          <p:cNvSpPr txBox="1"/>
+          <p:nvPr/>
+        </p:nvSpPr>
+        <p:spPr>
+          <a:xfrm>
+            <a:off x="5546097" y="3947316"/>
+            <a:ext cx="2354234" cy="492443"/>
+          </a:xfrm>
+          <a:prstGeom prst="rect">
+            <a:avLst/>
+          </a:prstGeom>
+          <a:noFill/>
+        </p:spPr>
+        <p:txBody>
+          <a:bodyPr wrap="none" lIns="0" tIns="0" rIns="0" bIns="0" rtlCol="0">
+            <a:spAutoFit/>
+          </a:bodyPr>
+          <a:lstStyle>
+            <a:defPPr>
+              <a:defRPr lang="en-US"/>
+            </a:defPPr>
+            <a:lvl1pPr marL="0" algn="l" defTabSz="914363" rtl="0" eaLnBrk="1" latinLnBrk="0" hangingPunct="1">
+              <a:defRPr sz="1800" kern="1200">
+                <a:solidFill>
+                  <a:schemeClr val="tx1"/>
+                </a:solidFill>
+                <a:latin typeface="+mn-lt"/>
+                <a:ea typeface="+mn-ea"/>
+                <a:cs typeface="+mn-cs"/>
+              </a:defRPr>
+            </a:lvl1pPr>
+            <a:lvl2pPr marL="457182" algn="l" defTabSz="914363" rtl="0" eaLnBrk="1" latinLnBrk="0" hangingPunct="1">
+              <a:defRPr sz="1800" kern="1200">
+                <a:solidFill>
+                  <a:schemeClr val="tx1"/>
+                </a:solidFill>
+                <a:latin typeface="+mn-lt"/>
+                <a:ea typeface="+mn-ea"/>
+                <a:cs typeface="+mn-cs"/>
+              </a:defRPr>
+            </a:lvl2pPr>
+            <a:lvl3pPr marL="914363" algn="l" defTabSz="914363" rtl="0" eaLnBrk="1" latinLnBrk="0" hangingPunct="1">
+              <a:defRPr sz="1800" kern="1200">
+                <a:solidFill>
+                  <a:schemeClr val="tx1"/>
+                </a:solidFill>
+                <a:latin typeface="+mn-lt"/>
+                <a:ea typeface="+mn-ea"/>
+                <a:cs typeface="+mn-cs"/>
+              </a:defRPr>
+            </a:lvl3pPr>
+            <a:lvl4pPr marL="1371545" algn="l" defTabSz="914363" rtl="0" eaLnBrk="1" latinLnBrk="0" hangingPunct="1">
+              <a:defRPr sz="1800" kern="1200">
+                <a:solidFill>
+                  <a:schemeClr val="tx1"/>
+                </a:solidFill>
+                <a:latin typeface="+mn-lt"/>
+                <a:ea typeface="+mn-ea"/>
+                <a:cs typeface="+mn-cs"/>
+              </a:defRPr>
+            </a:lvl4pPr>
+            <a:lvl5pPr marL="1828727" algn="l" defTabSz="914363" rtl="0" eaLnBrk="1" latinLnBrk="0" hangingPunct="1">
+              <a:defRPr sz="1800" kern="1200">
+                <a:solidFill>
+                  <a:schemeClr val="tx1"/>
+                </a:solidFill>
+                <a:latin typeface="+mn-lt"/>
+                <a:ea typeface="+mn-ea"/>
+                <a:cs typeface="+mn-cs"/>
+              </a:defRPr>
+            </a:lvl5pPr>
+            <a:lvl6pPr marL="2285909" algn="l" defTabSz="914363" rtl="0" eaLnBrk="1" latinLnBrk="0" hangingPunct="1">
+              <a:defRPr sz="1800" kern="1200">
+                <a:solidFill>
+                  <a:schemeClr val="tx1"/>
+                </a:solidFill>
+                <a:latin typeface="+mn-lt"/>
+                <a:ea typeface="+mn-ea"/>
+                <a:cs typeface="+mn-cs"/>
+              </a:defRPr>
+            </a:lvl6pPr>
+            <a:lvl7pPr marL="2743090" algn="l" defTabSz="914363" rtl="0" eaLnBrk="1" latinLnBrk="0" hangingPunct="1">
+              <a:defRPr sz="1800" kern="1200">
+                <a:solidFill>
+                  <a:schemeClr val="tx1"/>
+                </a:solidFill>
+                <a:latin typeface="+mn-lt"/>
+                <a:ea typeface="+mn-ea"/>
+                <a:cs typeface="+mn-cs"/>
+              </a:defRPr>
+            </a:lvl7pPr>
+            <a:lvl8pPr marL="3200272" algn="l" defTabSz="914363" rtl="0" eaLnBrk="1" latinLnBrk="0" hangingPunct="1">
+              <a:defRPr sz="1800" kern="1200">
+                <a:solidFill>
+                  <a:schemeClr val="tx1"/>
+                </a:solidFill>
+                <a:latin typeface="+mn-lt"/>
+                <a:ea typeface="+mn-ea"/>
+                <a:cs typeface="+mn-cs"/>
+              </a:defRPr>
+            </a:lvl8pPr>
+            <a:lvl9pPr marL="3657454" algn="l" defTabSz="914363" rtl="0" eaLnBrk="1" latinLnBrk="0" hangingPunct="1">
+              <a:defRPr sz="1800" kern="1200">
+                <a:solidFill>
+                  <a:schemeClr val="tx1"/>
+                </a:solidFill>
+                <a:latin typeface="+mn-lt"/>
+                <a:ea typeface="+mn-ea"/>
+                <a:cs typeface="+mn-cs"/>
+              </a:defRPr>
+            </a:lvl9pPr>
+          </a:lstStyle>
+          <a:p>
+            <a:r>
+              <a:rPr lang="en-US" sz="3200" dirty="0">
+                <a:solidFill>
+                  <a:srgbClr val="00B0F0"/>
+                </a:solidFill>
+              </a:rPr>
+              <a:t>DVR controls</a:t>
+            </a:r>
+          </a:p>
+        </p:txBody>
+      </p:sp>
+      <p:sp>
+        <p:nvSpPr>
+          <p:cNvPr id="14" name="TextBox 17"/>
+          <p:cNvSpPr txBox="1"/>
+          <p:nvPr/>
+        </p:nvSpPr>
+        <p:spPr>
+          <a:xfrm>
+            <a:off x="4683425" y="5083007"/>
+            <a:ext cx="2848344" cy="492443"/>
+          </a:xfrm>
+          <a:prstGeom prst="rect">
+            <a:avLst/>
+          </a:prstGeom>
+          <a:noFill/>
+        </p:spPr>
+        <p:txBody>
+          <a:bodyPr wrap="none" lIns="0" tIns="0" rIns="0" bIns="0" rtlCol="0">
+            <a:spAutoFit/>
+          </a:bodyPr>
+          <a:lstStyle>
+            <a:defPPr>
+              <a:defRPr lang="en-US"/>
+            </a:defPPr>
+            <a:lvl1pPr marL="0" algn="l" defTabSz="914363" rtl="0" eaLnBrk="1" latinLnBrk="0" hangingPunct="1">
+              <a:defRPr sz="1800" kern="1200">
+                <a:solidFill>
+                  <a:schemeClr val="tx1"/>
+                </a:solidFill>
+                <a:latin typeface="+mn-lt"/>
+                <a:ea typeface="+mn-ea"/>
+                <a:cs typeface="+mn-cs"/>
+              </a:defRPr>
+            </a:lvl1pPr>
+            <a:lvl2pPr marL="457182" algn="l" defTabSz="914363" rtl="0" eaLnBrk="1" latinLnBrk="0" hangingPunct="1">
+              <a:defRPr sz="1800" kern="1200">
+                <a:solidFill>
+                  <a:schemeClr val="tx1"/>
+                </a:solidFill>
+                <a:latin typeface="+mn-lt"/>
+                <a:ea typeface="+mn-ea"/>
+                <a:cs typeface="+mn-cs"/>
+              </a:defRPr>
+            </a:lvl2pPr>
+            <a:lvl3pPr marL="914363" algn="l" defTabSz="914363" rtl="0" eaLnBrk="1" latinLnBrk="0" hangingPunct="1">
+              <a:defRPr sz="1800" kern="1200">
+                <a:solidFill>
+                  <a:schemeClr val="tx1"/>
+                </a:solidFill>
+                <a:latin typeface="+mn-lt"/>
+                <a:ea typeface="+mn-ea"/>
+                <a:cs typeface="+mn-cs"/>
+              </a:defRPr>
+            </a:lvl3pPr>
+            <a:lvl4pPr marL="1371545" algn="l" defTabSz="914363" rtl="0" eaLnBrk="1" latinLnBrk="0" hangingPunct="1">
+              <a:defRPr sz="1800" kern="1200">
+                <a:solidFill>
+                  <a:schemeClr val="tx1"/>
+                </a:solidFill>
+                <a:latin typeface="+mn-lt"/>
+                <a:ea typeface="+mn-ea"/>
+                <a:cs typeface="+mn-cs"/>
+              </a:defRPr>
+            </a:lvl4pPr>
+            <a:lvl5pPr marL="1828727" algn="l" defTabSz="914363" rtl="0" eaLnBrk="1" latinLnBrk="0" hangingPunct="1">
+              <a:defRPr sz="1800" kern="1200">
+                <a:solidFill>
+                  <a:schemeClr val="tx1"/>
+                </a:solidFill>
+                <a:latin typeface="+mn-lt"/>
+                <a:ea typeface="+mn-ea"/>
+                <a:cs typeface="+mn-cs"/>
+              </a:defRPr>
+            </a:lvl5pPr>
+            <a:lvl6pPr marL="2285909" algn="l" defTabSz="914363" rtl="0" eaLnBrk="1" latinLnBrk="0" hangingPunct="1">
+              <a:defRPr sz="1800" kern="1200">
+                <a:solidFill>
+                  <a:schemeClr val="tx1"/>
+                </a:solidFill>
+                <a:latin typeface="+mn-lt"/>
+                <a:ea typeface="+mn-ea"/>
+                <a:cs typeface="+mn-cs"/>
+              </a:defRPr>
+            </a:lvl6pPr>
+            <a:lvl7pPr marL="2743090" algn="l" defTabSz="914363" rtl="0" eaLnBrk="1" latinLnBrk="0" hangingPunct="1">
+              <a:defRPr sz="1800" kern="1200">
+                <a:solidFill>
+                  <a:schemeClr val="tx1"/>
+                </a:solidFill>
+                <a:latin typeface="+mn-lt"/>
+                <a:ea typeface="+mn-ea"/>
+                <a:cs typeface="+mn-cs"/>
+              </a:defRPr>
+            </a:lvl7pPr>
+            <a:lvl8pPr marL="3200272" algn="l" defTabSz="914363" rtl="0" eaLnBrk="1" latinLnBrk="0" hangingPunct="1">
+              <a:defRPr sz="1800" kern="1200">
+                <a:solidFill>
+                  <a:schemeClr val="tx1"/>
+                </a:solidFill>
+                <a:latin typeface="+mn-lt"/>
+                <a:ea typeface="+mn-ea"/>
+                <a:cs typeface="+mn-cs"/>
+              </a:defRPr>
+            </a:lvl8pPr>
+            <a:lvl9pPr marL="3657454" algn="l" defTabSz="914363" rtl="0" eaLnBrk="1" latinLnBrk="0" hangingPunct="1">
+              <a:defRPr sz="1800" kern="1200">
+                <a:solidFill>
+                  <a:schemeClr val="tx1"/>
+                </a:solidFill>
+                <a:latin typeface="+mn-lt"/>
+                <a:ea typeface="+mn-ea"/>
+                <a:cs typeface="+mn-cs"/>
+              </a:defRPr>
+            </a:lvl9pPr>
+          </a:lstStyle>
+          <a:p>
+            <a:r>
+              <a:rPr lang="en-US" sz="3200" dirty="0">
+                <a:solidFill>
+                  <a:srgbClr val="00B0F0"/>
+                </a:solidFill>
+              </a:rPr>
+              <a:t>PlayReady DRM</a:t>
+            </a:r>
+          </a:p>
+        </p:txBody>
+      </p:sp>
+      <p:sp>
+        <p:nvSpPr>
+          <p:cNvPr id="3" name="Rectangle 2"/>
+          <p:cNvSpPr/>
+          <p:nvPr/>
+        </p:nvSpPr>
+        <p:spPr>
+          <a:xfrm>
+            <a:off x="5330621" y="5771064"/>
+            <a:ext cx="1411660" cy="487821"/>
+          </a:xfrm>
+          <a:prstGeom prst="rect">
+            <a:avLst/>
+          </a:prstGeom>
+        </p:spPr>
+        <p:txBody>
+          <a:bodyPr wrap="none">
+            <a:spAutoFit/>
+          </a:bodyPr>
+          <a:lstStyle/>
+          <a:p>
+            <a:pPr marL="0" lvl="1" defTabSz="914039">
+              <a:lnSpc>
+                <a:spcPct val="105000"/>
+              </a:lnSpc>
+              <a:spcBef>
+                <a:spcPts val="900"/>
+              </a:spcBef>
+            </a:pPr>
+            <a:r>
+              <a:rPr lang="en-US" sz="2400" dirty="0">
+                <a:solidFill>
+                  <a:srgbClr val="00B0F0"/>
+                </a:solidFill>
+              </a:rPr>
+              <a:t>Analytics</a:t>
+            </a:r>
+          </a:p>
+        </p:txBody>
+      </p:sp>
+      <p:sp>
+        <p:nvSpPr>
+          <p:cNvPr id="15" name="TextBox 17"/>
+          <p:cNvSpPr txBox="1"/>
+          <p:nvPr/>
+        </p:nvSpPr>
+        <p:spPr>
+          <a:xfrm>
+            <a:off x="2038518" y="2311467"/>
+            <a:ext cx="1211870" cy="492443"/>
+          </a:xfrm>
+          <a:prstGeom prst="rect">
+            <a:avLst/>
+          </a:prstGeom>
+          <a:noFill/>
+        </p:spPr>
+        <p:txBody>
+          <a:bodyPr wrap="none" lIns="0" tIns="0" rIns="0" bIns="0" rtlCol="0">
+            <a:spAutoFit/>
+          </a:bodyPr>
+          <a:lstStyle>
+            <a:defPPr>
+              <a:defRPr lang="en-US"/>
+            </a:defPPr>
+            <a:lvl1pPr marL="0" algn="l" defTabSz="914363" rtl="0" eaLnBrk="1" latinLnBrk="0" hangingPunct="1">
+              <a:defRPr sz="1800" kern="1200">
+                <a:solidFill>
+                  <a:schemeClr val="tx1"/>
+                </a:solidFill>
+                <a:latin typeface="+mn-lt"/>
+                <a:ea typeface="+mn-ea"/>
+                <a:cs typeface="+mn-cs"/>
+              </a:defRPr>
+            </a:lvl1pPr>
+            <a:lvl2pPr marL="457182" algn="l" defTabSz="914363" rtl="0" eaLnBrk="1" latinLnBrk="0" hangingPunct="1">
+              <a:defRPr sz="1800" kern="1200">
+                <a:solidFill>
+                  <a:schemeClr val="tx1"/>
+                </a:solidFill>
+                <a:latin typeface="+mn-lt"/>
+                <a:ea typeface="+mn-ea"/>
+                <a:cs typeface="+mn-cs"/>
+              </a:defRPr>
+            </a:lvl2pPr>
+            <a:lvl3pPr marL="914363" algn="l" defTabSz="914363" rtl="0" eaLnBrk="1" latinLnBrk="0" hangingPunct="1">
+              <a:defRPr sz="1800" kern="1200">
+                <a:solidFill>
+                  <a:schemeClr val="tx1"/>
+                </a:solidFill>
+                <a:latin typeface="+mn-lt"/>
+                <a:ea typeface="+mn-ea"/>
+                <a:cs typeface="+mn-cs"/>
+              </a:defRPr>
+            </a:lvl3pPr>
+            <a:lvl4pPr marL="1371545" algn="l" defTabSz="914363" rtl="0" eaLnBrk="1" latinLnBrk="0" hangingPunct="1">
+              <a:defRPr sz="1800" kern="1200">
+                <a:solidFill>
+                  <a:schemeClr val="tx1"/>
+                </a:solidFill>
+                <a:latin typeface="+mn-lt"/>
+                <a:ea typeface="+mn-ea"/>
+                <a:cs typeface="+mn-cs"/>
+              </a:defRPr>
+            </a:lvl4pPr>
+            <a:lvl5pPr marL="1828727" algn="l" defTabSz="914363" rtl="0" eaLnBrk="1" latinLnBrk="0" hangingPunct="1">
+              <a:defRPr sz="1800" kern="1200">
+                <a:solidFill>
+                  <a:schemeClr val="tx1"/>
+                </a:solidFill>
+                <a:latin typeface="+mn-lt"/>
+                <a:ea typeface="+mn-ea"/>
+                <a:cs typeface="+mn-cs"/>
+              </a:defRPr>
+            </a:lvl5pPr>
+            <a:lvl6pPr marL="2285909" algn="l" defTabSz="914363" rtl="0" eaLnBrk="1" latinLnBrk="0" hangingPunct="1">
+              <a:defRPr sz="1800" kern="1200">
+                <a:solidFill>
+                  <a:schemeClr val="tx1"/>
+                </a:solidFill>
+                <a:latin typeface="+mn-lt"/>
+                <a:ea typeface="+mn-ea"/>
+                <a:cs typeface="+mn-cs"/>
+              </a:defRPr>
+            </a:lvl6pPr>
+            <a:lvl7pPr marL="2743090" algn="l" defTabSz="914363" rtl="0" eaLnBrk="1" latinLnBrk="0" hangingPunct="1">
+              <a:defRPr sz="1800" kern="1200">
+                <a:solidFill>
+                  <a:schemeClr val="tx1"/>
+                </a:solidFill>
+                <a:latin typeface="+mn-lt"/>
+                <a:ea typeface="+mn-ea"/>
+                <a:cs typeface="+mn-cs"/>
+              </a:defRPr>
+            </a:lvl7pPr>
+            <a:lvl8pPr marL="3200272" algn="l" defTabSz="914363" rtl="0" eaLnBrk="1" latinLnBrk="0" hangingPunct="1">
+              <a:defRPr sz="1800" kern="1200">
+                <a:solidFill>
+                  <a:schemeClr val="tx1"/>
+                </a:solidFill>
+                <a:latin typeface="+mn-lt"/>
+                <a:ea typeface="+mn-ea"/>
+                <a:cs typeface="+mn-cs"/>
+              </a:defRPr>
+            </a:lvl8pPr>
+            <a:lvl9pPr marL="3657454" algn="l" defTabSz="914363" rtl="0" eaLnBrk="1" latinLnBrk="0" hangingPunct="1">
+              <a:defRPr sz="1800" kern="1200">
+                <a:solidFill>
+                  <a:schemeClr val="tx1"/>
+                </a:solidFill>
+                <a:latin typeface="+mn-lt"/>
+                <a:ea typeface="+mn-ea"/>
+                <a:cs typeface="+mn-cs"/>
+              </a:defRPr>
+            </a:lvl9pPr>
+          </a:lstStyle>
+          <a:p>
+            <a:r>
+              <a:rPr lang="en-US" sz="3200" dirty="0">
+                <a:solidFill>
+                  <a:srgbClr val="00B0F0"/>
+                </a:solidFill>
+              </a:rPr>
+              <a:t>Offline</a:t>
+            </a:r>
+          </a:p>
+        </p:txBody>
+      </p:sp>
+      <p:sp>
+        <p:nvSpPr>
+          <p:cNvPr id="16" name="TextBox 17"/>
+          <p:cNvSpPr txBox="1"/>
+          <p:nvPr/>
+        </p:nvSpPr>
+        <p:spPr>
+          <a:xfrm>
+            <a:off x="2644369" y="4492792"/>
+            <a:ext cx="2686633" cy="492443"/>
+          </a:xfrm>
+          <a:prstGeom prst="rect">
+            <a:avLst/>
+          </a:prstGeom>
+          <a:noFill/>
+        </p:spPr>
+        <p:txBody>
+          <a:bodyPr wrap="none" lIns="0" tIns="0" rIns="0" bIns="0" rtlCol="0">
+            <a:spAutoFit/>
+          </a:bodyPr>
+          <a:lstStyle>
+            <a:defPPr>
+              <a:defRPr lang="en-US"/>
+            </a:defPPr>
+            <a:lvl1pPr marL="0" algn="l" defTabSz="914363" rtl="0" eaLnBrk="1" latinLnBrk="0" hangingPunct="1">
+              <a:defRPr sz="1800" kern="1200">
+                <a:solidFill>
+                  <a:schemeClr val="tx1"/>
+                </a:solidFill>
+                <a:latin typeface="+mn-lt"/>
+                <a:ea typeface="+mn-ea"/>
+                <a:cs typeface="+mn-cs"/>
+              </a:defRPr>
+            </a:lvl1pPr>
+            <a:lvl2pPr marL="457182" algn="l" defTabSz="914363" rtl="0" eaLnBrk="1" latinLnBrk="0" hangingPunct="1">
+              <a:defRPr sz="1800" kern="1200">
+                <a:solidFill>
+                  <a:schemeClr val="tx1"/>
+                </a:solidFill>
+                <a:latin typeface="+mn-lt"/>
+                <a:ea typeface="+mn-ea"/>
+                <a:cs typeface="+mn-cs"/>
+              </a:defRPr>
+            </a:lvl2pPr>
+            <a:lvl3pPr marL="914363" algn="l" defTabSz="914363" rtl="0" eaLnBrk="1" latinLnBrk="0" hangingPunct="1">
+              <a:defRPr sz="1800" kern="1200">
+                <a:solidFill>
+                  <a:schemeClr val="tx1"/>
+                </a:solidFill>
+                <a:latin typeface="+mn-lt"/>
+                <a:ea typeface="+mn-ea"/>
+                <a:cs typeface="+mn-cs"/>
+              </a:defRPr>
+            </a:lvl3pPr>
+            <a:lvl4pPr marL="1371545" algn="l" defTabSz="914363" rtl="0" eaLnBrk="1" latinLnBrk="0" hangingPunct="1">
+              <a:defRPr sz="1800" kern="1200">
+                <a:solidFill>
+                  <a:schemeClr val="tx1"/>
+                </a:solidFill>
+                <a:latin typeface="+mn-lt"/>
+                <a:ea typeface="+mn-ea"/>
+                <a:cs typeface="+mn-cs"/>
+              </a:defRPr>
+            </a:lvl4pPr>
+            <a:lvl5pPr marL="1828727" algn="l" defTabSz="914363" rtl="0" eaLnBrk="1" latinLnBrk="0" hangingPunct="1">
+              <a:defRPr sz="1800" kern="1200">
+                <a:solidFill>
+                  <a:schemeClr val="tx1"/>
+                </a:solidFill>
+                <a:latin typeface="+mn-lt"/>
+                <a:ea typeface="+mn-ea"/>
+                <a:cs typeface="+mn-cs"/>
+              </a:defRPr>
+            </a:lvl5pPr>
+            <a:lvl6pPr marL="2285909" algn="l" defTabSz="914363" rtl="0" eaLnBrk="1" latinLnBrk="0" hangingPunct="1">
+              <a:defRPr sz="1800" kern="1200">
+                <a:solidFill>
+                  <a:schemeClr val="tx1"/>
+                </a:solidFill>
+                <a:latin typeface="+mn-lt"/>
+                <a:ea typeface="+mn-ea"/>
+                <a:cs typeface="+mn-cs"/>
+              </a:defRPr>
+            </a:lvl6pPr>
+            <a:lvl7pPr marL="2743090" algn="l" defTabSz="914363" rtl="0" eaLnBrk="1" latinLnBrk="0" hangingPunct="1">
+              <a:defRPr sz="1800" kern="1200">
+                <a:solidFill>
+                  <a:schemeClr val="tx1"/>
+                </a:solidFill>
+                <a:latin typeface="+mn-lt"/>
+                <a:ea typeface="+mn-ea"/>
+                <a:cs typeface="+mn-cs"/>
+              </a:defRPr>
+            </a:lvl7pPr>
+            <a:lvl8pPr marL="3200272" algn="l" defTabSz="914363" rtl="0" eaLnBrk="1" latinLnBrk="0" hangingPunct="1">
+              <a:defRPr sz="1800" kern="1200">
+                <a:solidFill>
+                  <a:schemeClr val="tx1"/>
+                </a:solidFill>
+                <a:latin typeface="+mn-lt"/>
+                <a:ea typeface="+mn-ea"/>
+                <a:cs typeface="+mn-cs"/>
+              </a:defRPr>
+            </a:lvl8pPr>
+            <a:lvl9pPr marL="3657454" algn="l" defTabSz="914363" rtl="0" eaLnBrk="1" latinLnBrk="0" hangingPunct="1">
+              <a:defRPr sz="1800" kern="1200">
+                <a:solidFill>
+                  <a:schemeClr val="tx1"/>
+                </a:solidFill>
+                <a:latin typeface="+mn-lt"/>
+                <a:ea typeface="+mn-ea"/>
+                <a:cs typeface="+mn-cs"/>
+              </a:defRPr>
+            </a:lvl9pPr>
+          </a:lstStyle>
+          <a:p>
+            <a:r>
+              <a:rPr lang="en-US" sz="3200" dirty="0">
+                <a:solidFill>
+                  <a:srgbClr val="FF0000">
+                    <a:lumMod val="40000"/>
+                    <a:lumOff val="60000"/>
+                  </a:srgbClr>
+                </a:solidFill>
+              </a:rPr>
+              <a:t>Multiple Audio</a:t>
+            </a:r>
+          </a:p>
+        </p:txBody>
+      </p:sp>
+      <p:sp>
+        <p:nvSpPr>
+          <p:cNvPr id="17" name="TextBox 17"/>
+          <p:cNvSpPr txBox="1"/>
+          <p:nvPr/>
+        </p:nvSpPr>
+        <p:spPr>
+          <a:xfrm>
+            <a:off x="7057450" y="4638255"/>
+            <a:ext cx="2308132" cy="492443"/>
+          </a:xfrm>
+          <a:prstGeom prst="rect">
+            <a:avLst/>
+          </a:prstGeom>
+          <a:noFill/>
+        </p:spPr>
+        <p:txBody>
+          <a:bodyPr wrap="none" lIns="0" tIns="0" rIns="0" bIns="0" rtlCol="0">
+            <a:spAutoFit/>
+          </a:bodyPr>
+          <a:lstStyle>
+            <a:defPPr>
+              <a:defRPr lang="en-US"/>
+            </a:defPPr>
+            <a:lvl1pPr marL="0" algn="l" defTabSz="914363" rtl="0" eaLnBrk="1" latinLnBrk="0" hangingPunct="1">
+              <a:defRPr sz="1800" kern="1200">
+                <a:solidFill>
+                  <a:schemeClr val="tx1"/>
+                </a:solidFill>
+                <a:latin typeface="+mn-lt"/>
+                <a:ea typeface="+mn-ea"/>
+                <a:cs typeface="+mn-cs"/>
+              </a:defRPr>
+            </a:lvl1pPr>
+            <a:lvl2pPr marL="457182" algn="l" defTabSz="914363" rtl="0" eaLnBrk="1" latinLnBrk="0" hangingPunct="1">
+              <a:defRPr sz="1800" kern="1200">
+                <a:solidFill>
+                  <a:schemeClr val="tx1"/>
+                </a:solidFill>
+                <a:latin typeface="+mn-lt"/>
+                <a:ea typeface="+mn-ea"/>
+                <a:cs typeface="+mn-cs"/>
+              </a:defRPr>
+            </a:lvl2pPr>
+            <a:lvl3pPr marL="914363" algn="l" defTabSz="914363" rtl="0" eaLnBrk="1" latinLnBrk="0" hangingPunct="1">
+              <a:defRPr sz="1800" kern="1200">
+                <a:solidFill>
+                  <a:schemeClr val="tx1"/>
+                </a:solidFill>
+                <a:latin typeface="+mn-lt"/>
+                <a:ea typeface="+mn-ea"/>
+                <a:cs typeface="+mn-cs"/>
+              </a:defRPr>
+            </a:lvl3pPr>
+            <a:lvl4pPr marL="1371545" algn="l" defTabSz="914363" rtl="0" eaLnBrk="1" latinLnBrk="0" hangingPunct="1">
+              <a:defRPr sz="1800" kern="1200">
+                <a:solidFill>
+                  <a:schemeClr val="tx1"/>
+                </a:solidFill>
+                <a:latin typeface="+mn-lt"/>
+                <a:ea typeface="+mn-ea"/>
+                <a:cs typeface="+mn-cs"/>
+              </a:defRPr>
+            </a:lvl4pPr>
+            <a:lvl5pPr marL="1828727" algn="l" defTabSz="914363" rtl="0" eaLnBrk="1" latinLnBrk="0" hangingPunct="1">
+              <a:defRPr sz="1800" kern="1200">
+                <a:solidFill>
+                  <a:schemeClr val="tx1"/>
+                </a:solidFill>
+                <a:latin typeface="+mn-lt"/>
+                <a:ea typeface="+mn-ea"/>
+                <a:cs typeface="+mn-cs"/>
+              </a:defRPr>
+            </a:lvl5pPr>
+            <a:lvl6pPr marL="2285909" algn="l" defTabSz="914363" rtl="0" eaLnBrk="1" latinLnBrk="0" hangingPunct="1">
+              <a:defRPr sz="1800" kern="1200">
+                <a:solidFill>
+                  <a:schemeClr val="tx1"/>
+                </a:solidFill>
+                <a:latin typeface="+mn-lt"/>
+                <a:ea typeface="+mn-ea"/>
+                <a:cs typeface="+mn-cs"/>
+              </a:defRPr>
+            </a:lvl6pPr>
+            <a:lvl7pPr marL="2743090" algn="l" defTabSz="914363" rtl="0" eaLnBrk="1" latinLnBrk="0" hangingPunct="1">
+              <a:defRPr sz="1800" kern="1200">
+                <a:solidFill>
+                  <a:schemeClr val="tx1"/>
+                </a:solidFill>
+                <a:latin typeface="+mn-lt"/>
+                <a:ea typeface="+mn-ea"/>
+                <a:cs typeface="+mn-cs"/>
+              </a:defRPr>
+            </a:lvl7pPr>
+            <a:lvl8pPr marL="3200272" algn="l" defTabSz="914363" rtl="0" eaLnBrk="1" latinLnBrk="0" hangingPunct="1">
+              <a:defRPr sz="1800" kern="1200">
+                <a:solidFill>
+                  <a:schemeClr val="tx1"/>
+                </a:solidFill>
+                <a:latin typeface="+mn-lt"/>
+                <a:ea typeface="+mn-ea"/>
+                <a:cs typeface="+mn-cs"/>
+              </a:defRPr>
+            </a:lvl8pPr>
+            <a:lvl9pPr marL="3657454" algn="l" defTabSz="914363" rtl="0" eaLnBrk="1" latinLnBrk="0" hangingPunct="1">
+              <a:defRPr sz="1800" kern="1200">
+                <a:solidFill>
+                  <a:schemeClr val="tx1"/>
+                </a:solidFill>
+                <a:latin typeface="+mn-lt"/>
+                <a:ea typeface="+mn-ea"/>
+                <a:cs typeface="+mn-cs"/>
+              </a:defRPr>
+            </a:lvl9pPr>
+          </a:lstStyle>
+          <a:p>
+            <a:r>
+              <a:rPr lang="en-US" sz="3200" dirty="0">
+                <a:solidFill>
+                  <a:srgbClr val="00B0F0"/>
+                </a:solidFill>
+              </a:rPr>
+              <a:t>MPEG-DASH</a:t>
+            </a:r>
+          </a:p>
+        </p:txBody>
+      </p:sp>
+      <p:sp>
+        <p:nvSpPr>
+          <p:cNvPr id="18" name="TextBox 17"/>
+          <p:cNvSpPr txBox="1"/>
+          <p:nvPr/>
+        </p:nvSpPr>
+        <p:spPr>
+          <a:xfrm>
+            <a:off x="7284344" y="1434652"/>
+            <a:ext cx="1661930" cy="492443"/>
+          </a:xfrm>
+          <a:prstGeom prst="rect">
+            <a:avLst/>
+          </a:prstGeom>
+          <a:noFill/>
+        </p:spPr>
+        <p:txBody>
+          <a:bodyPr wrap="none" lIns="0" tIns="0" rIns="0" bIns="0" rtlCol="0">
+            <a:spAutoFit/>
+          </a:bodyPr>
+          <a:lstStyle>
+            <a:defPPr>
+              <a:defRPr lang="en-US"/>
+            </a:defPPr>
+            <a:lvl1pPr marL="0" algn="l" defTabSz="914363" rtl="0" eaLnBrk="1" latinLnBrk="0" hangingPunct="1">
+              <a:defRPr sz="1800" kern="1200">
+                <a:solidFill>
+                  <a:schemeClr val="tx1"/>
+                </a:solidFill>
+                <a:latin typeface="+mn-lt"/>
+                <a:ea typeface="+mn-ea"/>
+                <a:cs typeface="+mn-cs"/>
+              </a:defRPr>
+            </a:lvl1pPr>
+            <a:lvl2pPr marL="457182" algn="l" defTabSz="914363" rtl="0" eaLnBrk="1" latinLnBrk="0" hangingPunct="1">
+              <a:defRPr sz="1800" kern="1200">
+                <a:solidFill>
+                  <a:schemeClr val="tx1"/>
+                </a:solidFill>
+                <a:latin typeface="+mn-lt"/>
+                <a:ea typeface="+mn-ea"/>
+                <a:cs typeface="+mn-cs"/>
+              </a:defRPr>
+            </a:lvl2pPr>
+            <a:lvl3pPr marL="914363" algn="l" defTabSz="914363" rtl="0" eaLnBrk="1" latinLnBrk="0" hangingPunct="1">
+              <a:defRPr sz="1800" kern="1200">
+                <a:solidFill>
+                  <a:schemeClr val="tx1"/>
+                </a:solidFill>
+                <a:latin typeface="+mn-lt"/>
+                <a:ea typeface="+mn-ea"/>
+                <a:cs typeface="+mn-cs"/>
+              </a:defRPr>
+            </a:lvl3pPr>
+            <a:lvl4pPr marL="1371545" algn="l" defTabSz="914363" rtl="0" eaLnBrk="1" latinLnBrk="0" hangingPunct="1">
+              <a:defRPr sz="1800" kern="1200">
+                <a:solidFill>
+                  <a:schemeClr val="tx1"/>
+                </a:solidFill>
+                <a:latin typeface="+mn-lt"/>
+                <a:ea typeface="+mn-ea"/>
+                <a:cs typeface="+mn-cs"/>
+              </a:defRPr>
+            </a:lvl4pPr>
+            <a:lvl5pPr marL="1828727" algn="l" defTabSz="914363" rtl="0" eaLnBrk="1" latinLnBrk="0" hangingPunct="1">
+              <a:defRPr sz="1800" kern="1200">
+                <a:solidFill>
+                  <a:schemeClr val="tx1"/>
+                </a:solidFill>
+                <a:latin typeface="+mn-lt"/>
+                <a:ea typeface="+mn-ea"/>
+                <a:cs typeface="+mn-cs"/>
+              </a:defRPr>
+            </a:lvl5pPr>
+            <a:lvl6pPr marL="2285909" algn="l" defTabSz="914363" rtl="0" eaLnBrk="1" latinLnBrk="0" hangingPunct="1">
+              <a:defRPr sz="1800" kern="1200">
+                <a:solidFill>
+                  <a:schemeClr val="tx1"/>
+                </a:solidFill>
+                <a:latin typeface="+mn-lt"/>
+                <a:ea typeface="+mn-ea"/>
+                <a:cs typeface="+mn-cs"/>
+              </a:defRPr>
+            </a:lvl6pPr>
+            <a:lvl7pPr marL="2743090" algn="l" defTabSz="914363" rtl="0" eaLnBrk="1" latinLnBrk="0" hangingPunct="1">
+              <a:defRPr sz="1800" kern="1200">
+                <a:solidFill>
+                  <a:schemeClr val="tx1"/>
+                </a:solidFill>
+                <a:latin typeface="+mn-lt"/>
+                <a:ea typeface="+mn-ea"/>
+                <a:cs typeface="+mn-cs"/>
+              </a:defRPr>
+            </a:lvl7pPr>
+            <a:lvl8pPr marL="3200272" algn="l" defTabSz="914363" rtl="0" eaLnBrk="1" latinLnBrk="0" hangingPunct="1">
+              <a:defRPr sz="1800" kern="1200">
+                <a:solidFill>
+                  <a:schemeClr val="tx1"/>
+                </a:solidFill>
+                <a:latin typeface="+mn-lt"/>
+                <a:ea typeface="+mn-ea"/>
+                <a:cs typeface="+mn-cs"/>
+              </a:defRPr>
+            </a:lvl8pPr>
+            <a:lvl9pPr marL="3657454" algn="l" defTabSz="914363" rtl="0" eaLnBrk="1" latinLnBrk="0" hangingPunct="1">
+              <a:defRPr sz="1800" kern="1200">
+                <a:solidFill>
+                  <a:schemeClr val="tx1"/>
+                </a:solidFill>
+                <a:latin typeface="+mn-lt"/>
+                <a:ea typeface="+mn-ea"/>
+                <a:cs typeface="+mn-cs"/>
+              </a:defRPr>
+            </a:lvl9pPr>
+          </a:lstStyle>
+          <a:p>
+            <a:r>
+              <a:rPr lang="en-US" sz="3200" dirty="0">
+                <a:solidFill>
+                  <a:srgbClr val="00B0F0"/>
+                </a:solidFill>
+              </a:rPr>
+              <a:t>Trick Play</a:t>
+            </a:r>
+          </a:p>
+        </p:txBody>
+      </p:sp>
+    </p:spTree>
+    <p:extLst>
+      <p:ext uri="{BB962C8B-B14F-4D97-AF65-F5344CB8AC3E}">
+        <p14:creationId xmlns:p14="http://schemas.microsoft.com/office/powerpoint/2010/main" val="3191814596"/>
+      </p:ext>
+    </p:extLst>
+  </p:cSld>
+  <p:clrMapOvr>
+    <a:masterClrMapping/>
+  </p:clrMapOvr>
+  <mc:AlternateContent xmlns:mc="http://schemas.openxmlformats.org/markup-compatibility/2006">
+    <mc:Choice xmlns:p14="http://schemas.microsoft.com/office/powerpoint/2010/main" Requires="p14">
+      <p:transition p14:dur="0"/>
+    </mc:Choice>
+    <mc:Fallback>
+      <p:transition/>
+    </mc:Fallback>
+  </mc:AlternateContent>
+  <p:timing>
+    <p:tnLst>
+      <p:par>
+        <p:cTn id="1" dur="indefinite" restart="never" nodeType="tmRoot"/>
+      </p:par>
+    </p:tnLst>
+  </p:timing>
+</p:sld>
+</file>
+
+<file path=ppt/slides/slide21.xml><?xml version="1.0" encoding="utf-8"?>
+<p:sld xmlns:a="http://schemas.openxmlformats.org/drawingml/2006/main" xmlns:r="http://schemas.openxmlformats.org/officeDocument/2006/relationships" xmlns:p="http://schemas.openxmlformats.org/presentationml/2006/main">
+  <p:cSld>
+    <p:spTree>
+      <p:nvGrpSpPr>
+        <p:cNvPr id="1" name=""/>
+        <p:cNvGrpSpPr/>
+        <p:nvPr/>
+      </p:nvGrpSpPr>
+      <p:grpSpPr>
+        <a:xfrm>
+          <a:off x="0" y="0"/>
+          <a:ext cx="0" cy="0"/>
+          <a:chOff x="0" y="0"/>
+          <a:chExt cx="0" cy="0"/>
+        </a:xfrm>
+      </p:grpSpPr>
+      <p:sp>
+        <p:nvSpPr>
+          <p:cNvPr id="2" name="Title 1"/>
+          <p:cNvSpPr>
+            <a:spLocks noGrp="1"/>
+          </p:cNvSpPr>
+          <p:nvPr>
+            <p:ph type="title"/>
+          </p:nvPr>
+        </p:nvSpPr>
+        <p:spPr/>
+        <p:txBody>
+          <a:bodyPr/>
+          <a:lstStyle/>
+          <a:p>
+            <a:r>
+              <a:rPr lang="en-US" dirty="0" smtClean="0"/>
+              <a:t>Flash Client</a:t>
+            </a:r>
+            <a:endParaRPr lang="en-US" dirty="0"/>
+          </a:p>
+        </p:txBody>
+      </p:sp>
+      <p:sp>
+        <p:nvSpPr>
+          <p:cNvPr id="62" name="Content Placeholder 7"/>
+          <p:cNvSpPr txBox="1">
+            <a:spLocks/>
+          </p:cNvSpPr>
+          <p:nvPr/>
+        </p:nvSpPr>
+        <p:spPr>
+          <a:xfrm>
+            <a:off x="709383" y="1328877"/>
+            <a:ext cx="11216917" cy="4836427"/>
+          </a:xfrm>
+          <a:prstGeom prst="rect">
+            <a:avLst/>
+          </a:prstGeom>
+        </p:spPr>
+        <p:txBody>
+          <a:bodyPr vert="horz" wrap="square" lIns="0" tIns="0" rIns="0" bIns="0" rtlCol="0">
+            <a:noAutofit/>
+          </a:bodyPr>
+          <a:lstStyle>
+            <a:lvl1pPr marL="460323" indent="-460323" algn="l" defTabSz="914259" rtl="0" eaLnBrk="1" latinLnBrk="0" hangingPunct="1">
+              <a:lnSpc>
+                <a:spcPct val="90000"/>
+              </a:lnSpc>
+              <a:spcBef>
+                <a:spcPct val="20000"/>
+              </a:spcBef>
+              <a:buSzPct val="80000"/>
+              <a:buFont typeface="Arial" pitchFamily="34" charset="0"/>
+              <a:buChar char="•"/>
+              <a:defRPr sz="3200" kern="1200">
+                <a:gradFill>
+                  <a:gsLst>
+                    <a:gs pos="0">
+                      <a:srgbClr val="595959"/>
+                    </a:gs>
+                    <a:gs pos="86000">
+                      <a:srgbClr val="595959"/>
+                    </a:gs>
+                  </a:gsLst>
+                  <a:lin ang="5400000" scaled="0"/>
+                </a:gradFill>
+                <a:latin typeface="+mn-lt"/>
+                <a:ea typeface="+mn-ea"/>
+                <a:cs typeface="+mn-cs"/>
+              </a:defRPr>
+            </a:lvl1pPr>
+            <a:lvl2pPr marL="855566" indent="-395243" algn="l" defTabSz="914259" rtl="0" eaLnBrk="1" latinLnBrk="0" hangingPunct="1">
+              <a:lnSpc>
+                <a:spcPct val="90000"/>
+              </a:lnSpc>
+              <a:spcBef>
+                <a:spcPct val="20000"/>
+              </a:spcBef>
+              <a:buSzPct val="80000"/>
+              <a:buFont typeface="Arial" pitchFamily="34" charset="0"/>
+              <a:buChar char="•"/>
+              <a:defRPr sz="2800" kern="1200">
+                <a:gradFill>
+                  <a:gsLst>
+                    <a:gs pos="0">
+                      <a:srgbClr val="595959"/>
+                    </a:gs>
+                    <a:gs pos="86000">
+                      <a:srgbClr val="595959"/>
+                    </a:gs>
+                  </a:gsLst>
+                  <a:lin ang="5400000" scaled="0"/>
+                </a:gradFill>
+                <a:latin typeface="+mn-lt"/>
+                <a:ea typeface="+mn-ea"/>
+                <a:cs typeface="+mn-cs"/>
+              </a:defRPr>
+            </a:lvl2pPr>
+            <a:lvl3pPr marL="1258745" indent="-403180" algn="l" defTabSz="914259" rtl="0" eaLnBrk="1" latinLnBrk="0" hangingPunct="1">
+              <a:lnSpc>
+                <a:spcPct val="90000"/>
+              </a:lnSpc>
+              <a:spcBef>
+                <a:spcPct val="20000"/>
+              </a:spcBef>
+              <a:buSzPct val="80000"/>
+              <a:buFont typeface="Arial" pitchFamily="34" charset="0"/>
+              <a:buChar char="•"/>
+              <a:defRPr sz="2400" kern="1200">
+                <a:gradFill>
+                  <a:gsLst>
+                    <a:gs pos="0">
+                      <a:srgbClr val="595959"/>
+                    </a:gs>
+                    <a:gs pos="86000">
+                      <a:srgbClr val="595959"/>
+                    </a:gs>
+                  </a:gsLst>
+                  <a:lin ang="5400000" scaled="0"/>
+                </a:gradFill>
+                <a:latin typeface="+mn-lt"/>
+                <a:ea typeface="+mn-ea"/>
+                <a:cs typeface="+mn-cs"/>
+              </a:defRPr>
+            </a:lvl3pPr>
+            <a:lvl4pPr marL="1604781" indent="-346036" algn="l" defTabSz="914259" rtl="0" eaLnBrk="1" latinLnBrk="0" hangingPunct="1">
+              <a:lnSpc>
+                <a:spcPct val="90000"/>
+              </a:lnSpc>
+              <a:spcBef>
+                <a:spcPct val="20000"/>
+              </a:spcBef>
+              <a:buSzPct val="80000"/>
+              <a:buFont typeface="Arial" pitchFamily="34" charset="0"/>
+              <a:buChar char="•"/>
+              <a:defRPr sz="2000" kern="1200">
+                <a:gradFill>
+                  <a:gsLst>
+                    <a:gs pos="0">
+                      <a:srgbClr val="595959"/>
+                    </a:gs>
+                    <a:gs pos="86000">
+                      <a:srgbClr val="595959"/>
+                    </a:gs>
+                  </a:gsLst>
+                  <a:lin ang="5400000" scaled="0"/>
+                </a:gradFill>
+                <a:latin typeface="+mn-lt"/>
+                <a:ea typeface="+mn-ea"/>
+                <a:cs typeface="+mn-cs"/>
+              </a:defRPr>
+            </a:lvl4pPr>
+            <a:lvl5pPr marL="1941293" indent="-336512" algn="l" defTabSz="914259" rtl="0" eaLnBrk="1" latinLnBrk="0" hangingPunct="1">
+              <a:lnSpc>
+                <a:spcPct val="90000"/>
+              </a:lnSpc>
+              <a:spcBef>
+                <a:spcPct val="20000"/>
+              </a:spcBef>
+              <a:buSzPct val="80000"/>
+              <a:buFont typeface="Arial" pitchFamily="34" charset="0"/>
+              <a:buChar char="•"/>
+              <a:defRPr sz="2000" kern="1200">
+                <a:gradFill>
+                  <a:gsLst>
+                    <a:gs pos="0">
+                      <a:srgbClr val="595959"/>
+                    </a:gs>
+                    <a:gs pos="86000">
+                      <a:srgbClr val="595959"/>
+                    </a:gs>
+                  </a:gsLst>
+                  <a:lin ang="5400000" scaled="0"/>
+                </a:gradFill>
+                <a:latin typeface="+mn-lt"/>
+                <a:ea typeface="+mn-ea"/>
+                <a:cs typeface="+mn-cs"/>
+              </a:defRPr>
+            </a:lvl5pPr>
+            <a:lvl6pPr marL="2514214" indent="-228565" algn="l" defTabSz="914259" rtl="0" eaLnBrk="1" latinLnBrk="0" hangingPunct="1">
+              <a:spcBef>
+                <a:spcPct val="20000"/>
+              </a:spcBef>
+              <a:buFont typeface="Arial" pitchFamily="34" charset="0"/>
+              <a:buChar char="•"/>
+              <a:defRPr sz="2000" kern="1200">
+                <a:solidFill>
+                  <a:schemeClr val="tx1"/>
+                </a:solidFill>
+                <a:latin typeface="+mn-lt"/>
+                <a:ea typeface="+mn-ea"/>
+                <a:cs typeface="+mn-cs"/>
+              </a:defRPr>
+            </a:lvl6pPr>
+            <a:lvl7pPr marL="2971344" indent="-228565" algn="l" defTabSz="914259" rtl="0" eaLnBrk="1" latinLnBrk="0" hangingPunct="1">
+              <a:spcBef>
+                <a:spcPct val="20000"/>
+              </a:spcBef>
+              <a:buFont typeface="Arial" pitchFamily="34" charset="0"/>
+              <a:buChar char="•"/>
+              <a:defRPr sz="2000" kern="1200">
+                <a:solidFill>
+                  <a:schemeClr val="tx1"/>
+                </a:solidFill>
+                <a:latin typeface="+mn-lt"/>
+                <a:ea typeface="+mn-ea"/>
+                <a:cs typeface="+mn-cs"/>
+              </a:defRPr>
+            </a:lvl7pPr>
+            <a:lvl8pPr marL="3428474" indent="-228565" algn="l" defTabSz="914259" rtl="0" eaLnBrk="1" latinLnBrk="0" hangingPunct="1">
+              <a:spcBef>
+                <a:spcPct val="20000"/>
+              </a:spcBef>
+              <a:buFont typeface="Arial" pitchFamily="34" charset="0"/>
+              <a:buChar char="•"/>
+              <a:defRPr sz="2000" kern="1200">
+                <a:solidFill>
+                  <a:schemeClr val="tx1"/>
+                </a:solidFill>
+                <a:latin typeface="+mn-lt"/>
+                <a:ea typeface="+mn-ea"/>
+                <a:cs typeface="+mn-cs"/>
+              </a:defRPr>
+            </a:lvl8pPr>
+            <a:lvl9pPr marL="3885604" indent="-228565" algn="l" defTabSz="914259" rtl="0" eaLnBrk="1" latinLnBrk="0" hangingPunct="1">
+              <a:spcBef>
+                <a:spcPct val="20000"/>
+              </a:spcBef>
+              <a:buFont typeface="Arial" pitchFamily="34" charset="0"/>
+              <a:buChar char="•"/>
+              <a:defRPr sz="2000" kern="1200">
+                <a:solidFill>
+                  <a:schemeClr val="tx1"/>
+                </a:solidFill>
+                <a:latin typeface="+mn-lt"/>
+                <a:ea typeface="+mn-ea"/>
+                <a:cs typeface="+mn-cs"/>
+              </a:defRPr>
+            </a:lvl9pPr>
+          </a:lstStyle>
+          <a:p>
+            <a:pPr marL="0" lvl="1" indent="0">
+              <a:lnSpc>
+                <a:spcPct val="85000"/>
+              </a:lnSpc>
+              <a:spcBef>
+                <a:spcPts val="900"/>
+              </a:spcBef>
+              <a:buNone/>
+            </a:pPr>
+            <a:r>
+              <a:rPr lang="es-AR" sz="3600" dirty="0" smtClean="0">
+                <a:solidFill>
+                  <a:schemeClr val="accent6"/>
+                </a:solidFill>
+                <a:latin typeface="Segoe UI Light" pitchFamily="34" charset="0"/>
+              </a:rPr>
+              <a:t>OSMF Plugin</a:t>
+            </a:r>
+            <a:endParaRPr lang="es-AR" sz="3600" dirty="0" smtClean="0"/>
+          </a:p>
+          <a:p>
+            <a:pPr marL="342900" lvl="1" indent="-342900">
+              <a:lnSpc>
+                <a:spcPct val="85000"/>
+              </a:lnSpc>
+              <a:spcBef>
+                <a:spcPts val="900"/>
+              </a:spcBef>
+            </a:pPr>
+            <a:r>
+              <a:rPr lang="es-AR" sz="2000" dirty="0" smtClean="0"/>
+              <a:t>Open </a:t>
+            </a:r>
+            <a:r>
+              <a:rPr lang="es-AR" sz="2000" dirty="0" err="1"/>
+              <a:t>source</a:t>
+            </a:r>
+            <a:r>
+              <a:rPr lang="es-AR" sz="2000" dirty="0"/>
+              <a:t> Media Framework: </a:t>
+            </a:r>
+            <a:r>
+              <a:rPr lang="es-AR" sz="2000" dirty="0">
+                <a:hlinkClick r:id="rId3"/>
+              </a:rPr>
+              <a:t>http://www.opensourcemediaframework.com/</a:t>
+            </a:r>
+            <a:endParaRPr lang="es-AR" sz="2000" dirty="0"/>
+          </a:p>
+          <a:p>
+            <a:pPr marL="342900" lvl="1" indent="-342900">
+              <a:lnSpc>
+                <a:spcPct val="85000"/>
+              </a:lnSpc>
+              <a:spcBef>
+                <a:spcPts val="900"/>
+              </a:spcBef>
+            </a:pPr>
+            <a:r>
+              <a:rPr lang="es-AR" sz="2000" dirty="0"/>
+              <a:t>Players existentes pueden ser migrados y de esa manera utilizar el plugin de </a:t>
+            </a:r>
+            <a:r>
+              <a:rPr lang="es-AR" sz="2000" dirty="0" err="1"/>
+              <a:t>Smooth</a:t>
+            </a:r>
+            <a:r>
+              <a:rPr lang="es-AR" sz="2000" dirty="0"/>
+              <a:t> Streaming (pueden </a:t>
+            </a:r>
+            <a:r>
+              <a:rPr lang="es-AR" sz="2000" dirty="0" smtClean="0"/>
+              <a:t>utilizar </a:t>
+            </a:r>
+            <a:r>
+              <a:rPr lang="es-AR" sz="2000" dirty="0"/>
+              <a:t>el </a:t>
+            </a:r>
+            <a:r>
+              <a:rPr lang="es-AR" sz="2000" dirty="0">
+                <a:hlinkClick r:id="rId4"/>
+              </a:rPr>
+              <a:t>strobe media player</a:t>
+            </a:r>
+            <a:r>
+              <a:rPr lang="es-AR" sz="2000" dirty="0"/>
+              <a:t>)</a:t>
+            </a:r>
+          </a:p>
+          <a:p>
+            <a:pPr marL="342900" lvl="1" indent="-342900">
+              <a:lnSpc>
+                <a:spcPct val="85000"/>
+              </a:lnSpc>
+              <a:spcBef>
+                <a:spcPts val="900"/>
+              </a:spcBef>
+            </a:pPr>
+            <a:r>
+              <a:rPr lang="es-AR" sz="2000" dirty="0"/>
+              <a:t>Soporte para video-</a:t>
+            </a:r>
+            <a:r>
+              <a:rPr lang="es-AR" sz="2000" dirty="0" err="1"/>
+              <a:t>on</a:t>
+            </a:r>
+            <a:r>
+              <a:rPr lang="es-AR" sz="2000" dirty="0"/>
+              <a:t>-</a:t>
+            </a:r>
+            <a:r>
+              <a:rPr lang="es-AR" sz="2000" dirty="0" err="1"/>
+              <a:t>demand</a:t>
+            </a:r>
+            <a:r>
+              <a:rPr lang="es-AR" sz="2000" dirty="0"/>
+              <a:t> y </a:t>
+            </a:r>
+            <a:r>
+              <a:rPr lang="es-AR" sz="2000" dirty="0" err="1"/>
+              <a:t>live</a:t>
+            </a:r>
+            <a:r>
+              <a:rPr lang="es-AR" sz="2000" dirty="0"/>
+              <a:t> streaming </a:t>
+            </a:r>
+            <a:endParaRPr lang="es-AR" sz="2000" dirty="0">
+              <a:solidFill>
+                <a:schemeClr val="accent6"/>
+              </a:solidFill>
+              <a:latin typeface="Segoe UI Light" pitchFamily="34" charset="0"/>
+            </a:endParaRPr>
+          </a:p>
+          <a:p>
+            <a:pPr marL="0" indent="0">
+              <a:spcBef>
+                <a:spcPts val="1200"/>
+              </a:spcBef>
+              <a:buNone/>
+            </a:pPr>
+            <a:endParaRPr lang="es-AR" sz="3600" dirty="0">
+              <a:solidFill>
+                <a:schemeClr val="accent6"/>
+              </a:solidFill>
+              <a:latin typeface="Segoe UI Light" pitchFamily="34" charset="0"/>
+            </a:endParaRPr>
+          </a:p>
+          <a:p>
+            <a:pPr marL="0" indent="0">
+              <a:spcBef>
+                <a:spcPts val="1200"/>
+              </a:spcBef>
+              <a:buNone/>
+            </a:pPr>
+            <a:r>
+              <a:rPr lang="es-AR" sz="3600" dirty="0" smtClean="0">
+                <a:solidFill>
+                  <a:schemeClr val="accent6"/>
+                </a:solidFill>
+                <a:latin typeface="Segoe UI Light" pitchFamily="34" charset="0"/>
+              </a:rPr>
+              <a:t>Soporte para Monetización</a:t>
+            </a:r>
+          </a:p>
+          <a:p>
+            <a:pPr marL="342900" lvl="1" indent="-342900">
+              <a:lnSpc>
+                <a:spcPct val="85000"/>
+              </a:lnSpc>
+              <a:spcBef>
+                <a:spcPts val="900"/>
+              </a:spcBef>
+            </a:pPr>
+            <a:r>
+              <a:rPr lang="es-AR" sz="2000" dirty="0" smtClean="0">
+                <a:solidFill>
+                  <a:schemeClr val="tx1"/>
+                </a:solidFill>
+              </a:rPr>
+              <a:t>OSMF Ad / </a:t>
+            </a:r>
+            <a:r>
+              <a:rPr lang="es-AR" sz="2000" dirty="0" err="1" smtClean="0">
+                <a:solidFill>
+                  <a:schemeClr val="tx1"/>
+                </a:solidFill>
+              </a:rPr>
+              <a:t>Analytics</a:t>
+            </a:r>
+            <a:r>
+              <a:rPr lang="es-AR" sz="2000" dirty="0" smtClean="0">
+                <a:solidFill>
+                  <a:schemeClr val="tx1"/>
+                </a:solidFill>
+              </a:rPr>
+              <a:t> </a:t>
+            </a:r>
+            <a:r>
+              <a:rPr lang="es-AR" sz="2000" dirty="0" err="1" smtClean="0">
+                <a:solidFill>
+                  <a:schemeClr val="tx1"/>
+                </a:solidFill>
+              </a:rPr>
+              <a:t>Plugins</a:t>
+            </a:r>
+            <a:r>
+              <a:rPr lang="es-AR" sz="2000" dirty="0" smtClean="0">
+                <a:solidFill>
+                  <a:schemeClr val="tx1"/>
+                </a:solidFill>
+              </a:rPr>
+              <a:t> </a:t>
+            </a:r>
+          </a:p>
+          <a:p>
+            <a:pPr marL="342900" lvl="1" indent="-342900">
+              <a:lnSpc>
+                <a:spcPct val="85000"/>
+              </a:lnSpc>
+              <a:spcBef>
+                <a:spcPts val="900"/>
+              </a:spcBef>
+            </a:pPr>
+            <a:r>
+              <a:rPr lang="es-AR" sz="2000" dirty="0" smtClean="0">
+                <a:solidFill>
+                  <a:schemeClr val="tx1"/>
+                </a:solidFill>
+              </a:rPr>
+              <a:t>Soporte para otros standards como VMAP</a:t>
+            </a:r>
+          </a:p>
+          <a:p>
+            <a:pPr marL="0" lvl="1" indent="0">
+              <a:lnSpc>
+                <a:spcPct val="85000"/>
+              </a:lnSpc>
+              <a:spcBef>
+                <a:spcPts val="900"/>
+              </a:spcBef>
+              <a:buNone/>
+            </a:pPr>
+            <a:endParaRPr lang="es-AR" sz="2000" dirty="0" smtClean="0">
+              <a:solidFill>
+                <a:schemeClr val="tx1"/>
+              </a:solidFill>
+            </a:endParaRPr>
+          </a:p>
+          <a:p>
+            <a:pPr marL="0" indent="0">
+              <a:spcBef>
+                <a:spcPts val="1200"/>
+              </a:spcBef>
+              <a:buNone/>
+            </a:pPr>
+            <a:endParaRPr lang="es-AR" sz="2800" dirty="0">
+              <a:solidFill>
+                <a:schemeClr val="tx1"/>
+              </a:solidFill>
+              <a:latin typeface="Segoe UI Light" pitchFamily="34" charset="0"/>
+            </a:endParaRPr>
+          </a:p>
+        </p:txBody>
+      </p:sp>
+      <p:sp>
+        <p:nvSpPr>
+          <p:cNvPr id="3" name="Rectangle 2"/>
+          <p:cNvSpPr/>
+          <p:nvPr/>
+        </p:nvSpPr>
+        <p:spPr>
+          <a:xfrm>
+            <a:off x="8607827" y="6292206"/>
+            <a:ext cx="3318473" cy="424732"/>
+          </a:xfrm>
+          <a:prstGeom prst="rect">
+            <a:avLst/>
+          </a:prstGeom>
+        </p:spPr>
+        <p:txBody>
+          <a:bodyPr wrap="none">
+            <a:spAutoFit/>
+          </a:bodyPr>
+          <a:lstStyle/>
+          <a:p>
+            <a:pPr>
+              <a:lnSpc>
+                <a:spcPct val="90000"/>
+              </a:lnSpc>
+              <a:spcBef>
+                <a:spcPct val="20000"/>
+              </a:spcBef>
+              <a:buSzPct val="80000"/>
+            </a:pPr>
+            <a:r>
+              <a:rPr lang="es-AR" sz="2400" dirty="0" smtClean="0">
+                <a:ea typeface="Gulim" panose="020B0600000101010101" pitchFamily="34" charset="-127"/>
+                <a:hlinkClick r:id="rId5"/>
+              </a:rPr>
+              <a:t>Descargar</a:t>
+            </a:r>
+            <a:r>
+              <a:rPr lang="es-AR" sz="2400" dirty="0" smtClean="0">
+                <a:ea typeface="Gulim" panose="020B0600000101010101" pitchFamily="34" charset="-127"/>
+              </a:rPr>
+              <a:t> cliente flash</a:t>
+            </a:r>
+            <a:endParaRPr lang="es-AR" sz="2400" dirty="0">
+              <a:ea typeface="Gulim" panose="020B0600000101010101" pitchFamily="34" charset="-127"/>
+            </a:endParaRPr>
+          </a:p>
+        </p:txBody>
+      </p:sp>
+      <p:pic>
+        <p:nvPicPr>
+          <p:cNvPr id="1026" name="Picture 2"/>
+          <p:cNvPicPr>
+            <a:picLocks noChangeAspect="1" noChangeArrowheads="1"/>
+          </p:cNvPicPr>
+          <p:nvPr/>
+        </p:nvPicPr>
+        <p:blipFill rotWithShape="1">
+          <a:blip r:embed="rId6">
+            <a:extLst>
+              <a:ext uri="{28A0092B-C50C-407E-A947-70E740481C1C}">
+                <a14:useLocalDpi xmlns:a14="http://schemas.microsoft.com/office/drawing/2010/main" val="0"/>
+              </a:ext>
+            </a:extLst>
+          </a:blip>
+          <a:srcRect t="6196"/>
+          <a:stretch/>
+        </p:blipFill>
+        <p:spPr bwMode="auto">
+          <a:xfrm>
+            <a:off x="6546792" y="2717769"/>
+            <a:ext cx="5325456" cy="3123569"/>
+          </a:xfrm>
+          <a:prstGeom prst="rect">
+            <a:avLst/>
+          </a:prstGeom>
+          <a:noFill/>
+          <a:ln>
+            <a:noFill/>
+          </a:ln>
+          <a:extLst>
+            <a:ext uri="{909E8E84-426E-40DD-AFC4-6F175D3DCCD1}">
+              <a14:hiddenFill xmlns:a14="http://schemas.microsoft.com/office/drawing/2010/main">
+                <a:solidFill>
+                  <a:srgbClr val="FFFFFF"/>
+                </a:solidFill>
+              </a14:hiddenFill>
+            </a:ext>
+            <a:ext uri="{91240B29-F687-4F45-9708-019B960494DF}">
+              <a14:hiddenLine xmlns:a14="http://schemas.microsoft.com/office/drawing/2010/main" w="9525">
+                <a:solidFill>
+                  <a:srgbClr val="000000"/>
+                </a:solidFill>
+                <a:miter lim="800000"/>
+                <a:headEnd/>
+                <a:tailEnd/>
+              </a14:hiddenLine>
+            </a:ext>
+          </a:extLst>
+        </p:spPr>
+      </p:pic>
+      <p:sp>
+        <p:nvSpPr>
+          <p:cNvPr id="9" name="Subtitle 2"/>
+          <p:cNvSpPr txBox="1">
+            <a:spLocks/>
+          </p:cNvSpPr>
+          <p:nvPr/>
+        </p:nvSpPr>
+        <p:spPr>
+          <a:xfrm>
+            <a:off x="609600" y="5944112"/>
+            <a:ext cx="8708604" cy="470856"/>
+          </a:xfrm>
+          <a:prstGeom prst="rect">
+            <a:avLst/>
+          </a:prstGeom>
+        </p:spPr>
+        <p:txBody>
+          <a:bodyPr/>
+          <a:lstStyle>
+            <a:lvl1pPr marL="342882" indent="-342882" algn="l" defTabSz="914354" rtl="0" eaLnBrk="1" latinLnBrk="0" hangingPunct="1">
+              <a:spcBef>
+                <a:spcPct val="20000"/>
+              </a:spcBef>
+              <a:buFont typeface="Arial" pitchFamily="34" charset="0"/>
+              <a:buChar char="•"/>
+              <a:defRPr sz="3200" kern="1200">
+                <a:solidFill>
+                  <a:schemeClr val="tx1"/>
+                </a:solidFill>
+                <a:latin typeface="Segoe UI" pitchFamily="34" charset="0"/>
+                <a:ea typeface="Segoe UI" pitchFamily="34" charset="0"/>
+                <a:cs typeface="Segoe UI" pitchFamily="34" charset="0"/>
+              </a:defRPr>
+            </a:lvl1pPr>
+            <a:lvl2pPr marL="742913" indent="-285737" algn="l" defTabSz="914354" rtl="0" eaLnBrk="1" latinLnBrk="0" hangingPunct="1">
+              <a:spcBef>
+                <a:spcPct val="20000"/>
+              </a:spcBef>
+              <a:buFont typeface="Arial" pitchFamily="34" charset="0"/>
+              <a:buChar char="–"/>
+              <a:defRPr sz="2800" kern="1200">
+                <a:solidFill>
+                  <a:schemeClr val="tx1"/>
+                </a:solidFill>
+                <a:latin typeface="Segoe UI" pitchFamily="34" charset="0"/>
+                <a:ea typeface="Segoe UI" pitchFamily="34" charset="0"/>
+                <a:cs typeface="Segoe UI" pitchFamily="34" charset="0"/>
+              </a:defRPr>
+            </a:lvl2pPr>
+            <a:lvl3pPr marL="1142942" indent="-228589" algn="l" defTabSz="914354" rtl="0" eaLnBrk="1" latinLnBrk="0" hangingPunct="1">
+              <a:spcBef>
+                <a:spcPct val="20000"/>
+              </a:spcBef>
+              <a:buFont typeface="Arial" pitchFamily="34" charset="0"/>
+              <a:buChar char="•"/>
+              <a:defRPr sz="2400" kern="1200">
+                <a:solidFill>
+                  <a:schemeClr val="tx1"/>
+                </a:solidFill>
+                <a:latin typeface="Segoe UI" pitchFamily="34" charset="0"/>
+                <a:ea typeface="Segoe UI" pitchFamily="34" charset="0"/>
+                <a:cs typeface="Segoe UI" pitchFamily="34" charset="0"/>
+              </a:defRPr>
+            </a:lvl3pPr>
+            <a:lvl4pPr marL="1600120" indent="-228589" algn="l" defTabSz="914354" rtl="0" eaLnBrk="1" latinLnBrk="0" hangingPunct="1">
+              <a:spcBef>
+                <a:spcPct val="20000"/>
+              </a:spcBef>
+              <a:buFont typeface="Arial" pitchFamily="34" charset="0"/>
+              <a:buChar char="–"/>
+              <a:defRPr sz="2000" kern="1200">
+                <a:solidFill>
+                  <a:schemeClr val="tx1"/>
+                </a:solidFill>
+                <a:latin typeface="Segoe UI" pitchFamily="34" charset="0"/>
+                <a:ea typeface="Segoe UI" pitchFamily="34" charset="0"/>
+                <a:cs typeface="Segoe UI" pitchFamily="34" charset="0"/>
+              </a:defRPr>
+            </a:lvl4pPr>
+            <a:lvl5pPr marL="2057298" indent="-228589" algn="l" defTabSz="914354" rtl="0" eaLnBrk="1" latinLnBrk="0" hangingPunct="1">
+              <a:spcBef>
+                <a:spcPct val="20000"/>
+              </a:spcBef>
+              <a:buFont typeface="Arial" pitchFamily="34" charset="0"/>
+              <a:buChar char="»"/>
+              <a:defRPr sz="2000" kern="1200">
+                <a:solidFill>
+                  <a:schemeClr val="tx1"/>
+                </a:solidFill>
+                <a:latin typeface="Segoe UI" pitchFamily="34" charset="0"/>
+                <a:ea typeface="Segoe UI" pitchFamily="34" charset="0"/>
+                <a:cs typeface="Segoe UI" pitchFamily="34" charset="0"/>
+              </a:defRPr>
+            </a:lvl5pPr>
+            <a:lvl6pPr marL="2514474" indent="-228589" algn="l" defTabSz="914354" rtl="0" eaLnBrk="1" latinLnBrk="0" hangingPunct="1">
+              <a:spcBef>
+                <a:spcPct val="20000"/>
+              </a:spcBef>
+              <a:buFont typeface="Arial" pitchFamily="34" charset="0"/>
+              <a:buChar char="•"/>
+              <a:defRPr sz="2000" kern="1200">
+                <a:solidFill>
+                  <a:schemeClr val="tx1"/>
+                </a:solidFill>
+                <a:latin typeface="+mn-lt"/>
+                <a:ea typeface="+mn-ea"/>
+                <a:cs typeface="+mn-cs"/>
+              </a:defRPr>
+            </a:lvl6pPr>
+            <a:lvl7pPr marL="2971652" indent="-228589" algn="l" defTabSz="914354" rtl="0" eaLnBrk="1" latinLnBrk="0" hangingPunct="1">
+              <a:spcBef>
+                <a:spcPct val="20000"/>
+              </a:spcBef>
+              <a:buFont typeface="Arial" pitchFamily="34" charset="0"/>
+              <a:buChar char="•"/>
+              <a:defRPr sz="2000" kern="1200">
+                <a:solidFill>
+                  <a:schemeClr val="tx1"/>
+                </a:solidFill>
+                <a:latin typeface="+mn-lt"/>
+                <a:ea typeface="+mn-ea"/>
+                <a:cs typeface="+mn-cs"/>
+              </a:defRPr>
+            </a:lvl7pPr>
+            <a:lvl8pPr marL="3428829" indent="-228589" algn="l" defTabSz="914354" rtl="0" eaLnBrk="1" latinLnBrk="0" hangingPunct="1">
+              <a:spcBef>
+                <a:spcPct val="20000"/>
+              </a:spcBef>
+              <a:buFont typeface="Arial" pitchFamily="34" charset="0"/>
+              <a:buChar char="•"/>
+              <a:defRPr sz="2000" kern="1200">
+                <a:solidFill>
+                  <a:schemeClr val="tx1"/>
+                </a:solidFill>
+                <a:latin typeface="+mn-lt"/>
+                <a:ea typeface="+mn-ea"/>
+                <a:cs typeface="+mn-cs"/>
+              </a:defRPr>
+            </a:lvl8pPr>
+            <a:lvl9pPr marL="3886006" indent="-228589" algn="l" defTabSz="914354" rtl="0" eaLnBrk="1" latinLnBrk="0" hangingPunct="1">
+              <a:spcBef>
+                <a:spcPct val="20000"/>
+              </a:spcBef>
+              <a:buFont typeface="Arial" pitchFamily="34" charset="0"/>
+              <a:buChar char="•"/>
+              <a:defRPr sz="2000" kern="1200">
+                <a:solidFill>
+                  <a:schemeClr val="tx1"/>
+                </a:solidFill>
+                <a:latin typeface="+mn-lt"/>
+                <a:ea typeface="+mn-ea"/>
+                <a:cs typeface="+mn-cs"/>
+              </a:defRPr>
+            </a:lvl9pPr>
+          </a:lstStyle>
+          <a:p>
+            <a:pPr marL="0" indent="0">
+              <a:buNone/>
+            </a:pPr>
+            <a:r>
+              <a:rPr lang="es-AR" sz="2000" dirty="0" smtClean="0"/>
+              <a:t>Ejemplo: Flash player para </a:t>
+            </a:r>
+            <a:r>
+              <a:rPr lang="es-AR" sz="2000" dirty="0" err="1" smtClean="0"/>
+              <a:t>Smooth</a:t>
+            </a:r>
+            <a:r>
+              <a:rPr lang="es-AR" sz="2000" dirty="0" smtClean="0"/>
+              <a:t> Streaming</a:t>
+            </a:r>
+          </a:p>
+          <a:p>
+            <a:pPr marL="0" indent="0">
+              <a:buNone/>
+            </a:pPr>
+            <a:r>
+              <a:rPr lang="es-AR" sz="2000" dirty="0" smtClean="0">
+                <a:hlinkClick r:id="rId7"/>
+              </a:rPr>
+              <a:t>http://techedmedia.blob.core.windows.net/flash/setup.html</a:t>
+            </a:r>
+            <a:endParaRPr lang="es-AR" sz="2000" dirty="0"/>
+          </a:p>
+        </p:txBody>
+      </p:sp>
+    </p:spTree>
+    <p:extLst>
+      <p:ext uri="{BB962C8B-B14F-4D97-AF65-F5344CB8AC3E}">
+        <p14:creationId xmlns:p14="http://schemas.microsoft.com/office/powerpoint/2010/main" val="1296547675"/>
+      </p:ext>
+    </p:extLst>
+  </p:cSld>
+  <p:clrMapOvr>
+    <a:masterClrMapping/>
+  </p:clrMapOvr>
+  <mc:AlternateContent xmlns:mc="http://schemas.openxmlformats.org/markup-compatibility/2006">
+    <mc:Choice xmlns:p14="http://schemas.microsoft.com/office/powerpoint/2010/main" Requires="p14">
+      <p:transition p14:dur="0"/>
+    </mc:Choice>
+    <mc:Fallback>
+      <p:transition/>
+    </mc:Fallback>
+  </mc:AlternateContent>
+  <p:timing>
+    <p:tnLst>
+      <p:par>
+        <p:cTn id="1" dur="indefinite" restart="never" nodeType="tmRoot"/>
+      </p:par>
+    </p:tnLst>
+  </p:timing>
+</p:sld>
+</file>
+
+<file path=ppt/slides/slide22.xml><?xml version="1.0" encoding="utf-8"?>
+<p:sld xmlns:a="http://schemas.openxmlformats.org/drawingml/2006/main" xmlns:r="http://schemas.openxmlformats.org/officeDocument/2006/relationships" xmlns:p="http://schemas.openxmlformats.org/presentationml/2006/main">
+  <p:cSld>
+    <p:spTree>
+      <p:nvGrpSpPr>
+        <p:cNvPr id="1" name=""/>
+        <p:cNvGrpSpPr/>
+        <p:nvPr/>
+      </p:nvGrpSpPr>
+      <p:grpSpPr>
+        <a:xfrm>
+          <a:off x="0" y="0"/>
+          <a:ext cx="0" cy="0"/>
+          <a:chOff x="0" y="0"/>
+          <a:chExt cx="0" cy="0"/>
+        </a:xfrm>
+      </p:grpSpPr>
+      <p:sp>
+        <p:nvSpPr>
+          <p:cNvPr id="2" name="Title 1"/>
+          <p:cNvSpPr>
+            <a:spLocks noGrp="1"/>
+          </p:cNvSpPr>
+          <p:nvPr>
+            <p:ph type="title"/>
+          </p:nvPr>
+        </p:nvSpPr>
+        <p:spPr/>
+        <p:txBody>
+          <a:bodyPr/>
+          <a:lstStyle/>
+          <a:p>
+            <a:r>
+              <a:rPr lang="en-US" dirty="0"/>
+              <a:t>iOS </a:t>
+            </a:r>
+            <a:r>
+              <a:rPr lang="en-US" dirty="0" smtClean="0"/>
+              <a:t>Player Framework (HLS) </a:t>
+            </a:r>
+            <a:endParaRPr lang="en-US" dirty="0"/>
+          </a:p>
+        </p:txBody>
+      </p:sp>
+      <p:pic>
+        <p:nvPicPr>
+          <p:cNvPr id="1026" name="Picture 3" descr="image008"/>
+          <p:cNvPicPr>
+            <a:picLocks noChangeAspect="1" noChangeArrowheads="1"/>
+          </p:cNvPicPr>
+          <p:nvPr/>
+        </p:nvPicPr>
+        <p:blipFill rotWithShape="1">
+          <a:blip r:embed="rId3">
+            <a:extLst>
+              <a:ext uri="{28A0092B-C50C-407E-A947-70E740481C1C}">
+                <a14:useLocalDpi xmlns:a14="http://schemas.microsoft.com/office/drawing/2010/main" val="0"/>
+              </a:ext>
+            </a:extLst>
+          </a:blip>
+          <a:srcRect r="987"/>
+          <a:stretch/>
+        </p:blipFill>
+        <p:spPr bwMode="auto">
+          <a:xfrm>
+            <a:off x="711074" y="1803424"/>
+            <a:ext cx="5202077" cy="4112704"/>
+          </a:xfrm>
+          <a:prstGeom prst="rect">
+            <a:avLst/>
+          </a:prstGeom>
+          <a:ln>
+            <a:noFill/>
+          </a:ln>
+          <a:effectLst>
+            <a:outerShdw blurRad="88900" algn="tl" rotWithShape="0">
+              <a:srgbClr val="000000">
+                <a:alpha val="70000"/>
+              </a:srgbClr>
+            </a:outerShdw>
+          </a:effectLst>
+          <a:extLst>
+            <a:ext uri="{909E8E84-426E-40DD-AFC4-6F175D3DCCD1}">
+              <a14:hiddenFill xmlns:a14="http://schemas.microsoft.com/office/drawing/2010/main">
+                <a:solidFill>
+                  <a:srgbClr val="FFFFFF"/>
+                </a:solidFill>
+              </a14:hiddenFill>
+            </a:ext>
+            <a:ext uri="{91240B29-F687-4F45-9708-019B960494DF}">
+              <a14:hiddenLine xmlns:a14="http://schemas.microsoft.com/office/drawing/2010/main" w="9525">
+                <a:solidFill>
+                  <a:srgbClr val="000000"/>
+                </a:solidFill>
+                <a:miter lim="800000"/>
+                <a:headEnd/>
+                <a:tailEnd/>
+              </a14:hiddenLine>
+            </a:ext>
+          </a:extLst>
+        </p:spPr>
+      </p:pic>
+      <p:sp>
+        <p:nvSpPr>
+          <p:cNvPr id="3" name="Rectangle 2"/>
+          <p:cNvSpPr/>
+          <p:nvPr/>
+        </p:nvSpPr>
+        <p:spPr>
+          <a:xfrm>
+            <a:off x="6155538" y="1805910"/>
+            <a:ext cx="6091961" cy="4647426"/>
+          </a:xfrm>
+          <a:prstGeom prst="rect">
+            <a:avLst/>
+          </a:prstGeom>
+        </p:spPr>
+        <p:txBody>
+          <a:bodyPr>
+            <a:spAutoFit/>
+          </a:bodyPr>
+          <a:lstStyle/>
+          <a:p>
+            <a:r>
+              <a:rPr lang="es-AR" sz="2800" dirty="0" smtClean="0">
+                <a:solidFill>
+                  <a:schemeClr val="accent6">
+                    <a:alpha val="99000"/>
+                  </a:schemeClr>
+                </a:solidFill>
+              </a:rPr>
+              <a:t>Features</a:t>
+            </a:r>
+          </a:p>
+          <a:p>
+            <a:pPr marL="800012" indent="-342900">
+              <a:buFont typeface="Arial" panose="020B0604020202020204" pitchFamily="34" charset="0"/>
+              <a:buChar char="•"/>
+            </a:pPr>
+            <a:r>
+              <a:rPr lang="es-AR" sz="2000" dirty="0" smtClean="0">
+                <a:solidFill>
+                  <a:schemeClr val="tx1">
+                    <a:lumMod val="75000"/>
+                    <a:lumOff val="25000"/>
+                    <a:alpha val="99000"/>
+                  </a:schemeClr>
+                </a:solidFill>
+              </a:rPr>
+              <a:t>Pre, </a:t>
+            </a:r>
+            <a:r>
+              <a:rPr lang="es-AR" sz="2000" dirty="0" err="1" smtClean="0">
+                <a:solidFill>
+                  <a:schemeClr val="tx1">
+                    <a:lumMod val="75000"/>
+                    <a:lumOff val="25000"/>
+                    <a:alpha val="99000"/>
+                  </a:schemeClr>
+                </a:solidFill>
+              </a:rPr>
+              <a:t>Mid</a:t>
+            </a:r>
+            <a:r>
+              <a:rPr lang="es-AR" sz="2000" dirty="0" smtClean="0">
+                <a:solidFill>
+                  <a:schemeClr val="tx1">
+                    <a:lumMod val="75000"/>
+                    <a:lumOff val="25000"/>
+                    <a:alpha val="99000"/>
+                  </a:schemeClr>
+                </a:solidFill>
+              </a:rPr>
+              <a:t>, Post-roll y Ad-</a:t>
+            </a:r>
+            <a:r>
+              <a:rPr lang="es-AR" sz="2000" dirty="0" err="1" smtClean="0">
+                <a:solidFill>
+                  <a:schemeClr val="tx1">
+                    <a:lumMod val="75000"/>
+                    <a:lumOff val="25000"/>
+                    <a:alpha val="99000"/>
+                  </a:schemeClr>
+                </a:solidFill>
+              </a:rPr>
+              <a:t>Pod</a:t>
+            </a:r>
+            <a:endParaRPr lang="es-AR" sz="2000" dirty="0" smtClean="0">
+              <a:solidFill>
+                <a:schemeClr val="tx1">
+                  <a:lumMod val="75000"/>
+                  <a:lumOff val="25000"/>
+                  <a:alpha val="99000"/>
+                </a:schemeClr>
+              </a:solidFill>
+            </a:endParaRPr>
+          </a:p>
+          <a:p>
+            <a:pPr marL="800012" indent="-342900">
+              <a:buFont typeface="Arial" panose="020B0604020202020204" pitchFamily="34" charset="0"/>
+              <a:buChar char="•"/>
+            </a:pPr>
+            <a:r>
+              <a:rPr lang="es-AR" sz="2000" dirty="0" err="1" smtClean="0">
+                <a:solidFill>
+                  <a:schemeClr val="tx1">
+                    <a:lumMod val="75000"/>
+                    <a:lumOff val="25000"/>
+                    <a:alpha val="99000"/>
+                  </a:schemeClr>
+                </a:solidFill>
+              </a:rPr>
+              <a:t>Progressive</a:t>
+            </a:r>
+            <a:r>
+              <a:rPr lang="es-AR" sz="2000" dirty="0" smtClean="0">
+                <a:solidFill>
+                  <a:schemeClr val="tx1">
+                    <a:lumMod val="75000"/>
+                    <a:lumOff val="25000"/>
+                    <a:alpha val="99000"/>
+                  </a:schemeClr>
+                </a:solidFill>
+              </a:rPr>
+              <a:t> </a:t>
+            </a:r>
+            <a:r>
+              <a:rPr lang="es-AR" sz="2000" dirty="0" err="1" smtClean="0">
+                <a:solidFill>
+                  <a:schemeClr val="tx1">
+                    <a:lumMod val="75000"/>
+                    <a:lumOff val="25000"/>
+                    <a:alpha val="99000"/>
+                  </a:schemeClr>
+                </a:solidFill>
+              </a:rPr>
+              <a:t>download</a:t>
+            </a:r>
+            <a:r>
+              <a:rPr lang="es-AR" sz="2000" dirty="0" smtClean="0">
+                <a:solidFill>
+                  <a:schemeClr val="tx1">
+                    <a:lumMod val="75000"/>
+                    <a:lumOff val="25000"/>
+                    <a:alpha val="99000"/>
+                  </a:schemeClr>
+                </a:solidFill>
+              </a:rPr>
+              <a:t> y  HLS</a:t>
+            </a:r>
+          </a:p>
+          <a:p>
+            <a:pPr marL="800012" indent="-342900">
+              <a:buFont typeface="Arial" panose="020B0604020202020204" pitchFamily="34" charset="0"/>
+              <a:buChar char="•"/>
+            </a:pPr>
+            <a:r>
+              <a:rPr lang="es-AR" sz="2000" dirty="0" smtClean="0">
+                <a:solidFill>
+                  <a:schemeClr val="tx1">
+                    <a:lumMod val="75000"/>
+                    <a:lumOff val="25000"/>
+                    <a:alpha val="99000"/>
+                  </a:schemeClr>
+                </a:solidFill>
+              </a:rPr>
+              <a:t>VOD y Live Streaming</a:t>
+            </a:r>
+          </a:p>
+          <a:p>
+            <a:pPr marL="800012" indent="-342900">
+              <a:buFont typeface="Arial" panose="020B0604020202020204" pitchFamily="34" charset="0"/>
+              <a:buChar char="•"/>
+            </a:pPr>
+            <a:r>
+              <a:rPr lang="es-AR" sz="2000" dirty="0" smtClean="0">
+                <a:solidFill>
+                  <a:schemeClr val="tx1">
+                    <a:lumMod val="75000"/>
+                    <a:lumOff val="25000"/>
+                    <a:alpha val="99000"/>
+                  </a:schemeClr>
+                </a:solidFill>
+              </a:rPr>
+              <a:t>Formato standards Ad (VAST, VMAP)</a:t>
+            </a:r>
+          </a:p>
+          <a:p>
+            <a:pPr marL="457112"/>
+            <a:endParaRPr lang="es-AR" sz="2400" dirty="0" smtClean="0">
+              <a:solidFill>
+                <a:schemeClr val="accent2">
+                  <a:alpha val="99000"/>
+                </a:schemeClr>
+              </a:solidFill>
+              <a:latin typeface="Segoe UI Light" pitchFamily="34" charset="0"/>
+            </a:endParaRPr>
+          </a:p>
+          <a:p>
+            <a:r>
+              <a:rPr lang="es-AR" sz="2800" dirty="0" smtClean="0">
+                <a:solidFill>
+                  <a:schemeClr val="accent6">
+                    <a:alpha val="99000"/>
+                  </a:schemeClr>
+                </a:solidFill>
+              </a:rPr>
+              <a:t>Performance</a:t>
+            </a:r>
+          </a:p>
+          <a:p>
+            <a:pPr marL="800012" lvl="1" indent="-342900">
+              <a:buFont typeface="Arial" panose="020B0604020202020204" pitchFamily="34" charset="0"/>
+              <a:buChar char="•"/>
+            </a:pPr>
+            <a:r>
+              <a:rPr lang="es-AR" sz="2000" dirty="0" smtClean="0">
+                <a:solidFill>
+                  <a:schemeClr val="tx1">
+                    <a:lumMod val="75000"/>
+                    <a:lumOff val="25000"/>
+                    <a:alpha val="99000"/>
+                  </a:schemeClr>
+                </a:solidFill>
+              </a:rPr>
+              <a:t>Transición fluida del Ad al contenido principal y entre Ads (basado en </a:t>
+            </a:r>
+            <a:r>
+              <a:rPr lang="es-AR" sz="2000" dirty="0" err="1" smtClean="0">
+                <a:solidFill>
+                  <a:schemeClr val="tx1">
+                    <a:lumMod val="75000"/>
+                    <a:lumOff val="25000"/>
+                    <a:alpha val="99000"/>
+                  </a:schemeClr>
+                </a:solidFill>
+              </a:rPr>
+              <a:t>AVPlayer</a:t>
+            </a:r>
+            <a:r>
+              <a:rPr lang="es-AR" sz="2000" dirty="0" smtClean="0">
+                <a:solidFill>
+                  <a:schemeClr val="tx1">
+                    <a:lumMod val="75000"/>
+                    <a:lumOff val="25000"/>
+                    <a:alpha val="99000"/>
+                  </a:schemeClr>
+                </a:solidFill>
+              </a:rPr>
+              <a:t>)</a:t>
+            </a:r>
+          </a:p>
+          <a:p>
+            <a:pPr marL="457112" lvl="1"/>
+            <a:r>
+              <a:rPr lang="es-AR" sz="1600" dirty="0" smtClean="0">
+                <a:solidFill>
+                  <a:schemeClr val="tx1">
+                    <a:lumMod val="75000"/>
+                    <a:lumOff val="25000"/>
+                    <a:alpha val="99000"/>
+                  </a:schemeClr>
+                </a:solidFill>
+              </a:rPr>
+              <a:t>	</a:t>
+            </a:r>
+            <a:endParaRPr lang="es-AR" sz="2000" dirty="0" smtClean="0">
+              <a:solidFill>
+                <a:schemeClr val="tx1">
+                  <a:lumMod val="75000"/>
+                  <a:lumOff val="25000"/>
+                  <a:alpha val="99000"/>
+                </a:schemeClr>
+              </a:solidFill>
+            </a:endParaRPr>
+          </a:p>
+          <a:p>
+            <a:r>
+              <a:rPr lang="es-AR" sz="3200" dirty="0" smtClean="0">
+                <a:solidFill>
+                  <a:schemeClr val="accent6">
+                    <a:alpha val="99000"/>
+                  </a:schemeClr>
+                </a:solidFill>
+              </a:rPr>
+              <a:t>Futuro</a:t>
+            </a:r>
+          </a:p>
+          <a:p>
+            <a:pPr marL="799946" lvl="1" indent="-342834">
+              <a:buFont typeface="Arial" panose="020B0604020202020204" pitchFamily="34" charset="0"/>
+              <a:buChar char="•"/>
+            </a:pPr>
+            <a:r>
+              <a:rPr lang="es-AR" sz="2000" dirty="0" smtClean="0">
+                <a:solidFill>
+                  <a:schemeClr val="tx1">
+                    <a:lumMod val="75000"/>
+                    <a:lumOff val="25000"/>
+                    <a:alpha val="99000"/>
+                  </a:schemeClr>
+                </a:solidFill>
+              </a:rPr>
+              <a:t>Servicios para encriptación AES</a:t>
+            </a:r>
+          </a:p>
+          <a:p>
+            <a:pPr marL="799946" lvl="1" indent="-342834">
+              <a:buFont typeface="Arial" panose="020B0604020202020204" pitchFamily="34" charset="0"/>
+              <a:buChar char="•"/>
+            </a:pPr>
+            <a:endParaRPr lang="es-AR" sz="2400" dirty="0">
+              <a:solidFill>
+                <a:schemeClr val="tx1">
+                  <a:lumMod val="75000"/>
+                  <a:lumOff val="25000"/>
+                  <a:alpha val="99000"/>
+                </a:schemeClr>
+              </a:solidFill>
+            </a:endParaRPr>
+          </a:p>
+        </p:txBody>
+      </p:sp>
+      <p:sp>
+        <p:nvSpPr>
+          <p:cNvPr id="4" name="Rectangle 3"/>
+          <p:cNvSpPr/>
+          <p:nvPr/>
+        </p:nvSpPr>
+        <p:spPr>
+          <a:xfrm>
+            <a:off x="1064947" y="5927045"/>
+            <a:ext cx="4050083" cy="338554"/>
+          </a:xfrm>
+          <a:prstGeom prst="rect">
+            <a:avLst/>
+          </a:prstGeom>
+        </p:spPr>
+        <p:txBody>
+          <a:bodyPr wrap="none">
+            <a:spAutoFit/>
+          </a:bodyPr>
+          <a:lstStyle/>
+          <a:p>
+            <a:r>
+              <a:rPr lang="es-AR" sz="1600" dirty="0" smtClean="0">
+                <a:solidFill>
+                  <a:schemeClr val="tx1">
+                    <a:lumMod val="75000"/>
+                    <a:lumOff val="25000"/>
+                    <a:alpha val="99000"/>
+                  </a:schemeClr>
+                </a:solidFill>
+              </a:rPr>
+              <a:t>Ejemplo de iOS player publicado en </a:t>
+            </a:r>
+            <a:r>
+              <a:rPr lang="es-AR" sz="1600" dirty="0" smtClean="0">
+                <a:solidFill>
+                  <a:schemeClr val="tx1">
+                    <a:lumMod val="75000"/>
+                    <a:lumOff val="25000"/>
+                    <a:alpha val="99000"/>
+                  </a:schemeClr>
+                </a:solidFill>
+                <a:hlinkClick r:id="rId4"/>
+              </a:rPr>
+              <a:t>github</a:t>
+            </a:r>
+            <a:endParaRPr lang="es-AR" sz="1600" dirty="0"/>
+          </a:p>
+        </p:txBody>
+      </p:sp>
+      <p:sp>
+        <p:nvSpPr>
+          <p:cNvPr id="6" name="Rectangle 5"/>
+          <p:cNvSpPr/>
+          <p:nvPr/>
+        </p:nvSpPr>
+        <p:spPr>
+          <a:xfrm>
+            <a:off x="585654" y="1196752"/>
+            <a:ext cx="10803663" cy="394082"/>
+          </a:xfrm>
+          <a:prstGeom prst="rect">
+            <a:avLst/>
+          </a:prstGeom>
+        </p:spPr>
+        <p:txBody>
+          <a:bodyPr wrap="none">
+            <a:spAutoFit/>
+          </a:bodyPr>
+          <a:lstStyle/>
+          <a:p>
+            <a:r>
+              <a:rPr lang="es-AR" sz="1961" dirty="0" smtClean="0"/>
+              <a:t>Permite construir aplicaciones iOS nativas para reproducir video con inserción dinámica de Ads</a:t>
+            </a:r>
+          </a:p>
+        </p:txBody>
+      </p:sp>
+    </p:spTree>
+    <p:extLst>
+      <p:ext uri="{BB962C8B-B14F-4D97-AF65-F5344CB8AC3E}">
+        <p14:creationId xmlns:p14="http://schemas.microsoft.com/office/powerpoint/2010/main" val="255204181"/>
+      </p:ext>
+    </p:extLst>
+  </p:cSld>
+  <p:clrMapOvr>
+    <a:masterClrMapping/>
+  </p:clrMapOvr>
+  <mc:AlternateContent xmlns:mc="http://schemas.openxmlformats.org/markup-compatibility/2006">
+    <mc:Choice xmlns:p14="http://schemas.microsoft.com/office/powerpoint/2010/main" Requires="p14">
+      <p:transition p14:dur="0"/>
+    </mc:Choice>
+    <mc:Fallback>
+      <p:transition/>
+    </mc:Fallback>
+  </mc:AlternateContent>
+  <p:timing>
+    <p:tnLst>
+      <p:par>
+        <p:cTn id="1" dur="indefinite" restart="never" nodeType="tmRoot">
+          <p:childTnLst>
+            <p:seq concurrent="1" nextAc="seek">
+              <p:cTn id="2" dur="indefinite" nodeType="mainSeq">
+                <p:childTnLst>
+                  <p:par>
+                    <p:cTn id="3" fill="hold">
+                      <p:stCondLst>
+                        <p:cond delay="indefinite"/>
+                      </p:stCondLst>
+                      <p:childTnLst>
+                        <p:par>
+                          <p:cTn id="4" fill="hold">
+                            <p:stCondLst>
+                              <p:cond delay="0"/>
+                            </p:stCondLst>
+                            <p:childTnLst>
+                              <p:par>
+                                <p:cTn id="5" presetID="10" presetClass="entr" presetSubtype="0" fill="hold" grpId="0" nodeType="clickEffect">
+                                  <p:stCondLst>
+                                    <p:cond delay="0"/>
+                                  </p:stCondLst>
+                                  <p:childTnLst>
+                                    <p:set>
+                                      <p:cBhvr>
+                                        <p:cTn id="6" dur="1" fill="hold">
+                                          <p:stCondLst>
+                                            <p:cond delay="0"/>
+                                          </p:stCondLst>
+                                        </p:cTn>
+                                        <p:tgtEl>
+                                          <p:spTgt spid="3">
+                                            <p:txEl>
+                                              <p:pRg st="0" end="0"/>
+                                            </p:txEl>
+                                          </p:spTgt>
+                                        </p:tgtEl>
+                                        <p:attrNameLst>
+                                          <p:attrName>style.visibility</p:attrName>
+                                        </p:attrNameLst>
+                                      </p:cBhvr>
+                                      <p:to>
+                                        <p:strVal val="visible"/>
+                                      </p:to>
+                                    </p:set>
+                                    <p:animEffect transition="in" filter="fade">
+                                      <p:cBhvr>
+                                        <p:cTn id="7" dur="500"/>
+                                        <p:tgtEl>
+                                          <p:spTgt spid="3">
+                                            <p:txEl>
+                                              <p:pRg st="0" end="0"/>
+                                            </p:txEl>
+                                          </p:spTgt>
+                                        </p:tgtEl>
+                                      </p:cBhvr>
+                                    </p:animEffect>
+                                  </p:childTnLst>
+                                </p:cTn>
+                              </p:par>
+                            </p:childTnLst>
+                          </p:cTn>
+                        </p:par>
+                      </p:childTnLst>
+                    </p:cTn>
+                  </p:par>
+                  <p:par>
+                    <p:cTn id="8" fill="hold">
+                      <p:stCondLst>
+                        <p:cond delay="indefinite"/>
+                      </p:stCondLst>
+                      <p:childTnLst>
+                        <p:par>
+                          <p:cTn id="9" fill="hold">
+                            <p:stCondLst>
+                              <p:cond delay="0"/>
+                            </p:stCondLst>
+                            <p:childTnLst>
+                              <p:par>
+                                <p:cTn id="10" presetID="10" presetClass="entr" presetSubtype="0" fill="hold" grpId="0" nodeType="clickEffect">
+                                  <p:stCondLst>
+                                    <p:cond delay="0"/>
+                                  </p:stCondLst>
+                                  <p:childTnLst>
+                                    <p:set>
+                                      <p:cBhvr>
+                                        <p:cTn id="11" dur="1" fill="hold">
+                                          <p:stCondLst>
+                                            <p:cond delay="0"/>
+                                          </p:stCondLst>
+                                        </p:cTn>
+                                        <p:tgtEl>
+                                          <p:spTgt spid="3">
+                                            <p:txEl>
+                                              <p:pRg st="1" end="1"/>
+                                            </p:txEl>
+                                          </p:spTgt>
+                                        </p:tgtEl>
+                                        <p:attrNameLst>
+                                          <p:attrName>style.visibility</p:attrName>
+                                        </p:attrNameLst>
+                                      </p:cBhvr>
+                                      <p:to>
+                                        <p:strVal val="visible"/>
+                                      </p:to>
+                                    </p:set>
+                                    <p:animEffect transition="in" filter="fade">
+                                      <p:cBhvr>
+                                        <p:cTn id="12" dur="500"/>
+                                        <p:tgtEl>
+                                          <p:spTgt spid="3">
+                                            <p:txEl>
+                                              <p:pRg st="1" end="1"/>
+                                            </p:txEl>
+                                          </p:spTgt>
+                                        </p:tgtEl>
+                                      </p:cBhvr>
+                                    </p:animEffect>
+                                  </p:childTnLst>
+                                </p:cTn>
+                              </p:par>
+                              <p:par>
+                                <p:cTn id="13" presetID="10" presetClass="entr" presetSubtype="0" fill="hold" grpId="0" nodeType="withEffect">
+                                  <p:stCondLst>
+                                    <p:cond delay="0"/>
+                                  </p:stCondLst>
+                                  <p:childTnLst>
+                                    <p:set>
+                                      <p:cBhvr>
+                                        <p:cTn id="14" dur="1" fill="hold">
+                                          <p:stCondLst>
+                                            <p:cond delay="0"/>
+                                          </p:stCondLst>
+                                        </p:cTn>
+                                        <p:tgtEl>
+                                          <p:spTgt spid="3">
+                                            <p:txEl>
+                                              <p:pRg st="2" end="2"/>
+                                            </p:txEl>
+                                          </p:spTgt>
+                                        </p:tgtEl>
+                                        <p:attrNameLst>
+                                          <p:attrName>style.visibility</p:attrName>
+                                        </p:attrNameLst>
+                                      </p:cBhvr>
+                                      <p:to>
+                                        <p:strVal val="visible"/>
+                                      </p:to>
+                                    </p:set>
+                                    <p:animEffect transition="in" filter="fade">
+                                      <p:cBhvr>
+                                        <p:cTn id="15" dur="500"/>
+                                        <p:tgtEl>
+                                          <p:spTgt spid="3">
+                                            <p:txEl>
+                                              <p:pRg st="2" end="2"/>
+                                            </p:txEl>
+                                          </p:spTgt>
+                                        </p:tgtEl>
+                                      </p:cBhvr>
+                                    </p:animEffect>
+                                  </p:childTnLst>
+                                </p:cTn>
+                              </p:par>
+                              <p:par>
+                                <p:cTn id="16" presetID="10" presetClass="entr" presetSubtype="0" fill="hold" grpId="0" nodeType="withEffect">
+                                  <p:stCondLst>
+                                    <p:cond delay="0"/>
+                                  </p:stCondLst>
+                                  <p:childTnLst>
+                                    <p:set>
+                                      <p:cBhvr>
+                                        <p:cTn id="17" dur="1" fill="hold">
+                                          <p:stCondLst>
+                                            <p:cond delay="0"/>
+                                          </p:stCondLst>
+                                        </p:cTn>
+                                        <p:tgtEl>
+                                          <p:spTgt spid="3">
+                                            <p:txEl>
+                                              <p:pRg st="3" end="3"/>
+                                            </p:txEl>
+                                          </p:spTgt>
+                                        </p:tgtEl>
+                                        <p:attrNameLst>
+                                          <p:attrName>style.visibility</p:attrName>
+                                        </p:attrNameLst>
+                                      </p:cBhvr>
+                                      <p:to>
+                                        <p:strVal val="visible"/>
+                                      </p:to>
+                                    </p:set>
+                                    <p:animEffect transition="in" filter="fade">
+                                      <p:cBhvr>
+                                        <p:cTn id="18" dur="500"/>
+                                        <p:tgtEl>
+                                          <p:spTgt spid="3">
+                                            <p:txEl>
+                                              <p:pRg st="3" end="3"/>
+                                            </p:txEl>
+                                          </p:spTgt>
+                                        </p:tgtEl>
+                                      </p:cBhvr>
+                                    </p:animEffect>
+                                  </p:childTnLst>
+                                </p:cTn>
+                              </p:par>
+                              <p:par>
+                                <p:cTn id="19" presetID="10" presetClass="entr" presetSubtype="0" fill="hold" grpId="0" nodeType="withEffect">
+                                  <p:stCondLst>
+                                    <p:cond delay="0"/>
+                                  </p:stCondLst>
+                                  <p:childTnLst>
+                                    <p:set>
+                                      <p:cBhvr>
+                                        <p:cTn id="20" dur="1" fill="hold">
+                                          <p:stCondLst>
+                                            <p:cond delay="0"/>
+                                          </p:stCondLst>
+                                        </p:cTn>
+                                        <p:tgtEl>
+                                          <p:spTgt spid="3">
+                                            <p:txEl>
+                                              <p:pRg st="4" end="4"/>
+                                            </p:txEl>
+                                          </p:spTgt>
+                                        </p:tgtEl>
+                                        <p:attrNameLst>
+                                          <p:attrName>style.visibility</p:attrName>
+                                        </p:attrNameLst>
+                                      </p:cBhvr>
+                                      <p:to>
+                                        <p:strVal val="visible"/>
+                                      </p:to>
+                                    </p:set>
+                                    <p:animEffect transition="in" filter="fade">
+                                      <p:cBhvr>
+                                        <p:cTn id="21" dur="500"/>
+                                        <p:tgtEl>
+                                          <p:spTgt spid="3">
+                                            <p:txEl>
+                                              <p:pRg st="4" end="4"/>
+                                            </p:txEl>
+                                          </p:spTgt>
+                                        </p:tgtEl>
+                                      </p:cBhvr>
+                                    </p:animEffect>
+                                  </p:childTnLst>
+                                </p:cTn>
+                              </p:par>
+                            </p:childTnLst>
+                          </p:cTn>
+                        </p:par>
+                      </p:childTnLst>
+                    </p:cTn>
+                  </p:par>
+                  <p:par>
+                    <p:cTn id="22" fill="hold">
+                      <p:stCondLst>
+                        <p:cond delay="indefinite"/>
+                      </p:stCondLst>
+                      <p:childTnLst>
+                        <p:par>
+                          <p:cTn id="23" fill="hold">
+                            <p:stCondLst>
+                              <p:cond delay="0"/>
+                            </p:stCondLst>
+                            <p:childTnLst>
+                              <p:par>
+                                <p:cTn id="24" presetID="10" presetClass="entr" presetSubtype="0" fill="hold" grpId="0" nodeType="clickEffect">
+                                  <p:stCondLst>
+                                    <p:cond delay="0"/>
+                                  </p:stCondLst>
+                                  <p:childTnLst>
+                                    <p:set>
+                                      <p:cBhvr>
+                                        <p:cTn id="25" dur="1" fill="hold">
+                                          <p:stCondLst>
+                                            <p:cond delay="0"/>
+                                          </p:stCondLst>
+                                        </p:cTn>
+                                        <p:tgtEl>
+                                          <p:spTgt spid="3">
+                                            <p:txEl>
+                                              <p:pRg st="6" end="6"/>
+                                            </p:txEl>
+                                          </p:spTgt>
+                                        </p:tgtEl>
+                                        <p:attrNameLst>
+                                          <p:attrName>style.visibility</p:attrName>
+                                        </p:attrNameLst>
+                                      </p:cBhvr>
+                                      <p:to>
+                                        <p:strVal val="visible"/>
+                                      </p:to>
+                                    </p:set>
+                                    <p:animEffect transition="in" filter="fade">
+                                      <p:cBhvr>
+                                        <p:cTn id="26" dur="500"/>
+                                        <p:tgtEl>
+                                          <p:spTgt spid="3">
+                                            <p:txEl>
+                                              <p:pRg st="6" end="6"/>
+                                            </p:txEl>
+                                          </p:spTgt>
+                                        </p:tgtEl>
+                                      </p:cBhvr>
+                                    </p:animEffect>
+                                  </p:childTnLst>
+                                </p:cTn>
+                              </p:par>
+                              <p:par>
+                                <p:cTn id="27" presetID="10" presetClass="entr" presetSubtype="0" fill="hold" grpId="0" nodeType="withEffect">
+                                  <p:stCondLst>
+                                    <p:cond delay="0"/>
+                                  </p:stCondLst>
+                                  <p:childTnLst>
+                                    <p:set>
+                                      <p:cBhvr>
+                                        <p:cTn id="28" dur="1" fill="hold">
+                                          <p:stCondLst>
+                                            <p:cond delay="0"/>
+                                          </p:stCondLst>
+                                        </p:cTn>
+                                        <p:tgtEl>
+                                          <p:spTgt spid="3">
+                                            <p:txEl>
+                                              <p:pRg st="7" end="7"/>
+                                            </p:txEl>
+                                          </p:spTgt>
+                                        </p:tgtEl>
+                                        <p:attrNameLst>
+                                          <p:attrName>style.visibility</p:attrName>
+                                        </p:attrNameLst>
+                                      </p:cBhvr>
+                                      <p:to>
+                                        <p:strVal val="visible"/>
+                                      </p:to>
+                                    </p:set>
+                                    <p:animEffect transition="in" filter="fade">
+                                      <p:cBhvr>
+                                        <p:cTn id="29" dur="500"/>
+                                        <p:tgtEl>
+                                          <p:spTgt spid="3">
+                                            <p:txEl>
+                                              <p:pRg st="7" end="7"/>
+                                            </p:txEl>
+                                          </p:spTgt>
+                                        </p:tgtEl>
+                                      </p:cBhvr>
+                                    </p:animEffect>
+                                  </p:childTnLst>
+                                </p:cTn>
+                              </p:par>
+                              <p:par>
+                                <p:cTn id="30" presetID="10" presetClass="entr" presetSubtype="0" fill="hold" grpId="0" nodeType="withEffect">
+                                  <p:stCondLst>
+                                    <p:cond delay="0"/>
+                                  </p:stCondLst>
+                                  <p:childTnLst>
+                                    <p:set>
+                                      <p:cBhvr>
+                                        <p:cTn id="31" dur="1" fill="hold">
+                                          <p:stCondLst>
+                                            <p:cond delay="0"/>
+                                          </p:stCondLst>
+                                        </p:cTn>
+                                        <p:tgtEl>
+                                          <p:spTgt spid="3">
+                                            <p:txEl>
+                                              <p:pRg st="8" end="8"/>
+                                            </p:txEl>
+                                          </p:spTgt>
+                                        </p:tgtEl>
+                                        <p:attrNameLst>
+                                          <p:attrName>style.visibility</p:attrName>
+                                        </p:attrNameLst>
+                                      </p:cBhvr>
+                                      <p:to>
+                                        <p:strVal val="visible"/>
+                                      </p:to>
+                                    </p:set>
+                                    <p:animEffect transition="in" filter="fade">
+                                      <p:cBhvr>
+                                        <p:cTn id="32" dur="500"/>
+                                        <p:tgtEl>
+                                          <p:spTgt spid="3">
+                                            <p:txEl>
+                                              <p:pRg st="8" end="8"/>
+                                            </p:txEl>
+                                          </p:spTgt>
+                                        </p:tgtEl>
+                                      </p:cBhvr>
+                                    </p:animEffect>
+                                  </p:childTnLst>
+                                </p:cTn>
+                              </p:par>
+                            </p:childTnLst>
+                          </p:cTn>
+                        </p:par>
+                      </p:childTnLst>
+                    </p:cTn>
+                  </p:par>
+                  <p:par>
+                    <p:cTn id="33" fill="hold">
+                      <p:stCondLst>
+                        <p:cond delay="indefinite"/>
+                      </p:stCondLst>
+                      <p:childTnLst>
+                        <p:par>
+                          <p:cTn id="34" fill="hold">
+                            <p:stCondLst>
+                              <p:cond delay="0"/>
+                            </p:stCondLst>
+                            <p:childTnLst>
+                              <p:par>
+                                <p:cTn id="35" presetID="10" presetClass="entr" presetSubtype="0" fill="hold" grpId="0" nodeType="clickEffect">
+                                  <p:stCondLst>
+                                    <p:cond delay="0"/>
+                                  </p:stCondLst>
+                                  <p:childTnLst>
+                                    <p:set>
+                                      <p:cBhvr>
+                                        <p:cTn id="36" dur="1" fill="hold">
+                                          <p:stCondLst>
+                                            <p:cond delay="0"/>
+                                          </p:stCondLst>
+                                        </p:cTn>
+                                        <p:tgtEl>
+                                          <p:spTgt spid="3">
+                                            <p:txEl>
+                                              <p:pRg st="9" end="9"/>
+                                            </p:txEl>
+                                          </p:spTgt>
+                                        </p:tgtEl>
+                                        <p:attrNameLst>
+                                          <p:attrName>style.visibility</p:attrName>
+                                        </p:attrNameLst>
+                                      </p:cBhvr>
+                                      <p:to>
+                                        <p:strVal val="visible"/>
+                                      </p:to>
+                                    </p:set>
+                                    <p:animEffect transition="in" filter="fade">
+                                      <p:cBhvr>
+                                        <p:cTn id="37" dur="500"/>
+                                        <p:tgtEl>
+                                          <p:spTgt spid="3">
+                                            <p:txEl>
+                                              <p:pRg st="9" end="9"/>
+                                            </p:txEl>
+                                          </p:spTgt>
+                                        </p:tgtEl>
+                                      </p:cBhvr>
+                                    </p:animEffect>
+                                  </p:childTnLst>
+                                </p:cTn>
+                              </p:par>
+                              <p:par>
+                                <p:cTn id="38" presetID="10" presetClass="entr" presetSubtype="0" fill="hold" grpId="0" nodeType="withEffect">
+                                  <p:stCondLst>
+                                    <p:cond delay="0"/>
+                                  </p:stCondLst>
+                                  <p:childTnLst>
+                                    <p:set>
+                                      <p:cBhvr>
+                                        <p:cTn id="39" dur="1" fill="hold">
+                                          <p:stCondLst>
+                                            <p:cond delay="0"/>
+                                          </p:stCondLst>
+                                        </p:cTn>
+                                        <p:tgtEl>
+                                          <p:spTgt spid="3">
+                                            <p:txEl>
+                                              <p:pRg st="10" end="10"/>
+                                            </p:txEl>
+                                          </p:spTgt>
+                                        </p:tgtEl>
+                                        <p:attrNameLst>
+                                          <p:attrName>style.visibility</p:attrName>
+                                        </p:attrNameLst>
+                                      </p:cBhvr>
+                                      <p:to>
+                                        <p:strVal val="visible"/>
+                                      </p:to>
+                                    </p:set>
+                                    <p:animEffect transition="in" filter="fade">
+                                      <p:cBhvr>
+                                        <p:cTn id="40" dur="500"/>
+                                        <p:tgtEl>
+                                          <p:spTgt spid="3">
+                                            <p:txEl>
+                                              <p:pRg st="10" end="10"/>
+                                            </p:txEl>
+                                          </p:spTgt>
+                                        </p:tgtEl>
+                                      </p:cBhvr>
+                                    </p:animEffect>
+                                  </p:childTnLst>
+                                </p:cTn>
+                              </p:par>
+                            </p:childTnLst>
+                          </p:cTn>
+                        </p:par>
+                      </p:childTnLst>
+                    </p:cTn>
+                  </p:par>
+                </p:childTnLst>
+              </p:cTn>
+              <p:prevCondLst>
+                <p:cond evt="onPrev" delay="0">
+                  <p:tgtEl>
+                    <p:sldTgt/>
+                  </p:tgtEl>
+                </p:cond>
+              </p:prevCondLst>
+              <p:nextCondLst>
+                <p:cond evt="onNext" delay="0">
+                  <p:tgtEl>
+                    <p:sldTgt/>
+                  </p:tgtEl>
+                </p:cond>
+              </p:nextCondLst>
+            </p:seq>
+          </p:childTnLst>
+        </p:cTn>
+      </p:par>
+    </p:tnLst>
+    <p:bldLst>
+      <p:bldP spid="3" grpId="0" build="p"/>
+    </p:bldLst>
+  </p:timing>
+</p:sld>
+</file>
+
+<file path=ppt/slides/slide23.xml><?xml version="1.0" encoding="utf-8"?>
+<p:sld xmlns:a="http://schemas.openxmlformats.org/drawingml/2006/main" xmlns:r="http://schemas.openxmlformats.org/officeDocument/2006/relationships" xmlns:p="http://schemas.openxmlformats.org/presentationml/2006/main">
+  <p:cSld>
     <p:bg>
       <p:bgPr>
         <a:solidFill>
@@ -29217,7 +31639,39 @@
                   <a:schemeClr val="bg1"/>
                 </a:solidFill>
               </a:rPr>
-              <a:t>Demo: Reproduciendo contenido en múltiples plataformas</a:t>
+              <a:t>Demo: Usando </a:t>
+            </a:r>
+            <a:r>
+              <a:rPr lang="es-AR" dirty="0" err="1" smtClean="0">
+                <a:solidFill>
+                  <a:schemeClr val="bg1"/>
+                </a:solidFill>
+              </a:rPr>
+              <a:t>dynamic</a:t>
+            </a:r>
+            <a:r>
+              <a:rPr lang="es-AR" dirty="0" smtClean="0">
+                <a:solidFill>
+                  <a:schemeClr val="bg1"/>
+                </a:solidFill>
+              </a:rPr>
+              <a:t> Packaging desde C# y reproduciendo el contenido en </a:t>
+            </a:r>
+            <a:r>
+              <a:rPr lang="es-AR" dirty="0" err="1" smtClean="0">
+                <a:solidFill>
+                  <a:schemeClr val="bg1"/>
+                </a:solidFill>
+              </a:rPr>
+              <a:t>multiples</a:t>
+            </a:r>
+            <a:r>
+              <a:rPr lang="es-AR" dirty="0" smtClean="0">
+                <a:solidFill>
+                  <a:schemeClr val="bg1"/>
+                </a:solidFill>
+              </a:rPr>
+              <a:t> plataformas.</a:t>
             </a:r>
             <a:endParaRPr lang="es-AR" dirty="0">
               <a:solidFill>
@@ -29255,7 +31709,7 @@
                   <a:schemeClr val="bg1"/>
                 </a:solidFill>
               </a:rPr>
-              <a:t>Players</a:t>
+              <a:t>Dynamic Packaging y Players</a:t>
             </a:r>
             <a:endParaRPr lang="en-US" sz="4400" dirty="0">
               <a:solidFill>
@@ -29267,7 +31721,7 @@
       </p:sp>
       <p:pic>
         <p:nvPicPr>
-          <p:cNvPr id="4" name="Picture 3"/>
+          <p:cNvPr id="16" name="Picture 15"/>
           <p:cNvPicPr>
             <a:picLocks noChangeAspect="1"/>
           </p:cNvPicPr>
@@ -29298,7 +31752,7 @@
     </p:spTree>
     <p:extLst>
       <p:ext uri="{BB962C8B-B14F-4D97-AF65-F5344CB8AC3E}">
-        <p14:creationId xmlns:p14="http://schemas.microsoft.com/office/powerpoint/2010/main" val="1813580962"/>
+        <p14:creationId xmlns:p14="http://schemas.microsoft.com/office/powerpoint/2010/main" val="2102439596"/>
       </p:ext>
     </p:extLst>
   </p:cSld>
@@ -29323,7 +31777,7 @@
 </p:sld>
 </file>
 
-<file path=ppt/slides/slide21.xml><?xml version="1.0" encoding="utf-8"?>
+<file path=ppt/slides/slide24.xml><?xml version="1.0" encoding="utf-8"?>
 <p:sld xmlns:a="http://schemas.openxmlformats.org/drawingml/2006/main" xmlns:r="http://schemas.openxmlformats.org/officeDocument/2006/relationships" xmlns:p="http://schemas.openxmlformats.org/presentationml/2006/main">
   <p:cSld>
     <p:bg>
@@ -30924,7 +33378,7 @@
         </p:nvSpPr>
         <p:spPr>
           <a:xfrm>
-            <a:off x="3542944" y="3775940"/>
+            <a:off x="3618100" y="3725836"/>
             <a:ext cx="1159100" cy="715452"/>
           </a:xfrm>
           <a:prstGeom prst="rect">
@@ -31167,7 +33621,7 @@
         </p:nvSpPr>
         <p:spPr>
           <a:xfrm>
-            <a:off x="7233420" y="3816695"/>
+            <a:off x="7333628" y="3716487"/>
             <a:ext cx="1072538" cy="715452"/>
           </a:xfrm>
           <a:prstGeom prst="rect">
@@ -31716,7 +34170,7 @@
         </p:nvSpPr>
         <p:spPr>
           <a:xfrm>
-            <a:off x="5564733" y="5104192"/>
+            <a:off x="5636680" y="5161820"/>
             <a:ext cx="1157496" cy="715452"/>
           </a:xfrm>
           <a:prstGeom prst="rect">
@@ -33837,7 +36291,7 @@
         </p:nvSpPr>
         <p:spPr bwMode="auto">
           <a:xfrm rot="5400000">
-            <a:off x="4930107" y="1865023"/>
+            <a:off x="5072738" y="1865023"/>
             <a:ext cx="1798003" cy="1832697"/>
           </a:xfrm>
           <a:prstGeom prst="blockArc">
@@ -33968,7 +36422,7 @@
         </p:blipFill>
         <p:spPr bwMode="auto">
           <a:xfrm>
-            <a:off x="5392926" y="2433757"/>
+            <a:off x="5535557" y="2433757"/>
             <a:ext cx="740718" cy="740718"/>
           </a:xfrm>
           <a:prstGeom prst="rect">
@@ -34239,7 +36693,7 @@
         </p:nvSpPr>
         <p:spPr>
           <a:xfrm>
-            <a:off x="6846156" y="2345283"/>
+            <a:off x="6947410" y="2345283"/>
             <a:ext cx="1754904" cy="685444"/>
           </a:xfrm>
           <a:prstGeom prst="rect">
@@ -34889,7 +37343,7 @@
         </p:nvSpPr>
         <p:spPr>
           <a:xfrm>
-            <a:off x="6747328" y="2741468"/>
+            <a:off x="6848582" y="2741468"/>
             <a:ext cx="1891865" cy="507831"/>
           </a:xfrm>
           <a:prstGeom prst="rect">
@@ -34953,7 +37407,7 @@
         </p:blipFill>
         <p:spPr bwMode="auto">
           <a:xfrm>
-            <a:off x="8930927" y="2286390"/>
+            <a:off x="9032181" y="2286390"/>
             <a:ext cx="910154" cy="910154"/>
           </a:xfrm>
           <a:prstGeom prst="rect">
@@ -35019,7 +37473,7 @@
         </p:blipFill>
         <p:spPr bwMode="auto">
           <a:xfrm>
-            <a:off x="9225081" y="2433758"/>
+            <a:off x="9326335" y="2433758"/>
             <a:ext cx="320176" cy="320176"/>
           </a:xfrm>
           <a:prstGeom prst="rect">
@@ -35239,7 +37693,7 @@
         </p:blipFill>
         <p:spPr bwMode="auto">
           <a:xfrm>
-            <a:off x="9693667" y="2180791"/>
+            <a:off x="9794921" y="2180791"/>
             <a:ext cx="812186" cy="812186"/>
           </a:xfrm>
           <a:prstGeom prst="rect">
@@ -35289,7 +37743,7 @@
         </p:nvSpPr>
         <p:spPr>
           <a:xfrm>
-            <a:off x="9615233" y="2901835"/>
+            <a:off x="9716487" y="2901835"/>
             <a:ext cx="1132041" cy="300082"/>
           </a:xfrm>
           <a:prstGeom prst="rect">
@@ -35322,7 +37776,7 @@
         </p:nvCxnSpPr>
         <p:spPr>
           <a:xfrm>
-            <a:off x="6759174" y="3630710"/>
+            <a:off x="6860428" y="3630710"/>
             <a:ext cx="3669584" cy="0"/>
           </a:xfrm>
           <a:prstGeom prst="line">
@@ -35360,7 +37814,7 @@
         </p:nvSpPr>
         <p:spPr>
           <a:xfrm>
-            <a:off x="6697460" y="3353226"/>
+            <a:off x="6798714" y="3353226"/>
             <a:ext cx="2277931" cy="300082"/>
           </a:xfrm>
           <a:prstGeom prst="rect">
@@ -35399,7 +37853,7 @@
         </p:nvSpPr>
         <p:spPr>
           <a:xfrm>
-            <a:off x="7838434" y="3580837"/>
+            <a:off x="7939688" y="3580837"/>
             <a:ext cx="2710807" cy="369332"/>
           </a:xfrm>
           <a:prstGeom prst="rect">
@@ -39294,7 +41748,7 @@
           <a:p>
             <a:r>
               <a:rPr lang="es-AR" dirty="0" smtClean="0"/>
-              <a:t>Alcance - Reproductores</a:t>
+              <a:t>Alcance - Players</a:t>
             </a:r>
             <a:endParaRPr lang="es-AR" dirty="0"/>
           </a:p>
@@ -45683,7 +48137,7 @@
           <a:graphicData uri="http://schemas.openxmlformats.org/presentationml/2006/ole">
             <mc:AlternateContent xmlns:mc="http://schemas.openxmlformats.org/markup-compatibility/2006">
               <mc:Choice xmlns:v="urn:schemas-microsoft-com:vml" Requires="v">
-                <p:oleObj spid="_x0000_s1121" name="think-cell Slide" r:id="rId7" imgW="360" imgH="360" progId="">
+                <p:oleObj spid="_x0000_s1152" name="think-cell Slide" r:id="rId7" imgW="360" imgH="360" progId="">
                   <p:embed/>
                 </p:oleObj>
               </mc:Choice>

--- a/webcast.pptx
+++ b/webcast.pptx
@@ -5,10 +5,10 @@
     <p:sldMasterId id="2147483648" r:id="rId8"/>
   </p:sldMasterIdLst>
   <p:notesMasterIdLst>
-    <p:notesMasterId r:id="rId33"/>
+    <p:notesMasterId r:id="rId34"/>
   </p:notesMasterIdLst>
   <p:handoutMasterIdLst>
-    <p:handoutMasterId r:id="rId34"/>
+    <p:handoutMasterId r:id="rId35"/>
   </p:handoutMasterIdLst>
   <p:sldIdLst>
     <p:sldId id="256" r:id="rId9"/>
@@ -29,12 +29,13 @@
     <p:sldId id="295" r:id="rId24"/>
     <p:sldId id="296" r:id="rId25"/>
     <p:sldId id="303" r:id="rId26"/>
-    <p:sldId id="299" r:id="rId27"/>
-    <p:sldId id="300" r:id="rId28"/>
-    <p:sldId id="301" r:id="rId29"/>
-    <p:sldId id="302" r:id="rId30"/>
-    <p:sldId id="297" r:id="rId31"/>
-    <p:sldId id="292" r:id="rId32"/>
+    <p:sldId id="304" r:id="rId27"/>
+    <p:sldId id="299" r:id="rId28"/>
+    <p:sldId id="300" r:id="rId29"/>
+    <p:sldId id="301" r:id="rId30"/>
+    <p:sldId id="302" r:id="rId31"/>
+    <p:sldId id="297" r:id="rId32"/>
+    <p:sldId id="292" r:id="rId33"/>
   </p:sldIdLst>
   <p:sldSz cx="12192000" cy="6858000"/>
   <p:notesSz cx="6858000" cy="9144000"/>
@@ -935,7 +936,7 @@
                 </a:solidFill>
               </a:rPr>
               <a:pPr/>
-              <a:t>19</a:t>
+              <a:t>20</a:t>
             </a:fld>
             <a:endParaRPr lang="en-US" dirty="0">
               <a:solidFill>
@@ -1028,7 +1029,7 @@
                 </a:solidFill>
               </a:rPr>
               <a:pPr/>
-              <a:t>20</a:t>
+              <a:t>21</a:t>
             </a:fld>
             <a:endParaRPr lang="en-US" dirty="0">
               <a:solidFill>
@@ -1117,7 +1118,7 @@
             <a:fld id="{8B263312-38AA-4E1E-B2B5-0F8F122B24FE}" type="slidenum">
               <a:rPr lang="en-US" smtClean="0"/>
               <a:pPr/>
-              <a:t>21</a:t>
+              <a:t>22</a:t>
             </a:fld>
             <a:endParaRPr lang="en-US" dirty="0"/>
           </a:p>
@@ -1202,7 +1203,7 @@
             <a:fld id="{8B263312-38AA-4E1E-B2B5-0F8F122B24FE}" type="slidenum">
               <a:rPr lang="en-US" smtClean="0"/>
               <a:pPr/>
-              <a:t>22</a:t>
+              <a:t>23</a:t>
             </a:fld>
             <a:endParaRPr lang="en-US" dirty="0"/>
           </a:p>
@@ -5902,7 +5903,7 @@
           <a:graphicData uri="http://schemas.openxmlformats.org/presentationml/2006/ole">
             <mc:AlternateContent xmlns:mc="http://schemas.openxmlformats.org/markup-compatibility/2006">
               <mc:Choice xmlns:v="urn:schemas-microsoft-com:vml" Requires="v">
-                <p:oleObj spid="_x0000_s2178" name="think-cell Slide" r:id="rId9" imgW="360" imgH="360" progId="">
+                <p:oleObj spid="_x0000_s2189" name="think-cell Slide" r:id="rId9" imgW="360" imgH="360" progId="">
                   <p:embed/>
                 </p:oleObj>
               </mc:Choice>
@@ -8389,16 +8390,7 @@
                 </a:solidFill>
                 <a:latin typeface="+mj-lt"/>
               </a:rPr>
-              <a:t>Empaqueta Smooth</a:t>
-            </a:r>
-            <a:r>
-              <a:rPr lang="es-AR" sz="1500" b="1" dirty="0">
-                <a:solidFill>
-                  <a:schemeClr val="bg1"/>
-                </a:solidFill>
-                <a:latin typeface="+mj-lt"/>
-              </a:rPr>
-              <a:t> Streaming</a:t>
+              <a:t>Empaqueta Smooth Streaming</a:t>
             </a:r>
             <a:r>
               <a:rPr lang="es-AR" sz="1500" b="1" dirty="0">
@@ -8425,25 +8417,7 @@
                 </a:solidFill>
                 <a:latin typeface="+mj-lt"/>
               </a:rPr>
-              <a:t>(road </a:t>
-            </a:r>
-            <a:r>
-              <a:rPr lang="es-AR" sz="1500" b="1" dirty="0" err="1" smtClean="0">
-                <a:solidFill>
-                  <a:schemeClr val="bg1"/>
-                </a:solidFill>
-                <a:latin typeface="+mj-lt"/>
-              </a:rPr>
-              <a:t>map</a:t>
-            </a:r>
-            <a:r>
-              <a:rPr lang="es-AR" sz="1500" b="1" dirty="0" smtClean="0">
-                <a:solidFill>
-                  <a:schemeClr val="bg1"/>
-                </a:solidFill>
-                <a:latin typeface="+mj-lt"/>
-              </a:rPr>
-              <a:t>)</a:t>
+              <a:t>(road map)</a:t>
             </a:r>
             <a:endParaRPr lang="es-AR" sz="1500" b="1" dirty="0">
               <a:solidFill>
@@ -10722,7 +10696,7 @@
           <a:graphicData uri="http://schemas.openxmlformats.org/presentationml/2006/ole">
             <mc:AlternateContent xmlns:mc="http://schemas.openxmlformats.org/markup-compatibility/2006">
               <mc:Choice xmlns:v="urn:schemas-microsoft-com:vml" Requires="v">
-                <p:oleObj spid="_x0000_s3201" name="think-cell Slide" r:id="rId8" imgW="360" imgH="360" progId="">
+                <p:oleObj spid="_x0000_s3212" name="think-cell Slide" r:id="rId8" imgW="360" imgH="360" progId="">
                   <p:embed/>
                 </p:oleObj>
               </mc:Choice>
@@ -13540,16 +13514,7 @@
                 </a:solidFill>
                 <a:latin typeface="+mj-lt"/>
               </a:rPr>
-              <a:t>Smooth</a:t>
-            </a:r>
-            <a:r>
-              <a:rPr lang="es-AR" sz="1500" b="1" dirty="0">
-                <a:solidFill>
-                  <a:schemeClr val="bg1"/>
-                </a:solidFill>
-                <a:latin typeface="+mj-lt"/>
-              </a:rPr>
-              <a:t> Streaming o Apple HLS</a:t>
+              <a:t>Smooth Streaming o Apple HLS</a:t>
             </a:r>
           </a:p>
           <a:p>
@@ -14583,7 +14548,7 @@
           <a:graphicData uri="http://schemas.openxmlformats.org/presentationml/2006/ole">
             <mc:AlternateContent xmlns:mc="http://schemas.openxmlformats.org/markup-compatibility/2006">
               <mc:Choice xmlns:v="urn:schemas-microsoft-com:vml" Requires="v">
-                <p:oleObj spid="_x0000_s4224" name="think-cell Slide" r:id="rId11" imgW="360" imgH="360" progId="">
+                <p:oleObj spid="_x0000_s4235" name="think-cell Slide" r:id="rId11" imgW="360" imgH="360" progId="">
                   <p:embed/>
                 </p:oleObj>
               </mc:Choice>
@@ -17766,16 +17731,7 @@
                 </a:solidFill>
                 <a:latin typeface="+mj-lt"/>
               </a:rPr>
-              <a:t>) para MP4 y Smooth</a:t>
-            </a:r>
-            <a:r>
-              <a:rPr lang="es-AR" sz="1500" b="1" dirty="0">
-                <a:solidFill>
-                  <a:schemeClr val="bg1"/>
-                </a:solidFill>
-                <a:latin typeface="+mj-lt"/>
-              </a:rPr>
-              <a:t> Streaming </a:t>
+              <a:t>) para MP4 y Smooth Streaming </a:t>
             </a:r>
           </a:p>
           <a:p>
@@ -22386,19 +22342,7 @@
               <a:rPr lang="es-AR" dirty="0" smtClean="0">
                 <a:latin typeface="+mj-lt"/>
               </a:rPr>
-              <a:t>Formato de Entrada: Mp4 o </a:t>
-            </a:r>
-            <a:r>
-              <a:rPr lang="es-AR" dirty="0" err="1" smtClean="0">
-                <a:latin typeface="+mj-lt"/>
-              </a:rPr>
-              <a:t>Smooth</a:t>
-            </a:r>
-            <a:r>
-              <a:rPr lang="es-AR" dirty="0" smtClean="0">
-                <a:latin typeface="+mj-lt"/>
-              </a:rPr>
-              <a:t> Streaming </a:t>
+              <a:t>Formato de Entrada: Mp4 o Smooth Streaming </a:t>
             </a:r>
           </a:p>
           <a:p>
@@ -22406,19 +22350,7 @@
               <a:rPr lang="es-AR" dirty="0" smtClean="0">
                 <a:latin typeface="+mj-lt"/>
               </a:rPr>
-              <a:t>Formato de Salida: </a:t>
-            </a:r>
-            <a:r>
-              <a:rPr lang="es-AR" dirty="0" err="1" smtClean="0">
-                <a:latin typeface="+mj-lt"/>
-              </a:rPr>
-              <a:t>Smooth</a:t>
-            </a:r>
-            <a:r>
-              <a:rPr lang="es-AR" dirty="0" smtClean="0">
-                <a:latin typeface="+mj-lt"/>
-              </a:rPr>
-              <a:t> Streaming, Http-Live-Streaming v4 y MPEG-</a:t>
+              <a:t>Formato de Salida: Smooth Streaming, Http-Live-Streaming v4 y MPEG-</a:t>
             </a:r>
             <a:r>
               <a:rPr lang="es-AR" dirty="0" err="1" smtClean="0">
@@ -26000,10 +25932,942 @@
           </a:p>
         </p:txBody>
       </p:sp>
+      <p:pic>
+        <p:nvPicPr>
+          <p:cNvPr id="3" name="Picture 2"/>
+          <p:cNvPicPr>
+            <a:picLocks noChangeAspect="1"/>
+          </p:cNvPicPr>
+          <p:nvPr/>
+        </p:nvPicPr>
+        <p:blipFill rotWithShape="1">
+          <a:blip r:embed="rId2" cstate="print">
+            <a:extLst>
+              <a:ext uri="{28A0092B-C50C-407E-A947-70E740481C1C}">
+                <a14:useLocalDpi xmlns:a14="http://schemas.microsoft.com/office/drawing/2010/main" val="0"/>
+              </a:ext>
+            </a:extLst>
+          </a:blip>
+          <a:srcRect t="21576" b="31055"/>
+          <a:stretch/>
+        </p:blipFill>
+        <p:spPr>
+          <a:xfrm>
+            <a:off x="1747971" y="1941182"/>
+            <a:ext cx="2432270" cy="648072"/>
+          </a:xfrm>
+          <a:prstGeom prst="rect">
+            <a:avLst/>
+          </a:prstGeom>
+        </p:spPr>
+      </p:pic>
+      <p:pic>
+        <p:nvPicPr>
+          <p:cNvPr id="4" name="Picture 3"/>
+          <p:cNvPicPr>
+            <a:picLocks noChangeAspect="1"/>
+          </p:cNvPicPr>
+          <p:nvPr/>
+        </p:nvPicPr>
+        <p:blipFill>
+          <a:blip r:embed="rId3" cstate="print">
+            <a:extLst>
+              <a:ext uri="{28A0092B-C50C-407E-A947-70E740481C1C}">
+                <a14:useLocalDpi xmlns:a14="http://schemas.microsoft.com/office/drawing/2010/main" val="0"/>
+              </a:ext>
+            </a:extLst>
+          </a:blip>
+          <a:stretch>
+            <a:fillRect/>
+          </a:stretch>
+        </p:blipFill>
+        <p:spPr>
+          <a:xfrm>
+            <a:off x="5928212" y="1914848"/>
+            <a:ext cx="587560" cy="683920"/>
+          </a:xfrm>
+          <a:prstGeom prst="rect">
+            <a:avLst/>
+          </a:prstGeom>
+        </p:spPr>
+      </p:pic>
+      <p:pic>
+        <p:nvPicPr>
+          <p:cNvPr id="5" name="Picture 4"/>
+          <p:cNvPicPr>
+            <a:picLocks noChangeAspect="1"/>
+          </p:cNvPicPr>
+          <p:nvPr/>
+        </p:nvPicPr>
+        <p:blipFill rotWithShape="1">
+          <a:blip r:embed="rId4">
+            <a:extLst>
+              <a:ext uri="{28A0092B-C50C-407E-A947-70E740481C1C}">
+                <a14:useLocalDpi xmlns:a14="http://schemas.microsoft.com/office/drawing/2010/main" val="0"/>
+              </a:ext>
+            </a:extLst>
+          </a:blip>
+          <a:srcRect t="29452" b="30915"/>
+          <a:stretch/>
+        </p:blipFill>
+        <p:spPr>
+          <a:xfrm>
+            <a:off x="8263743" y="1941182"/>
+            <a:ext cx="2180285" cy="648072"/>
+          </a:xfrm>
+          <a:prstGeom prst="rect">
+            <a:avLst/>
+          </a:prstGeom>
+        </p:spPr>
+      </p:pic>
+      <p:sp>
+        <p:nvSpPr>
+          <p:cNvPr id="20" name="Rectangle 19"/>
+          <p:cNvSpPr/>
+          <p:nvPr/>
+        </p:nvSpPr>
+        <p:spPr>
+          <a:xfrm>
+            <a:off x="1987936" y="2598768"/>
+            <a:ext cx="1864934" cy="338554"/>
+          </a:xfrm>
+          <a:prstGeom prst="rect">
+            <a:avLst/>
+          </a:prstGeom>
+        </p:spPr>
+        <p:txBody>
+          <a:bodyPr wrap="none">
+            <a:spAutoFit/>
+          </a:bodyPr>
+          <a:lstStyle/>
+          <a:p>
+            <a:r>
+              <a:rPr lang="es-AR" sz="1600" dirty="0" smtClean="0"/>
+              <a:t>Smooth Streaming</a:t>
+            </a:r>
+          </a:p>
+        </p:txBody>
+      </p:sp>
+      <p:sp>
+        <p:nvSpPr>
+          <p:cNvPr id="21" name="Rectangle 20"/>
+          <p:cNvSpPr/>
+          <p:nvPr/>
+        </p:nvSpPr>
+        <p:spPr>
+          <a:xfrm>
+            <a:off x="5239639" y="2580256"/>
+            <a:ext cx="1964705" cy="338554"/>
+          </a:xfrm>
+          <a:prstGeom prst="rect">
+            <a:avLst/>
+          </a:prstGeom>
+        </p:spPr>
+        <p:txBody>
+          <a:bodyPr wrap="none">
+            <a:spAutoFit/>
+          </a:bodyPr>
+          <a:lstStyle/>
+          <a:p>
+            <a:r>
+              <a:rPr lang="es-AR" sz="1600" dirty="0" smtClean="0"/>
+              <a:t>Http Live Streaming</a:t>
+            </a:r>
+          </a:p>
+        </p:txBody>
+      </p:sp>
+      <p:sp>
+        <p:nvSpPr>
+          <p:cNvPr id="22" name="Rectangle 21"/>
+          <p:cNvSpPr/>
+          <p:nvPr/>
+        </p:nvSpPr>
+        <p:spPr>
+          <a:xfrm>
+            <a:off x="8154518" y="2598768"/>
+            <a:ext cx="2398734" cy="338554"/>
+          </a:xfrm>
+          <a:prstGeom prst="rect">
+            <a:avLst/>
+          </a:prstGeom>
+        </p:spPr>
+        <p:txBody>
+          <a:bodyPr wrap="none">
+            <a:spAutoFit/>
+          </a:bodyPr>
+          <a:lstStyle/>
+          <a:p>
+            <a:r>
+              <a:rPr lang="es-AR" sz="1600" dirty="0" smtClean="0"/>
+              <a:t>Http Dynamic Streaming</a:t>
+            </a:r>
+          </a:p>
+        </p:txBody>
+      </p:sp>
+      <p:sp>
+        <p:nvSpPr>
+          <p:cNvPr id="23" name="Rectangle 22"/>
+          <p:cNvSpPr/>
+          <p:nvPr/>
+        </p:nvSpPr>
+        <p:spPr>
+          <a:xfrm>
+            <a:off x="732142" y="3380794"/>
+            <a:ext cx="10808665" cy="461665"/>
+          </a:xfrm>
+          <a:prstGeom prst="rect">
+            <a:avLst/>
+          </a:prstGeom>
+        </p:spPr>
+        <p:txBody>
+          <a:bodyPr wrap="none">
+            <a:spAutoFit/>
+          </a:bodyPr>
+          <a:lstStyle/>
+          <a:p>
+            <a:r>
+              <a:rPr lang="es-AR" sz="2400" i="1" dirty="0" smtClean="0"/>
+              <a:t>Dynamic Adaptive Streaming over HTTP (DASH) también llamado MPEG-DASH </a:t>
+            </a:r>
+          </a:p>
+        </p:txBody>
+      </p:sp>
+      <p:sp>
+        <p:nvSpPr>
+          <p:cNvPr id="24" name="Rectangle 23"/>
+          <p:cNvSpPr/>
+          <p:nvPr/>
+        </p:nvSpPr>
+        <p:spPr>
+          <a:xfrm>
+            <a:off x="714574" y="4280055"/>
+            <a:ext cx="10905358" cy="830997"/>
+          </a:xfrm>
+          <a:prstGeom prst="rect">
+            <a:avLst/>
+          </a:prstGeom>
+        </p:spPr>
+        <p:txBody>
+          <a:bodyPr wrap="none">
+            <a:spAutoFit/>
+          </a:bodyPr>
+          <a:lstStyle/>
+          <a:p>
+            <a:r>
+              <a:rPr lang="es-AR" sz="2400" dirty="0" smtClean="0"/>
+              <a:t>MPEG-DASH es el primera solución de adaptive bit-</a:t>
+            </a:r>
+            <a:r>
+              <a:rPr lang="es-AR" sz="2400" dirty="0" err="1" smtClean="0"/>
+              <a:t>rate</a:t>
+            </a:r>
+            <a:r>
+              <a:rPr lang="es-AR" sz="2400" dirty="0" smtClean="0"/>
+              <a:t> streaming sobre HTTP </a:t>
+            </a:r>
+          </a:p>
+          <a:p>
+            <a:r>
+              <a:rPr lang="es-AR" sz="2400" dirty="0" smtClean="0"/>
+              <a:t>que </a:t>
+            </a:r>
+            <a:r>
+              <a:rPr lang="es-AR" sz="2400" dirty="0" smtClean="0">
+                <a:solidFill>
+                  <a:srgbClr val="00B0F0"/>
+                </a:solidFill>
+              </a:rPr>
+              <a:t>es un standard internacional (ISO/IEC 23009-1) </a:t>
+            </a:r>
+          </a:p>
+        </p:txBody>
+      </p:sp>
+      <p:pic>
+        <p:nvPicPr>
+          <p:cNvPr id="6" name="Picture 5"/>
+          <p:cNvPicPr>
+            <a:picLocks noChangeAspect="1"/>
+          </p:cNvPicPr>
+          <p:nvPr/>
+        </p:nvPicPr>
+        <p:blipFill>
+          <a:blip r:embed="rId5">
+            <a:extLst>
+              <a:ext uri="{28A0092B-C50C-407E-A947-70E740481C1C}">
+                <a14:useLocalDpi xmlns:a14="http://schemas.microsoft.com/office/drawing/2010/main" val="0"/>
+              </a:ext>
+            </a:extLst>
+          </a:blip>
+          <a:stretch>
+            <a:fillRect/>
+          </a:stretch>
+        </p:blipFill>
+        <p:spPr>
+          <a:xfrm>
+            <a:off x="5186363" y="5304302"/>
+            <a:ext cx="1819275" cy="581025"/>
+          </a:xfrm>
+          <a:prstGeom prst="rect">
+            <a:avLst/>
+          </a:prstGeom>
+        </p:spPr>
+      </p:pic>
+      <p:sp>
+        <p:nvSpPr>
+          <p:cNvPr id="7" name="Rectangle 6"/>
+          <p:cNvSpPr/>
+          <p:nvPr/>
+        </p:nvSpPr>
+        <p:spPr>
+          <a:xfrm>
+            <a:off x="5105339" y="5885327"/>
+            <a:ext cx="2233304" cy="369332"/>
+          </a:xfrm>
+          <a:prstGeom prst="rect">
+            <a:avLst/>
+          </a:prstGeom>
+        </p:spPr>
+        <p:txBody>
+          <a:bodyPr wrap="none">
+            <a:spAutoFit/>
+          </a:bodyPr>
+          <a:lstStyle/>
+          <a:p>
+            <a:r>
+              <a:rPr lang="en-US" dirty="0">
+                <a:hlinkClick r:id="rId6"/>
+              </a:rPr>
+              <a:t>http://dashpg.com</a:t>
+            </a:r>
+            <a:r>
+              <a:rPr lang="en-US" dirty="0" smtClean="0">
+                <a:hlinkClick r:id="rId6"/>
+              </a:rPr>
+              <a:t>/</a:t>
+            </a:r>
+            <a:endParaRPr lang="en-US" dirty="0"/>
+          </a:p>
+        </p:txBody>
+      </p:sp>
     </p:spTree>
     <p:extLst>
       <p:ext uri="{BB962C8B-B14F-4D97-AF65-F5344CB8AC3E}">
         <p14:creationId xmlns:p14="http://schemas.microsoft.com/office/powerpoint/2010/main" val="840763685"/>
+      </p:ext>
+    </p:extLst>
+  </p:cSld>
+  <p:clrMapOvr>
+    <a:masterClrMapping/>
+  </p:clrMapOvr>
+  <mc:AlternateContent xmlns:mc="http://schemas.openxmlformats.org/markup-compatibility/2006">
+    <mc:Choice xmlns:p14="http://schemas.microsoft.com/office/powerpoint/2010/main" Requires="p14">
+      <p:transition p14:dur="10"/>
+    </mc:Choice>
+    <mc:Fallback>
+      <p:transition/>
+    </mc:Fallback>
+  </mc:AlternateContent>
+  <p:timing>
+    <p:tnLst>
+      <p:par>
+        <p:cTn id="1" dur="indefinite" restart="never" nodeType="tmRoot"/>
+      </p:par>
+    </p:tnLst>
+  </p:timing>
+</p:sld>
+</file>
+
+<file path=ppt/slides/slide19.xml><?xml version="1.0" encoding="utf-8"?>
+<p:sld xmlns:a="http://schemas.openxmlformats.org/drawingml/2006/main" xmlns:r="http://schemas.openxmlformats.org/officeDocument/2006/relationships" xmlns:p="http://schemas.openxmlformats.org/presentationml/2006/main">
+  <p:cSld>
+    <p:spTree>
+      <p:nvGrpSpPr>
+        <p:cNvPr id="1" name=""/>
+        <p:cNvGrpSpPr/>
+        <p:nvPr/>
+      </p:nvGrpSpPr>
+      <p:grpSpPr>
+        <a:xfrm>
+          <a:off x="0" y="0"/>
+          <a:ext cx="0" cy="0"/>
+          <a:chOff x="0" y="0"/>
+          <a:chExt cx="0" cy="0"/>
+        </a:xfrm>
+      </p:grpSpPr>
+      <p:sp>
+        <p:nvSpPr>
+          <p:cNvPr id="2" name="Title 1"/>
+          <p:cNvSpPr>
+            <a:spLocks noGrp="1"/>
+          </p:cNvSpPr>
+          <p:nvPr>
+            <p:ph type="title"/>
+          </p:nvPr>
+        </p:nvSpPr>
+        <p:spPr/>
+        <p:txBody>
+          <a:bodyPr>
+            <a:normAutofit/>
+          </a:bodyPr>
+          <a:lstStyle/>
+          <a:p>
+            <a:r>
+              <a:rPr lang="es-AR" dirty="0" smtClean="0"/>
+              <a:t>¿Qué clientes soportan MPEG</a:t>
+            </a:r>
+            <a:r>
+              <a:rPr lang="en-US" dirty="0" smtClean="0"/>
+              <a:t>-DASH?</a:t>
+            </a:r>
+            <a:endParaRPr lang="es-AR" dirty="0"/>
+          </a:p>
+        </p:txBody>
+      </p:sp>
+      <p:pic>
+        <p:nvPicPr>
+          <p:cNvPr id="8" name="Picture 7"/>
+          <p:cNvPicPr>
+            <a:picLocks noChangeAspect="1"/>
+          </p:cNvPicPr>
+          <p:nvPr/>
+        </p:nvPicPr>
+        <p:blipFill rotWithShape="1">
+          <a:blip r:embed="rId2">
+            <a:extLst>
+              <a:ext uri="{28A0092B-C50C-407E-A947-70E740481C1C}">
+                <a14:useLocalDpi xmlns:a14="http://schemas.microsoft.com/office/drawing/2010/main" val="0"/>
+              </a:ext>
+            </a:extLst>
+          </a:blip>
+          <a:srcRect l="19308" t="11499" r="22695" b="19511"/>
+          <a:stretch/>
+        </p:blipFill>
+        <p:spPr>
+          <a:xfrm>
+            <a:off x="606424" y="1916832"/>
+            <a:ext cx="1656184" cy="1296144"/>
+          </a:xfrm>
+          <a:prstGeom prst="rect">
+            <a:avLst/>
+          </a:prstGeom>
+        </p:spPr>
+      </p:pic>
+      <p:sp>
+        <p:nvSpPr>
+          <p:cNvPr id="9" name="Rounded Rectangle 8"/>
+          <p:cNvSpPr/>
+          <p:nvPr/>
+        </p:nvSpPr>
+        <p:spPr>
+          <a:xfrm>
+            <a:off x="2215158" y="2132856"/>
+            <a:ext cx="1454474" cy="792088"/>
+          </a:xfrm>
+          <a:prstGeom prst="roundRect">
+            <a:avLst/>
+          </a:prstGeom>
+        </p:spPr>
+        <p:style>
+          <a:lnRef idx="2">
+            <a:schemeClr val="accent1"/>
+          </a:lnRef>
+          <a:fillRef idx="1">
+            <a:schemeClr val="lt1"/>
+          </a:fillRef>
+          <a:effectRef idx="0">
+            <a:schemeClr val="accent1"/>
+          </a:effectRef>
+          <a:fontRef idx="minor">
+            <a:schemeClr val="dk1"/>
+          </a:fontRef>
+        </p:style>
+        <p:txBody>
+          <a:bodyPr rtlCol="0" anchor="ctr"/>
+          <a:lstStyle/>
+          <a:p>
+            <a:pPr algn="ctr"/>
+            <a:r>
+              <a:rPr lang="en-US" sz="2400" dirty="0" smtClean="0">
+                <a:solidFill>
+                  <a:schemeClr val="accent1">
+                    <a:lumMod val="75000"/>
+                  </a:schemeClr>
+                </a:solidFill>
+              </a:rPr>
+              <a:t>&lt;video&gt;</a:t>
+            </a:r>
+            <a:endParaRPr lang="en-US" sz="2400" dirty="0">
+              <a:solidFill>
+                <a:schemeClr val="accent1">
+                  <a:lumMod val="75000"/>
+                </a:schemeClr>
+              </a:solidFill>
+            </a:endParaRPr>
+          </a:p>
+        </p:txBody>
+      </p:sp>
+      <p:cxnSp>
+        <p:nvCxnSpPr>
+          <p:cNvPr id="11" name="Straight Arrow Connector 10"/>
+          <p:cNvCxnSpPr/>
+          <p:nvPr/>
+        </p:nvCxnSpPr>
+        <p:spPr>
+          <a:xfrm>
+            <a:off x="3804270" y="2336354"/>
+            <a:ext cx="1296144" cy="0"/>
+          </a:xfrm>
+          <a:prstGeom prst="straightConnector1">
+            <a:avLst/>
+          </a:prstGeom>
+          <a:ln w="19050">
+            <a:solidFill>
+              <a:srgbClr val="00B0F0"/>
+            </a:solidFill>
+            <a:headEnd type="oval" w="lg" len="lg"/>
+            <a:tailEnd type="triangle" w="lg" len="lg"/>
+          </a:ln>
+        </p:spPr>
+        <p:style>
+          <a:lnRef idx="1">
+            <a:schemeClr val="accent1"/>
+          </a:lnRef>
+          <a:fillRef idx="0">
+            <a:schemeClr val="accent1"/>
+          </a:fillRef>
+          <a:effectRef idx="0">
+            <a:schemeClr val="accent1"/>
+          </a:effectRef>
+          <a:fontRef idx="minor">
+            <a:schemeClr val="tx1"/>
+          </a:fontRef>
+        </p:style>
+      </p:cxnSp>
+      <p:cxnSp>
+        <p:nvCxnSpPr>
+          <p:cNvPr id="18" name="Straight Arrow Connector 17"/>
+          <p:cNvCxnSpPr/>
+          <p:nvPr/>
+        </p:nvCxnSpPr>
+        <p:spPr>
+          <a:xfrm>
+            <a:off x="3804270" y="2768402"/>
+            <a:ext cx="1296144" cy="0"/>
+          </a:xfrm>
+          <a:prstGeom prst="straightConnector1">
+            <a:avLst/>
+          </a:prstGeom>
+          <a:ln w="19050">
+            <a:solidFill>
+              <a:srgbClr val="00B0F0"/>
+            </a:solidFill>
+            <a:headEnd type="oval" w="lg" len="lg"/>
+            <a:tailEnd type="triangle" w="lg" len="lg"/>
+          </a:ln>
+        </p:spPr>
+        <p:style>
+          <a:lnRef idx="1">
+            <a:schemeClr val="accent1"/>
+          </a:lnRef>
+          <a:fillRef idx="0">
+            <a:schemeClr val="accent1"/>
+          </a:fillRef>
+          <a:effectRef idx="0">
+            <a:schemeClr val="accent1"/>
+          </a:effectRef>
+          <a:fontRef idx="minor">
+            <a:schemeClr val="tx1"/>
+          </a:fontRef>
+        </p:style>
+      </p:cxnSp>
+      <p:sp>
+        <p:nvSpPr>
+          <p:cNvPr id="19" name="Rectangle 18"/>
+          <p:cNvSpPr/>
+          <p:nvPr/>
+        </p:nvSpPr>
+        <p:spPr>
+          <a:xfrm>
+            <a:off x="5058328" y="2124378"/>
+            <a:ext cx="7206140" cy="369332"/>
+          </a:xfrm>
+          <a:prstGeom prst="rect">
+            <a:avLst/>
+          </a:prstGeom>
+        </p:spPr>
+        <p:txBody>
+          <a:bodyPr wrap="none">
+            <a:spAutoFit/>
+          </a:bodyPr>
+          <a:lstStyle/>
+          <a:p>
+            <a:r>
+              <a:rPr lang="es-AR" dirty="0" smtClean="0">
+                <a:solidFill>
+                  <a:srgbClr val="00B0F0"/>
+                </a:solidFill>
+              </a:rPr>
+              <a:t>Media Source Extension (MSE) API</a:t>
+            </a:r>
+            <a:r>
+              <a:rPr lang="es-AR" dirty="0" smtClean="0"/>
+              <a:t>: Permite DASH adaptive streaming</a:t>
+            </a:r>
+          </a:p>
+        </p:txBody>
+      </p:sp>
+      <p:sp>
+        <p:nvSpPr>
+          <p:cNvPr id="25" name="Rectangle 24"/>
+          <p:cNvSpPr/>
+          <p:nvPr/>
+        </p:nvSpPr>
+        <p:spPr>
+          <a:xfrm>
+            <a:off x="5058328" y="2583735"/>
+            <a:ext cx="6985438" cy="369332"/>
+          </a:xfrm>
+          <a:prstGeom prst="rect">
+            <a:avLst/>
+          </a:prstGeom>
+        </p:spPr>
+        <p:txBody>
+          <a:bodyPr wrap="none">
+            <a:spAutoFit/>
+          </a:bodyPr>
+          <a:lstStyle/>
+          <a:p>
+            <a:r>
+              <a:rPr lang="es-AR" dirty="0" smtClean="0">
+                <a:solidFill>
+                  <a:srgbClr val="00B0F0"/>
+                </a:solidFill>
+              </a:rPr>
+              <a:t>Encrypted Media Extension (EME) API</a:t>
+            </a:r>
+            <a:r>
+              <a:rPr lang="es-AR" dirty="0" smtClean="0"/>
+              <a:t>: Adquisición de licencia DRM</a:t>
+            </a:r>
+          </a:p>
+        </p:txBody>
+      </p:sp>
+      <p:sp>
+        <p:nvSpPr>
+          <p:cNvPr id="12" name="Rectangle 11"/>
+          <p:cNvSpPr/>
+          <p:nvPr/>
+        </p:nvSpPr>
+        <p:spPr>
+          <a:xfrm>
+            <a:off x="606424" y="1461613"/>
+            <a:ext cx="3484031" cy="563231"/>
+          </a:xfrm>
+          <a:prstGeom prst="rect">
+            <a:avLst/>
+          </a:prstGeom>
+        </p:spPr>
+        <p:txBody>
+          <a:bodyPr wrap="none">
+            <a:spAutoFit/>
+          </a:bodyPr>
+          <a:lstStyle/>
+          <a:p>
+            <a:pPr marL="0" lvl="1" indent="0">
+              <a:lnSpc>
+                <a:spcPct val="85000"/>
+              </a:lnSpc>
+              <a:spcBef>
+                <a:spcPts val="900"/>
+              </a:spcBef>
+              <a:buNone/>
+            </a:pPr>
+            <a:r>
+              <a:rPr lang="es-AR" sz="3600" dirty="0" smtClean="0">
+                <a:solidFill>
+                  <a:schemeClr val="accent6"/>
+                </a:solidFill>
+                <a:latin typeface="Segoe UI Light" pitchFamily="34" charset="0"/>
+              </a:rPr>
+              <a:t>Browser (HTML5)</a:t>
+            </a:r>
+            <a:endParaRPr lang="es-AR" sz="3600" dirty="0"/>
+          </a:p>
+        </p:txBody>
+      </p:sp>
+      <p:sp>
+        <p:nvSpPr>
+          <p:cNvPr id="26" name="Rectangle 25"/>
+          <p:cNvSpPr/>
+          <p:nvPr/>
+        </p:nvSpPr>
+        <p:spPr>
+          <a:xfrm>
+            <a:off x="660406" y="3445101"/>
+            <a:ext cx="7583871" cy="369332"/>
+          </a:xfrm>
+          <a:prstGeom prst="rect">
+            <a:avLst/>
+          </a:prstGeom>
+        </p:spPr>
+        <p:txBody>
+          <a:bodyPr wrap="none">
+            <a:spAutoFit/>
+          </a:bodyPr>
+          <a:lstStyle/>
+          <a:p>
+            <a:r>
+              <a:rPr lang="es-AR" dirty="0" smtClean="0">
+                <a:hlinkClick r:id="rId3"/>
+              </a:rPr>
+              <a:t>DASH.JS</a:t>
+            </a:r>
+            <a:r>
+              <a:rPr lang="es-AR" dirty="0" smtClean="0"/>
+              <a:t>: Una librería JavaScript que permite reproducir DASH vía HTML5</a:t>
+            </a:r>
+          </a:p>
+        </p:txBody>
+      </p:sp>
+      <p:sp>
+        <p:nvSpPr>
+          <p:cNvPr id="27" name="Rectangle 26"/>
+          <p:cNvSpPr/>
+          <p:nvPr/>
+        </p:nvSpPr>
+        <p:spPr>
+          <a:xfrm>
+            <a:off x="669054" y="4005064"/>
+            <a:ext cx="3908634" cy="563231"/>
+          </a:xfrm>
+          <a:prstGeom prst="rect">
+            <a:avLst/>
+          </a:prstGeom>
+        </p:spPr>
+        <p:txBody>
+          <a:bodyPr wrap="none">
+            <a:spAutoFit/>
+          </a:bodyPr>
+          <a:lstStyle/>
+          <a:p>
+            <a:pPr marL="0" lvl="1" indent="0">
+              <a:lnSpc>
+                <a:spcPct val="85000"/>
+              </a:lnSpc>
+              <a:spcBef>
+                <a:spcPts val="900"/>
+              </a:spcBef>
+              <a:buNone/>
+            </a:pPr>
+            <a:r>
+              <a:rPr lang="es-AR" sz="3600" dirty="0" smtClean="0">
+                <a:solidFill>
+                  <a:schemeClr val="accent6"/>
+                </a:solidFill>
+                <a:latin typeface="Segoe UI Light" pitchFamily="34" charset="0"/>
+              </a:rPr>
+              <a:t>Windows 8 y DASH</a:t>
+            </a:r>
+            <a:endParaRPr lang="es-AR" sz="3600" dirty="0"/>
+          </a:p>
+        </p:txBody>
+      </p:sp>
+      <p:sp>
+        <p:nvSpPr>
+          <p:cNvPr id="28" name="Rectangle 27"/>
+          <p:cNvSpPr/>
+          <p:nvPr/>
+        </p:nvSpPr>
+        <p:spPr>
+          <a:xfrm>
+            <a:off x="727030" y="5302247"/>
+            <a:ext cx="5368970" cy="563231"/>
+          </a:xfrm>
+          <a:prstGeom prst="rect">
+            <a:avLst/>
+          </a:prstGeom>
+        </p:spPr>
+        <p:txBody>
+          <a:bodyPr wrap="none">
+            <a:spAutoFit/>
+          </a:bodyPr>
+          <a:lstStyle/>
+          <a:p>
+            <a:pPr marL="0" lvl="1" indent="0">
+              <a:lnSpc>
+                <a:spcPct val="85000"/>
+              </a:lnSpc>
+              <a:spcBef>
+                <a:spcPts val="900"/>
+              </a:spcBef>
+              <a:buNone/>
+            </a:pPr>
+            <a:r>
+              <a:rPr lang="es-AR" sz="3600" dirty="0" smtClean="0">
+                <a:solidFill>
+                  <a:schemeClr val="accent6"/>
+                </a:solidFill>
+                <a:latin typeface="Segoe UI Light" pitchFamily="34" charset="0"/>
+              </a:rPr>
+              <a:t>Flash OSMF Plugin y DASH</a:t>
+            </a:r>
+            <a:endParaRPr lang="es-AR" sz="3600" dirty="0"/>
+          </a:p>
+        </p:txBody>
+      </p:sp>
+      <p:sp>
+        <p:nvSpPr>
+          <p:cNvPr id="29" name="Rectangle 28"/>
+          <p:cNvSpPr/>
+          <p:nvPr/>
+        </p:nvSpPr>
+        <p:spPr>
+          <a:xfrm>
+            <a:off x="760884" y="4576138"/>
+            <a:ext cx="6963894" cy="369332"/>
+          </a:xfrm>
+          <a:prstGeom prst="rect">
+            <a:avLst/>
+          </a:prstGeom>
+        </p:spPr>
+        <p:txBody>
+          <a:bodyPr wrap="none">
+            <a:spAutoFit/>
+          </a:bodyPr>
+          <a:lstStyle/>
+          <a:p>
+            <a:r>
+              <a:rPr lang="es-AR" dirty="0" smtClean="0"/>
+              <a:t>Microsoft Player Framework: </a:t>
+            </a:r>
+            <a:r>
+              <a:rPr lang="es-AR" dirty="0" smtClean="0">
+                <a:hlinkClick r:id="rId4"/>
+              </a:rPr>
+              <a:t>http://playerframework.codeplex.com</a:t>
+            </a:r>
+            <a:r>
+              <a:rPr lang="es-AR" dirty="0" smtClean="0"/>
+              <a:t> </a:t>
+            </a:r>
+          </a:p>
+        </p:txBody>
+      </p:sp>
+      <p:sp>
+        <p:nvSpPr>
+          <p:cNvPr id="30" name="Rectangle 29"/>
+          <p:cNvSpPr/>
+          <p:nvPr/>
+        </p:nvSpPr>
+        <p:spPr>
+          <a:xfrm>
+            <a:off x="767408" y="5861549"/>
+            <a:ext cx="1712713" cy="369332"/>
+          </a:xfrm>
+          <a:prstGeom prst="rect">
+            <a:avLst/>
+          </a:prstGeom>
+        </p:spPr>
+        <p:txBody>
+          <a:bodyPr wrap="none">
+            <a:spAutoFit/>
+          </a:bodyPr>
+          <a:lstStyle/>
+          <a:p>
+            <a:r>
+              <a:rPr lang="es-AR" dirty="0" err="1" smtClean="0"/>
+              <a:t>Proximamente</a:t>
+            </a:r>
+            <a:r>
+              <a:rPr lang="es-AR" dirty="0" smtClean="0"/>
+              <a:t>!</a:t>
+            </a:r>
+          </a:p>
+        </p:txBody>
+      </p:sp>
+    </p:spTree>
+    <p:extLst>
+      <p:ext uri="{BB962C8B-B14F-4D97-AF65-F5344CB8AC3E}">
+        <p14:creationId xmlns:p14="http://schemas.microsoft.com/office/powerpoint/2010/main" val="2342960708"/>
+      </p:ext>
+    </p:extLst>
+  </p:cSld>
+  <p:clrMapOvr>
+    <a:masterClrMapping/>
+  </p:clrMapOvr>
+  <mc:AlternateContent xmlns:mc="http://schemas.openxmlformats.org/markup-compatibility/2006">
+    <mc:Choice xmlns:p14="http://schemas.microsoft.com/office/powerpoint/2010/main" Requires="p14">
+      <p:transition p14:dur="10"/>
+    </mc:Choice>
+    <mc:Fallback>
+      <p:transition/>
+    </mc:Fallback>
+  </mc:AlternateContent>
+  <p:timing>
+    <p:tnLst>
+      <p:par>
+        <p:cTn id="1" dur="indefinite" restart="never" nodeType="tmRoot"/>
+      </p:par>
+    </p:tnLst>
+  </p:timing>
+</p:sld>
+</file>
+
+<file path=ppt/slides/slide2.xml><?xml version="1.0" encoding="utf-8"?>
+<p:sld xmlns:a="http://schemas.openxmlformats.org/drawingml/2006/main" xmlns:r="http://schemas.openxmlformats.org/officeDocument/2006/relationships" xmlns:p="http://schemas.openxmlformats.org/presentationml/2006/main">
+  <p:cSld>
+    <p:spTree>
+      <p:nvGrpSpPr>
+        <p:cNvPr id="1" name=""/>
+        <p:cNvGrpSpPr/>
+        <p:nvPr/>
+      </p:nvGrpSpPr>
+      <p:grpSpPr>
+        <a:xfrm>
+          <a:off x="0" y="0"/>
+          <a:ext cx="0" cy="0"/>
+          <a:chOff x="0" y="0"/>
+          <a:chExt cx="0" cy="0"/>
+        </a:xfrm>
+      </p:grpSpPr>
+      <p:sp>
+        <p:nvSpPr>
+          <p:cNvPr id="2" name="Title 1"/>
+          <p:cNvSpPr>
+            <a:spLocks noGrp="1"/>
+          </p:cNvSpPr>
+          <p:nvPr>
+            <p:ph type="title"/>
+          </p:nvPr>
+        </p:nvSpPr>
+        <p:spPr>
+          <a:xfrm>
+            <a:off x="839416" y="2857500"/>
+            <a:ext cx="10513168" cy="1143000"/>
+          </a:xfrm>
+        </p:spPr>
+        <p:txBody>
+          <a:bodyPr>
+            <a:noAutofit/>
+          </a:bodyPr>
+          <a:lstStyle/>
+          <a:p>
+            <a:r>
+              <a:rPr lang="en-US" dirty="0" smtClean="0"/>
+              <a:t>http://</a:t>
+            </a:r>
+            <a:r>
+              <a:rPr lang="en-US" sz="5400" dirty="0" smtClean="0"/>
+              <a:t>blogs.southworks.net/about-us</a:t>
+            </a:r>
+            <a:endParaRPr lang="es-AR" dirty="0"/>
+          </a:p>
+        </p:txBody>
+      </p:sp>
+    </p:spTree>
+    <p:extLst>
+      <p:ext uri="{BB962C8B-B14F-4D97-AF65-F5344CB8AC3E}">
+        <p14:creationId xmlns:p14="http://schemas.microsoft.com/office/powerpoint/2010/main" val="2565305341"/>
       </p:ext>
     </p:extLst>
   </p:cSld>
@@ -26028,7 +26892,7 @@
 </p:sld>
 </file>
 
-<file path=ppt/slides/slide19.xml><?xml version="1.0" encoding="utf-8"?>
+<file path=ppt/slides/slide20.xml><?xml version="1.0" encoding="utf-8"?>
 <p:sld xmlns:a="http://schemas.openxmlformats.org/drawingml/2006/main" xmlns:r="http://schemas.openxmlformats.org/officeDocument/2006/relationships" xmlns:p="http://schemas.openxmlformats.org/presentationml/2006/main">
   <p:cSld>
     <p:spTree>
@@ -27232,21 +28096,7 @@
                   <a:latin typeface="Segoe UI" pitchFamily="34" charset="0"/>
                   <a:cs typeface="Segoe UI" pitchFamily="34" charset="0"/>
                 </a:rPr>
-                <a:t>Construido en base a las capacidades del </a:t>
-              </a:r>
-              <a:r>
-                <a:rPr lang="es-AR" sz="2400" dirty="0" err="1" smtClean="0">
-                  <a:latin typeface="Segoe UI" pitchFamily="34" charset="0"/>
-                  <a:cs typeface="Segoe UI" pitchFamily="34" charset="0"/>
-                </a:rPr>
-                <a:t>Smooth</a:t>
-              </a:r>
-              <a:r>
-                <a:rPr lang="es-AR" sz="2400" dirty="0" smtClean="0">
-                  <a:latin typeface="Segoe UI" pitchFamily="34" charset="0"/>
-                  <a:cs typeface="Segoe UI" pitchFamily="34" charset="0"/>
-                </a:rPr>
-                <a:t> Streaming </a:t>
+                <a:t>Construido en base a las capacidades del Smooth Streaming </a:t>
               </a:r>
               <a:r>
                 <a:rPr lang="es-AR" sz="2400" dirty="0" err="1" smtClean="0">
@@ -27572,21 +28422,7 @@
                   <a:latin typeface="Segoe UI" pitchFamily="34" charset="0"/>
                   <a:cs typeface="Segoe UI" pitchFamily="34" charset="0"/>
                 </a:rPr>
-                <a:t>Arquitectura a base de </a:t>
-              </a:r>
-              <a:r>
-                <a:rPr lang="es-AR" sz="2400" dirty="0" err="1" smtClean="0">
-                  <a:latin typeface="Segoe UI" pitchFamily="34" charset="0"/>
-                  <a:cs typeface="Segoe UI" pitchFamily="34" charset="0"/>
-                </a:rPr>
-                <a:t>plugins</a:t>
-              </a:r>
-              <a:r>
-                <a:rPr lang="es-AR" sz="2400" dirty="0" smtClean="0">
-                  <a:latin typeface="Segoe UI" pitchFamily="34" charset="0"/>
-                  <a:cs typeface="Segoe UI" pitchFamily="34" charset="0"/>
-                </a:rPr>
-                <a:t> – Importas solo lo que necesitas usar </a:t>
+                <a:t>Arquitectura a base de plugins – Importas solo lo que necesitas usar </a:t>
               </a:r>
             </a:p>
           </p:txBody>
@@ -27699,86 +28535,7 @@
 </p:sld>
 </file>
 
-<file path=ppt/slides/slide2.xml><?xml version="1.0" encoding="utf-8"?>
-<p:sld xmlns:a="http://schemas.openxmlformats.org/drawingml/2006/main" xmlns:r="http://schemas.openxmlformats.org/officeDocument/2006/relationships" xmlns:p="http://schemas.openxmlformats.org/presentationml/2006/main">
-  <p:cSld>
-    <p:spTree>
-      <p:nvGrpSpPr>
-        <p:cNvPr id="1" name=""/>
-        <p:cNvGrpSpPr/>
-        <p:nvPr/>
-      </p:nvGrpSpPr>
-      <p:grpSpPr>
-        <a:xfrm>
-          <a:off x="0" y="0"/>
-          <a:ext cx="0" cy="0"/>
-          <a:chOff x="0" y="0"/>
-          <a:chExt cx="0" cy="0"/>
-        </a:xfrm>
-      </p:grpSpPr>
-      <p:sp>
-        <p:nvSpPr>
-          <p:cNvPr id="2" name="Title 1"/>
-          <p:cNvSpPr>
-            <a:spLocks noGrp="1"/>
-          </p:cNvSpPr>
-          <p:nvPr>
-            <p:ph type="title"/>
-          </p:nvPr>
-        </p:nvSpPr>
-        <p:spPr>
-          <a:xfrm>
-            <a:off x="839416" y="2857500"/>
-            <a:ext cx="10513168" cy="1143000"/>
-          </a:xfrm>
-        </p:spPr>
-        <p:txBody>
-          <a:bodyPr>
-            <a:noAutofit/>
-          </a:bodyPr>
-          <a:lstStyle/>
-          <a:p>
-            <a:r>
-              <a:rPr lang="en-US" dirty="0" smtClean="0"/>
-              <a:t>http://</a:t>
-            </a:r>
-            <a:r>
-              <a:rPr lang="en-US" sz="5400" dirty="0" smtClean="0"/>
-              <a:t>blogs.southworks.net/about-us</a:t>
-            </a:r>
-            <a:endParaRPr lang="es-AR" dirty="0"/>
-          </a:p>
-        </p:txBody>
-      </p:sp>
-    </p:spTree>
-    <p:extLst>
-      <p:ext uri="{BB962C8B-B14F-4D97-AF65-F5344CB8AC3E}">
-        <p14:creationId xmlns:p14="http://schemas.microsoft.com/office/powerpoint/2010/main" val="2565305341"/>
-      </p:ext>
-    </p:extLst>
-  </p:cSld>
-  <p:clrMapOvr>
-    <a:masterClrMapping/>
-  </p:clrMapOvr>
-  <mc:AlternateContent xmlns:mc="http://schemas.openxmlformats.org/markup-compatibility/2006">
-    <mc:Choice xmlns:p14="http://schemas.microsoft.com/office/powerpoint/2010/main" Requires="p14">
-      <p:transition p14:dur="0"/>
-    </mc:Choice>
-    <mc:Fallback>
-      <p:transition/>
-    </mc:Fallback>
-  </mc:AlternateContent>
-  <p:timing>
-    <p:tnLst>
-      <p:par>
-        <p:cTn id="1" dur="indefinite" restart="never" nodeType="tmRoot"/>
-      </p:par>
-    </p:tnLst>
-  </p:timing>
-</p:sld>
-</file>
-
-<file path=ppt/slides/slide20.xml><?xml version="1.0" encoding="utf-8"?>
+<file path=ppt/slides/slide21.xml><?xml version="1.0" encoding="utf-8"?>
 <p:sld xmlns:a="http://schemas.openxmlformats.org/drawingml/2006/main" xmlns:r="http://schemas.openxmlformats.org/officeDocument/2006/relationships" xmlns:p="http://schemas.openxmlformats.org/presentationml/2006/main">
   <p:cSld>
     <p:spTree>
@@ -29694,7 +30451,7 @@
 </p:sld>
 </file>
 
-<file path=ppt/slides/slide21.xml><?xml version="1.0" encoding="utf-8"?>
+<file path=ppt/slides/slide22.xml><?xml version="1.0" encoding="utf-8"?>
 <p:sld xmlns:a="http://schemas.openxmlformats.org/drawingml/2006/main" xmlns:r="http://schemas.openxmlformats.org/officeDocument/2006/relationships" xmlns:p="http://schemas.openxmlformats.org/presentationml/2006/main">
   <p:cSld>
     <p:spTree>
@@ -30013,15 +30770,7 @@
             </a:pPr>
             <a:r>
               <a:rPr lang="es-AR" sz="2000" dirty="0"/>
-              <a:t>Players existentes pueden ser migrados y de esa manera utilizar el plugin de </a:t>
-            </a:r>
-            <a:r>
-              <a:rPr lang="es-AR" sz="2000" dirty="0" err="1"/>
-              <a:t>Smooth</a:t>
-            </a:r>
-            <a:r>
-              <a:rPr lang="es-AR" sz="2000" dirty="0"/>
-              <a:t> Streaming (pueden </a:t>
+              <a:t>Players existentes pueden ser migrados y de esa manera utilizar el plugin de Smooth Streaming (pueden </a:t>
             </a:r>
             <a:r>
               <a:rPr lang="es-AR" sz="2000" dirty="0" smtClean="0"/>
@@ -30148,23 +30897,7 @@
                   <a:schemeClr val="tx1"/>
                 </a:solidFill>
               </a:rPr>
-              <a:t> </a:t>
-            </a:r>
-            <a:r>
-              <a:rPr lang="es-AR" sz="2000" dirty="0" err="1" smtClean="0">
-                <a:solidFill>
-                  <a:schemeClr val="tx1"/>
-                </a:solidFill>
-              </a:rPr>
-              <a:t>Plugins</a:t>
-            </a:r>
-            <a:r>
-              <a:rPr lang="es-AR" sz="2000" dirty="0" smtClean="0">
-                <a:solidFill>
-                  <a:schemeClr val="tx1"/>
-                </a:solidFill>
-              </a:rPr>
-              <a:t> </a:t>
+              <a:t> Plugins </a:t>
             </a:r>
           </a:p>
           <a:p>
@@ -30480,15 +31213,7 @@
             </a:pPr>
             <a:r>
               <a:rPr lang="es-AR" sz="2000" dirty="0" smtClean="0"/>
-              <a:t>Ejemplo: Flash player para </a:t>
-            </a:r>
-            <a:r>
-              <a:rPr lang="es-AR" sz="2000" dirty="0" err="1" smtClean="0"/>
-              <a:t>Smooth</a:t>
-            </a:r>
-            <a:r>
-              <a:rPr lang="es-AR" sz="2000" dirty="0" smtClean="0"/>
-              <a:t> Streaming</a:t>
+              <a:t>Ejemplo: Flash player para Smooth Streaming</a:t>
             </a:r>
           </a:p>
           <a:p>
@@ -30533,7 +31258,7 @@
 </p:sld>
 </file>
 
-<file path=ppt/slides/slide22.xml><?xml version="1.0" encoding="utf-8"?>
+<file path=ppt/slides/slide23.xml><?xml version="1.0" encoding="utf-8"?>
 <p:sld xmlns:a="http://schemas.openxmlformats.org/drawingml/2006/main" xmlns:r="http://schemas.openxmlformats.org/officeDocument/2006/relationships" xmlns:p="http://schemas.openxmlformats.org/presentationml/2006/main">
   <p:cSld>
     <p:spTree>
@@ -31590,7 +32315,7 @@
 </p:sld>
 </file>
 
-<file path=ppt/slides/slide23.xml><?xml version="1.0" encoding="utf-8"?>
+<file path=ppt/slides/slide24.xml><?xml version="1.0" encoding="utf-8"?>
 <p:sld xmlns:a="http://schemas.openxmlformats.org/drawingml/2006/main" xmlns:r="http://schemas.openxmlformats.org/officeDocument/2006/relationships" xmlns:p="http://schemas.openxmlformats.org/presentationml/2006/main">
   <p:cSld>
     <p:bg>
@@ -31777,7 +32502,7 @@
 </p:sld>
 </file>
 
-<file path=ppt/slides/slide24.xml><?xml version="1.0" encoding="utf-8"?>
+<file path=ppt/slides/slide25.xml><?xml version="1.0" encoding="utf-8"?>
 <p:sld xmlns:a="http://schemas.openxmlformats.org/drawingml/2006/main" xmlns:r="http://schemas.openxmlformats.org/officeDocument/2006/relationships" xmlns:p="http://schemas.openxmlformats.org/presentationml/2006/main">
   <p:cSld>
     <p:bg>
@@ -34587,23 +35312,7 @@
                   <a:srgbClr val="00B0F0"/>
                 </a:solidFill>
               </a:rPr>
-              <a:t>*</a:t>
-            </a:r>
-            <a:r>
-              <a:rPr lang="es-AR" sz="1051" dirty="0" err="1">
-                <a:solidFill>
-                  <a:srgbClr val="00B0F0"/>
-                </a:solidFill>
-              </a:rPr>
-              <a:t>Source</a:t>
-            </a:r>
-            <a:r>
-              <a:rPr lang="es-AR" sz="1051" dirty="0">
-                <a:solidFill>
-                  <a:srgbClr val="00B0F0"/>
-                </a:solidFill>
-              </a:rPr>
-              <a:t>: Cisco, </a:t>
+              <a:t>*Source: Cisco, </a:t>
             </a:r>
             <a:r>
               <a:rPr lang="es-AR" sz="1051" dirty="0" err="1">
@@ -43435,11 +44144,7 @@
           <a:p>
             <a:r>
               <a:rPr lang="es-AR" dirty="0" smtClean="0"/>
-              <a:t>Soporte para MPEG-DASH esta en el road </a:t>
-            </a:r>
-            <a:r>
-              <a:rPr lang="es-AR" dirty="0" err="1" smtClean="0"/>
-              <a:t>map</a:t>
+              <a:t>Soporte para MPEG-DASH esta en el road map</a:t>
             </a:r>
             <a:endParaRPr lang="es-AR" dirty="0"/>
           </a:p>
@@ -48137,7 +48842,7 @@
           <a:graphicData uri="http://schemas.openxmlformats.org/presentationml/2006/ole">
             <mc:AlternateContent xmlns:mc="http://schemas.openxmlformats.org/markup-compatibility/2006">
               <mc:Choice xmlns:v="urn:schemas-microsoft-com:vml" Requires="v">
-                <p:oleObj spid="_x0000_s1152" name="think-cell Slide" r:id="rId7" imgW="360" imgH="360" progId="">
+                <p:oleObj spid="_x0000_s1163" name="think-cell Slide" r:id="rId7" imgW="360" imgH="360" progId="">
                   <p:embed/>
                 </p:oleObj>
               </mc:Choice>
